--- a/paper/image/supplementary.pptx
+++ b/paper/image/supplementary.pptx
@@ -115,7 +115,7 @@
             <a:srgbClr val="A4A3A4"/>
           </p15:clr>
         </p15:guide>
-        <p15:guide id="2" pos="9536" userDrawn="1">
+        <p15:guide id="2" pos="9558" userDrawn="1">
           <p15:clr>
             <a:srgbClr val="A4A3A4"/>
           </p15:clr>
@@ -124,34 +124,6 @@
     </p:ext>
   </p:extLst>
 </p:presentation>
-</file>
-
-<file path=ppt/ink/ink1.xml><?xml version="1.0" encoding="utf-8"?>
-<inkml:ink xmlns:inkml="http://www.w3.org/2003/InkML">
-  <inkml:definitions>
-    <inkml:context xml:id="ctx0">
-      <inkml:inkSource xml:id="inkSrc0">
-        <inkml:traceFormat>
-          <inkml:channel name="X" type="integer" min="-2.14748E9" max="2.14748E9" units="cm"/>
-          <inkml:channel name="Y" type="integer" min="-2.14748E9" max="2.14748E9" units="cm"/>
-          <inkml:channel name="F" type="integer" max="32767" units="dev"/>
-        </inkml:traceFormat>
-        <inkml:channelProperties>
-          <inkml:channelProperty channel="X" name="resolution" value="1000" units="1/cm"/>
-          <inkml:channelProperty channel="Y" name="resolution" value="1000" units="1/cm"/>
-          <inkml:channelProperty channel="F" name="resolution" value="0" units="1/dev"/>
-        </inkml:channelProperties>
-      </inkml:inkSource>
-      <inkml:timestamp xml:id="ts0" timeString="2023-01-17T15:34:03.847"/>
-    </inkml:context>
-    <inkml:brush xml:id="br0">
-      <inkml:brushProperty name="width" value="0.05" units="cm"/>
-      <inkml:brushProperty name="height" value="0.05" units="cm"/>
-      <inkml:brushProperty name="color" value="#E71224"/>
-    </inkml:brush>
-  </inkml:definitions>
-  <inkml:trace contextRef="#ctx0" brushRef="#br0">16 2757 24575,'-8'17'0,"2"1"0,6 6 0,6 3 0,14 19 0,22 8 0,53 33 0,25-14 0,115 27 0,-71-58 0,15-8 0,31 3 0,20-7-616,96-2 1,15-6 615,-35-5 0,11-1-646,-25-2 0,18 0 0,-8 0 646,-50-3 0,-7 0 0,10-1 0,61-2 0,14-1 0,-13 0 0,-64 1 0,-11 0 0,7-2 0,41-7 0,7-2 0,-13 2 0,43 8 0,-6 2 0,-67-8 0,7-1 0,-11-1 0,45-3 0,-3 0-1912,-56 1 1,8 0-1,-10-1 1912,42-4 0,-2-1 0,66 5 0,-3-2-316,-78-5 0,0 1 316,79 8 0,1 1 0,-76-7 0,-1 1 0,80 10 0,8 3 0,-35-6 0,-5 2 0,-6 5 0,5 1 0,-73-7 0,6-1 0,-12 1 0,33 6 0,-1 0 0,76-5 0,1-2 0,-72 4 0,-4-1 0,50-3 0,0 0 267,-49 3 1,-5 2-268,13-2 0,-8 2 0,-50 2 0,-10 1 0,-4 5 0,-10 1 0,88 12 1286,25 20-1286,-73-9 6322,73 20-6322,-70-18 1103,70 13-1103,-73-22 290,53 8-290,-9 0 0,2 13 0,60 18 0,-46-15 0,-115-20 0,1-1 0,121 19 0,22 9 0,-91-7 0,-14 3 0,-90-13 0,-1 13 0,-46-12 0,10 12 0,-30-16 0,14 10 0,-16-6 0,5-3 0,-18-1 0,-9-11 0,-2 5 0,-12-3 0,3-1 0,-7 0 0,5-6 0,-9-1 0,5-4 0,-8-2 0,5-4 0,-6-13 0,0-8 0,5-20 0,-3-5 0,20-26 0,10-4 0,33-37 0,9 12 0,52-28 0,-9 16 0,53 1 0,-31 19 0,46 18 0,-30 25 0,47 8 0,-24 17 0,98 6 0,38 12 0,-127-4 0,9 2-232,39 6 1,6 2 231,-18-5 0,8 1 0,72 8 0,8 0-639,-40-5 0,6 3 639,-44 2 0,11 3 0,-9-2 0,52-3 0,3 1 0,-37 7 0,13 4 0,-12-4 0,39-7 0,3 0 0,-24 7 0,17 5 0,-9-2 0,-52-8 0,-7-2 0,11 0 0,71 3 0,15-2 0,-13 0-685,-59-1 0,-9 0 1,11-3 684,80-4 0,17-2 0,-23 0 0,17 7 0,-3-1 0,-22-7 0,19-3 0,-23 0-713,3 2 1,-4-2 712,-31-7 0,17-3 0,-11 0 0,-47 1 0,-9-1 0,1-2 0,2-6 0,1-2 0,-2-3-102,116-14 0,-18-3 102,-94 5 0,-7-3 0,30-5 0,-5 0 0,-59 11 0,-1 0 0,60-14 0,6-3 0,-37 6 0,6-2 0,76-14 0,3 0 0,-61 10 0,1 2 0,69-9 0,0 1 0,-64 11 0,2-1 0,78-12 0,4-8-107,-54-3 1,3-6 106,-38 17 0,12-2 0,-9-4-1847,55-30 0,0-6 1847,-50 23 0,10-3 0,-15 2 0,28-17 0,-5-3 81,-47 17 1,9-5 0,-10-1-82,55-29 0,-8-1 0,3 1 0,-2-3 0,10-19 0,-12 2 19,-67 36 0,-3 0-19,53-37 0,-1 2 0,-63 43 0,-3 3 0,29-25 0,-5 1 955,100-38-955,-138 57 0,-5-2 0,76-53 6135,6-23-6135,-82 45 1293,-40 12-1293,-48 44 665,-27 15-665,-30 27 0,-15 12 0,-14 9 0,-8 5 0</inkml:trace>
-</inkml:ink>
 </file>
 
 <file path=ppt/notesMasters/notesMaster1.xml><?xml version="1.0" encoding="utf-8"?>
@@ -3474,8 +3446,8 @@
         </p:blipFill>
         <p:spPr>
           <a:xfrm>
-            <a:off x="4072231" y="7987129"/>
-            <a:ext cx="7821868" cy="2783723"/>
+            <a:off x="1550705" y="4813017"/>
+            <a:ext cx="12534616" cy="4460942"/>
           </a:xfrm>
           <a:prstGeom prst="rect">
             <a:avLst/>
@@ -3498,13 +3470,18 @@
         </p:nvCxnSpPr>
         <p:spPr>
           <a:xfrm>
-            <a:off x="12588110" y="9378980"/>
+            <a:off x="15478126" y="5757878"/>
             <a:ext cx="4078951" cy="0"/>
           </a:xfrm>
           <a:prstGeom prst="straightConnector1">
             <a:avLst/>
           </a:prstGeom>
-          <a:ln>
+          <a:ln w="76200">
+            <a:solidFill>
+              <a:schemeClr val="bg1">
+                <a:lumMod val="50000"/>
+              </a:schemeClr>
+            </a:solidFill>
             <a:tailEnd type="triangle"/>
           </a:ln>
         </p:spPr>
@@ -3539,13 +3516,18 @@
         </p:nvCxnSpPr>
         <p:spPr>
           <a:xfrm>
-            <a:off x="12613297" y="9394700"/>
-            <a:ext cx="4053771" cy="2052098"/>
+            <a:off x="15503306" y="5782561"/>
+            <a:ext cx="4053771" cy="2268000"/>
           </a:xfrm>
           <a:prstGeom prst="straightConnector1">
             <a:avLst/>
           </a:prstGeom>
-          <a:ln>
+          <a:ln w="76200">
+            <a:solidFill>
+              <a:schemeClr val="bg1">
+                <a:lumMod val="50000"/>
+              </a:schemeClr>
+            </a:solidFill>
             <a:tailEnd type="triangle"/>
           </a:ln>
         </p:spPr>
@@ -3564,47 +3546,6 @@
           </a:fontRef>
         </p:style>
       </p:cxnSp>
-      <p:cxnSp>
-        <p:nvCxnSpPr>
-          <p:cNvPr id="16" name="Straight Arrow Connector 15">
-            <a:extLst>
-              <a:ext uri="{FF2B5EF4-FFF2-40B4-BE49-F238E27FC236}">
-                <a16:creationId xmlns:a16="http://schemas.microsoft.com/office/drawing/2014/main" id="{C3EB5C86-6D87-4382-CFE8-88CBBA764396}"/>
-              </a:ext>
-            </a:extLst>
-          </p:cNvPr>
-          <p:cNvCxnSpPr>
-            <a:cxnSpLocks/>
-          </p:cNvCxnSpPr>
-          <p:nvPr/>
-        </p:nvCxnSpPr>
-        <p:spPr>
-          <a:xfrm flipV="1">
-            <a:off x="12664555" y="7354679"/>
-            <a:ext cx="4002513" cy="2035843"/>
-          </a:xfrm>
-          <a:prstGeom prst="straightConnector1">
-            <a:avLst/>
-          </a:prstGeom>
-          <a:ln>
-            <a:tailEnd type="triangle"/>
-          </a:ln>
-        </p:spPr>
-        <p:style>
-          <a:lnRef idx="1">
-            <a:schemeClr val="accent1"/>
-          </a:lnRef>
-          <a:fillRef idx="0">
-            <a:schemeClr val="accent1"/>
-          </a:fillRef>
-          <a:effectRef idx="0">
-            <a:schemeClr val="accent1"/>
-          </a:effectRef>
-          <a:fontRef idx="minor">
-            <a:schemeClr val="tx1"/>
-          </a:fontRef>
-        </p:style>
-      </p:cxnSp>
       <p:sp>
         <p:nvSpPr>
           <p:cNvPr id="17" name="TextBox 16">
@@ -3619,7 +3560,7 @@
         </p:nvSpPr>
         <p:spPr>
           <a:xfrm>
-            <a:off x="16874179" y="6240995"/>
+            <a:off x="20029853" y="3023271"/>
             <a:ext cx="5674209" cy="1015663"/>
           </a:xfrm>
           <a:prstGeom prst="rect">
@@ -3634,7 +3575,11 @@
           <a:lstStyle/>
           <a:p>
             <a:r>
-              <a:rPr lang="en-US" sz="6000" dirty="0"/>
+              <a:rPr lang="en-US" sz="6000" dirty="0">
+                <a:latin typeface="HelveticaNeueLT Std Cn" panose="020B0506030502030204" pitchFamily="34" charset="77"/>
+                <a:ea typeface="Helvetica Neue" panose="02000503000000020004" pitchFamily="2" charset="0"/>
+                <a:cs typeface="Helvetica Neue" panose="02000503000000020004" pitchFamily="2" charset="0"/>
+              </a:rPr>
               <a:t>A. Tempo (IOIs)</a:t>
             </a:r>
           </a:p>
@@ -3654,7 +3599,7 @@
         </p:nvSpPr>
         <p:spPr>
           <a:xfrm>
-            <a:off x="16874172" y="8730657"/>
+            <a:off x="20029853" y="5342783"/>
             <a:ext cx="11033934" cy="1015663"/>
           </a:xfrm>
           <a:prstGeom prst="rect">
@@ -3669,7 +3614,11 @@
           <a:lstStyle/>
           <a:p>
             <a:r>
-              <a:rPr lang="en-US" sz="6000" dirty="0"/>
+              <a:rPr lang="en-US" sz="6000" dirty="0">
+                <a:latin typeface="HelveticaNeueLT Std Cn" panose="020B0506030502030204" pitchFamily="34" charset="77"/>
+                <a:ea typeface="Helvetica Neue" panose="02000503000000020004" pitchFamily="2" charset="0"/>
+                <a:cs typeface="Helvetica Neue" panose="02000503000000020004" pitchFamily="2" charset="0"/>
+              </a:rPr>
               <a:t>B. Articulation (sound duration)</a:t>
             </a:r>
           </a:p>
@@ -3689,7 +3638,7 @@
         </p:nvSpPr>
         <p:spPr>
           <a:xfrm>
-            <a:off x="16874184" y="11220314"/>
+            <a:off x="20029853" y="7612223"/>
             <a:ext cx="10515496" cy="1015663"/>
           </a:xfrm>
           <a:prstGeom prst="rect">
@@ -3704,7 +3653,11 @@
           <a:lstStyle/>
           <a:p>
             <a:r>
-              <a:rPr lang="en-US" sz="6000" dirty="0"/>
+              <a:rPr lang="en-US" sz="6000" dirty="0">
+                <a:latin typeface="HelveticaNeueLT Std Cn" panose="020B0506030502030204" pitchFamily="34" charset="77"/>
+                <a:ea typeface="Helvetica Neue" panose="02000503000000020004" pitchFamily="2" charset="0"/>
+                <a:cs typeface="Helvetica Neue" panose="02000503000000020004" pitchFamily="2" charset="0"/>
+              </a:rPr>
               <a:t>C. Dynamics (velocity profiles)</a:t>
             </a:r>
           </a:p>
@@ -3724,8 +3677,8 @@
         </p:nvSpPr>
         <p:spPr>
           <a:xfrm>
-            <a:off x="16205879" y="4454466"/>
-            <a:ext cx="11409197" cy="1015663"/>
+            <a:off x="1550695" y="2337086"/>
+            <a:ext cx="13830814" cy="1938992"/>
           </a:xfrm>
           <a:prstGeom prst="rect">
             <a:avLst/>
@@ -3739,8 +3692,20 @@
           <a:lstStyle/>
           <a:p>
             <a:r>
-              <a:rPr lang="en-US" sz="6000" dirty="0"/>
-              <a:t>Extracted performances features</a:t>
+              <a:rPr lang="en-US" sz="6000" b="1" dirty="0">
+                <a:latin typeface="Helvetica Neue Condensed" panose="02000503000000020004" pitchFamily="2" charset="0"/>
+                <a:ea typeface="Helvetica Neue Condensed" panose="02000503000000020004" pitchFamily="2" charset="0"/>
+                <a:cs typeface="Helvetica Neue Condensed" panose="02000503000000020004" pitchFamily="2" charset="0"/>
+              </a:rPr>
+              <a:t>(I) Extract </a:t>
+            </a:r>
+            <a:r>
+              <a:rPr lang="en-US" sz="6000" b="1" dirty="0">
+                <a:latin typeface="Helvetica Neue Condensed" panose="02000503000000020004" pitchFamily="2" charset="0"/>
+                <a:ea typeface="Helvetica Neue Condensed" panose="02000503000000020004" pitchFamily="2" charset="0"/>
+                <a:cs typeface="Helvetica Neue Condensed" panose="02000503000000020004" pitchFamily="2" charset="0"/>
+              </a:rPr>
+              <a:t>performances features from dataset</a:t>
             </a:r>
           </a:p>
         </p:txBody>
@@ -3759,8 +3724,8 @@
         </p:nvSpPr>
         <p:spPr>
           <a:xfrm>
-            <a:off x="4489624" y="10770859"/>
-            <a:ext cx="6987068" cy="2037289"/>
+            <a:off x="1550705" y="9140949"/>
+            <a:ext cx="12534616" cy="1388970"/>
           </a:xfrm>
           <a:prstGeom prst="rect">
             <a:avLst/>
@@ -3774,28 +3739,20 @@
           <a:lstStyle/>
           <a:p>
             <a:r>
-              <a:rPr lang="en-US" sz="4213" dirty="0"/>
-              <a:t>Performances</a:t>
-            </a:r>
-          </a:p>
-          <a:p>
-            <a:r>
-              <a:rPr lang="en-US" sz="4213" dirty="0"/>
-              <a:t>without expressive notations</a:t>
-            </a:r>
-          </a:p>
-          <a:p>
-            <a:r>
-              <a:rPr lang="en-US" sz="4213" dirty="0"/>
-              <a:t>(</a:t>
-            </a:r>
-            <a:r>
-              <a:rPr lang="en-US" sz="4213" i="1" dirty="0"/>
+              <a:rPr lang="en-US" sz="4213" dirty="0">
+                <a:latin typeface="HelveticaNeueLT Std Cn" panose="020B0506030502030204" pitchFamily="34" charset="77"/>
+              </a:rPr>
+              <a:t>Performances without expressive notations</a:t>
+            </a:r>
+          </a:p>
+          <a:p>
+            <a:r>
+              <a:rPr lang="en-US" sz="4213" b="1" dirty="0">
+                <a:latin typeface="Helvetica Neue Condensed" panose="02000503000000020004" pitchFamily="2" charset="0"/>
+                <a:ea typeface="Helvetica Neue Condensed" panose="02000503000000020004" pitchFamily="2" charset="0"/>
+                <a:cs typeface="Helvetica Neue Condensed" panose="02000503000000020004" pitchFamily="2" charset="0"/>
+              </a:rPr>
               <a:t>baseline performances</a:t>
-            </a:r>
-            <a:r>
-              <a:rPr lang="en-US" sz="4213" dirty="0"/>
-              <a:t>)</a:t>
             </a:r>
           </a:p>
         </p:txBody>
@@ -3822,8 +3779,8 @@
         </p:blipFill>
         <p:spPr>
           <a:xfrm>
-            <a:off x="4085770" y="15101615"/>
-            <a:ext cx="7808341" cy="2783723"/>
+            <a:off x="1550705" y="11178832"/>
+            <a:ext cx="12745128" cy="4543719"/>
           </a:xfrm>
           <a:prstGeom prst="rect">
             <a:avLst/>
@@ -3852,8 +3809,8 @@
         </p:blipFill>
         <p:spPr>
           <a:xfrm>
-            <a:off x="4072232" y="22282189"/>
-            <a:ext cx="7821879" cy="2783730"/>
+            <a:off x="1550695" y="17621445"/>
+            <a:ext cx="12767188" cy="4543717"/>
           </a:xfrm>
           <a:prstGeom prst="rect">
             <a:avLst/>
@@ -3874,8 +3831,8 @@
         </p:nvSpPr>
         <p:spPr>
           <a:xfrm>
-            <a:off x="4489624" y="17969929"/>
-            <a:ext cx="6850428" cy="2037289"/>
+            <a:off x="1550705" y="15722551"/>
+            <a:ext cx="12745128" cy="1388970"/>
           </a:xfrm>
           <a:prstGeom prst="rect">
             <a:avLst/>
@@ -3889,28 +3846,20 @@
           <a:lstStyle/>
           <a:p>
             <a:r>
-              <a:rPr lang="en-US" sz="4213" dirty="0"/>
-              <a:t>Performances</a:t>
-            </a:r>
-          </a:p>
-          <a:p>
-            <a:r>
-              <a:rPr lang="en-US" sz="4213" dirty="0"/>
-              <a:t>without notated articulation</a:t>
-            </a:r>
-          </a:p>
-          <a:p>
-            <a:r>
-              <a:rPr lang="en-US" sz="4213" dirty="0"/>
-              <a:t>(</a:t>
-            </a:r>
-            <a:r>
-              <a:rPr lang="en-US" sz="4213" i="1" dirty="0"/>
+              <a:rPr lang="en-US" sz="4213" dirty="0">
+                <a:latin typeface="HelveticaNeueLT Std Cn" panose="020B0506030502030204" pitchFamily="34" charset="77"/>
+              </a:rPr>
+              <a:t>Performances with notated articulation</a:t>
+            </a:r>
+          </a:p>
+          <a:p>
+            <a:r>
+              <a:rPr lang="en-US" sz="4213" b="1" dirty="0">
+                <a:latin typeface="Helvetica Neue Condensed" panose="02000503000000020004" pitchFamily="2" charset="0"/>
+                <a:ea typeface="Helvetica Neue Condensed" panose="02000503000000020004" pitchFamily="2" charset="0"/>
+                <a:cs typeface="Helvetica Neue Condensed" panose="02000503000000020004" pitchFamily="2" charset="0"/>
+              </a:rPr>
               <a:t>articulation performances</a:t>
-            </a:r>
-            <a:r>
-              <a:rPr lang="en-US" sz="4213" dirty="0"/>
-              <a:t>)</a:t>
             </a:r>
           </a:p>
         </p:txBody>
@@ -3929,8 +3878,8 @@
         </p:nvSpPr>
         <p:spPr>
           <a:xfrm>
-            <a:off x="4489619" y="25437234"/>
-            <a:ext cx="6405155" cy="2037289"/>
+            <a:off x="1550695" y="22165758"/>
+            <a:ext cx="12767188" cy="1388970"/>
           </a:xfrm>
           <a:prstGeom prst="rect">
             <a:avLst/>
@@ -3944,38 +3893,495 @@
           <a:lstStyle/>
           <a:p>
             <a:r>
-              <a:rPr lang="en-US" sz="4213" dirty="0"/>
-              <a:t>Performances</a:t>
-            </a:r>
-          </a:p>
-          <a:p>
-            <a:r>
-              <a:rPr lang="en-US" sz="4213" dirty="0"/>
-              <a:t>without notated dynamics</a:t>
-            </a:r>
-          </a:p>
-          <a:p>
-            <a:r>
-              <a:rPr lang="en-US" sz="4213" dirty="0"/>
-              <a:t>(</a:t>
-            </a:r>
-            <a:r>
-              <a:rPr lang="en-US" sz="4213" i="1" dirty="0"/>
+              <a:rPr lang="en-US" sz="4213" dirty="0">
+                <a:latin typeface="HelveticaNeueLT Std Cn" panose="020B0506030502030204" pitchFamily="34" charset="77"/>
+              </a:rPr>
+              <a:t>Performances with notated dynamics</a:t>
+            </a:r>
+          </a:p>
+          <a:p>
+            <a:r>
+              <a:rPr lang="en-US" sz="4213" b="1" dirty="0">
+                <a:latin typeface="Helvetica Neue Condensed" panose="02000503000000020004" pitchFamily="2" charset="0"/>
+                <a:ea typeface="Helvetica Neue Condensed" panose="02000503000000020004" pitchFamily="2" charset="0"/>
+                <a:cs typeface="Helvetica Neue Condensed" panose="02000503000000020004" pitchFamily="2" charset="0"/>
+              </a:rPr>
               <a:t>dynamics performances</a:t>
             </a:r>
-            <a:r>
-              <a:rPr lang="en-US" sz="4213" dirty="0"/>
-              <a:t>)</a:t>
+          </a:p>
+        </p:txBody>
+      </p:sp>
+      <p:sp>
+        <p:nvSpPr>
+          <p:cNvPr id="30" name="TextBox 29">
+            <a:extLst>
+              <a:ext uri="{FF2B5EF4-FFF2-40B4-BE49-F238E27FC236}">
+                <a16:creationId xmlns:a16="http://schemas.microsoft.com/office/drawing/2014/main" id="{0341CDE9-3827-A566-6110-8695142AD759}"/>
+              </a:ext>
+            </a:extLst>
+          </p:cNvPr>
+          <p:cNvSpPr txBox="1"/>
+          <p:nvPr/>
+        </p:nvSpPr>
+        <p:spPr>
+          <a:xfrm>
+            <a:off x="20029853" y="12996627"/>
+            <a:ext cx="11076931" cy="1015663"/>
+          </a:xfrm>
+          <a:prstGeom prst="rect">
+            <a:avLst/>
+          </a:prstGeom>
+          <a:noFill/>
+        </p:spPr>
+        <p:txBody>
+          <a:bodyPr wrap="square" rtlCol="0">
+            <a:spAutoFit/>
+          </a:bodyPr>
+          <a:lstStyle/>
+          <a:p>
+            <a:r>
+              <a:rPr lang="en-US" sz="6000" dirty="0">
+                <a:latin typeface="HelveticaNeueLT Std Cn" panose="020B0506030502030204" pitchFamily="34" charset="77"/>
+                <a:ea typeface="Helvetica Neue" panose="02000503000000020004" pitchFamily="2" charset="0"/>
+                <a:cs typeface="Helvetica Neue" panose="02000503000000020004" pitchFamily="2" charset="0"/>
+              </a:rPr>
+              <a:t>D. Articulation (sound duration)</a:t>
+            </a:r>
+          </a:p>
+        </p:txBody>
+      </p:sp>
+      <p:sp>
+        <p:nvSpPr>
+          <p:cNvPr id="32" name="TextBox 31">
+            <a:extLst>
+              <a:ext uri="{FF2B5EF4-FFF2-40B4-BE49-F238E27FC236}">
+                <a16:creationId xmlns:a16="http://schemas.microsoft.com/office/drawing/2014/main" id="{278168D9-9198-98CC-3B75-97413476FB48}"/>
+              </a:ext>
+            </a:extLst>
+          </p:cNvPr>
+          <p:cNvSpPr txBox="1"/>
+          <p:nvPr/>
+        </p:nvSpPr>
+        <p:spPr>
+          <a:xfrm>
+            <a:off x="20029853" y="19373925"/>
+            <a:ext cx="10476105" cy="1015663"/>
+          </a:xfrm>
+          <a:prstGeom prst="rect">
+            <a:avLst/>
+          </a:prstGeom>
+          <a:noFill/>
+        </p:spPr>
+        <p:txBody>
+          <a:bodyPr wrap="square" rtlCol="0">
+            <a:spAutoFit/>
+          </a:bodyPr>
+          <a:lstStyle/>
+          <a:p>
+            <a:r>
+              <a:rPr lang="en-US" sz="6000" dirty="0">
+                <a:latin typeface="HelveticaNeueLT Std Cn" panose="020B0506030502030204" pitchFamily="34" charset="77"/>
+                <a:ea typeface="Helvetica Neue" panose="02000503000000020004" pitchFamily="2" charset="0"/>
+                <a:cs typeface="Helvetica Neue" panose="02000503000000020004" pitchFamily="2" charset="0"/>
+              </a:rPr>
+              <a:t>E. Dynamics (velocity profiles)</a:t>
+            </a:r>
+          </a:p>
+        </p:txBody>
+      </p:sp>
+      <p:sp>
+        <p:nvSpPr>
+          <p:cNvPr id="33" name="TextBox 32">
+            <a:extLst>
+              <a:ext uri="{FF2B5EF4-FFF2-40B4-BE49-F238E27FC236}">
+                <a16:creationId xmlns:a16="http://schemas.microsoft.com/office/drawing/2014/main" id="{81B9C5F0-743B-3AA1-E8BE-DAADF742B755}"/>
+              </a:ext>
+            </a:extLst>
+          </p:cNvPr>
+          <p:cNvSpPr txBox="1"/>
+          <p:nvPr/>
+        </p:nvSpPr>
+        <p:spPr>
+          <a:xfrm>
+            <a:off x="1550694" y="28698175"/>
+            <a:ext cx="13891713" cy="10248960"/>
+          </a:xfrm>
+          <a:prstGeom prst="rect">
+            <a:avLst/>
+          </a:prstGeom>
+          <a:noFill/>
+          <a:ln w="38100">
+            <a:noFill/>
+          </a:ln>
+        </p:spPr>
+        <p:txBody>
+          <a:bodyPr wrap="square" rtlCol="0">
+            <a:spAutoFit/>
+          </a:bodyPr>
+          <a:lstStyle/>
+          <a:p>
+            <a:r>
+              <a:rPr lang="en-US" sz="6000" dirty="0">
+                <a:latin typeface="HelveticaNeueLT Std Cn" panose="020B0506030502030204" pitchFamily="34" charset="77"/>
+                <a:ea typeface="Helvetica Neue" panose="02000503000000020004" pitchFamily="2" charset="0"/>
+                <a:cs typeface="Helvetica Neue" panose="02000503000000020004" pitchFamily="2" charset="0"/>
+              </a:rPr>
+              <a:t>None recordings (16 instances)</a:t>
+            </a:r>
+          </a:p>
+          <a:p>
+            <a:r>
+              <a:rPr lang="en-US" sz="6000" dirty="0">
+                <a:latin typeface="HelveticaNeueLT Std Cn" panose="020B0506030502030204" pitchFamily="34" charset="77"/>
+                <a:ea typeface="Helvetica Neue" panose="02000503000000020004" pitchFamily="2" charset="0"/>
+                <a:cs typeface="Helvetica Neue" panose="02000503000000020004" pitchFamily="2" charset="0"/>
+              </a:rPr>
+              <a:t> - Combine A, B, C</a:t>
+            </a:r>
+          </a:p>
+          <a:p>
+            <a:endParaRPr lang="en-US" sz="6000" dirty="0">
+              <a:latin typeface="HelveticaNeueLT Std Cn" panose="020B0506030502030204" pitchFamily="34" charset="77"/>
+              <a:ea typeface="Helvetica Neue" panose="02000503000000020004" pitchFamily="2" charset="0"/>
+              <a:cs typeface="Helvetica Neue" panose="02000503000000020004" pitchFamily="2" charset="0"/>
+            </a:endParaRPr>
+          </a:p>
+          <a:p>
+            <a:r>
+              <a:rPr lang="en-US" sz="6000" dirty="0">
+                <a:latin typeface="HelveticaNeueLT Std Cn" panose="020B0506030502030204" pitchFamily="34" charset="77"/>
+                <a:ea typeface="Helvetica Neue" panose="02000503000000020004" pitchFamily="2" charset="0"/>
+                <a:cs typeface="Helvetica Neue" panose="02000503000000020004" pitchFamily="2" charset="0"/>
+              </a:rPr>
+              <a:t>Art-only recordings (16 instances)</a:t>
+            </a:r>
+          </a:p>
+          <a:p>
+            <a:r>
+              <a:rPr lang="en-US" sz="6000" dirty="0">
+                <a:latin typeface="HelveticaNeueLT Std Cn" panose="020B0506030502030204" pitchFamily="34" charset="77"/>
+                <a:ea typeface="Helvetica Neue" panose="02000503000000020004" pitchFamily="2" charset="0"/>
+                <a:cs typeface="Helvetica Neue" panose="02000503000000020004" pitchFamily="2" charset="0"/>
+              </a:rPr>
+              <a:t> - Combine A, </a:t>
+            </a:r>
+            <a:r>
+              <a:rPr lang="en-US" sz="6000" dirty="0">
+                <a:solidFill>
+                  <a:srgbClr val="FF0000"/>
+                </a:solidFill>
+                <a:latin typeface="HelveticaNeueLT Std Cn" panose="020B0506030502030204" pitchFamily="34" charset="77"/>
+                <a:ea typeface="Helvetica Neue" panose="02000503000000020004" pitchFamily="2" charset="0"/>
+                <a:cs typeface="Helvetica Neue" panose="02000503000000020004" pitchFamily="2" charset="0"/>
+              </a:rPr>
+              <a:t>D</a:t>
+            </a:r>
+            <a:r>
+              <a:rPr lang="en-US" sz="6000" dirty="0">
+                <a:latin typeface="HelveticaNeueLT Std Cn" panose="020B0506030502030204" pitchFamily="34" charset="77"/>
+                <a:ea typeface="Helvetica Neue" panose="02000503000000020004" pitchFamily="2" charset="0"/>
+                <a:cs typeface="Helvetica Neue" panose="02000503000000020004" pitchFamily="2" charset="0"/>
+              </a:rPr>
+              <a:t>, C</a:t>
+            </a:r>
+          </a:p>
+          <a:p>
+            <a:endParaRPr lang="en-US" sz="6000" dirty="0">
+              <a:latin typeface="HelveticaNeueLT Std Cn" panose="020B0506030502030204" pitchFamily="34" charset="77"/>
+              <a:ea typeface="Helvetica Neue" panose="02000503000000020004" pitchFamily="2" charset="0"/>
+              <a:cs typeface="Helvetica Neue" panose="02000503000000020004" pitchFamily="2" charset="0"/>
+            </a:endParaRPr>
+          </a:p>
+          <a:p>
+            <a:r>
+              <a:rPr lang="en-US" sz="6000" dirty="0" err="1">
+                <a:latin typeface="HelveticaNeueLT Std Cn" panose="020B0506030502030204" pitchFamily="34" charset="77"/>
+                <a:ea typeface="Helvetica Neue" panose="02000503000000020004" pitchFamily="2" charset="0"/>
+                <a:cs typeface="Helvetica Neue" panose="02000503000000020004" pitchFamily="2" charset="0"/>
+              </a:rPr>
+              <a:t>Dyn</a:t>
+            </a:r>
+            <a:r>
+              <a:rPr lang="en-US" sz="6000" dirty="0">
+                <a:latin typeface="HelveticaNeueLT Std Cn" panose="020B0506030502030204" pitchFamily="34" charset="77"/>
+                <a:ea typeface="Helvetica Neue" panose="02000503000000020004" pitchFamily="2" charset="0"/>
+                <a:cs typeface="Helvetica Neue" panose="02000503000000020004" pitchFamily="2" charset="0"/>
+              </a:rPr>
+              <a:t>-only recordings (16 instances)</a:t>
+            </a:r>
+          </a:p>
+          <a:p>
+            <a:r>
+              <a:rPr lang="en-US" sz="6000" dirty="0">
+                <a:latin typeface="HelveticaNeueLT Std Cn" panose="020B0506030502030204" pitchFamily="34" charset="77"/>
+                <a:ea typeface="Helvetica Neue" panose="02000503000000020004" pitchFamily="2" charset="0"/>
+                <a:cs typeface="Helvetica Neue" panose="02000503000000020004" pitchFamily="2" charset="0"/>
+              </a:rPr>
+              <a:t> - Combine A, B, </a:t>
+            </a:r>
+            <a:r>
+              <a:rPr lang="en-US" sz="6000" dirty="0">
+                <a:solidFill>
+                  <a:srgbClr val="FF0000"/>
+                </a:solidFill>
+                <a:latin typeface="HelveticaNeueLT Std Cn" panose="020B0506030502030204" pitchFamily="34" charset="77"/>
+                <a:ea typeface="Helvetica Neue" panose="02000503000000020004" pitchFamily="2" charset="0"/>
+                <a:cs typeface="Helvetica Neue" panose="02000503000000020004" pitchFamily="2" charset="0"/>
+              </a:rPr>
+              <a:t>E</a:t>
+            </a:r>
+          </a:p>
+          <a:p>
+            <a:endParaRPr lang="en-US" sz="6000" dirty="0">
+              <a:solidFill>
+                <a:srgbClr val="FF0000"/>
+              </a:solidFill>
+              <a:latin typeface="HelveticaNeueLT Std Cn" panose="020B0506030502030204" pitchFamily="34" charset="77"/>
+              <a:ea typeface="Helvetica Neue" panose="02000503000000020004" pitchFamily="2" charset="0"/>
+              <a:cs typeface="Helvetica Neue" panose="02000503000000020004" pitchFamily="2" charset="0"/>
+            </a:endParaRPr>
+          </a:p>
+          <a:p>
+            <a:r>
+              <a:rPr lang="en-US" sz="6000" dirty="0">
+                <a:latin typeface="HelveticaNeueLT Std Cn" panose="020B0506030502030204" pitchFamily="34" charset="77"/>
+                <a:ea typeface="Helvetica Neue" panose="02000503000000020004" pitchFamily="2" charset="0"/>
+                <a:cs typeface="Helvetica Neue" panose="02000503000000020004" pitchFamily="2" charset="0"/>
+              </a:rPr>
+              <a:t>Both recordings (16 instances)</a:t>
+            </a:r>
+          </a:p>
+          <a:p>
+            <a:r>
+              <a:rPr lang="en-US" sz="6000" dirty="0">
+                <a:latin typeface="HelveticaNeueLT Std Cn" panose="020B0506030502030204" pitchFamily="34" charset="77"/>
+                <a:ea typeface="Helvetica Neue" panose="02000503000000020004" pitchFamily="2" charset="0"/>
+                <a:cs typeface="Helvetica Neue" panose="02000503000000020004" pitchFamily="2" charset="0"/>
+              </a:rPr>
+              <a:t> - Combine A, </a:t>
+            </a:r>
+            <a:r>
+              <a:rPr lang="en-US" sz="6000" dirty="0">
+                <a:solidFill>
+                  <a:srgbClr val="FF0000"/>
+                </a:solidFill>
+                <a:latin typeface="HelveticaNeueLT Std Cn" panose="020B0506030502030204" pitchFamily="34" charset="77"/>
+                <a:ea typeface="Helvetica Neue" panose="02000503000000020004" pitchFamily="2" charset="0"/>
+                <a:cs typeface="Helvetica Neue" panose="02000503000000020004" pitchFamily="2" charset="0"/>
+              </a:rPr>
+              <a:t>D</a:t>
+            </a:r>
+            <a:r>
+              <a:rPr lang="en-US" sz="6000" dirty="0">
+                <a:latin typeface="HelveticaNeueLT Std Cn" panose="020B0506030502030204" pitchFamily="34" charset="77"/>
+                <a:ea typeface="Helvetica Neue" panose="02000503000000020004" pitchFamily="2" charset="0"/>
+                <a:cs typeface="Helvetica Neue" panose="02000503000000020004" pitchFamily="2" charset="0"/>
+              </a:rPr>
+              <a:t>, </a:t>
+            </a:r>
+            <a:r>
+              <a:rPr lang="en-US" sz="6000" dirty="0">
+                <a:solidFill>
+                  <a:srgbClr val="FF0000"/>
+                </a:solidFill>
+                <a:latin typeface="HelveticaNeueLT Std Cn" panose="020B0506030502030204" pitchFamily="34" charset="77"/>
+                <a:ea typeface="Helvetica Neue" panose="02000503000000020004" pitchFamily="2" charset="0"/>
+                <a:cs typeface="Helvetica Neue" panose="02000503000000020004" pitchFamily="2" charset="0"/>
+              </a:rPr>
+              <a:t>E</a:t>
+            </a:r>
+          </a:p>
+        </p:txBody>
+      </p:sp>
+      <p:sp>
+        <p:nvSpPr>
+          <p:cNvPr id="46" name="TextBox 45">
+            <a:extLst>
+              <a:ext uri="{FF2B5EF4-FFF2-40B4-BE49-F238E27FC236}">
+                <a16:creationId xmlns:a16="http://schemas.microsoft.com/office/drawing/2014/main" id="{A12B3245-4E7F-2995-6833-C60B8FBEEA32}"/>
+              </a:ext>
+            </a:extLst>
+          </p:cNvPr>
+          <p:cNvSpPr txBox="1"/>
+          <p:nvPr/>
+        </p:nvSpPr>
+        <p:spPr>
+          <a:xfrm>
+            <a:off x="20029853" y="9069508"/>
+            <a:ext cx="9398259" cy="2037289"/>
+          </a:xfrm>
+          <a:prstGeom prst="rect">
+            <a:avLst/>
+          </a:prstGeom>
+          <a:noFill/>
+        </p:spPr>
+        <p:txBody>
+          <a:bodyPr wrap="square" rtlCol="0">
+            <a:spAutoFit/>
+          </a:bodyPr>
+          <a:lstStyle/>
+          <a:p>
+            <a:r>
+              <a:rPr lang="en-US" sz="4213" dirty="0">
+                <a:latin typeface="HelveticaNeueLT Std Cn" panose="020B0506030502030204" pitchFamily="34" charset="77"/>
+              </a:rPr>
+              <a:t>16 instances for A, B, C were generated</a:t>
+            </a:r>
+          </a:p>
+          <a:p>
+            <a:r>
+              <a:rPr lang="en-US" sz="4213" dirty="0">
+                <a:latin typeface="HelveticaNeueLT Std Cn" panose="020B0506030502030204" pitchFamily="34" charset="77"/>
+              </a:rPr>
+              <a:t>by averaging three of each performance</a:t>
+            </a:r>
+          </a:p>
+          <a:p>
+            <a:r>
+              <a:rPr lang="en-US" sz="4213" dirty="0">
+                <a:latin typeface="HelveticaNeueLT Std Cn" panose="020B0506030502030204" pitchFamily="34" charset="77"/>
+              </a:rPr>
+              <a:t>feature of </a:t>
+            </a:r>
+            <a:r>
+              <a:rPr lang="en-US" sz="4213" b="1" dirty="0">
+                <a:latin typeface="Helvetica Neue Condensed" panose="02000503000000020004" pitchFamily="2" charset="0"/>
+                <a:ea typeface="Helvetica Neue Condensed" panose="02000503000000020004" pitchFamily="2" charset="0"/>
+                <a:cs typeface="Helvetica Neue Condensed" panose="02000503000000020004" pitchFamily="2" charset="0"/>
+              </a:rPr>
+              <a:t>baseline performances</a:t>
+            </a:r>
+          </a:p>
+        </p:txBody>
+      </p:sp>
+      <p:sp>
+        <p:nvSpPr>
+          <p:cNvPr id="47" name="TextBox 46">
+            <a:extLst>
+              <a:ext uri="{FF2B5EF4-FFF2-40B4-BE49-F238E27FC236}">
+                <a16:creationId xmlns:a16="http://schemas.microsoft.com/office/drawing/2014/main" id="{1EC7812E-6DFD-90D3-AF5D-6D71FBAF4671}"/>
+              </a:ext>
+            </a:extLst>
+          </p:cNvPr>
+          <p:cNvSpPr txBox="1"/>
+          <p:nvPr/>
+        </p:nvSpPr>
+        <p:spPr>
+          <a:xfrm>
+            <a:off x="20029853" y="14456893"/>
+            <a:ext cx="9845108" cy="2037289"/>
+          </a:xfrm>
+          <a:prstGeom prst="rect">
+            <a:avLst/>
+          </a:prstGeom>
+          <a:noFill/>
+        </p:spPr>
+        <p:txBody>
+          <a:bodyPr wrap="square" rtlCol="0">
+            <a:spAutoFit/>
+          </a:bodyPr>
+          <a:lstStyle/>
+          <a:p>
+            <a:r>
+              <a:rPr lang="en-US" sz="4213" dirty="0">
+                <a:latin typeface="HelveticaNeueLT Std Cn" panose="020B0506030502030204" pitchFamily="34" charset="77"/>
+              </a:rPr>
+              <a:t>16 instances for D were generated</a:t>
+            </a:r>
+          </a:p>
+          <a:p>
+            <a:r>
+              <a:rPr lang="en-US" sz="4213" dirty="0">
+                <a:latin typeface="HelveticaNeueLT Std Cn" panose="020B0506030502030204" pitchFamily="34" charset="77"/>
+              </a:rPr>
+              <a:t>by averaging the articulation performance</a:t>
+            </a:r>
+          </a:p>
+          <a:p>
+            <a:r>
+              <a:rPr lang="en-US" sz="4213" dirty="0">
+                <a:latin typeface="HelveticaNeueLT Std Cn" panose="020B0506030502030204" pitchFamily="34" charset="77"/>
+              </a:rPr>
+              <a:t>feature of </a:t>
+            </a:r>
+            <a:r>
+              <a:rPr lang="en-US" sz="4213" b="1" dirty="0">
+                <a:latin typeface="Helvetica Neue Condensed" panose="02000503000000020004" pitchFamily="2" charset="0"/>
+                <a:ea typeface="Helvetica Neue Condensed" panose="02000503000000020004" pitchFamily="2" charset="0"/>
+                <a:cs typeface="Helvetica Neue Condensed" panose="02000503000000020004" pitchFamily="2" charset="0"/>
+              </a:rPr>
+              <a:t>articulation performances</a:t>
+            </a:r>
+          </a:p>
+        </p:txBody>
+      </p:sp>
+      <p:sp>
+        <p:nvSpPr>
+          <p:cNvPr id="48" name="TextBox 47">
+            <a:extLst>
+              <a:ext uri="{FF2B5EF4-FFF2-40B4-BE49-F238E27FC236}">
+                <a16:creationId xmlns:a16="http://schemas.microsoft.com/office/drawing/2014/main" id="{CF181584-C2CF-4F4C-CB02-993675972139}"/>
+              </a:ext>
+            </a:extLst>
+          </p:cNvPr>
+          <p:cNvSpPr txBox="1"/>
+          <p:nvPr/>
+        </p:nvSpPr>
+        <p:spPr>
+          <a:xfrm>
+            <a:off x="20029853" y="20837172"/>
+            <a:ext cx="9399835" cy="2037289"/>
+          </a:xfrm>
+          <a:prstGeom prst="rect">
+            <a:avLst/>
+          </a:prstGeom>
+          <a:noFill/>
+        </p:spPr>
+        <p:txBody>
+          <a:bodyPr wrap="square" rtlCol="0">
+            <a:spAutoFit/>
+          </a:bodyPr>
+          <a:lstStyle/>
+          <a:p>
+            <a:r>
+              <a:rPr lang="en-US" sz="4213" dirty="0">
+                <a:latin typeface="HelveticaNeueLT Std Cn" panose="020B0506030502030204" pitchFamily="34" charset="77"/>
+              </a:rPr>
+              <a:t>16 instances for E were generated</a:t>
+            </a:r>
+          </a:p>
+          <a:p>
+            <a:r>
+              <a:rPr lang="en-US" sz="4213" dirty="0">
+                <a:latin typeface="HelveticaNeueLT Std Cn" panose="020B0506030502030204" pitchFamily="34" charset="77"/>
+              </a:rPr>
+              <a:t>by averaging the dynamics performance</a:t>
+            </a:r>
+          </a:p>
+          <a:p>
+            <a:r>
+              <a:rPr lang="en-US" sz="4213" dirty="0">
+                <a:latin typeface="HelveticaNeueLT Std Cn" panose="020B0506030502030204" pitchFamily="34" charset="77"/>
+              </a:rPr>
+              <a:t>feature of </a:t>
+            </a:r>
+            <a:r>
+              <a:rPr lang="en-US" sz="4213" b="1" dirty="0">
+                <a:latin typeface="Helvetica Neue Condensed" panose="02000503000000020004" pitchFamily="2" charset="0"/>
+                <a:ea typeface="Helvetica Neue Condensed" panose="02000503000000020004" pitchFamily="2" charset="0"/>
+                <a:cs typeface="Helvetica Neue Condensed" panose="02000503000000020004" pitchFamily="2" charset="0"/>
+              </a:rPr>
+              <a:t>dynamics performances</a:t>
             </a:r>
           </a:p>
         </p:txBody>
       </p:sp>
       <p:cxnSp>
         <p:nvCxnSpPr>
-          <p:cNvPr id="29" name="Straight Arrow Connector 28">
+          <p:cNvPr id="3" name="Straight Arrow Connector 2">
             <a:extLst>
               <a:ext uri="{FF2B5EF4-FFF2-40B4-BE49-F238E27FC236}">
-                <a16:creationId xmlns:a16="http://schemas.microsoft.com/office/drawing/2014/main" id="{B3386A62-3349-A3EE-753B-4B37DE868718}"/>
+                <a16:creationId xmlns:a16="http://schemas.microsoft.com/office/drawing/2014/main" id="{D9D58CE8-1A82-D980-E3C0-18F2A8B5878E}"/>
               </a:ext>
             </a:extLst>
           </p:cNvPr>
@@ -3985,14 +4391,19 @@
           <p:nvPr/>
         </p:nvCxnSpPr>
         <p:spPr>
-          <a:xfrm>
-            <a:off x="12588110" y="16524674"/>
-            <a:ext cx="4078951" cy="0"/>
+          <a:xfrm flipV="1">
+            <a:off x="15503306" y="3506727"/>
+            <a:ext cx="4053771" cy="2268000"/>
           </a:xfrm>
           <a:prstGeom prst="straightConnector1">
             <a:avLst/>
           </a:prstGeom>
-          <a:ln>
+          <a:ln w="76200">
+            <a:solidFill>
+              <a:schemeClr val="bg1">
+                <a:lumMod val="50000"/>
+              </a:schemeClr>
+            </a:solidFill>
             <a:tailEnd type="triangle"/>
           </a:ln>
         </p:spPr>
@@ -4011,47 +4422,12 @@
           </a:fontRef>
         </p:style>
       </p:cxnSp>
-      <p:sp>
-        <p:nvSpPr>
-          <p:cNvPr id="30" name="TextBox 29">
+      <p:cxnSp>
+        <p:nvCxnSpPr>
+          <p:cNvPr id="6" name="Straight Arrow Connector 5">
             <a:extLst>
               <a:ext uri="{FF2B5EF4-FFF2-40B4-BE49-F238E27FC236}">
-                <a16:creationId xmlns:a16="http://schemas.microsoft.com/office/drawing/2014/main" id="{0341CDE9-3827-A566-6110-8695142AD759}"/>
-              </a:ext>
-            </a:extLst>
-          </p:cNvPr>
-          <p:cNvSpPr txBox="1"/>
-          <p:nvPr/>
-        </p:nvSpPr>
-        <p:spPr>
-          <a:xfrm>
-            <a:off x="16874181" y="15876347"/>
-            <a:ext cx="11076931" cy="1015663"/>
-          </a:xfrm>
-          <a:prstGeom prst="rect">
-            <a:avLst/>
-          </a:prstGeom>
-          <a:noFill/>
-        </p:spPr>
-        <p:txBody>
-          <a:bodyPr wrap="square" rtlCol="0">
-            <a:spAutoFit/>
-          </a:bodyPr>
-          <a:lstStyle/>
-          <a:p>
-            <a:r>
-              <a:rPr lang="en-US" sz="6000" dirty="0"/>
-              <a:t>D. Articulation (sound duration)</a:t>
-            </a:r>
-          </a:p>
-        </p:txBody>
-      </p:sp>
-      <p:cxnSp>
-        <p:nvCxnSpPr>
-          <p:cNvPr id="31" name="Straight Arrow Connector 30">
-            <a:extLst>
-              <a:ext uri="{FF2B5EF4-FFF2-40B4-BE49-F238E27FC236}">
-                <a16:creationId xmlns:a16="http://schemas.microsoft.com/office/drawing/2014/main" id="{EEA50B0D-8FF4-3F25-789A-DDA92DAEF17A}"/>
+                <a16:creationId xmlns:a16="http://schemas.microsoft.com/office/drawing/2014/main" id="{6819C879-10FB-E7F2-2069-F63F25572A4A}"/>
               </a:ext>
             </a:extLst>
           </p:cNvPr>
@@ -4062,13 +4438,18 @@
         </p:nvCxnSpPr>
         <p:spPr>
           <a:xfrm>
-            <a:off x="12588110" y="23699033"/>
+            <a:off x="15442407" y="19881757"/>
             <a:ext cx="4078951" cy="0"/>
           </a:xfrm>
           <a:prstGeom prst="straightConnector1">
             <a:avLst/>
           </a:prstGeom>
-          <a:ln>
+          <a:ln w="76200">
+            <a:solidFill>
+              <a:schemeClr val="bg1">
+                <a:lumMod val="50000"/>
+              </a:schemeClr>
+            </a:solidFill>
             <a:tailEnd type="triangle"/>
           </a:ln>
         </p:spPr>
@@ -4087,12 +4468,58 @@
           </a:fontRef>
         </p:style>
       </p:cxnSp>
-      <p:sp>
-        <p:nvSpPr>
-          <p:cNvPr id="32" name="TextBox 31">
+      <p:cxnSp>
+        <p:nvCxnSpPr>
+          <p:cNvPr id="7" name="Straight Arrow Connector 6">
             <a:extLst>
               <a:ext uri="{FF2B5EF4-FFF2-40B4-BE49-F238E27FC236}">
-                <a16:creationId xmlns:a16="http://schemas.microsoft.com/office/drawing/2014/main" id="{278168D9-9198-98CC-3B75-97413476FB48}"/>
+                <a16:creationId xmlns:a16="http://schemas.microsoft.com/office/drawing/2014/main" id="{6A763C59-B30D-5EE3-D992-49096D379B54}"/>
+              </a:ext>
+            </a:extLst>
+          </p:cNvPr>
+          <p:cNvCxnSpPr>
+            <a:cxnSpLocks/>
+          </p:cNvCxnSpPr>
+          <p:nvPr/>
+        </p:nvCxnSpPr>
+        <p:spPr>
+          <a:xfrm>
+            <a:off x="15478126" y="13504459"/>
+            <a:ext cx="4078951" cy="0"/>
+          </a:xfrm>
+          <a:prstGeom prst="straightConnector1">
+            <a:avLst/>
+          </a:prstGeom>
+          <a:ln w="76200">
+            <a:solidFill>
+              <a:schemeClr val="bg1">
+                <a:lumMod val="50000"/>
+              </a:schemeClr>
+            </a:solidFill>
+            <a:tailEnd type="triangle"/>
+          </a:ln>
+        </p:spPr>
+        <p:style>
+          <a:lnRef idx="1">
+            <a:schemeClr val="accent1"/>
+          </a:lnRef>
+          <a:fillRef idx="0">
+            <a:schemeClr val="accent1"/>
+          </a:fillRef>
+          <a:effectRef idx="0">
+            <a:schemeClr val="accent1"/>
+          </a:effectRef>
+          <a:fontRef idx="minor">
+            <a:schemeClr val="tx1"/>
+          </a:fontRef>
+        </p:style>
+      </p:cxnSp>
+      <p:sp>
+        <p:nvSpPr>
+          <p:cNvPr id="8" name="TextBox 7">
+            <a:extLst>
+              <a:ext uri="{FF2B5EF4-FFF2-40B4-BE49-F238E27FC236}">
+                <a16:creationId xmlns:a16="http://schemas.microsoft.com/office/drawing/2014/main" id="{425D7385-4E21-390F-D351-49A6CDEE953C}"/>
               </a:ext>
             </a:extLst>
           </p:cNvPr>
@@ -4101,8 +4528,8 @@
         </p:nvSpPr>
         <p:spPr>
           <a:xfrm>
-            <a:off x="16874181" y="23050710"/>
-            <a:ext cx="10476105" cy="1015663"/>
+            <a:off x="1550694" y="25645591"/>
+            <a:ext cx="13830814" cy="1015663"/>
           </a:xfrm>
           <a:prstGeom prst="rect">
             <a:avLst/>
@@ -4116,18 +4543,22 @@
           <a:lstStyle/>
           <a:p>
             <a:r>
-              <a:rPr lang="en-US" sz="6000" dirty="0"/>
-              <a:t>E. Dynamics (velocity profiles)</a:t>
-            </a:r>
-          </a:p>
-        </p:txBody>
-      </p:sp>
-      <p:sp>
-        <p:nvSpPr>
-          <p:cNvPr id="33" name="TextBox 32">
+              <a:rPr lang="en-US" sz="6000" b="1" dirty="0">
+                <a:latin typeface="Helvetica Neue Condensed" panose="02000503000000020004" pitchFamily="2" charset="0"/>
+                <a:ea typeface="Helvetica Neue Condensed" panose="02000503000000020004" pitchFamily="2" charset="0"/>
+                <a:cs typeface="Helvetica Neue Condensed" panose="02000503000000020004" pitchFamily="2" charset="0"/>
+              </a:rPr>
+              <a:t>(II) Combine extracted features</a:t>
+            </a:r>
+          </a:p>
+        </p:txBody>
+      </p:sp>
+      <p:sp>
+        <p:nvSpPr>
+          <p:cNvPr id="9" name="TextBox 8">
             <a:extLst>
               <a:ext uri="{FF2B5EF4-FFF2-40B4-BE49-F238E27FC236}">
-                <a16:creationId xmlns:a16="http://schemas.microsoft.com/office/drawing/2014/main" id="{81B9C5F0-743B-3AA1-E8BE-DAADF742B755}"/>
+                <a16:creationId xmlns:a16="http://schemas.microsoft.com/office/drawing/2014/main" id="{1A9BDF46-7610-C991-C960-56E55F483F30}"/>
               </a:ext>
             </a:extLst>
           </p:cNvPr>
@@ -4136,19 +4567,15 @@
         </p:nvSpPr>
         <p:spPr>
           <a:xfrm>
-            <a:off x="9929942" y="30330388"/>
-            <a:ext cx="11980535" cy="7478970"/>
+            <a:off x="15501775" y="28696086"/>
+            <a:ext cx="13891713" cy="12095619"/>
           </a:xfrm>
           <a:prstGeom prst="rect">
             <a:avLst/>
           </a:prstGeom>
           <a:noFill/>
           <a:ln w="38100">
-            <a:solidFill>
-              <a:schemeClr val="bg1">
-                <a:lumMod val="50000"/>
-              </a:schemeClr>
-            </a:solidFill>
+            <a:noFill/>
           </a:ln>
         </p:spPr>
         <p:txBody>
@@ -4158,104 +4585,124 @@
           <a:lstStyle/>
           <a:p>
             <a:r>
-              <a:rPr lang="en-US" sz="6000" dirty="0"/>
-              <a:t>None recordings (16 instances)</a:t>
-            </a:r>
-          </a:p>
-          <a:p>
-            <a:r>
-              <a:rPr lang="en-US" sz="6000" dirty="0"/>
-              <a:t> - Combine A, B, C</a:t>
-            </a:r>
-          </a:p>
-          <a:p>
-            <a:r>
-              <a:rPr lang="en-US" sz="6000" dirty="0"/>
-              <a:t>Art-only recordings (16 instances)</a:t>
-            </a:r>
-          </a:p>
-          <a:p>
-            <a:r>
-              <a:rPr lang="en-US" sz="6000" dirty="0"/>
-              <a:t> - Combine A, </a:t>
-            </a:r>
-            <a:r>
               <a:rPr lang="en-US" sz="6000" dirty="0">
-                <a:solidFill>
-                  <a:srgbClr val="FF0000"/>
-                </a:solidFill>
+                <a:latin typeface="HelveticaNeueLT Std Cn" panose="020B0506030502030204" pitchFamily="34" charset="77"/>
+                <a:ea typeface="Helvetica Neue" panose="02000503000000020004" pitchFamily="2" charset="0"/>
+                <a:cs typeface="Helvetica Neue" panose="02000503000000020004" pitchFamily="2" charset="0"/>
               </a:rPr>
-              <a:t>D</a:t>
-            </a:r>
-            <a:r>
-              <a:rPr lang="en-US" sz="6000" dirty="0"/>
-              <a:t>, C</a:t>
-            </a:r>
-          </a:p>
-          <a:p>
-            <a:r>
-              <a:rPr lang="en-US" sz="6000" dirty="0" err="1"/>
+              <a:t>None recordings (4 instances)</a:t>
+            </a:r>
+          </a:p>
+          <a:p>
+            <a:r>
+              <a:rPr lang="en-US" sz="6000" dirty="0">
+                <a:latin typeface="HelveticaNeueLT Std Cn" panose="020B0506030502030204" pitchFamily="34" charset="77"/>
+                <a:ea typeface="Helvetica Neue" panose="02000503000000020004" pitchFamily="2" charset="0"/>
+                <a:cs typeface="Helvetica Neue" panose="02000503000000020004" pitchFamily="2" charset="0"/>
+              </a:rPr>
+              <a:t> - none_1, none_2, none_3, none_4</a:t>
+            </a:r>
+          </a:p>
+          <a:p>
+            <a:endParaRPr lang="en-US" sz="6000" dirty="0">
+              <a:latin typeface="HelveticaNeueLT Std Cn" panose="020B0506030502030204" pitchFamily="34" charset="77"/>
+              <a:ea typeface="Helvetica Neue" panose="02000503000000020004" pitchFamily="2" charset="0"/>
+              <a:cs typeface="Helvetica Neue" panose="02000503000000020004" pitchFamily="2" charset="0"/>
+            </a:endParaRPr>
+          </a:p>
+          <a:p>
+            <a:r>
+              <a:rPr lang="en-US" sz="6000" dirty="0">
+                <a:latin typeface="HelveticaNeueLT Std Cn" panose="020B0506030502030204" pitchFamily="34" charset="77"/>
+                <a:ea typeface="Helvetica Neue" panose="02000503000000020004" pitchFamily="2" charset="0"/>
+                <a:cs typeface="Helvetica Neue" panose="02000503000000020004" pitchFamily="2" charset="0"/>
+              </a:rPr>
+              <a:t>Art-only recordings (4 instances)</a:t>
+            </a:r>
+          </a:p>
+          <a:p>
+            <a:r>
+              <a:rPr lang="en-US" sz="6000" dirty="0">
+                <a:latin typeface="HelveticaNeueLT Std Cn" panose="020B0506030502030204" pitchFamily="34" charset="77"/>
+                <a:ea typeface="Helvetica Neue" panose="02000503000000020004" pitchFamily="2" charset="0"/>
+                <a:cs typeface="Helvetica Neue" panose="02000503000000020004" pitchFamily="2" charset="0"/>
+              </a:rPr>
+              <a:t> - art_only_1, art_only_2, art_only_3, art_only_4</a:t>
+            </a:r>
+          </a:p>
+          <a:p>
+            <a:endParaRPr lang="en-US" sz="6000" dirty="0">
+              <a:latin typeface="HelveticaNeueLT Std Cn" panose="020B0506030502030204" pitchFamily="34" charset="77"/>
+              <a:ea typeface="Helvetica Neue" panose="02000503000000020004" pitchFamily="2" charset="0"/>
+              <a:cs typeface="Helvetica Neue" panose="02000503000000020004" pitchFamily="2" charset="0"/>
+            </a:endParaRPr>
+          </a:p>
+          <a:p>
+            <a:r>
+              <a:rPr lang="en-US" sz="6000" dirty="0" err="1">
+                <a:latin typeface="HelveticaNeueLT Std Cn" panose="020B0506030502030204" pitchFamily="34" charset="77"/>
+                <a:ea typeface="Helvetica Neue" panose="02000503000000020004" pitchFamily="2" charset="0"/>
+                <a:cs typeface="Helvetica Neue" panose="02000503000000020004" pitchFamily="2" charset="0"/>
+              </a:rPr>
               <a:t>Dyn</a:t>
             </a:r>
             <a:r>
-              <a:rPr lang="en-US" sz="6000" dirty="0"/>
-              <a:t>-only recordings (16 instances)</a:t>
-            </a:r>
-          </a:p>
-          <a:p>
-            <a:r>
-              <a:rPr lang="en-US" sz="6000" dirty="0"/>
-              <a:t> - Combine A, B, </a:t>
-            </a:r>
-            <a:r>
               <a:rPr lang="en-US" sz="6000" dirty="0">
-                <a:solidFill>
-                  <a:srgbClr val="FF0000"/>
-                </a:solidFill>
+                <a:latin typeface="HelveticaNeueLT Std Cn" panose="020B0506030502030204" pitchFamily="34" charset="77"/>
+                <a:ea typeface="Helvetica Neue" panose="02000503000000020004" pitchFamily="2" charset="0"/>
+                <a:cs typeface="Helvetica Neue" panose="02000503000000020004" pitchFamily="2" charset="0"/>
               </a:rPr>
-              <a:t>E</a:t>
-            </a:r>
-          </a:p>
-          <a:p>
-            <a:r>
-              <a:rPr lang="en-US" sz="6000" dirty="0"/>
-              <a:t>Both recordings (16 instances)</a:t>
-            </a:r>
-          </a:p>
-          <a:p>
-            <a:r>
-              <a:rPr lang="en-US" sz="6000" dirty="0"/>
-              <a:t> - Combine A, </a:t>
-            </a:r>
+              <a:t>-only recordings (4 instances)</a:t>
+            </a:r>
+          </a:p>
+          <a:p>
             <a:r>
               <a:rPr lang="en-US" sz="6000" dirty="0">
-                <a:solidFill>
-                  <a:srgbClr val="FF0000"/>
-                </a:solidFill>
+                <a:latin typeface="HelveticaNeueLT Std Cn" panose="020B0506030502030204" pitchFamily="34" charset="77"/>
+                <a:ea typeface="Helvetica Neue" panose="02000503000000020004" pitchFamily="2" charset="0"/>
+                <a:cs typeface="Helvetica Neue" panose="02000503000000020004" pitchFamily="2" charset="0"/>
               </a:rPr>
-              <a:t>D</a:t>
-            </a:r>
-            <a:r>
-              <a:rPr lang="en-US" sz="6000" dirty="0"/>
-              <a:t>, </a:t>
-            </a:r>
+              <a:t> - dyn_only_1, dyn_only_2, dyn_only_3, dyn_only_4</a:t>
+            </a:r>
+          </a:p>
+          <a:p>
+            <a:endParaRPr lang="en-US" sz="6000" dirty="0">
+              <a:solidFill>
+                <a:srgbClr val="FF0000"/>
+              </a:solidFill>
+              <a:latin typeface="HelveticaNeueLT Std Cn" panose="020B0506030502030204" pitchFamily="34" charset="77"/>
+              <a:ea typeface="Helvetica Neue" panose="02000503000000020004" pitchFamily="2" charset="0"/>
+              <a:cs typeface="Helvetica Neue" panose="02000503000000020004" pitchFamily="2" charset="0"/>
+            </a:endParaRPr>
+          </a:p>
+          <a:p>
             <a:r>
               <a:rPr lang="en-US" sz="6000" dirty="0">
-                <a:solidFill>
-                  <a:srgbClr val="FF0000"/>
-                </a:solidFill>
+                <a:latin typeface="HelveticaNeueLT Std Cn" panose="020B0506030502030204" pitchFamily="34" charset="77"/>
+                <a:ea typeface="Helvetica Neue" panose="02000503000000020004" pitchFamily="2" charset="0"/>
+                <a:cs typeface="Helvetica Neue" panose="02000503000000020004" pitchFamily="2" charset="0"/>
               </a:rPr>
-              <a:t>E</a:t>
-            </a:r>
-          </a:p>
-        </p:txBody>
-      </p:sp>
-      <p:sp>
-        <p:nvSpPr>
-          <p:cNvPr id="34" name="TextBox 33">
+              <a:t>Both recordings (4 instances)</a:t>
+            </a:r>
+          </a:p>
+          <a:p>
+            <a:r>
+              <a:rPr lang="en-US" sz="6000" dirty="0">
+                <a:latin typeface="HelveticaNeueLT Std Cn" panose="020B0506030502030204" pitchFamily="34" charset="77"/>
+                <a:ea typeface="Helvetica Neue" panose="02000503000000020004" pitchFamily="2" charset="0"/>
+                <a:cs typeface="Helvetica Neue" panose="02000503000000020004" pitchFamily="2" charset="0"/>
+              </a:rPr>
+              <a:t> - both_1, both_2, both_3, both_4</a:t>
+            </a:r>
+          </a:p>
+        </p:txBody>
+      </p:sp>
+      <p:sp>
+        <p:nvSpPr>
+          <p:cNvPr id="10" name="TextBox 9">
             <a:extLst>
               <a:ext uri="{FF2B5EF4-FFF2-40B4-BE49-F238E27FC236}">
-                <a16:creationId xmlns:a16="http://schemas.microsoft.com/office/drawing/2014/main" id="{8D4A009C-EF91-5B5B-C17F-98C307E931F7}"/>
+                <a16:creationId xmlns:a16="http://schemas.microsoft.com/office/drawing/2014/main" id="{AB339157-2AE4-C9FE-513D-379850AA659D}"/>
               </a:ext>
             </a:extLst>
           </p:cNvPr>
@@ -4264,112 +4711,8 @@
         </p:nvSpPr>
         <p:spPr>
           <a:xfrm>
-            <a:off x="3632024" y="4282293"/>
-            <a:ext cx="9311006" cy="1938992"/>
-          </a:xfrm>
-          <a:prstGeom prst="rect">
-            <a:avLst/>
-          </a:prstGeom>
-          <a:solidFill>
-            <a:schemeClr val="bg1">
-              <a:lumMod val="50000"/>
-            </a:schemeClr>
-          </a:solidFill>
-        </p:spPr>
-        <p:txBody>
-          <a:bodyPr wrap="square" rtlCol="0">
-            <a:spAutoFit/>
-          </a:bodyPr>
-          <a:lstStyle/>
-          <a:p>
-            <a:r>
-              <a:rPr lang="en-US" sz="6000" dirty="0">
-                <a:solidFill>
-                  <a:schemeClr val="bg1"/>
-                </a:solidFill>
-              </a:rPr>
-              <a:t>Generation of 16 instances</a:t>
-            </a:r>
-          </a:p>
-          <a:p>
-            <a:r>
-              <a:rPr lang="en-US" sz="6000" dirty="0">
-                <a:solidFill>
-                  <a:schemeClr val="bg1"/>
-                </a:solidFill>
-              </a:rPr>
-              <a:t>Per each type</a:t>
-            </a:r>
-          </a:p>
-        </p:txBody>
-      </p:sp>
-      <mc:AlternateContent xmlns:mc="http://schemas.openxmlformats.org/markup-compatibility/2006">
-        <mc:Choice xmlns:p14="http://schemas.microsoft.com/office/powerpoint/2010/main" Requires="p14">
-          <p:contentPart p14:bwMode="auto" r:id="rId6">
-            <p14:nvContentPartPr>
-              <p14:cNvPr id="44" name="Ink 43">
-                <a:extLst>
-                  <a:ext uri="{FF2B5EF4-FFF2-40B4-BE49-F238E27FC236}">
-                    <a16:creationId xmlns:a16="http://schemas.microsoft.com/office/drawing/2014/main" id="{5F7ADC26-F836-146B-22AB-29C421EEE719}"/>
-                  </a:ext>
-                </a:extLst>
-              </p14:cNvPr>
-              <p14:cNvContentPartPr/>
-              <p14:nvPr/>
-            </p14:nvContentPartPr>
-            <p14:xfrm>
-              <a:off x="4845210" y="28066315"/>
-              <a:ext cx="20348639" cy="1833905"/>
-            </p14:xfrm>
-          </p:contentPart>
-        </mc:Choice>
-        <mc:Fallback>
-          <p:pic>
-            <p:nvPicPr>
-              <p:cNvPr id="44" name="Ink 43">
-                <a:extLst>
-                  <a:ext uri="{FF2B5EF4-FFF2-40B4-BE49-F238E27FC236}">
-                    <a16:creationId xmlns:a16="http://schemas.microsoft.com/office/drawing/2014/main" id="{5F7ADC26-F836-146B-22AB-29C421EEE719}"/>
-                  </a:ext>
-                </a:extLst>
-              </p:cNvPr>
-              <p:cNvPicPr/>
-              <p:nvPr/>
-            </p:nvPicPr>
-            <p:blipFill>
-              <a:blip r:embed="rId7"/>
-              <a:stretch>
-                <a:fillRect/>
-              </a:stretch>
-            </p:blipFill>
-            <p:spPr>
-              <a:xfrm>
-                <a:off x="4836570" y="28057311"/>
-                <a:ext cx="20366280" cy="1851553"/>
-              </a:xfrm>
-              <a:prstGeom prst="rect">
-                <a:avLst/>
-              </a:prstGeom>
-            </p:spPr>
-          </p:pic>
-        </mc:Fallback>
-      </mc:AlternateContent>
-      <p:sp>
-        <p:nvSpPr>
-          <p:cNvPr id="46" name="TextBox 45">
-            <a:extLst>
-              <a:ext uri="{FF2B5EF4-FFF2-40B4-BE49-F238E27FC236}">
-                <a16:creationId xmlns:a16="http://schemas.microsoft.com/office/drawing/2014/main" id="{A12B3245-4E7F-2995-6833-C60B8FBEEA32}"/>
-              </a:ext>
-            </a:extLst>
-          </p:cNvPr>
-          <p:cNvSpPr txBox="1"/>
-          <p:nvPr/>
-        </p:nvSpPr>
-        <p:spPr>
-          <a:xfrm>
-            <a:off x="16874191" y="12791747"/>
-            <a:ext cx="9398259" cy="2037289"/>
+            <a:off x="15506192" y="25623819"/>
+            <a:ext cx="13830814" cy="1938992"/>
           </a:xfrm>
           <a:prstGeom prst="rect">
             <a:avLst/>
@@ -4383,126 +4726,38 @@
           <a:lstStyle/>
           <a:p>
             <a:r>
-              <a:rPr lang="en-US" sz="4213" dirty="0"/>
-              <a:t>16 instances for A, B, C were generated</a:t>
-            </a:r>
-          </a:p>
-          <a:p>
-            <a:r>
-              <a:rPr lang="en-US" sz="4213" dirty="0"/>
-              <a:t>by averaging three of each performance</a:t>
-            </a:r>
-          </a:p>
-          <a:p>
-            <a:r>
-              <a:rPr lang="en-US" sz="4213" dirty="0"/>
-              <a:t>feature of </a:t>
-            </a:r>
-            <a:r>
-              <a:rPr lang="en-US" sz="4213" i="1" dirty="0"/>
-              <a:t>baseline performances</a:t>
-            </a:r>
-          </a:p>
-        </p:txBody>
-      </p:sp>
-      <p:sp>
-        <p:nvSpPr>
-          <p:cNvPr id="47" name="TextBox 46">
-            <a:extLst>
-              <a:ext uri="{FF2B5EF4-FFF2-40B4-BE49-F238E27FC236}">
-                <a16:creationId xmlns:a16="http://schemas.microsoft.com/office/drawing/2014/main" id="{1EC7812E-6DFD-90D3-AF5D-6D71FBAF4671}"/>
-              </a:ext>
-            </a:extLst>
-          </p:cNvPr>
-          <p:cNvSpPr txBox="1"/>
-          <p:nvPr/>
-        </p:nvSpPr>
-        <p:spPr>
-          <a:xfrm>
-            <a:off x="16874184" y="17581792"/>
-            <a:ext cx="9845108" cy="2037289"/>
-          </a:xfrm>
-          <a:prstGeom prst="rect">
-            <a:avLst/>
-          </a:prstGeom>
-          <a:noFill/>
-        </p:spPr>
-        <p:txBody>
-          <a:bodyPr wrap="square" rtlCol="0">
-            <a:spAutoFit/>
-          </a:bodyPr>
-          <a:lstStyle/>
-          <a:p>
-            <a:r>
-              <a:rPr lang="en-US" sz="4213" dirty="0"/>
-              <a:t>16 instances for D were generated</a:t>
-            </a:r>
-          </a:p>
-          <a:p>
-            <a:r>
-              <a:rPr lang="en-US" sz="4213" dirty="0"/>
-              <a:t>by averaging the articulation performance</a:t>
-            </a:r>
-          </a:p>
-          <a:p>
-            <a:r>
-              <a:rPr lang="en-US" sz="4213" dirty="0"/>
-              <a:t>feature of </a:t>
-            </a:r>
-            <a:r>
-              <a:rPr lang="en-US" sz="4213" i="1" dirty="0"/>
-              <a:t>articulation performances</a:t>
-            </a:r>
-          </a:p>
-        </p:txBody>
-      </p:sp>
-      <p:sp>
-        <p:nvSpPr>
-          <p:cNvPr id="48" name="TextBox 47">
-            <a:extLst>
-              <a:ext uri="{FF2B5EF4-FFF2-40B4-BE49-F238E27FC236}">
-                <a16:creationId xmlns:a16="http://schemas.microsoft.com/office/drawing/2014/main" id="{CF181584-C2CF-4F4C-CB02-993675972139}"/>
-              </a:ext>
-            </a:extLst>
-          </p:cNvPr>
-          <p:cNvSpPr txBox="1"/>
-          <p:nvPr/>
-        </p:nvSpPr>
-        <p:spPr>
-          <a:xfrm>
-            <a:off x="16874172" y="24832536"/>
-            <a:ext cx="9399835" cy="2037289"/>
-          </a:xfrm>
-          <a:prstGeom prst="rect">
-            <a:avLst/>
-          </a:prstGeom>
-          <a:noFill/>
-        </p:spPr>
-        <p:txBody>
-          <a:bodyPr wrap="square" rtlCol="0">
-            <a:spAutoFit/>
-          </a:bodyPr>
-          <a:lstStyle/>
-          <a:p>
-            <a:r>
-              <a:rPr lang="en-US" sz="4213" dirty="0"/>
-              <a:t>16 instances for E were generated</a:t>
-            </a:r>
-          </a:p>
-          <a:p>
-            <a:r>
-              <a:rPr lang="en-US" sz="4213" dirty="0"/>
-              <a:t>by averaging the dynamics performance</a:t>
-            </a:r>
-          </a:p>
-          <a:p>
-            <a:r>
-              <a:rPr lang="en-US" sz="4213" dirty="0"/>
-              <a:t>feature of </a:t>
-            </a:r>
-            <a:r>
-              <a:rPr lang="en-US" sz="4213" i="1" dirty="0"/>
-              <a:t>dynamics performances</a:t>
+              <a:rPr lang="en-US" sz="6000" b="1" dirty="0">
+                <a:latin typeface="Helvetica Neue Condensed" panose="02000503000000020004" pitchFamily="2" charset="0"/>
+                <a:ea typeface="Helvetica Neue Condensed" panose="02000503000000020004" pitchFamily="2" charset="0"/>
+                <a:cs typeface="Helvetica Neue Condensed" panose="02000503000000020004" pitchFamily="2" charset="0"/>
+              </a:rPr>
+              <a:t>(III) Selected recordings </a:t>
+            </a:r>
+          </a:p>
+          <a:p>
+            <a:r>
+              <a:rPr lang="en-US" sz="6000" b="1" dirty="0">
+                <a:latin typeface="Helvetica Neue Condensed" panose="02000503000000020004" pitchFamily="2" charset="0"/>
+                <a:ea typeface="Helvetica Neue Condensed" panose="02000503000000020004" pitchFamily="2" charset="0"/>
+                <a:cs typeface="Helvetica Neue Condensed" panose="02000503000000020004" pitchFamily="2" charset="0"/>
+              </a:rPr>
+              <a:t>		</a:t>
+            </a:r>
+            <a:r>
+              <a:rPr lang="en-US" sz="6000" dirty="0">
+                <a:latin typeface="HelveticaNeueLT Std Cn" panose="020B0506030502030204" pitchFamily="34" charset="77"/>
+                <a:ea typeface="Helvetica Neue Condensed" panose="02000503000000020004" pitchFamily="2" charset="0"/>
+                <a:cs typeface="Helvetica Neue Condensed" panose="02000503000000020004" pitchFamily="2" charset="0"/>
+              </a:rPr>
+              <a:t> </a:t>
+            </a:r>
+            <a:r>
+              <a:rPr lang="en-US" sz="6000" dirty="0">
+                <a:latin typeface="HelveticaNeueLT Std Cn" panose="020B0506030502030204" pitchFamily="34" charset="77"/>
+                <a:ea typeface="HELVETICA NEUE CONDENSED" panose="02000503000000020004" pitchFamily="2" charset="0"/>
+                <a:cs typeface="HELVETICA NEUE CONDENSED" panose="02000503000000020004" pitchFamily="2" charset="0"/>
+              </a:rPr>
+              <a:t>(Fig. 7 – Fig. 10 for details)</a:t>
             </a:r>
           </a:p>
         </p:txBody>

--- a/paper/image/supplementary.pptx
+++ b/paper/image/supplementary.pptx
@@ -3600,7 +3600,7 @@
         <p:spPr>
           <a:xfrm>
             <a:off x="20029853" y="5342783"/>
-            <a:ext cx="11033934" cy="1015663"/>
+            <a:ext cx="9307153" cy="1015663"/>
           </a:xfrm>
           <a:prstGeom prst="rect">
             <a:avLst/>
@@ -3639,7 +3639,7 @@
         <p:spPr>
           <a:xfrm>
             <a:off x="20029853" y="7612223"/>
-            <a:ext cx="10515496" cy="1015663"/>
+            <a:ext cx="9398259" cy="1009701"/>
           </a:xfrm>
           <a:prstGeom prst="rect">
             <a:avLst/>
@@ -3697,15 +3697,7 @@
                 <a:ea typeface="Helvetica Neue Condensed" panose="02000503000000020004" pitchFamily="2" charset="0"/>
                 <a:cs typeface="Helvetica Neue Condensed" panose="02000503000000020004" pitchFamily="2" charset="0"/>
               </a:rPr>
-              <a:t>(I) Extract </a:t>
-            </a:r>
-            <a:r>
-              <a:rPr lang="en-US" sz="6000" b="1" dirty="0">
-                <a:latin typeface="Helvetica Neue Condensed" panose="02000503000000020004" pitchFamily="2" charset="0"/>
-                <a:ea typeface="Helvetica Neue Condensed" panose="02000503000000020004" pitchFamily="2" charset="0"/>
-                <a:cs typeface="Helvetica Neue Condensed" panose="02000503000000020004" pitchFamily="2" charset="0"/>
-              </a:rPr>
-              <a:t>performances features from dataset</a:t>
+              <a:t>(I) Extract performances features from dataset</a:t>
             </a:r>
           </a:p>
         </p:txBody>
@@ -3925,8 +3917,8 @@
         </p:nvSpPr>
         <p:spPr>
           <a:xfrm>
-            <a:off x="20029853" y="12996627"/>
-            <a:ext cx="11076931" cy="1015663"/>
+            <a:off x="20029853" y="12996628"/>
+            <a:ext cx="9398259" cy="1009700"/>
           </a:xfrm>
           <a:prstGeom prst="rect">
             <a:avLst/>
@@ -3964,8 +3956,8 @@
         </p:nvSpPr>
         <p:spPr>
           <a:xfrm>
-            <a:off x="20029853" y="19373925"/>
-            <a:ext cx="10476105" cy="1015663"/>
+            <a:off x="20029853" y="19373926"/>
+            <a:ext cx="9307153" cy="1015662"/>
           </a:xfrm>
           <a:prstGeom prst="rect">
             <a:avLst/>
@@ -4003,7 +3995,7 @@
         </p:nvSpPr>
         <p:spPr>
           <a:xfrm>
-            <a:off x="1550694" y="28698175"/>
+            <a:off x="1550694" y="27250375"/>
             <a:ext cx="13891713" cy="10248960"/>
           </a:xfrm>
           <a:prstGeom prst="rect">
@@ -4269,7 +4261,7 @@
         <p:spPr>
           <a:xfrm>
             <a:off x="20029853" y="14456893"/>
-            <a:ext cx="9845108" cy="2037289"/>
+            <a:ext cx="9307153" cy="2037289"/>
           </a:xfrm>
           <a:prstGeom prst="rect">
             <a:avLst/>
@@ -4528,7 +4520,7 @@
         </p:nvSpPr>
         <p:spPr>
           <a:xfrm>
-            <a:off x="1550694" y="25645591"/>
+            <a:off x="1550694" y="24197791"/>
             <a:ext cx="13830814" cy="1015663"/>
           </a:xfrm>
           <a:prstGeom prst="rect">
@@ -4567,7 +4559,7 @@
         </p:nvSpPr>
         <p:spPr>
           <a:xfrm>
-            <a:off x="15501775" y="28696086"/>
+            <a:off x="15501775" y="27248286"/>
             <a:ext cx="13891713" cy="12095619"/>
           </a:xfrm>
           <a:prstGeom prst="rect">
@@ -4711,7 +4703,7 @@
         </p:nvSpPr>
         <p:spPr>
           <a:xfrm>
-            <a:off x="15506192" y="25623819"/>
+            <a:off x="15506192" y="24176019"/>
             <a:ext cx="13830814" cy="1938992"/>
           </a:xfrm>
           <a:prstGeom prst="rect">

--- a/paper/image/supplementary.pptx
+++ b/paper/image/supplementary.pptx
@@ -2,7 +2,7 @@
 <file path=ppt/presentation.xml><?xml version="1.0" encoding="utf-8"?>
 <p:presentation xmlns:a="http://schemas.openxmlformats.org/drawingml/2006/main" xmlns:r="http://schemas.openxmlformats.org/officeDocument/2006/relationships" xmlns:p="http://schemas.openxmlformats.org/presentationml/2006/main" saveSubsetFonts="1" autoCompressPictures="0">
   <p:sldMasterIdLst>
-    <p:sldMasterId id="2147483696" r:id="rId1"/>
+    <p:sldMasterId id="2147483720" r:id="rId1"/>
   </p:sldMasterIdLst>
   <p:notesMasterIdLst>
     <p:notesMasterId r:id="rId3"/>
@@ -10,7 +10,7 @@
   <p:sldIdLst>
     <p:sldId id="257" r:id="rId2"/>
   </p:sldIdLst>
-  <p:sldSz cx="30275213" cy="42803763"/>
+  <p:sldSz cx="9906000" cy="6858000" type="A4"/>
   <p:notesSz cx="6858000" cy="9144000"/>
   <p:defaultTextStyle>
     <a:defPPr>
@@ -110,12 +110,12 @@
   <p:extLst>
     <p:ext uri="{EFAFB233-063F-42B5-8137-9DF3F51BA10A}">
       <p15:sldGuideLst xmlns:p15="http://schemas.microsoft.com/office/powerpoint/2012/main">
-        <p15:guide id="1" orient="horz" pos="13482" userDrawn="1">
+        <p15:guide id="1" orient="horz" pos="2160" userDrawn="1">
           <p15:clr>
             <a:srgbClr val="A4A3A4"/>
           </p15:clr>
         </p15:guide>
-        <p15:guide id="2" pos="9558" userDrawn="1">
+        <p15:guide id="2" pos="3127" userDrawn="1">
           <p15:clr>
             <a:srgbClr val="A4A3A4"/>
           </p15:clr>
@@ -208,7 +208,7 @@
           <a:p>
             <a:fld id="{B82C364D-D81D-0845-9A9B-3DC1F0A57A0F}" type="datetimeFigureOut">
               <a:rPr lang="en-US" smtClean="0"/>
-              <a:t>1/17/23</a:t>
+              <a:t>1/30/23</a:t>
             </a:fld>
             <a:endParaRPr lang="en-US"/>
           </a:p>
@@ -226,8 +226,8 @@
         </p:nvSpPr>
         <p:spPr>
           <a:xfrm>
-            <a:off x="2338388" y="1143000"/>
-            <a:ext cx="2181225" cy="3086100"/>
+            <a:off x="1200150" y="1143000"/>
+            <a:ext cx="4457700" cy="3086100"/>
           </a:xfrm>
           <a:prstGeom prst="rect">
             <a:avLst/>
@@ -382,8 +382,8 @@
   </p:cSld>
   <p:clrMap bg1="lt1" tx1="dk1" bg2="lt2" tx2="dk2" accent1="accent1" accent2="accent2" accent3="accent3" accent4="accent4" accent5="accent5" accent6="accent6" hlink="hlink" folHlink="folHlink"/>
   <p:notesStyle>
-    <a:lvl1pPr marL="0" algn="l" defTabSz="3506633" rtl="0" eaLnBrk="1" latinLnBrk="0" hangingPunct="1">
-      <a:defRPr sz="4603" kern="1200">
+    <a:lvl1pPr marL="0" algn="l" defTabSz="804071" rtl="0" eaLnBrk="1" latinLnBrk="0" hangingPunct="1">
+      <a:defRPr sz="1055" kern="1200">
         <a:solidFill>
           <a:schemeClr val="tx1"/>
         </a:solidFill>
@@ -392,8 +392,8 @@
         <a:cs typeface="+mn-cs"/>
       </a:defRPr>
     </a:lvl1pPr>
-    <a:lvl2pPr marL="1753316" algn="l" defTabSz="3506633" rtl="0" eaLnBrk="1" latinLnBrk="0" hangingPunct="1">
-      <a:defRPr sz="4603" kern="1200">
+    <a:lvl2pPr marL="402035" algn="l" defTabSz="804071" rtl="0" eaLnBrk="1" latinLnBrk="0" hangingPunct="1">
+      <a:defRPr sz="1055" kern="1200">
         <a:solidFill>
           <a:schemeClr val="tx1"/>
         </a:solidFill>
@@ -402,8 +402,8 @@
         <a:cs typeface="+mn-cs"/>
       </a:defRPr>
     </a:lvl2pPr>
-    <a:lvl3pPr marL="3506633" algn="l" defTabSz="3506633" rtl="0" eaLnBrk="1" latinLnBrk="0" hangingPunct="1">
-      <a:defRPr sz="4603" kern="1200">
+    <a:lvl3pPr marL="804071" algn="l" defTabSz="804071" rtl="0" eaLnBrk="1" latinLnBrk="0" hangingPunct="1">
+      <a:defRPr sz="1055" kern="1200">
         <a:solidFill>
           <a:schemeClr val="tx1"/>
         </a:solidFill>
@@ -412,8 +412,8 @@
         <a:cs typeface="+mn-cs"/>
       </a:defRPr>
     </a:lvl3pPr>
-    <a:lvl4pPr marL="5259953" algn="l" defTabSz="3506633" rtl="0" eaLnBrk="1" latinLnBrk="0" hangingPunct="1">
-      <a:defRPr sz="4603" kern="1200">
+    <a:lvl4pPr marL="1206107" algn="l" defTabSz="804071" rtl="0" eaLnBrk="1" latinLnBrk="0" hangingPunct="1">
+      <a:defRPr sz="1055" kern="1200">
         <a:solidFill>
           <a:schemeClr val="tx1"/>
         </a:solidFill>
@@ -422,8 +422,8 @@
         <a:cs typeface="+mn-cs"/>
       </a:defRPr>
     </a:lvl4pPr>
-    <a:lvl5pPr marL="7013269" algn="l" defTabSz="3506633" rtl="0" eaLnBrk="1" latinLnBrk="0" hangingPunct="1">
-      <a:defRPr sz="4603" kern="1200">
+    <a:lvl5pPr marL="1608143" algn="l" defTabSz="804071" rtl="0" eaLnBrk="1" latinLnBrk="0" hangingPunct="1">
+      <a:defRPr sz="1055" kern="1200">
         <a:solidFill>
           <a:schemeClr val="tx1"/>
         </a:solidFill>
@@ -432,8 +432,8 @@
         <a:cs typeface="+mn-cs"/>
       </a:defRPr>
     </a:lvl5pPr>
-    <a:lvl6pPr marL="8766586" algn="l" defTabSz="3506633" rtl="0" eaLnBrk="1" latinLnBrk="0" hangingPunct="1">
-      <a:defRPr sz="4603" kern="1200">
+    <a:lvl6pPr marL="2010178" algn="l" defTabSz="804071" rtl="0" eaLnBrk="1" latinLnBrk="0" hangingPunct="1">
+      <a:defRPr sz="1055" kern="1200">
         <a:solidFill>
           <a:schemeClr val="tx1"/>
         </a:solidFill>
@@ -442,8 +442,8 @@
         <a:cs typeface="+mn-cs"/>
       </a:defRPr>
     </a:lvl6pPr>
-    <a:lvl7pPr marL="10519902" algn="l" defTabSz="3506633" rtl="0" eaLnBrk="1" latinLnBrk="0" hangingPunct="1">
-      <a:defRPr sz="4603" kern="1200">
+    <a:lvl7pPr marL="2412214" algn="l" defTabSz="804071" rtl="0" eaLnBrk="1" latinLnBrk="0" hangingPunct="1">
+      <a:defRPr sz="1055" kern="1200">
         <a:solidFill>
           <a:schemeClr val="tx1"/>
         </a:solidFill>
@@ -452,8 +452,8 @@
         <a:cs typeface="+mn-cs"/>
       </a:defRPr>
     </a:lvl7pPr>
-    <a:lvl8pPr marL="12273218" algn="l" defTabSz="3506633" rtl="0" eaLnBrk="1" latinLnBrk="0" hangingPunct="1">
-      <a:defRPr sz="4603" kern="1200">
+    <a:lvl8pPr marL="2814249" algn="l" defTabSz="804071" rtl="0" eaLnBrk="1" latinLnBrk="0" hangingPunct="1">
+      <a:defRPr sz="1055" kern="1200">
         <a:solidFill>
           <a:schemeClr val="tx1"/>
         </a:solidFill>
@@ -462,8 +462,8 @@
         <a:cs typeface="+mn-cs"/>
       </a:defRPr>
     </a:lvl8pPr>
-    <a:lvl9pPr marL="14026535" algn="l" defTabSz="3506633" rtl="0" eaLnBrk="1" latinLnBrk="0" hangingPunct="1">
-      <a:defRPr sz="4603" kern="1200">
+    <a:lvl9pPr marL="3216284" algn="l" defTabSz="804071" rtl="0" eaLnBrk="1" latinLnBrk="0" hangingPunct="1">
+      <a:defRPr sz="1055" kern="1200">
         <a:solidFill>
           <a:schemeClr val="tx1"/>
         </a:solidFill>
@@ -505,8 +505,8 @@
         </p:nvSpPr>
         <p:spPr>
           <a:xfrm>
-            <a:off x="2338388" y="1143000"/>
-            <a:ext cx="2181225" cy="3086100"/>
+            <a:off x="1200150" y="1143000"/>
+            <a:ext cx="4457700" cy="3086100"/>
           </a:xfrm>
         </p:spPr>
       </p:sp>
@@ -594,15 +594,15 @@
         </p:nvSpPr>
         <p:spPr>
           <a:xfrm>
-            <a:off x="2270641" y="7005156"/>
-            <a:ext cx="25733931" cy="14902051"/>
+            <a:off x="742950" y="1122363"/>
+            <a:ext cx="8420100" cy="2387600"/>
           </a:xfrm>
         </p:spPr>
         <p:txBody>
           <a:bodyPr anchor="b"/>
           <a:lstStyle>
             <a:lvl1pPr algn="ctr">
-              <a:defRPr sz="19865"/>
+              <a:defRPr sz="6000"/>
             </a:lvl1pPr>
           </a:lstStyle>
           <a:p>
@@ -626,8 +626,8 @@
         </p:nvSpPr>
         <p:spPr>
           <a:xfrm>
-            <a:off x="3784402" y="22481887"/>
-            <a:ext cx="22706410" cy="10334331"/>
+            <a:off x="1238250" y="3602038"/>
+            <a:ext cx="7429500" cy="1655762"/>
           </a:xfrm>
         </p:spPr>
         <p:txBody>
@@ -635,39 +635,39 @@
           <a:lstStyle>
             <a:lvl1pPr marL="0" indent="0" algn="ctr">
               <a:buNone/>
-              <a:defRPr sz="7946"/>
+              <a:defRPr sz="2400"/>
             </a:lvl1pPr>
-            <a:lvl2pPr marL="1513743" indent="0" algn="ctr">
-              <a:buNone/>
-              <a:defRPr sz="6622"/>
+            <a:lvl2pPr marL="457200" indent="0" algn="ctr">
+              <a:buNone/>
+              <a:defRPr sz="2000"/>
             </a:lvl2pPr>
-            <a:lvl3pPr marL="3027487" indent="0" algn="ctr">
-              <a:buNone/>
-              <a:defRPr sz="5960"/>
+            <a:lvl3pPr marL="914400" indent="0" algn="ctr">
+              <a:buNone/>
+              <a:defRPr sz="1800"/>
             </a:lvl3pPr>
-            <a:lvl4pPr marL="4541230" indent="0" algn="ctr">
-              <a:buNone/>
-              <a:defRPr sz="5297"/>
+            <a:lvl4pPr marL="1371600" indent="0" algn="ctr">
+              <a:buNone/>
+              <a:defRPr sz="1600"/>
             </a:lvl4pPr>
-            <a:lvl5pPr marL="6054974" indent="0" algn="ctr">
-              <a:buNone/>
-              <a:defRPr sz="5297"/>
+            <a:lvl5pPr marL="1828800" indent="0" algn="ctr">
+              <a:buNone/>
+              <a:defRPr sz="1600"/>
             </a:lvl5pPr>
-            <a:lvl6pPr marL="7568717" indent="0" algn="ctr">
-              <a:buNone/>
-              <a:defRPr sz="5297"/>
+            <a:lvl6pPr marL="2286000" indent="0" algn="ctr">
+              <a:buNone/>
+              <a:defRPr sz="1600"/>
             </a:lvl6pPr>
-            <a:lvl7pPr marL="9082461" indent="0" algn="ctr">
-              <a:buNone/>
-              <a:defRPr sz="5297"/>
+            <a:lvl7pPr marL="2743200" indent="0" algn="ctr">
+              <a:buNone/>
+              <a:defRPr sz="1600"/>
             </a:lvl7pPr>
-            <a:lvl8pPr marL="10596204" indent="0" algn="ctr">
-              <a:buNone/>
-              <a:defRPr sz="5297"/>
+            <a:lvl8pPr marL="3200400" indent="0" algn="ctr">
+              <a:buNone/>
+              <a:defRPr sz="1600"/>
             </a:lvl8pPr>
-            <a:lvl9pPr marL="12109948" indent="0" algn="ctr">
-              <a:buNone/>
-              <a:defRPr sz="5297"/>
+            <a:lvl9pPr marL="3657600" indent="0" algn="ctr">
+              <a:buNone/>
+              <a:defRPr sz="1600"/>
             </a:lvl9pPr>
           </a:lstStyle>
           <a:p>
@@ -696,7 +696,7 @@
           <a:p>
             <a:fld id="{0B3969E3-A65B-4F43-9099-EDE3BF01F7BC}" type="datetimeFigureOut">
               <a:rPr lang="en-US" smtClean="0"/>
-              <a:t>1/17/23</a:t>
+              <a:t>1/30/23</a:t>
             </a:fld>
             <a:endParaRPr lang="en-US"/>
           </a:p>
@@ -747,7 +747,7 @@
     </p:spTree>
     <p:extLst>
       <p:ext uri="{BB962C8B-B14F-4D97-AF65-F5344CB8AC3E}">
-        <p14:creationId xmlns:p14="http://schemas.microsoft.com/office/powerpoint/2010/main" val="267451130"/>
+        <p14:creationId xmlns:p14="http://schemas.microsoft.com/office/powerpoint/2010/main" val="4229084591"/>
       </p:ext>
     </p:extLst>
   </p:cSld>
@@ -866,7 +866,7 @@
           <a:p>
             <a:fld id="{0B3969E3-A65B-4F43-9099-EDE3BF01F7BC}" type="datetimeFigureOut">
               <a:rPr lang="en-US" smtClean="0"/>
-              <a:t>1/17/23</a:t>
+              <a:t>1/30/23</a:t>
             </a:fld>
             <a:endParaRPr lang="en-US"/>
           </a:p>
@@ -917,7 +917,7 @@
     </p:spTree>
     <p:extLst>
       <p:ext uri="{BB962C8B-B14F-4D97-AF65-F5344CB8AC3E}">
-        <p14:creationId xmlns:p14="http://schemas.microsoft.com/office/powerpoint/2010/main" val="3655464732"/>
+        <p14:creationId xmlns:p14="http://schemas.microsoft.com/office/powerpoint/2010/main" val="3011346675"/>
       </p:ext>
     </p:extLst>
   </p:cSld>
@@ -956,8 +956,8 @@
         </p:nvSpPr>
         <p:spPr>
           <a:xfrm>
-            <a:off x="21665701" y="2278904"/>
-            <a:ext cx="6528093" cy="36274211"/>
+            <a:off x="7088982" y="365125"/>
+            <a:ext cx="2135981" cy="5811838"/>
           </a:xfrm>
         </p:spPr>
         <p:txBody>
@@ -984,8 +984,8 @@
         </p:nvSpPr>
         <p:spPr>
           <a:xfrm>
-            <a:off x="2081423" y="2278904"/>
-            <a:ext cx="19205838" cy="36274211"/>
+            <a:off x="681038" y="365125"/>
+            <a:ext cx="6284119" cy="5811838"/>
           </a:xfrm>
         </p:spPr>
         <p:txBody>
@@ -1046,7 +1046,7 @@
           <a:p>
             <a:fld id="{0B3969E3-A65B-4F43-9099-EDE3BF01F7BC}" type="datetimeFigureOut">
               <a:rPr lang="en-US" smtClean="0"/>
-              <a:t>1/17/23</a:t>
+              <a:t>1/30/23</a:t>
             </a:fld>
             <a:endParaRPr lang="en-US"/>
           </a:p>
@@ -1097,7 +1097,7 @@
     </p:spTree>
     <p:extLst>
       <p:ext uri="{BB962C8B-B14F-4D97-AF65-F5344CB8AC3E}">
-        <p14:creationId xmlns:p14="http://schemas.microsoft.com/office/powerpoint/2010/main" val="2439303623"/>
+        <p14:creationId xmlns:p14="http://schemas.microsoft.com/office/powerpoint/2010/main" val="1556137436"/>
       </p:ext>
     </p:extLst>
   </p:cSld>
@@ -1216,7 +1216,7 @@
           <a:p>
             <a:fld id="{0B3969E3-A65B-4F43-9099-EDE3BF01F7BC}" type="datetimeFigureOut">
               <a:rPr lang="en-US" smtClean="0"/>
-              <a:t>1/17/23</a:t>
+              <a:t>1/30/23</a:t>
             </a:fld>
             <a:endParaRPr lang="en-US"/>
           </a:p>
@@ -1267,7 +1267,7 @@
     </p:spTree>
     <p:extLst>
       <p:ext uri="{BB962C8B-B14F-4D97-AF65-F5344CB8AC3E}">
-        <p14:creationId xmlns:p14="http://schemas.microsoft.com/office/powerpoint/2010/main" val="3744964988"/>
+        <p14:creationId xmlns:p14="http://schemas.microsoft.com/office/powerpoint/2010/main" val="1229340076"/>
       </p:ext>
     </p:extLst>
   </p:cSld>
@@ -1306,15 +1306,15 @@
         </p:nvSpPr>
         <p:spPr>
           <a:xfrm>
-            <a:off x="2065654" y="10671229"/>
-            <a:ext cx="26112371" cy="17805173"/>
+            <a:off x="675879" y="1709740"/>
+            <a:ext cx="8543925" cy="2852737"/>
           </a:xfrm>
         </p:spPr>
         <p:txBody>
           <a:bodyPr anchor="b"/>
           <a:lstStyle>
             <a:lvl1pPr>
-              <a:defRPr sz="19865"/>
+              <a:defRPr sz="6000"/>
             </a:lvl1pPr>
           </a:lstStyle>
           <a:p>
@@ -1338,8 +1338,8 @@
         </p:nvSpPr>
         <p:spPr>
           <a:xfrm>
-            <a:off x="2065654" y="28644846"/>
-            <a:ext cx="26112371" cy="9363320"/>
+            <a:off x="675879" y="4589465"/>
+            <a:ext cx="8543925" cy="1500187"/>
           </a:xfrm>
         </p:spPr>
         <p:txBody>
@@ -1347,15 +1347,15 @@
           <a:lstStyle>
             <a:lvl1pPr marL="0" indent="0">
               <a:buNone/>
-              <a:defRPr sz="7946">
+              <a:defRPr sz="2400">
                 <a:solidFill>
                   <a:schemeClr val="tx1"/>
                 </a:solidFill>
               </a:defRPr>
             </a:lvl1pPr>
-            <a:lvl2pPr marL="1513743" indent="0">
-              <a:buNone/>
-              <a:defRPr sz="6622">
+            <a:lvl2pPr marL="457200" indent="0">
+              <a:buNone/>
+              <a:defRPr sz="2000">
                 <a:solidFill>
                   <a:schemeClr val="tx1">
                     <a:tint val="75000"/>
@@ -1363,9 +1363,9 @@
                 </a:solidFill>
               </a:defRPr>
             </a:lvl2pPr>
-            <a:lvl3pPr marL="3027487" indent="0">
-              <a:buNone/>
-              <a:defRPr sz="5960">
+            <a:lvl3pPr marL="914400" indent="0">
+              <a:buNone/>
+              <a:defRPr sz="1800">
                 <a:solidFill>
                   <a:schemeClr val="tx1">
                     <a:tint val="75000"/>
@@ -1373,9 +1373,9 @@
                 </a:solidFill>
               </a:defRPr>
             </a:lvl3pPr>
-            <a:lvl4pPr marL="4541230" indent="0">
-              <a:buNone/>
-              <a:defRPr sz="5297">
+            <a:lvl4pPr marL="1371600" indent="0">
+              <a:buNone/>
+              <a:defRPr sz="1600">
                 <a:solidFill>
                   <a:schemeClr val="tx1">
                     <a:tint val="75000"/>
@@ -1383,9 +1383,9 @@
                 </a:solidFill>
               </a:defRPr>
             </a:lvl4pPr>
-            <a:lvl5pPr marL="6054974" indent="0">
-              <a:buNone/>
-              <a:defRPr sz="5297">
+            <a:lvl5pPr marL="1828800" indent="0">
+              <a:buNone/>
+              <a:defRPr sz="1600">
                 <a:solidFill>
                   <a:schemeClr val="tx1">
                     <a:tint val="75000"/>
@@ -1393,9 +1393,9 @@
                 </a:solidFill>
               </a:defRPr>
             </a:lvl5pPr>
-            <a:lvl6pPr marL="7568717" indent="0">
-              <a:buNone/>
-              <a:defRPr sz="5297">
+            <a:lvl6pPr marL="2286000" indent="0">
+              <a:buNone/>
+              <a:defRPr sz="1600">
                 <a:solidFill>
                   <a:schemeClr val="tx1">
                     <a:tint val="75000"/>
@@ -1403,9 +1403,9 @@
                 </a:solidFill>
               </a:defRPr>
             </a:lvl6pPr>
-            <a:lvl7pPr marL="9082461" indent="0">
-              <a:buNone/>
-              <a:defRPr sz="5297">
+            <a:lvl7pPr marL="2743200" indent="0">
+              <a:buNone/>
+              <a:defRPr sz="1600">
                 <a:solidFill>
                   <a:schemeClr val="tx1">
                     <a:tint val="75000"/>
@@ -1413,9 +1413,9 @@
                 </a:solidFill>
               </a:defRPr>
             </a:lvl7pPr>
-            <a:lvl8pPr marL="10596204" indent="0">
-              <a:buNone/>
-              <a:defRPr sz="5297">
+            <a:lvl8pPr marL="3200400" indent="0">
+              <a:buNone/>
+              <a:defRPr sz="1600">
                 <a:solidFill>
                   <a:schemeClr val="tx1">
                     <a:tint val="75000"/>
@@ -1423,9 +1423,9 @@
                 </a:solidFill>
               </a:defRPr>
             </a:lvl8pPr>
-            <a:lvl9pPr marL="12109948" indent="0">
-              <a:buNone/>
-              <a:defRPr sz="5297">
+            <a:lvl9pPr marL="3657600" indent="0">
+              <a:buNone/>
+              <a:defRPr sz="1600">
                 <a:solidFill>
                   <a:schemeClr val="tx1">
                     <a:tint val="75000"/>
@@ -1460,7 +1460,7 @@
           <a:p>
             <a:fld id="{0B3969E3-A65B-4F43-9099-EDE3BF01F7BC}" type="datetimeFigureOut">
               <a:rPr lang="en-US" smtClean="0"/>
-              <a:t>1/17/23</a:t>
+              <a:t>1/30/23</a:t>
             </a:fld>
             <a:endParaRPr lang="en-US"/>
           </a:p>
@@ -1511,7 +1511,7 @@
     </p:spTree>
     <p:extLst>
       <p:ext uri="{BB962C8B-B14F-4D97-AF65-F5344CB8AC3E}">
-        <p14:creationId xmlns:p14="http://schemas.microsoft.com/office/powerpoint/2010/main" val="2942385930"/>
+        <p14:creationId xmlns:p14="http://schemas.microsoft.com/office/powerpoint/2010/main" val="1941647525"/>
       </p:ext>
     </p:extLst>
   </p:cSld>
@@ -1573,8 +1573,8 @@
         </p:nvSpPr>
         <p:spPr>
           <a:xfrm>
-            <a:off x="2081421" y="11394520"/>
-            <a:ext cx="12866966" cy="27158594"/>
+            <a:off x="681038" y="1825625"/>
+            <a:ext cx="4210050" cy="4351338"/>
           </a:xfrm>
         </p:spPr>
         <p:txBody>
@@ -1630,8 +1630,8 @@
         </p:nvSpPr>
         <p:spPr>
           <a:xfrm>
-            <a:off x="15326826" y="11394520"/>
-            <a:ext cx="12866966" cy="27158594"/>
+            <a:off x="5014913" y="1825625"/>
+            <a:ext cx="4210050" cy="4351338"/>
           </a:xfrm>
         </p:spPr>
         <p:txBody>
@@ -1692,7 +1692,7 @@
           <a:p>
             <a:fld id="{0B3969E3-A65B-4F43-9099-EDE3BF01F7BC}" type="datetimeFigureOut">
               <a:rPr lang="en-US" smtClean="0"/>
-              <a:t>1/17/23</a:t>
+              <a:t>1/30/23</a:t>
             </a:fld>
             <a:endParaRPr lang="en-US"/>
           </a:p>
@@ -1743,7 +1743,7 @@
     </p:spTree>
     <p:extLst>
       <p:ext uri="{BB962C8B-B14F-4D97-AF65-F5344CB8AC3E}">
-        <p14:creationId xmlns:p14="http://schemas.microsoft.com/office/powerpoint/2010/main" val="2128035437"/>
+        <p14:creationId xmlns:p14="http://schemas.microsoft.com/office/powerpoint/2010/main" val="2708702751"/>
       </p:ext>
     </p:extLst>
   </p:cSld>
@@ -1782,8 +1782,8 @@
         </p:nvSpPr>
         <p:spPr>
           <a:xfrm>
-            <a:off x="2085364" y="2278913"/>
-            <a:ext cx="26112371" cy="8273416"/>
+            <a:off x="682328" y="365127"/>
+            <a:ext cx="8543925" cy="1325563"/>
           </a:xfrm>
         </p:spPr>
         <p:txBody>
@@ -1810,8 +1810,8 @@
         </p:nvSpPr>
         <p:spPr>
           <a:xfrm>
-            <a:off x="2085368" y="10492870"/>
-            <a:ext cx="12807832" cy="5142393"/>
+            <a:off x="682329" y="1681163"/>
+            <a:ext cx="4190702" cy="823912"/>
           </a:xfrm>
         </p:spPr>
         <p:txBody>
@@ -1819,39 +1819,39 @@
           <a:lstStyle>
             <a:lvl1pPr marL="0" indent="0">
               <a:buNone/>
-              <a:defRPr sz="7946" b="1"/>
+              <a:defRPr sz="2400" b="1"/>
             </a:lvl1pPr>
-            <a:lvl2pPr marL="1513743" indent="0">
-              <a:buNone/>
-              <a:defRPr sz="6622" b="1"/>
+            <a:lvl2pPr marL="457200" indent="0">
+              <a:buNone/>
+              <a:defRPr sz="2000" b="1"/>
             </a:lvl2pPr>
-            <a:lvl3pPr marL="3027487" indent="0">
-              <a:buNone/>
-              <a:defRPr sz="5960" b="1"/>
+            <a:lvl3pPr marL="914400" indent="0">
+              <a:buNone/>
+              <a:defRPr sz="1800" b="1"/>
             </a:lvl3pPr>
-            <a:lvl4pPr marL="4541230" indent="0">
-              <a:buNone/>
-              <a:defRPr sz="5297" b="1"/>
+            <a:lvl4pPr marL="1371600" indent="0">
+              <a:buNone/>
+              <a:defRPr sz="1600" b="1"/>
             </a:lvl4pPr>
-            <a:lvl5pPr marL="6054974" indent="0">
-              <a:buNone/>
-              <a:defRPr sz="5297" b="1"/>
+            <a:lvl5pPr marL="1828800" indent="0">
+              <a:buNone/>
+              <a:defRPr sz="1600" b="1"/>
             </a:lvl5pPr>
-            <a:lvl6pPr marL="7568717" indent="0">
-              <a:buNone/>
-              <a:defRPr sz="5297" b="1"/>
+            <a:lvl6pPr marL="2286000" indent="0">
+              <a:buNone/>
+              <a:defRPr sz="1600" b="1"/>
             </a:lvl6pPr>
-            <a:lvl7pPr marL="9082461" indent="0">
-              <a:buNone/>
-              <a:defRPr sz="5297" b="1"/>
+            <a:lvl7pPr marL="2743200" indent="0">
+              <a:buNone/>
+              <a:defRPr sz="1600" b="1"/>
             </a:lvl7pPr>
-            <a:lvl8pPr marL="10596204" indent="0">
-              <a:buNone/>
-              <a:defRPr sz="5297" b="1"/>
+            <a:lvl8pPr marL="3200400" indent="0">
+              <a:buNone/>
+              <a:defRPr sz="1600" b="1"/>
             </a:lvl8pPr>
-            <a:lvl9pPr marL="12109948" indent="0">
-              <a:buNone/>
-              <a:defRPr sz="5297" b="1"/>
+            <a:lvl9pPr marL="3657600" indent="0">
+              <a:buNone/>
+              <a:defRPr sz="1600" b="1"/>
             </a:lvl9pPr>
           </a:lstStyle>
           <a:p>
@@ -1875,8 +1875,8 @@
         </p:nvSpPr>
         <p:spPr>
           <a:xfrm>
-            <a:off x="2085368" y="15635264"/>
-            <a:ext cx="12807832" cy="22997117"/>
+            <a:off x="682329" y="2505075"/>
+            <a:ext cx="4190702" cy="3684588"/>
           </a:xfrm>
         </p:spPr>
         <p:txBody>
@@ -1932,8 +1932,8 @@
         </p:nvSpPr>
         <p:spPr>
           <a:xfrm>
-            <a:off x="15326828" y="10492870"/>
-            <a:ext cx="12870909" cy="5142393"/>
+            <a:off x="5014913" y="1681163"/>
+            <a:ext cx="4211340" cy="823912"/>
           </a:xfrm>
         </p:spPr>
         <p:txBody>
@@ -1941,39 +1941,39 @@
           <a:lstStyle>
             <a:lvl1pPr marL="0" indent="0">
               <a:buNone/>
-              <a:defRPr sz="7946" b="1"/>
+              <a:defRPr sz="2400" b="1"/>
             </a:lvl1pPr>
-            <a:lvl2pPr marL="1513743" indent="0">
-              <a:buNone/>
-              <a:defRPr sz="6622" b="1"/>
+            <a:lvl2pPr marL="457200" indent="0">
+              <a:buNone/>
+              <a:defRPr sz="2000" b="1"/>
             </a:lvl2pPr>
-            <a:lvl3pPr marL="3027487" indent="0">
-              <a:buNone/>
-              <a:defRPr sz="5960" b="1"/>
+            <a:lvl3pPr marL="914400" indent="0">
+              <a:buNone/>
+              <a:defRPr sz="1800" b="1"/>
             </a:lvl3pPr>
-            <a:lvl4pPr marL="4541230" indent="0">
-              <a:buNone/>
-              <a:defRPr sz="5297" b="1"/>
+            <a:lvl4pPr marL="1371600" indent="0">
+              <a:buNone/>
+              <a:defRPr sz="1600" b="1"/>
             </a:lvl4pPr>
-            <a:lvl5pPr marL="6054974" indent="0">
-              <a:buNone/>
-              <a:defRPr sz="5297" b="1"/>
+            <a:lvl5pPr marL="1828800" indent="0">
+              <a:buNone/>
+              <a:defRPr sz="1600" b="1"/>
             </a:lvl5pPr>
-            <a:lvl6pPr marL="7568717" indent="0">
-              <a:buNone/>
-              <a:defRPr sz="5297" b="1"/>
+            <a:lvl6pPr marL="2286000" indent="0">
+              <a:buNone/>
+              <a:defRPr sz="1600" b="1"/>
             </a:lvl6pPr>
-            <a:lvl7pPr marL="9082461" indent="0">
-              <a:buNone/>
-              <a:defRPr sz="5297" b="1"/>
+            <a:lvl7pPr marL="2743200" indent="0">
+              <a:buNone/>
+              <a:defRPr sz="1600" b="1"/>
             </a:lvl7pPr>
-            <a:lvl8pPr marL="10596204" indent="0">
-              <a:buNone/>
-              <a:defRPr sz="5297" b="1"/>
+            <a:lvl8pPr marL="3200400" indent="0">
+              <a:buNone/>
+              <a:defRPr sz="1600" b="1"/>
             </a:lvl8pPr>
-            <a:lvl9pPr marL="12109948" indent="0">
-              <a:buNone/>
-              <a:defRPr sz="5297" b="1"/>
+            <a:lvl9pPr marL="3657600" indent="0">
+              <a:buNone/>
+              <a:defRPr sz="1600" b="1"/>
             </a:lvl9pPr>
           </a:lstStyle>
           <a:p>
@@ -1997,8 +1997,8 @@
         </p:nvSpPr>
         <p:spPr>
           <a:xfrm>
-            <a:off x="15326828" y="15635264"/>
-            <a:ext cx="12870909" cy="22997117"/>
+            <a:off x="5014913" y="2505075"/>
+            <a:ext cx="4211340" cy="3684588"/>
           </a:xfrm>
         </p:spPr>
         <p:txBody>
@@ -2059,7 +2059,7 @@
           <a:p>
             <a:fld id="{0B3969E3-A65B-4F43-9099-EDE3BF01F7BC}" type="datetimeFigureOut">
               <a:rPr lang="en-US" smtClean="0"/>
-              <a:t>1/17/23</a:t>
+              <a:t>1/30/23</a:t>
             </a:fld>
             <a:endParaRPr lang="en-US"/>
           </a:p>
@@ -2110,7 +2110,7 @@
     </p:spTree>
     <p:extLst>
       <p:ext uri="{BB962C8B-B14F-4D97-AF65-F5344CB8AC3E}">
-        <p14:creationId xmlns:p14="http://schemas.microsoft.com/office/powerpoint/2010/main" val="736955779"/>
+        <p14:creationId xmlns:p14="http://schemas.microsoft.com/office/powerpoint/2010/main" val="1837602204"/>
       </p:ext>
     </p:extLst>
   </p:cSld>
@@ -2177,7 +2177,7 @@
           <a:p>
             <a:fld id="{0B3969E3-A65B-4F43-9099-EDE3BF01F7BC}" type="datetimeFigureOut">
               <a:rPr lang="en-US" smtClean="0"/>
-              <a:t>1/17/23</a:t>
+              <a:t>1/30/23</a:t>
             </a:fld>
             <a:endParaRPr lang="en-US"/>
           </a:p>
@@ -2228,7 +2228,7 @@
     </p:spTree>
     <p:extLst>
       <p:ext uri="{BB962C8B-B14F-4D97-AF65-F5344CB8AC3E}">
-        <p14:creationId xmlns:p14="http://schemas.microsoft.com/office/powerpoint/2010/main" val="2308757091"/>
+        <p14:creationId xmlns:p14="http://schemas.microsoft.com/office/powerpoint/2010/main" val="493929767"/>
       </p:ext>
     </p:extLst>
   </p:cSld>
@@ -2272,7 +2272,7 @@
           <a:p>
             <a:fld id="{0B3969E3-A65B-4F43-9099-EDE3BF01F7BC}" type="datetimeFigureOut">
               <a:rPr lang="en-US" smtClean="0"/>
-              <a:t>1/17/23</a:t>
+              <a:t>1/30/23</a:t>
             </a:fld>
             <a:endParaRPr lang="en-US"/>
           </a:p>
@@ -2323,7 +2323,7 @@
     </p:spTree>
     <p:extLst>
       <p:ext uri="{BB962C8B-B14F-4D97-AF65-F5344CB8AC3E}">
-        <p14:creationId xmlns:p14="http://schemas.microsoft.com/office/powerpoint/2010/main" val="2042958225"/>
+        <p14:creationId xmlns:p14="http://schemas.microsoft.com/office/powerpoint/2010/main" val="2422403296"/>
       </p:ext>
     </p:extLst>
   </p:cSld>
@@ -2362,15 +2362,15 @@
         </p:nvSpPr>
         <p:spPr>
           <a:xfrm>
-            <a:off x="2085364" y="2853584"/>
-            <a:ext cx="9764544" cy="9987545"/>
+            <a:off x="682328" y="457200"/>
+            <a:ext cx="3194943" cy="1600200"/>
           </a:xfrm>
         </p:spPr>
         <p:txBody>
           <a:bodyPr anchor="b"/>
           <a:lstStyle>
             <a:lvl1pPr>
-              <a:defRPr sz="10595"/>
+              <a:defRPr sz="3200"/>
             </a:lvl1pPr>
           </a:lstStyle>
           <a:p>
@@ -2394,39 +2394,39 @@
         </p:nvSpPr>
         <p:spPr>
           <a:xfrm>
-            <a:off x="12870909" y="6162959"/>
-            <a:ext cx="15326827" cy="30418415"/>
+            <a:off x="4211340" y="987427"/>
+            <a:ext cx="5014913" cy="4873625"/>
           </a:xfrm>
         </p:spPr>
         <p:txBody>
           <a:bodyPr/>
           <a:lstStyle>
             <a:lvl1pPr>
-              <a:defRPr sz="10595"/>
+              <a:defRPr sz="3200"/>
             </a:lvl1pPr>
             <a:lvl2pPr>
-              <a:defRPr sz="9271"/>
+              <a:defRPr sz="2800"/>
             </a:lvl2pPr>
             <a:lvl3pPr>
-              <a:defRPr sz="7946"/>
+              <a:defRPr sz="2400"/>
             </a:lvl3pPr>
             <a:lvl4pPr>
-              <a:defRPr sz="6622"/>
+              <a:defRPr sz="2000"/>
             </a:lvl4pPr>
             <a:lvl5pPr>
-              <a:defRPr sz="6622"/>
+              <a:defRPr sz="2000"/>
             </a:lvl5pPr>
             <a:lvl6pPr>
-              <a:defRPr sz="6622"/>
+              <a:defRPr sz="2000"/>
             </a:lvl6pPr>
             <a:lvl7pPr>
-              <a:defRPr sz="6622"/>
+              <a:defRPr sz="2000"/>
             </a:lvl7pPr>
             <a:lvl8pPr>
-              <a:defRPr sz="6622"/>
+              <a:defRPr sz="2000"/>
             </a:lvl8pPr>
             <a:lvl9pPr>
-              <a:defRPr sz="6622"/>
+              <a:defRPr sz="2000"/>
             </a:lvl9pPr>
           </a:lstStyle>
           <a:p>
@@ -2479,8 +2479,8 @@
         </p:nvSpPr>
         <p:spPr>
           <a:xfrm>
-            <a:off x="2085364" y="12841129"/>
-            <a:ext cx="9764544" cy="23789780"/>
+            <a:off x="682328" y="2057400"/>
+            <a:ext cx="3194943" cy="3811588"/>
           </a:xfrm>
         </p:spPr>
         <p:txBody>
@@ -2488,39 +2488,39 @@
           <a:lstStyle>
             <a:lvl1pPr marL="0" indent="0">
               <a:buNone/>
-              <a:defRPr sz="5297"/>
+              <a:defRPr sz="1600"/>
             </a:lvl1pPr>
-            <a:lvl2pPr marL="1513743" indent="0">
-              <a:buNone/>
-              <a:defRPr sz="4635"/>
+            <a:lvl2pPr marL="457200" indent="0">
+              <a:buNone/>
+              <a:defRPr sz="1400"/>
             </a:lvl2pPr>
-            <a:lvl3pPr marL="3027487" indent="0">
-              <a:buNone/>
-              <a:defRPr sz="3973"/>
+            <a:lvl3pPr marL="914400" indent="0">
+              <a:buNone/>
+              <a:defRPr sz="1200"/>
             </a:lvl3pPr>
-            <a:lvl4pPr marL="4541230" indent="0">
-              <a:buNone/>
-              <a:defRPr sz="3311"/>
+            <a:lvl4pPr marL="1371600" indent="0">
+              <a:buNone/>
+              <a:defRPr sz="1000"/>
             </a:lvl4pPr>
-            <a:lvl5pPr marL="6054974" indent="0">
-              <a:buNone/>
-              <a:defRPr sz="3311"/>
+            <a:lvl5pPr marL="1828800" indent="0">
+              <a:buNone/>
+              <a:defRPr sz="1000"/>
             </a:lvl5pPr>
-            <a:lvl6pPr marL="7568717" indent="0">
-              <a:buNone/>
-              <a:defRPr sz="3311"/>
+            <a:lvl6pPr marL="2286000" indent="0">
+              <a:buNone/>
+              <a:defRPr sz="1000"/>
             </a:lvl6pPr>
-            <a:lvl7pPr marL="9082461" indent="0">
-              <a:buNone/>
-              <a:defRPr sz="3311"/>
+            <a:lvl7pPr marL="2743200" indent="0">
+              <a:buNone/>
+              <a:defRPr sz="1000"/>
             </a:lvl7pPr>
-            <a:lvl8pPr marL="10596204" indent="0">
-              <a:buNone/>
-              <a:defRPr sz="3311"/>
+            <a:lvl8pPr marL="3200400" indent="0">
+              <a:buNone/>
+              <a:defRPr sz="1000"/>
             </a:lvl8pPr>
-            <a:lvl9pPr marL="12109948" indent="0">
-              <a:buNone/>
-              <a:defRPr sz="3311"/>
+            <a:lvl9pPr marL="3657600" indent="0">
+              <a:buNone/>
+              <a:defRPr sz="1000"/>
             </a:lvl9pPr>
           </a:lstStyle>
           <a:p>
@@ -2549,7 +2549,7 @@
           <a:p>
             <a:fld id="{0B3969E3-A65B-4F43-9099-EDE3BF01F7BC}" type="datetimeFigureOut">
               <a:rPr lang="en-US" smtClean="0"/>
-              <a:t>1/17/23</a:t>
+              <a:t>1/30/23</a:t>
             </a:fld>
             <a:endParaRPr lang="en-US"/>
           </a:p>
@@ -2600,7 +2600,7 @@
     </p:spTree>
     <p:extLst>
       <p:ext uri="{BB962C8B-B14F-4D97-AF65-F5344CB8AC3E}">
-        <p14:creationId xmlns:p14="http://schemas.microsoft.com/office/powerpoint/2010/main" val="3790723631"/>
+        <p14:creationId xmlns:p14="http://schemas.microsoft.com/office/powerpoint/2010/main" val="4041996207"/>
       </p:ext>
     </p:extLst>
   </p:cSld>
@@ -2639,15 +2639,15 @@
         </p:nvSpPr>
         <p:spPr>
           <a:xfrm>
-            <a:off x="2085364" y="2853584"/>
-            <a:ext cx="9764544" cy="9987545"/>
+            <a:off x="682328" y="457200"/>
+            <a:ext cx="3194943" cy="1600200"/>
           </a:xfrm>
         </p:spPr>
         <p:txBody>
           <a:bodyPr anchor="b"/>
           <a:lstStyle>
             <a:lvl1pPr>
-              <a:defRPr sz="10595"/>
+              <a:defRPr sz="3200"/>
             </a:lvl1pPr>
           </a:lstStyle>
           <a:p>
@@ -2671,8 +2671,8 @@
         </p:nvSpPr>
         <p:spPr>
           <a:xfrm>
-            <a:off x="12870909" y="6162959"/>
-            <a:ext cx="15326827" cy="30418415"/>
+            <a:off x="4211340" y="987427"/>
+            <a:ext cx="5014913" cy="4873625"/>
           </a:xfrm>
         </p:spPr>
         <p:txBody>
@@ -2680,39 +2680,39 @@
           <a:lstStyle>
             <a:lvl1pPr marL="0" indent="0">
               <a:buNone/>
-              <a:defRPr sz="10595"/>
+              <a:defRPr sz="3200"/>
             </a:lvl1pPr>
-            <a:lvl2pPr marL="1513743" indent="0">
-              <a:buNone/>
-              <a:defRPr sz="9271"/>
+            <a:lvl2pPr marL="457200" indent="0">
+              <a:buNone/>
+              <a:defRPr sz="2800"/>
             </a:lvl2pPr>
-            <a:lvl3pPr marL="3027487" indent="0">
-              <a:buNone/>
-              <a:defRPr sz="7946"/>
+            <a:lvl3pPr marL="914400" indent="0">
+              <a:buNone/>
+              <a:defRPr sz="2400"/>
             </a:lvl3pPr>
-            <a:lvl4pPr marL="4541230" indent="0">
-              <a:buNone/>
-              <a:defRPr sz="6622"/>
+            <a:lvl4pPr marL="1371600" indent="0">
+              <a:buNone/>
+              <a:defRPr sz="2000"/>
             </a:lvl4pPr>
-            <a:lvl5pPr marL="6054974" indent="0">
-              <a:buNone/>
-              <a:defRPr sz="6622"/>
+            <a:lvl5pPr marL="1828800" indent="0">
+              <a:buNone/>
+              <a:defRPr sz="2000"/>
             </a:lvl5pPr>
-            <a:lvl6pPr marL="7568717" indent="0">
-              <a:buNone/>
-              <a:defRPr sz="6622"/>
+            <a:lvl6pPr marL="2286000" indent="0">
+              <a:buNone/>
+              <a:defRPr sz="2000"/>
             </a:lvl6pPr>
-            <a:lvl7pPr marL="9082461" indent="0">
-              <a:buNone/>
-              <a:defRPr sz="6622"/>
+            <a:lvl7pPr marL="2743200" indent="0">
+              <a:buNone/>
+              <a:defRPr sz="2000"/>
             </a:lvl7pPr>
-            <a:lvl8pPr marL="10596204" indent="0">
-              <a:buNone/>
-              <a:defRPr sz="6622"/>
+            <a:lvl8pPr marL="3200400" indent="0">
+              <a:buNone/>
+              <a:defRPr sz="2000"/>
             </a:lvl8pPr>
-            <a:lvl9pPr marL="12109948" indent="0">
-              <a:buNone/>
-              <a:defRPr sz="6622"/>
+            <a:lvl9pPr marL="3657600" indent="0">
+              <a:buNone/>
+              <a:defRPr sz="2000"/>
             </a:lvl9pPr>
           </a:lstStyle>
           <a:p>
@@ -2736,8 +2736,8 @@
         </p:nvSpPr>
         <p:spPr>
           <a:xfrm>
-            <a:off x="2085364" y="12841129"/>
-            <a:ext cx="9764544" cy="23789780"/>
+            <a:off x="682328" y="2057400"/>
+            <a:ext cx="3194943" cy="3811588"/>
           </a:xfrm>
         </p:spPr>
         <p:txBody>
@@ -2745,39 +2745,39 @@
           <a:lstStyle>
             <a:lvl1pPr marL="0" indent="0">
               <a:buNone/>
-              <a:defRPr sz="5297"/>
+              <a:defRPr sz="1600"/>
             </a:lvl1pPr>
-            <a:lvl2pPr marL="1513743" indent="0">
-              <a:buNone/>
-              <a:defRPr sz="4635"/>
+            <a:lvl2pPr marL="457200" indent="0">
+              <a:buNone/>
+              <a:defRPr sz="1400"/>
             </a:lvl2pPr>
-            <a:lvl3pPr marL="3027487" indent="0">
-              <a:buNone/>
-              <a:defRPr sz="3973"/>
+            <a:lvl3pPr marL="914400" indent="0">
+              <a:buNone/>
+              <a:defRPr sz="1200"/>
             </a:lvl3pPr>
-            <a:lvl4pPr marL="4541230" indent="0">
-              <a:buNone/>
-              <a:defRPr sz="3311"/>
+            <a:lvl4pPr marL="1371600" indent="0">
+              <a:buNone/>
+              <a:defRPr sz="1000"/>
             </a:lvl4pPr>
-            <a:lvl5pPr marL="6054974" indent="0">
-              <a:buNone/>
-              <a:defRPr sz="3311"/>
+            <a:lvl5pPr marL="1828800" indent="0">
+              <a:buNone/>
+              <a:defRPr sz="1000"/>
             </a:lvl5pPr>
-            <a:lvl6pPr marL="7568717" indent="0">
-              <a:buNone/>
-              <a:defRPr sz="3311"/>
+            <a:lvl6pPr marL="2286000" indent="0">
+              <a:buNone/>
+              <a:defRPr sz="1000"/>
             </a:lvl6pPr>
-            <a:lvl7pPr marL="9082461" indent="0">
-              <a:buNone/>
-              <a:defRPr sz="3311"/>
+            <a:lvl7pPr marL="2743200" indent="0">
+              <a:buNone/>
+              <a:defRPr sz="1000"/>
             </a:lvl7pPr>
-            <a:lvl8pPr marL="10596204" indent="0">
-              <a:buNone/>
-              <a:defRPr sz="3311"/>
+            <a:lvl8pPr marL="3200400" indent="0">
+              <a:buNone/>
+              <a:defRPr sz="1000"/>
             </a:lvl8pPr>
-            <a:lvl9pPr marL="12109948" indent="0">
-              <a:buNone/>
-              <a:defRPr sz="3311"/>
+            <a:lvl9pPr marL="3657600" indent="0">
+              <a:buNone/>
+              <a:defRPr sz="1000"/>
             </a:lvl9pPr>
           </a:lstStyle>
           <a:p>
@@ -2806,7 +2806,7 @@
           <a:p>
             <a:fld id="{0B3969E3-A65B-4F43-9099-EDE3BF01F7BC}" type="datetimeFigureOut">
               <a:rPr lang="en-US" smtClean="0"/>
-              <a:t>1/17/23</a:t>
+              <a:t>1/30/23</a:t>
             </a:fld>
             <a:endParaRPr lang="en-US"/>
           </a:p>
@@ -2857,7 +2857,7 @@
     </p:spTree>
     <p:extLst>
       <p:ext uri="{BB962C8B-B14F-4D97-AF65-F5344CB8AC3E}">
-        <p14:creationId xmlns:p14="http://schemas.microsoft.com/office/powerpoint/2010/main" val="2752483739"/>
+        <p14:creationId xmlns:p14="http://schemas.microsoft.com/office/powerpoint/2010/main" val="2309649744"/>
       </p:ext>
     </p:extLst>
   </p:cSld>
@@ -2901,8 +2901,8 @@
         </p:nvSpPr>
         <p:spPr>
           <a:xfrm>
-            <a:off x="2081421" y="2278913"/>
-            <a:ext cx="26112371" cy="8273416"/>
+            <a:off x="681038" y="365127"/>
+            <a:ext cx="8543925" cy="1325563"/>
           </a:xfrm>
           <a:prstGeom prst="rect">
             <a:avLst/>
@@ -2934,8 +2934,8 @@
         </p:nvSpPr>
         <p:spPr>
           <a:xfrm>
-            <a:off x="2081421" y="11394520"/>
-            <a:ext cx="26112371" cy="27158594"/>
+            <a:off x="681038" y="1825625"/>
+            <a:ext cx="8543925" cy="4351338"/>
           </a:xfrm>
           <a:prstGeom prst="rect">
             <a:avLst/>
@@ -2996,8 +2996,8 @@
         </p:nvSpPr>
         <p:spPr>
           <a:xfrm>
-            <a:off x="2081421" y="39672756"/>
-            <a:ext cx="6811923" cy="2278904"/>
+            <a:off x="681038" y="6356352"/>
+            <a:ext cx="2228850" cy="365125"/>
           </a:xfrm>
           <a:prstGeom prst="rect">
             <a:avLst/>
@@ -3007,7 +3007,7 @@
           <a:bodyPr vert="horz" lIns="91440" tIns="45720" rIns="91440" bIns="45720" rtlCol="0" anchor="ctr"/>
           <a:lstStyle>
             <a:lvl1pPr algn="l">
-              <a:defRPr sz="3973">
+              <a:defRPr sz="1200">
                 <a:solidFill>
                   <a:schemeClr val="tx1">
                     <a:tint val="75000"/>
@@ -3019,7 +3019,7 @@
           <a:p>
             <a:fld id="{0B3969E3-A65B-4F43-9099-EDE3BF01F7BC}" type="datetimeFigureOut">
               <a:rPr lang="en-US" smtClean="0"/>
-              <a:t>1/17/23</a:t>
+              <a:t>1/30/23</a:t>
             </a:fld>
             <a:endParaRPr lang="en-US"/>
           </a:p>
@@ -3037,8 +3037,8 @@
         </p:nvSpPr>
         <p:spPr>
           <a:xfrm>
-            <a:off x="10028665" y="39672756"/>
-            <a:ext cx="10217884" cy="2278904"/>
+            <a:off x="3281363" y="6356352"/>
+            <a:ext cx="3343275" cy="365125"/>
           </a:xfrm>
           <a:prstGeom prst="rect">
             <a:avLst/>
@@ -3048,7 +3048,7 @@
           <a:bodyPr vert="horz" lIns="91440" tIns="45720" rIns="91440" bIns="45720" rtlCol="0" anchor="ctr"/>
           <a:lstStyle>
             <a:lvl1pPr algn="ctr">
-              <a:defRPr sz="3973">
+              <a:defRPr sz="1200">
                 <a:solidFill>
                   <a:schemeClr val="tx1">
                     <a:tint val="75000"/>
@@ -3074,8 +3074,8 @@
         </p:nvSpPr>
         <p:spPr>
           <a:xfrm>
-            <a:off x="21381869" y="39672756"/>
-            <a:ext cx="6811923" cy="2278904"/>
+            <a:off x="6996113" y="6356352"/>
+            <a:ext cx="2228850" cy="365125"/>
           </a:xfrm>
           <a:prstGeom prst="rect">
             <a:avLst/>
@@ -3085,7 +3085,7 @@
           <a:bodyPr vert="horz" lIns="91440" tIns="45720" rIns="91440" bIns="45720" rtlCol="0" anchor="ctr"/>
           <a:lstStyle>
             <a:lvl1pPr algn="r">
-              <a:defRPr sz="3973">
+              <a:defRPr sz="1200">
                 <a:solidFill>
                   <a:schemeClr val="tx1">
                     <a:tint val="75000"/>
@@ -3106,27 +3106,27 @@
     </p:spTree>
     <p:extLst>
       <p:ext uri="{BB962C8B-B14F-4D97-AF65-F5344CB8AC3E}">
-        <p14:creationId xmlns:p14="http://schemas.microsoft.com/office/powerpoint/2010/main" val="3307880045"/>
+        <p14:creationId xmlns:p14="http://schemas.microsoft.com/office/powerpoint/2010/main" val="2739558164"/>
       </p:ext>
     </p:extLst>
   </p:cSld>
   <p:clrMap bg1="lt1" tx1="dk1" bg2="lt2" tx2="dk2" accent1="accent1" accent2="accent2" accent3="accent3" accent4="accent4" accent5="accent5" accent6="accent6" hlink="hlink" folHlink="folHlink"/>
   <p:sldLayoutIdLst>
-    <p:sldLayoutId id="2147483697" r:id="rId1"/>
-    <p:sldLayoutId id="2147483698" r:id="rId2"/>
-    <p:sldLayoutId id="2147483699" r:id="rId3"/>
-    <p:sldLayoutId id="2147483700" r:id="rId4"/>
-    <p:sldLayoutId id="2147483701" r:id="rId5"/>
-    <p:sldLayoutId id="2147483702" r:id="rId6"/>
-    <p:sldLayoutId id="2147483703" r:id="rId7"/>
-    <p:sldLayoutId id="2147483704" r:id="rId8"/>
-    <p:sldLayoutId id="2147483705" r:id="rId9"/>
-    <p:sldLayoutId id="2147483706" r:id="rId10"/>
-    <p:sldLayoutId id="2147483707" r:id="rId11"/>
+    <p:sldLayoutId id="2147483721" r:id="rId1"/>
+    <p:sldLayoutId id="2147483722" r:id="rId2"/>
+    <p:sldLayoutId id="2147483723" r:id="rId3"/>
+    <p:sldLayoutId id="2147483724" r:id="rId4"/>
+    <p:sldLayoutId id="2147483725" r:id="rId5"/>
+    <p:sldLayoutId id="2147483726" r:id="rId6"/>
+    <p:sldLayoutId id="2147483727" r:id="rId7"/>
+    <p:sldLayoutId id="2147483728" r:id="rId8"/>
+    <p:sldLayoutId id="2147483729" r:id="rId9"/>
+    <p:sldLayoutId id="2147483730" r:id="rId10"/>
+    <p:sldLayoutId id="2147483731" r:id="rId11"/>
   </p:sldLayoutIdLst>
   <p:txStyles>
     <p:titleStyle>
-      <a:lvl1pPr algn="l" defTabSz="3027487" rtl="0" eaLnBrk="1" latinLnBrk="0" hangingPunct="1">
+      <a:lvl1pPr algn="l" defTabSz="914400" rtl="0" eaLnBrk="1" latinLnBrk="0" hangingPunct="1">
         <a:lnSpc>
           <a:spcPct val="90000"/>
         </a:lnSpc>
@@ -3134,7 +3134,7 @@
           <a:spcPct val="0"/>
         </a:spcBef>
         <a:buNone/>
-        <a:defRPr sz="14568" kern="1200">
+        <a:defRPr sz="4400" kern="1200">
           <a:solidFill>
             <a:schemeClr val="tx1"/>
           </a:solidFill>
@@ -3145,16 +3145,16 @@
       </a:lvl1pPr>
     </p:titleStyle>
     <p:bodyStyle>
-      <a:lvl1pPr marL="756872" indent="-756872" algn="l" defTabSz="3027487" rtl="0" eaLnBrk="1" latinLnBrk="0" hangingPunct="1">
+      <a:lvl1pPr marL="228600" indent="-228600" algn="l" defTabSz="914400" rtl="0" eaLnBrk="1" latinLnBrk="0" hangingPunct="1">
         <a:lnSpc>
           <a:spcPct val="90000"/>
         </a:lnSpc>
         <a:spcBef>
-          <a:spcPts val="3311"/>
+          <a:spcPts val="1000"/>
         </a:spcBef>
         <a:buFont typeface="Arial" panose="020B0604020202020204" pitchFamily="34" charset="0"/>
         <a:buChar char="•"/>
-        <a:defRPr sz="9271" kern="1200">
+        <a:defRPr sz="2800" kern="1200">
           <a:solidFill>
             <a:schemeClr val="tx1"/>
           </a:solidFill>
@@ -3163,16 +3163,16 @@
           <a:cs typeface="+mn-cs"/>
         </a:defRPr>
       </a:lvl1pPr>
-      <a:lvl2pPr marL="2270615" indent="-756872" algn="l" defTabSz="3027487" rtl="0" eaLnBrk="1" latinLnBrk="0" hangingPunct="1">
+      <a:lvl2pPr marL="685800" indent="-228600" algn="l" defTabSz="914400" rtl="0" eaLnBrk="1" latinLnBrk="0" hangingPunct="1">
         <a:lnSpc>
           <a:spcPct val="90000"/>
         </a:lnSpc>
         <a:spcBef>
-          <a:spcPts val="1655"/>
+          <a:spcPts val="500"/>
         </a:spcBef>
         <a:buFont typeface="Arial" panose="020B0604020202020204" pitchFamily="34" charset="0"/>
         <a:buChar char="•"/>
-        <a:defRPr sz="7946" kern="1200">
+        <a:defRPr sz="2400" kern="1200">
           <a:solidFill>
             <a:schemeClr val="tx1"/>
           </a:solidFill>
@@ -3181,16 +3181,16 @@
           <a:cs typeface="+mn-cs"/>
         </a:defRPr>
       </a:lvl2pPr>
-      <a:lvl3pPr marL="3784359" indent="-756872" algn="l" defTabSz="3027487" rtl="0" eaLnBrk="1" latinLnBrk="0" hangingPunct="1">
+      <a:lvl3pPr marL="1143000" indent="-228600" algn="l" defTabSz="914400" rtl="0" eaLnBrk="1" latinLnBrk="0" hangingPunct="1">
         <a:lnSpc>
           <a:spcPct val="90000"/>
         </a:lnSpc>
         <a:spcBef>
-          <a:spcPts val="1655"/>
+          <a:spcPts val="500"/>
         </a:spcBef>
         <a:buFont typeface="Arial" panose="020B0604020202020204" pitchFamily="34" charset="0"/>
         <a:buChar char="•"/>
-        <a:defRPr sz="6622" kern="1200">
+        <a:defRPr sz="2000" kern="1200">
           <a:solidFill>
             <a:schemeClr val="tx1"/>
           </a:solidFill>
@@ -3199,16 +3199,16 @@
           <a:cs typeface="+mn-cs"/>
         </a:defRPr>
       </a:lvl3pPr>
-      <a:lvl4pPr marL="5298102" indent="-756872" algn="l" defTabSz="3027487" rtl="0" eaLnBrk="1" latinLnBrk="0" hangingPunct="1">
+      <a:lvl4pPr marL="1600200" indent="-228600" algn="l" defTabSz="914400" rtl="0" eaLnBrk="1" latinLnBrk="0" hangingPunct="1">
         <a:lnSpc>
           <a:spcPct val="90000"/>
         </a:lnSpc>
         <a:spcBef>
-          <a:spcPts val="1655"/>
+          <a:spcPts val="500"/>
         </a:spcBef>
         <a:buFont typeface="Arial" panose="020B0604020202020204" pitchFamily="34" charset="0"/>
         <a:buChar char="•"/>
-        <a:defRPr sz="5960" kern="1200">
+        <a:defRPr sz="1800" kern="1200">
           <a:solidFill>
             <a:schemeClr val="tx1"/>
           </a:solidFill>
@@ -3217,16 +3217,16 @@
           <a:cs typeface="+mn-cs"/>
         </a:defRPr>
       </a:lvl4pPr>
-      <a:lvl5pPr marL="6811846" indent="-756872" algn="l" defTabSz="3027487" rtl="0" eaLnBrk="1" latinLnBrk="0" hangingPunct="1">
+      <a:lvl5pPr marL="2057400" indent="-228600" algn="l" defTabSz="914400" rtl="0" eaLnBrk="1" latinLnBrk="0" hangingPunct="1">
         <a:lnSpc>
           <a:spcPct val="90000"/>
         </a:lnSpc>
         <a:spcBef>
-          <a:spcPts val="1655"/>
+          <a:spcPts val="500"/>
         </a:spcBef>
         <a:buFont typeface="Arial" panose="020B0604020202020204" pitchFamily="34" charset="0"/>
         <a:buChar char="•"/>
-        <a:defRPr sz="5960" kern="1200">
+        <a:defRPr sz="1800" kern="1200">
           <a:solidFill>
             <a:schemeClr val="tx1"/>
           </a:solidFill>
@@ -3235,16 +3235,16 @@
           <a:cs typeface="+mn-cs"/>
         </a:defRPr>
       </a:lvl5pPr>
-      <a:lvl6pPr marL="8325589" indent="-756872" algn="l" defTabSz="3027487" rtl="0" eaLnBrk="1" latinLnBrk="0" hangingPunct="1">
+      <a:lvl6pPr marL="2514600" indent="-228600" algn="l" defTabSz="914400" rtl="0" eaLnBrk="1" latinLnBrk="0" hangingPunct="1">
         <a:lnSpc>
           <a:spcPct val="90000"/>
         </a:lnSpc>
         <a:spcBef>
-          <a:spcPts val="1655"/>
+          <a:spcPts val="500"/>
         </a:spcBef>
         <a:buFont typeface="Arial" panose="020B0604020202020204" pitchFamily="34" charset="0"/>
         <a:buChar char="•"/>
-        <a:defRPr sz="5960" kern="1200">
+        <a:defRPr sz="1800" kern="1200">
           <a:solidFill>
             <a:schemeClr val="tx1"/>
           </a:solidFill>
@@ -3253,16 +3253,16 @@
           <a:cs typeface="+mn-cs"/>
         </a:defRPr>
       </a:lvl6pPr>
-      <a:lvl7pPr marL="9839333" indent="-756872" algn="l" defTabSz="3027487" rtl="0" eaLnBrk="1" latinLnBrk="0" hangingPunct="1">
+      <a:lvl7pPr marL="2971800" indent="-228600" algn="l" defTabSz="914400" rtl="0" eaLnBrk="1" latinLnBrk="0" hangingPunct="1">
         <a:lnSpc>
           <a:spcPct val="90000"/>
         </a:lnSpc>
         <a:spcBef>
-          <a:spcPts val="1655"/>
+          <a:spcPts val="500"/>
         </a:spcBef>
         <a:buFont typeface="Arial" panose="020B0604020202020204" pitchFamily="34" charset="0"/>
         <a:buChar char="•"/>
-        <a:defRPr sz="5960" kern="1200">
+        <a:defRPr sz="1800" kern="1200">
           <a:solidFill>
             <a:schemeClr val="tx1"/>
           </a:solidFill>
@@ -3271,16 +3271,16 @@
           <a:cs typeface="+mn-cs"/>
         </a:defRPr>
       </a:lvl7pPr>
-      <a:lvl8pPr marL="11353076" indent="-756872" algn="l" defTabSz="3027487" rtl="0" eaLnBrk="1" latinLnBrk="0" hangingPunct="1">
+      <a:lvl8pPr marL="3429000" indent="-228600" algn="l" defTabSz="914400" rtl="0" eaLnBrk="1" latinLnBrk="0" hangingPunct="1">
         <a:lnSpc>
           <a:spcPct val="90000"/>
         </a:lnSpc>
         <a:spcBef>
-          <a:spcPts val="1655"/>
+          <a:spcPts val="500"/>
         </a:spcBef>
         <a:buFont typeface="Arial" panose="020B0604020202020204" pitchFamily="34" charset="0"/>
         <a:buChar char="•"/>
-        <a:defRPr sz="5960" kern="1200">
+        <a:defRPr sz="1800" kern="1200">
           <a:solidFill>
             <a:schemeClr val="tx1"/>
           </a:solidFill>
@@ -3289,16 +3289,16 @@
           <a:cs typeface="+mn-cs"/>
         </a:defRPr>
       </a:lvl8pPr>
-      <a:lvl9pPr marL="12866820" indent="-756872" algn="l" defTabSz="3027487" rtl="0" eaLnBrk="1" latinLnBrk="0" hangingPunct="1">
+      <a:lvl9pPr marL="3886200" indent="-228600" algn="l" defTabSz="914400" rtl="0" eaLnBrk="1" latinLnBrk="0" hangingPunct="1">
         <a:lnSpc>
           <a:spcPct val="90000"/>
         </a:lnSpc>
         <a:spcBef>
-          <a:spcPts val="1655"/>
+          <a:spcPts val="500"/>
         </a:spcBef>
         <a:buFont typeface="Arial" panose="020B0604020202020204" pitchFamily="34" charset="0"/>
         <a:buChar char="•"/>
-        <a:defRPr sz="5960" kern="1200">
+        <a:defRPr sz="1800" kern="1200">
           <a:solidFill>
             <a:schemeClr val="tx1"/>
           </a:solidFill>
@@ -3312,8 +3312,8 @@
       <a:defPPr>
         <a:defRPr lang="en-US"/>
       </a:defPPr>
-      <a:lvl1pPr marL="0" algn="l" defTabSz="3027487" rtl="0" eaLnBrk="1" latinLnBrk="0" hangingPunct="1">
-        <a:defRPr sz="5960" kern="1200">
+      <a:lvl1pPr marL="0" algn="l" defTabSz="914400" rtl="0" eaLnBrk="1" latinLnBrk="0" hangingPunct="1">
+        <a:defRPr sz="1800" kern="1200">
           <a:solidFill>
             <a:schemeClr val="tx1"/>
           </a:solidFill>
@@ -3322,8 +3322,8 @@
           <a:cs typeface="+mn-cs"/>
         </a:defRPr>
       </a:lvl1pPr>
-      <a:lvl2pPr marL="1513743" algn="l" defTabSz="3027487" rtl="0" eaLnBrk="1" latinLnBrk="0" hangingPunct="1">
-        <a:defRPr sz="5960" kern="1200">
+      <a:lvl2pPr marL="457200" algn="l" defTabSz="914400" rtl="0" eaLnBrk="1" latinLnBrk="0" hangingPunct="1">
+        <a:defRPr sz="1800" kern="1200">
           <a:solidFill>
             <a:schemeClr val="tx1"/>
           </a:solidFill>
@@ -3332,8 +3332,8 @@
           <a:cs typeface="+mn-cs"/>
         </a:defRPr>
       </a:lvl2pPr>
-      <a:lvl3pPr marL="3027487" algn="l" defTabSz="3027487" rtl="0" eaLnBrk="1" latinLnBrk="0" hangingPunct="1">
-        <a:defRPr sz="5960" kern="1200">
+      <a:lvl3pPr marL="914400" algn="l" defTabSz="914400" rtl="0" eaLnBrk="1" latinLnBrk="0" hangingPunct="1">
+        <a:defRPr sz="1800" kern="1200">
           <a:solidFill>
             <a:schemeClr val="tx1"/>
           </a:solidFill>
@@ -3342,8 +3342,8 @@
           <a:cs typeface="+mn-cs"/>
         </a:defRPr>
       </a:lvl3pPr>
-      <a:lvl4pPr marL="4541230" algn="l" defTabSz="3027487" rtl="0" eaLnBrk="1" latinLnBrk="0" hangingPunct="1">
-        <a:defRPr sz="5960" kern="1200">
+      <a:lvl4pPr marL="1371600" algn="l" defTabSz="914400" rtl="0" eaLnBrk="1" latinLnBrk="0" hangingPunct="1">
+        <a:defRPr sz="1800" kern="1200">
           <a:solidFill>
             <a:schemeClr val="tx1"/>
           </a:solidFill>
@@ -3352,8 +3352,8 @@
           <a:cs typeface="+mn-cs"/>
         </a:defRPr>
       </a:lvl4pPr>
-      <a:lvl5pPr marL="6054974" algn="l" defTabSz="3027487" rtl="0" eaLnBrk="1" latinLnBrk="0" hangingPunct="1">
-        <a:defRPr sz="5960" kern="1200">
+      <a:lvl5pPr marL="1828800" algn="l" defTabSz="914400" rtl="0" eaLnBrk="1" latinLnBrk="0" hangingPunct="1">
+        <a:defRPr sz="1800" kern="1200">
           <a:solidFill>
             <a:schemeClr val="tx1"/>
           </a:solidFill>
@@ -3362,8 +3362,8 @@
           <a:cs typeface="+mn-cs"/>
         </a:defRPr>
       </a:lvl5pPr>
-      <a:lvl6pPr marL="7568717" algn="l" defTabSz="3027487" rtl="0" eaLnBrk="1" latinLnBrk="0" hangingPunct="1">
-        <a:defRPr sz="5960" kern="1200">
+      <a:lvl6pPr marL="2286000" algn="l" defTabSz="914400" rtl="0" eaLnBrk="1" latinLnBrk="0" hangingPunct="1">
+        <a:defRPr sz="1800" kern="1200">
           <a:solidFill>
             <a:schemeClr val="tx1"/>
           </a:solidFill>
@@ -3372,8 +3372,8 @@
           <a:cs typeface="+mn-cs"/>
         </a:defRPr>
       </a:lvl6pPr>
-      <a:lvl7pPr marL="9082461" algn="l" defTabSz="3027487" rtl="0" eaLnBrk="1" latinLnBrk="0" hangingPunct="1">
-        <a:defRPr sz="5960" kern="1200">
+      <a:lvl7pPr marL="2743200" algn="l" defTabSz="914400" rtl="0" eaLnBrk="1" latinLnBrk="0" hangingPunct="1">
+        <a:defRPr sz="1800" kern="1200">
           <a:solidFill>
             <a:schemeClr val="tx1"/>
           </a:solidFill>
@@ -3382,8 +3382,8 @@
           <a:cs typeface="+mn-cs"/>
         </a:defRPr>
       </a:lvl7pPr>
-      <a:lvl8pPr marL="10596204" algn="l" defTabSz="3027487" rtl="0" eaLnBrk="1" latinLnBrk="0" hangingPunct="1">
-        <a:defRPr sz="5960" kern="1200">
+      <a:lvl8pPr marL="3200400" algn="l" defTabSz="914400" rtl="0" eaLnBrk="1" latinLnBrk="0" hangingPunct="1">
+        <a:defRPr sz="1800" kern="1200">
           <a:solidFill>
             <a:schemeClr val="tx1"/>
           </a:solidFill>
@@ -3392,8 +3392,8 @@
           <a:cs typeface="+mn-cs"/>
         </a:defRPr>
       </a:lvl8pPr>
-      <a:lvl9pPr marL="12109948" algn="l" defTabSz="3027487" rtl="0" eaLnBrk="1" latinLnBrk="0" hangingPunct="1">
-        <a:defRPr sz="5960" kern="1200">
+      <a:lvl9pPr marL="3657600" algn="l" defTabSz="914400" rtl="0" eaLnBrk="1" latinLnBrk="0" hangingPunct="1">
+        <a:defRPr sz="1800" kern="1200">
           <a:solidFill>
             <a:schemeClr val="tx1"/>
           </a:solidFill>
@@ -3446,8 +3446,8 @@
         </p:blipFill>
         <p:spPr>
           <a:xfrm>
-            <a:off x="1550705" y="4813017"/>
-            <a:ext cx="12534616" cy="4460942"/>
+            <a:off x="303594" y="1076362"/>
+            <a:ext cx="2002190" cy="712559"/>
           </a:xfrm>
           <a:prstGeom prst="rect">
             <a:avLst/>
@@ -3470,8 +3470,8 @@
         </p:nvCxnSpPr>
         <p:spPr>
           <a:xfrm>
-            <a:off x="15478126" y="5757878"/>
-            <a:ext cx="4078951" cy="0"/>
+            <a:off x="2537929" y="1420411"/>
+            <a:ext cx="639673" cy="0"/>
           </a:xfrm>
           <a:prstGeom prst="straightConnector1">
             <a:avLst/>
@@ -3516,8 +3516,8 @@
         </p:nvCxnSpPr>
         <p:spPr>
           <a:xfrm>
-            <a:off x="15503306" y="5782561"/>
-            <a:ext cx="4053771" cy="2268000"/>
+            <a:off x="2550843" y="1433247"/>
+            <a:ext cx="635724" cy="355674"/>
           </a:xfrm>
           <a:prstGeom prst="straightConnector1">
             <a:avLst/>
@@ -3548,123 +3548,6 @@
       </p:cxnSp>
       <p:sp>
         <p:nvSpPr>
-          <p:cNvPr id="17" name="TextBox 16">
-            <a:extLst>
-              <a:ext uri="{FF2B5EF4-FFF2-40B4-BE49-F238E27FC236}">
-                <a16:creationId xmlns:a16="http://schemas.microsoft.com/office/drawing/2014/main" id="{8D5A9852-30D4-8C01-6C85-51023C3AC74D}"/>
-              </a:ext>
-            </a:extLst>
-          </p:cNvPr>
-          <p:cNvSpPr txBox="1"/>
-          <p:nvPr/>
-        </p:nvSpPr>
-        <p:spPr>
-          <a:xfrm>
-            <a:off x="20029853" y="3023271"/>
-            <a:ext cx="5674209" cy="1015663"/>
-          </a:xfrm>
-          <a:prstGeom prst="rect">
-            <a:avLst/>
-          </a:prstGeom>
-          <a:noFill/>
-        </p:spPr>
-        <p:txBody>
-          <a:bodyPr wrap="square" rtlCol="0">
-            <a:spAutoFit/>
-          </a:bodyPr>
-          <a:lstStyle/>
-          <a:p>
-            <a:r>
-              <a:rPr lang="en-US" sz="6000" dirty="0">
-                <a:latin typeface="HelveticaNeueLT Std Cn" panose="020B0506030502030204" pitchFamily="34" charset="77"/>
-                <a:ea typeface="Helvetica Neue" panose="02000503000000020004" pitchFamily="2" charset="0"/>
-                <a:cs typeface="Helvetica Neue" panose="02000503000000020004" pitchFamily="2" charset="0"/>
-              </a:rPr>
-              <a:t>A. Tempo (IOIs)</a:t>
-            </a:r>
-          </a:p>
-        </p:txBody>
-      </p:sp>
-      <p:sp>
-        <p:nvSpPr>
-          <p:cNvPr id="18" name="TextBox 17">
-            <a:extLst>
-              <a:ext uri="{FF2B5EF4-FFF2-40B4-BE49-F238E27FC236}">
-                <a16:creationId xmlns:a16="http://schemas.microsoft.com/office/drawing/2014/main" id="{2D953C7F-4753-2790-C427-42821505D065}"/>
-              </a:ext>
-            </a:extLst>
-          </p:cNvPr>
-          <p:cNvSpPr txBox="1"/>
-          <p:nvPr/>
-        </p:nvSpPr>
-        <p:spPr>
-          <a:xfrm>
-            <a:off x="20029853" y="5342783"/>
-            <a:ext cx="9307153" cy="1015663"/>
-          </a:xfrm>
-          <a:prstGeom prst="rect">
-            <a:avLst/>
-          </a:prstGeom>
-          <a:noFill/>
-        </p:spPr>
-        <p:txBody>
-          <a:bodyPr wrap="square" rtlCol="0">
-            <a:spAutoFit/>
-          </a:bodyPr>
-          <a:lstStyle/>
-          <a:p>
-            <a:r>
-              <a:rPr lang="en-US" sz="6000" dirty="0">
-                <a:latin typeface="HelveticaNeueLT Std Cn" panose="020B0506030502030204" pitchFamily="34" charset="77"/>
-                <a:ea typeface="Helvetica Neue" panose="02000503000000020004" pitchFamily="2" charset="0"/>
-                <a:cs typeface="Helvetica Neue" panose="02000503000000020004" pitchFamily="2" charset="0"/>
-              </a:rPr>
-              <a:t>B. Articulation (sound duration)</a:t>
-            </a:r>
-          </a:p>
-        </p:txBody>
-      </p:sp>
-      <p:sp>
-        <p:nvSpPr>
-          <p:cNvPr id="19" name="TextBox 18">
-            <a:extLst>
-              <a:ext uri="{FF2B5EF4-FFF2-40B4-BE49-F238E27FC236}">
-                <a16:creationId xmlns:a16="http://schemas.microsoft.com/office/drawing/2014/main" id="{1CE18468-B01D-1BC2-CC26-1A9ADA993B3D}"/>
-              </a:ext>
-            </a:extLst>
-          </p:cNvPr>
-          <p:cNvSpPr txBox="1"/>
-          <p:nvPr/>
-        </p:nvSpPr>
-        <p:spPr>
-          <a:xfrm>
-            <a:off x="20029853" y="7612223"/>
-            <a:ext cx="9398259" cy="1009701"/>
-          </a:xfrm>
-          <a:prstGeom prst="rect">
-            <a:avLst/>
-          </a:prstGeom>
-          <a:noFill/>
-        </p:spPr>
-        <p:txBody>
-          <a:bodyPr wrap="square" rtlCol="0">
-            <a:spAutoFit/>
-          </a:bodyPr>
-          <a:lstStyle/>
-          <a:p>
-            <a:r>
-              <a:rPr lang="en-US" sz="6000" dirty="0">
-                <a:latin typeface="HelveticaNeueLT Std Cn" panose="020B0506030502030204" pitchFamily="34" charset="77"/>
-                <a:ea typeface="Helvetica Neue" panose="02000503000000020004" pitchFamily="2" charset="0"/>
-                <a:cs typeface="Helvetica Neue" panose="02000503000000020004" pitchFamily="2" charset="0"/>
-              </a:rPr>
-              <a:t>C. Dynamics (velocity profiles)</a:t>
-            </a:r>
-          </a:p>
-        </p:txBody>
-      </p:sp>
-      <p:sp>
-        <p:nvSpPr>
           <p:cNvPr id="20" name="TextBox 19">
             <a:extLst>
               <a:ext uri="{FF2B5EF4-FFF2-40B4-BE49-F238E27FC236}">
@@ -3677,8 +3560,8 @@
         </p:nvSpPr>
         <p:spPr>
           <a:xfrm>
-            <a:off x="1550695" y="2337086"/>
-            <a:ext cx="13830814" cy="1938992"/>
+            <a:off x="207825" y="214012"/>
+            <a:ext cx="2651915" cy="584775"/>
           </a:xfrm>
           <a:prstGeom prst="rect">
             <a:avLst/>
@@ -3692,12 +3575,22 @@
           <a:lstStyle/>
           <a:p>
             <a:r>
-              <a:rPr lang="en-US" sz="6000" b="1" dirty="0">
+              <a:rPr lang="en-US" sz="1600" b="1" dirty="0">
                 <a:latin typeface="Helvetica Neue Condensed" panose="02000503000000020004" pitchFamily="2" charset="0"/>
                 <a:ea typeface="Helvetica Neue Condensed" panose="02000503000000020004" pitchFamily="2" charset="0"/>
                 <a:cs typeface="Helvetica Neue Condensed" panose="02000503000000020004" pitchFamily="2" charset="0"/>
               </a:rPr>
-              <a:t>(I) Extract performances features from dataset</a:t>
+              <a:t>(I) Extract performances     </a:t>
+            </a:r>
+          </a:p>
+          <a:p>
+            <a:r>
+              <a:rPr lang="en-US" sz="1600" b="1" dirty="0">
+                <a:latin typeface="Helvetica Neue Condensed" panose="02000503000000020004" pitchFamily="2" charset="0"/>
+                <a:ea typeface="Helvetica Neue Condensed" panose="02000503000000020004" pitchFamily="2" charset="0"/>
+                <a:cs typeface="Helvetica Neue Condensed" panose="02000503000000020004" pitchFamily="2" charset="0"/>
+              </a:rPr>
+              <a:t>features from dataset</a:t>
             </a:r>
           </a:p>
         </p:txBody>
@@ -3716,8 +3609,8 @@
         </p:nvSpPr>
         <p:spPr>
           <a:xfrm>
-            <a:off x="1550705" y="9140949"/>
-            <a:ext cx="12534616" cy="1388970"/>
+            <a:off x="303594" y="1788921"/>
+            <a:ext cx="1997040" cy="643786"/>
           </a:xfrm>
           <a:prstGeom prst="rect">
             <a:avLst/>
@@ -3731,15 +3624,23 @@
           <a:lstStyle/>
           <a:p>
             <a:r>
-              <a:rPr lang="en-US" sz="4213" dirty="0">
+              <a:rPr lang="en-US" sz="1200" dirty="0">
                 <a:latin typeface="HelveticaNeueLT Std Cn" panose="020B0506030502030204" pitchFamily="34" charset="77"/>
               </a:rPr>
-              <a:t>Performances without expressive notations</a:t>
-            </a:r>
-          </a:p>
-          <a:p>
-            <a:r>
-              <a:rPr lang="en-US" sz="4213" b="1" dirty="0">
+              <a:t>Performances </a:t>
+            </a:r>
+          </a:p>
+          <a:p>
+            <a:r>
+              <a:rPr lang="en-US" sz="1200" dirty="0">
+                <a:latin typeface="HelveticaNeueLT Std Cn" panose="020B0506030502030204" pitchFamily="34" charset="77"/>
+              </a:rPr>
+              <a:t>without expressive notations</a:t>
+            </a:r>
+          </a:p>
+          <a:p>
+            <a:r>
+              <a:rPr lang="en-US" sz="1200" b="1" dirty="0">
                 <a:latin typeface="Helvetica Neue Condensed" panose="02000503000000020004" pitchFamily="2" charset="0"/>
                 <a:ea typeface="Helvetica Neue Condensed" panose="02000503000000020004" pitchFamily="2" charset="0"/>
                 <a:cs typeface="Helvetica Neue Condensed" panose="02000503000000020004" pitchFamily="2" charset="0"/>
@@ -3771,8 +3672,8 @@
         </p:blipFill>
         <p:spPr>
           <a:xfrm>
-            <a:off x="1550705" y="11178832"/>
-            <a:ext cx="12745128" cy="4543719"/>
+            <a:off x="301906" y="2403737"/>
+            <a:ext cx="1998728" cy="712559"/>
           </a:xfrm>
           <a:prstGeom prst="rect">
             <a:avLst/>
@@ -3801,8 +3702,8 @@
         </p:blipFill>
         <p:spPr>
           <a:xfrm>
-            <a:off x="1550695" y="17621445"/>
-            <a:ext cx="12767188" cy="4543717"/>
+            <a:off x="301906" y="3808125"/>
+            <a:ext cx="2002187" cy="712559"/>
           </a:xfrm>
           <a:prstGeom prst="rect">
             <a:avLst/>
@@ -3823,8 +3724,8 @@
         </p:nvSpPr>
         <p:spPr>
           <a:xfrm>
-            <a:off x="1550705" y="15722551"/>
-            <a:ext cx="12745128" cy="1388970"/>
+            <a:off x="301906" y="3139045"/>
+            <a:ext cx="1998728" cy="646331"/>
           </a:xfrm>
           <a:prstGeom prst="rect">
             <a:avLst/>
@@ -3838,15 +3739,23 @@
           <a:lstStyle/>
           <a:p>
             <a:r>
-              <a:rPr lang="en-US" sz="4213" dirty="0">
+              <a:rPr lang="en-US" sz="1200" dirty="0">
                 <a:latin typeface="HelveticaNeueLT Std Cn" panose="020B0506030502030204" pitchFamily="34" charset="77"/>
               </a:rPr>
-              <a:t>Performances with notated articulation</a:t>
-            </a:r>
-          </a:p>
-          <a:p>
-            <a:r>
-              <a:rPr lang="en-US" sz="4213" b="1" dirty="0">
+              <a:t>Performances </a:t>
+            </a:r>
+          </a:p>
+          <a:p>
+            <a:r>
+              <a:rPr lang="en-US" sz="1200" dirty="0">
+                <a:latin typeface="HelveticaNeueLT Std Cn" panose="020B0506030502030204" pitchFamily="34" charset="77"/>
+              </a:rPr>
+              <a:t>with notated articulation</a:t>
+            </a:r>
+          </a:p>
+          <a:p>
+            <a:r>
+              <a:rPr lang="en-US" sz="1200" b="1" dirty="0">
                 <a:latin typeface="Helvetica Neue Condensed" panose="02000503000000020004" pitchFamily="2" charset="0"/>
                 <a:ea typeface="Helvetica Neue Condensed" panose="02000503000000020004" pitchFamily="2" charset="0"/>
                 <a:cs typeface="Helvetica Neue Condensed" panose="02000503000000020004" pitchFamily="2" charset="0"/>
@@ -3870,8 +3779,8 @@
         </p:nvSpPr>
         <p:spPr>
           <a:xfrm>
-            <a:off x="1550695" y="22165758"/>
-            <a:ext cx="12767188" cy="1388970"/>
+            <a:off x="298447" y="4598135"/>
+            <a:ext cx="2002187" cy="646331"/>
           </a:xfrm>
           <a:prstGeom prst="rect">
             <a:avLst/>
@@ -3885,15 +3794,23 @@
           <a:lstStyle/>
           <a:p>
             <a:r>
-              <a:rPr lang="en-US" sz="4213" dirty="0">
+              <a:rPr lang="en-US" sz="1200" dirty="0">
                 <a:latin typeface="HelveticaNeueLT Std Cn" panose="020B0506030502030204" pitchFamily="34" charset="77"/>
               </a:rPr>
-              <a:t>Performances with notated dynamics</a:t>
-            </a:r>
-          </a:p>
-          <a:p>
-            <a:r>
-              <a:rPr lang="en-US" sz="4213" b="1" dirty="0">
+              <a:t>Performances </a:t>
+            </a:r>
+          </a:p>
+          <a:p>
+            <a:r>
+              <a:rPr lang="en-US" sz="1200" dirty="0">
+                <a:latin typeface="HelveticaNeueLT Std Cn" panose="020B0506030502030204" pitchFamily="34" charset="77"/>
+              </a:rPr>
+              <a:t>with notated dynamics</a:t>
+            </a:r>
+          </a:p>
+          <a:p>
+            <a:r>
+              <a:rPr lang="en-US" sz="1200" b="1" dirty="0">
                 <a:latin typeface="Helvetica Neue Condensed" panose="02000503000000020004" pitchFamily="2" charset="0"/>
                 <a:ea typeface="Helvetica Neue Condensed" panose="02000503000000020004" pitchFamily="2" charset="0"/>
                 <a:cs typeface="Helvetica Neue Condensed" panose="02000503000000020004" pitchFamily="2" charset="0"/>
@@ -3903,6 +3820,164 @@
           </a:p>
         </p:txBody>
       </p:sp>
+      <p:grpSp>
+        <p:nvGrpSpPr>
+          <p:cNvPr id="5" name="Group 4">
+            <a:extLst>
+              <a:ext uri="{FF2B5EF4-FFF2-40B4-BE49-F238E27FC236}">
+                <a16:creationId xmlns:a16="http://schemas.microsoft.com/office/drawing/2014/main" id="{AEDF962B-1CBB-AD2C-925F-33D185FF9224}"/>
+              </a:ext>
+            </a:extLst>
+          </p:cNvPr>
+          <p:cNvGrpSpPr/>
+          <p:nvPr/>
+        </p:nvGrpSpPr>
+        <p:grpSpPr>
+          <a:xfrm>
+            <a:off x="3409747" y="306539"/>
+            <a:ext cx="1473862" cy="1123739"/>
+            <a:chOff x="3409747" y="261714"/>
+            <a:chExt cx="1473862" cy="1123739"/>
+          </a:xfrm>
+        </p:grpSpPr>
+        <p:sp>
+          <p:nvSpPr>
+            <p:cNvPr id="17" name="TextBox 16">
+              <a:extLst>
+                <a:ext uri="{FF2B5EF4-FFF2-40B4-BE49-F238E27FC236}">
+                  <a16:creationId xmlns:a16="http://schemas.microsoft.com/office/drawing/2014/main" id="{8D5A9852-30D4-8C01-6C85-51023C3AC74D}"/>
+                </a:ext>
+              </a:extLst>
+            </p:cNvPr>
+            <p:cNvSpPr txBox="1"/>
+            <p:nvPr/>
+          </p:nvSpPr>
+          <p:spPr>
+            <a:xfrm>
+              <a:off x="3409747" y="261714"/>
+              <a:ext cx="1473862" cy="276999"/>
+            </a:xfrm>
+            <a:prstGeom prst="rect">
+              <a:avLst/>
+            </a:prstGeom>
+            <a:noFill/>
+          </p:spPr>
+          <p:txBody>
+            <a:bodyPr wrap="square" rtlCol="0">
+              <a:spAutoFit/>
+            </a:bodyPr>
+            <a:lstStyle/>
+            <a:p>
+              <a:r>
+                <a:rPr lang="en-US" sz="1200" dirty="0">
+                  <a:latin typeface="HelveticaNeueLT Std Cn" panose="020B0506030502030204" pitchFamily="34" charset="77"/>
+                  <a:ea typeface="Helvetica Neue" panose="02000503000000020004" pitchFamily="2" charset="0"/>
+                  <a:cs typeface="Helvetica Neue" panose="02000503000000020004" pitchFamily="2" charset="0"/>
+                </a:rPr>
+                <a:t>A. Tempo (IOIs)</a:t>
+              </a:r>
+            </a:p>
+          </p:txBody>
+        </p:sp>
+        <p:sp>
+          <p:nvSpPr>
+            <p:cNvPr id="18" name="TextBox 17">
+              <a:extLst>
+                <a:ext uri="{FF2B5EF4-FFF2-40B4-BE49-F238E27FC236}">
+                  <a16:creationId xmlns:a16="http://schemas.microsoft.com/office/drawing/2014/main" id="{2D953C7F-4753-2790-C427-42821505D065}"/>
+                </a:ext>
+              </a:extLst>
+            </p:cNvPr>
+            <p:cNvSpPr txBox="1"/>
+            <p:nvPr/>
+          </p:nvSpPr>
+          <p:spPr>
+            <a:xfrm>
+              <a:off x="3409749" y="530328"/>
+              <a:ext cx="1473860" cy="461665"/>
+            </a:xfrm>
+            <a:prstGeom prst="rect">
+              <a:avLst/>
+            </a:prstGeom>
+            <a:noFill/>
+          </p:spPr>
+          <p:txBody>
+            <a:bodyPr wrap="square" rtlCol="0">
+              <a:spAutoFit/>
+            </a:bodyPr>
+            <a:lstStyle/>
+            <a:p>
+              <a:r>
+                <a:rPr lang="en-US" sz="1200" dirty="0">
+                  <a:latin typeface="HelveticaNeueLT Std Cn" panose="020B0506030502030204" pitchFamily="34" charset="77"/>
+                  <a:ea typeface="Helvetica Neue" panose="02000503000000020004" pitchFamily="2" charset="0"/>
+                  <a:cs typeface="Helvetica Neue" panose="02000503000000020004" pitchFamily="2" charset="0"/>
+                </a:rPr>
+                <a:t>B. Articulation</a:t>
+              </a:r>
+            </a:p>
+            <a:p>
+              <a:r>
+                <a:rPr lang="en-US" sz="1200" dirty="0">
+                  <a:latin typeface="HelveticaNeueLT Std Cn" panose="020B0506030502030204" pitchFamily="34" charset="77"/>
+                  <a:ea typeface="Helvetica Neue" panose="02000503000000020004" pitchFamily="2" charset="0"/>
+                  <a:cs typeface="Helvetica Neue" panose="02000503000000020004" pitchFamily="2" charset="0"/>
+                </a:rPr>
+                <a:t>(sound duration)</a:t>
+              </a:r>
+            </a:p>
+          </p:txBody>
+        </p:sp>
+        <p:sp>
+          <p:nvSpPr>
+            <p:cNvPr id="19" name="TextBox 18">
+              <a:extLst>
+                <a:ext uri="{FF2B5EF4-FFF2-40B4-BE49-F238E27FC236}">
+                  <a16:creationId xmlns:a16="http://schemas.microsoft.com/office/drawing/2014/main" id="{1CE18468-B01D-1BC2-CC26-1A9ADA993B3D}"/>
+                </a:ext>
+              </a:extLst>
+            </p:cNvPr>
+            <p:cNvSpPr txBox="1"/>
+            <p:nvPr/>
+          </p:nvSpPr>
+          <p:spPr>
+            <a:xfrm>
+              <a:off x="3409747" y="923788"/>
+              <a:ext cx="1473862" cy="461665"/>
+            </a:xfrm>
+            <a:prstGeom prst="rect">
+              <a:avLst/>
+            </a:prstGeom>
+            <a:noFill/>
+          </p:spPr>
+          <p:txBody>
+            <a:bodyPr wrap="square" rtlCol="0">
+              <a:spAutoFit/>
+            </a:bodyPr>
+            <a:lstStyle/>
+            <a:p>
+              <a:r>
+                <a:rPr lang="en-US" sz="1200" dirty="0">
+                  <a:latin typeface="HelveticaNeueLT Std Cn" panose="020B0506030502030204" pitchFamily="34" charset="77"/>
+                  <a:ea typeface="Helvetica Neue" panose="02000503000000020004" pitchFamily="2" charset="0"/>
+                  <a:cs typeface="Helvetica Neue" panose="02000503000000020004" pitchFamily="2" charset="0"/>
+                </a:rPr>
+                <a:t>C. Dynamics</a:t>
+              </a:r>
+            </a:p>
+            <a:p>
+              <a:r>
+                <a:rPr lang="en-US" sz="1200" dirty="0">
+                  <a:latin typeface="HelveticaNeueLT Std Cn" panose="020B0506030502030204" pitchFamily="34" charset="77"/>
+                  <a:ea typeface="Helvetica Neue" panose="02000503000000020004" pitchFamily="2" charset="0"/>
+                  <a:cs typeface="Helvetica Neue" panose="02000503000000020004" pitchFamily="2" charset="0"/>
+                </a:rPr>
+                <a:t>(velocity profiles)</a:t>
+              </a:r>
+            </a:p>
+          </p:txBody>
+        </p:sp>
+      </p:grpSp>
       <p:sp>
         <p:nvSpPr>
           <p:cNvPr id="30" name="TextBox 29">
@@ -3917,8 +3992,8 @@
         </p:nvSpPr>
         <p:spPr>
           <a:xfrm>
-            <a:off x="20029853" y="12996628"/>
-            <a:ext cx="9398259" cy="1009700"/>
+            <a:off x="3408737" y="2581657"/>
+            <a:ext cx="1473860" cy="461665"/>
           </a:xfrm>
           <a:prstGeom prst="rect">
             <a:avLst/>
@@ -3932,12 +4007,22 @@
           <a:lstStyle/>
           <a:p>
             <a:r>
-              <a:rPr lang="en-US" sz="6000" dirty="0">
+              <a:rPr lang="en-US" sz="1200" dirty="0">
                 <a:latin typeface="HelveticaNeueLT Std Cn" panose="020B0506030502030204" pitchFamily="34" charset="77"/>
                 <a:ea typeface="Helvetica Neue" panose="02000503000000020004" pitchFamily="2" charset="0"/>
                 <a:cs typeface="Helvetica Neue" panose="02000503000000020004" pitchFamily="2" charset="0"/>
               </a:rPr>
-              <a:t>D. Articulation (sound duration)</a:t>
+              <a:t>D. Articulation</a:t>
+            </a:r>
+          </a:p>
+          <a:p>
+            <a:r>
+              <a:rPr lang="en-US" sz="1200" dirty="0">
+                <a:latin typeface="HelveticaNeueLT Std Cn" panose="020B0506030502030204" pitchFamily="34" charset="77"/>
+                <a:ea typeface="Helvetica Neue" panose="02000503000000020004" pitchFamily="2" charset="0"/>
+                <a:cs typeface="Helvetica Neue" panose="02000503000000020004" pitchFamily="2" charset="0"/>
+              </a:rPr>
+              <a:t>(sound duration)</a:t>
             </a:r>
           </a:p>
         </p:txBody>
@@ -3956,8 +4041,8 @@
         </p:nvSpPr>
         <p:spPr>
           <a:xfrm>
-            <a:off x="20029853" y="19373926"/>
-            <a:ext cx="9307153" cy="1015662"/>
+            <a:off x="3400236" y="4006824"/>
+            <a:ext cx="1473860" cy="461665"/>
           </a:xfrm>
           <a:prstGeom prst="rect">
             <a:avLst/>
@@ -3971,12 +4056,22 @@
           <a:lstStyle/>
           <a:p>
             <a:r>
-              <a:rPr lang="en-US" sz="6000" dirty="0">
+              <a:rPr lang="en-US" sz="1200" dirty="0">
                 <a:latin typeface="HelveticaNeueLT Std Cn" panose="020B0506030502030204" pitchFamily="34" charset="77"/>
                 <a:ea typeface="Helvetica Neue" panose="02000503000000020004" pitchFamily="2" charset="0"/>
                 <a:cs typeface="Helvetica Neue" panose="02000503000000020004" pitchFamily="2" charset="0"/>
               </a:rPr>
-              <a:t>E. Dynamics (velocity profiles)</a:t>
+              <a:t>E. Dynamics</a:t>
+            </a:r>
+          </a:p>
+          <a:p>
+            <a:r>
+              <a:rPr lang="en-US" sz="1200" dirty="0">
+                <a:latin typeface="HelveticaNeueLT Std Cn" panose="020B0506030502030204" pitchFamily="34" charset="77"/>
+                <a:ea typeface="Helvetica Neue" panose="02000503000000020004" pitchFamily="2" charset="0"/>
+                <a:cs typeface="Helvetica Neue" panose="02000503000000020004" pitchFamily="2" charset="0"/>
+              </a:rPr>
+              <a:t>(velocity profiles)</a:t>
             </a:r>
           </a:p>
         </p:txBody>
@@ -3995,8 +4090,8 @@
         </p:nvSpPr>
         <p:spPr>
           <a:xfrm>
-            <a:off x="1550694" y="27250375"/>
-            <a:ext cx="13891713" cy="10248960"/>
+            <a:off x="5244353" y="1036818"/>
+            <a:ext cx="2178539" cy="2123658"/>
           </a:xfrm>
           <a:prstGeom prst="rect">
             <a:avLst/>
@@ -4013,7 +4108,7 @@
           <a:lstStyle/>
           <a:p>
             <a:r>
-              <a:rPr lang="en-US" sz="6000" dirty="0">
+              <a:rPr lang="en-US" sz="1200" dirty="0">
                 <a:latin typeface="HelveticaNeueLT Std Cn" panose="020B0506030502030204" pitchFamily="34" charset="77"/>
                 <a:ea typeface="Helvetica Neue" panose="02000503000000020004" pitchFamily="2" charset="0"/>
                 <a:cs typeface="Helvetica Neue" panose="02000503000000020004" pitchFamily="2" charset="0"/>
@@ -4023,7 +4118,7 @@
           </a:p>
           <a:p>
             <a:r>
-              <a:rPr lang="en-US" sz="6000" dirty="0">
+              <a:rPr lang="en-US" sz="1200" dirty="0">
                 <a:latin typeface="HelveticaNeueLT Std Cn" panose="020B0506030502030204" pitchFamily="34" charset="77"/>
                 <a:ea typeface="Helvetica Neue" panose="02000503000000020004" pitchFamily="2" charset="0"/>
                 <a:cs typeface="Helvetica Neue" panose="02000503000000020004" pitchFamily="2" charset="0"/>
@@ -4032,7 +4127,7 @@
             </a:r>
           </a:p>
           <a:p>
-            <a:endParaRPr lang="en-US" sz="6000" dirty="0">
+            <a:endParaRPr lang="en-US" sz="1200" dirty="0">
               <a:latin typeface="HelveticaNeueLT Std Cn" panose="020B0506030502030204" pitchFamily="34" charset="77"/>
               <a:ea typeface="Helvetica Neue" panose="02000503000000020004" pitchFamily="2" charset="0"/>
               <a:cs typeface="Helvetica Neue" panose="02000503000000020004" pitchFamily="2" charset="0"/>
@@ -4040,7 +4135,7 @@
           </a:p>
           <a:p>
             <a:r>
-              <a:rPr lang="en-US" sz="6000" dirty="0">
+              <a:rPr lang="en-US" sz="1200" dirty="0">
                 <a:latin typeface="HelveticaNeueLT Std Cn" panose="020B0506030502030204" pitchFamily="34" charset="77"/>
                 <a:ea typeface="Helvetica Neue" panose="02000503000000020004" pitchFamily="2" charset="0"/>
                 <a:cs typeface="Helvetica Neue" panose="02000503000000020004" pitchFamily="2" charset="0"/>
@@ -4050,7 +4145,7 @@
           </a:p>
           <a:p>
             <a:r>
-              <a:rPr lang="en-US" sz="6000" dirty="0">
+              <a:rPr lang="en-US" sz="1200" dirty="0">
                 <a:latin typeface="HelveticaNeueLT Std Cn" panose="020B0506030502030204" pitchFamily="34" charset="77"/>
                 <a:ea typeface="Helvetica Neue" panose="02000503000000020004" pitchFamily="2" charset="0"/>
                 <a:cs typeface="Helvetica Neue" panose="02000503000000020004" pitchFamily="2" charset="0"/>
@@ -4058,7 +4153,7 @@
               <a:t> - Combine A, </a:t>
             </a:r>
             <a:r>
-              <a:rPr lang="en-US" sz="6000" dirty="0">
+              <a:rPr lang="en-US" sz="1200" dirty="0">
                 <a:solidFill>
                   <a:srgbClr val="FF0000"/>
                 </a:solidFill>
@@ -4069,7 +4164,7 @@
               <a:t>D</a:t>
             </a:r>
             <a:r>
-              <a:rPr lang="en-US" sz="6000" dirty="0">
+              <a:rPr lang="en-US" sz="1200" dirty="0">
                 <a:latin typeface="HelveticaNeueLT Std Cn" panose="020B0506030502030204" pitchFamily="34" charset="77"/>
                 <a:ea typeface="Helvetica Neue" panose="02000503000000020004" pitchFamily="2" charset="0"/>
                 <a:cs typeface="Helvetica Neue" panose="02000503000000020004" pitchFamily="2" charset="0"/>
@@ -4078,7 +4173,7 @@
             </a:r>
           </a:p>
           <a:p>
-            <a:endParaRPr lang="en-US" sz="6000" dirty="0">
+            <a:endParaRPr lang="en-US" sz="1200" dirty="0">
               <a:latin typeface="HelveticaNeueLT Std Cn" panose="020B0506030502030204" pitchFamily="34" charset="77"/>
               <a:ea typeface="Helvetica Neue" panose="02000503000000020004" pitchFamily="2" charset="0"/>
               <a:cs typeface="Helvetica Neue" panose="02000503000000020004" pitchFamily="2" charset="0"/>
@@ -4086,7 +4181,7 @@
           </a:p>
           <a:p>
             <a:r>
-              <a:rPr lang="en-US" sz="6000" dirty="0" err="1">
+              <a:rPr lang="en-US" sz="1200" dirty="0" err="1">
                 <a:latin typeface="HelveticaNeueLT Std Cn" panose="020B0506030502030204" pitchFamily="34" charset="77"/>
                 <a:ea typeface="Helvetica Neue" panose="02000503000000020004" pitchFamily="2" charset="0"/>
                 <a:cs typeface="Helvetica Neue" panose="02000503000000020004" pitchFamily="2" charset="0"/>
@@ -4094,7 +4189,7 @@
               <a:t>Dyn</a:t>
             </a:r>
             <a:r>
-              <a:rPr lang="en-US" sz="6000" dirty="0">
+              <a:rPr lang="en-US" sz="1200" dirty="0">
                 <a:latin typeface="HelveticaNeueLT Std Cn" panose="020B0506030502030204" pitchFamily="34" charset="77"/>
                 <a:ea typeface="Helvetica Neue" panose="02000503000000020004" pitchFamily="2" charset="0"/>
                 <a:cs typeface="Helvetica Neue" panose="02000503000000020004" pitchFamily="2" charset="0"/>
@@ -4104,7 +4199,7 @@
           </a:p>
           <a:p>
             <a:r>
-              <a:rPr lang="en-US" sz="6000" dirty="0">
+              <a:rPr lang="en-US" sz="1200" dirty="0">
                 <a:latin typeface="HelveticaNeueLT Std Cn" panose="020B0506030502030204" pitchFamily="34" charset="77"/>
                 <a:ea typeface="Helvetica Neue" panose="02000503000000020004" pitchFamily="2" charset="0"/>
                 <a:cs typeface="Helvetica Neue" panose="02000503000000020004" pitchFamily="2" charset="0"/>
@@ -4112,7 +4207,7 @@
               <a:t> - Combine A, B, </a:t>
             </a:r>
             <a:r>
-              <a:rPr lang="en-US" sz="6000" dirty="0">
+              <a:rPr lang="en-US" sz="1200" dirty="0">
                 <a:solidFill>
                   <a:srgbClr val="FF0000"/>
                 </a:solidFill>
@@ -4124,7 +4219,7 @@
             </a:r>
           </a:p>
           <a:p>
-            <a:endParaRPr lang="en-US" sz="6000" dirty="0">
+            <a:endParaRPr lang="en-US" sz="1200" dirty="0">
               <a:solidFill>
                 <a:srgbClr val="FF0000"/>
               </a:solidFill>
@@ -4135,7 +4230,7 @@
           </a:p>
           <a:p>
             <a:r>
-              <a:rPr lang="en-US" sz="6000" dirty="0">
+              <a:rPr lang="en-US" sz="1200" dirty="0">
                 <a:latin typeface="HelveticaNeueLT Std Cn" panose="020B0506030502030204" pitchFamily="34" charset="77"/>
                 <a:ea typeface="Helvetica Neue" panose="02000503000000020004" pitchFamily="2" charset="0"/>
                 <a:cs typeface="Helvetica Neue" panose="02000503000000020004" pitchFamily="2" charset="0"/>
@@ -4145,7 +4240,7 @@
           </a:p>
           <a:p>
             <a:r>
-              <a:rPr lang="en-US" sz="6000" dirty="0">
+              <a:rPr lang="en-US" sz="1200" dirty="0">
                 <a:latin typeface="HelveticaNeueLT Std Cn" panose="020B0506030502030204" pitchFamily="34" charset="77"/>
                 <a:ea typeface="Helvetica Neue" panose="02000503000000020004" pitchFamily="2" charset="0"/>
                 <a:cs typeface="Helvetica Neue" panose="02000503000000020004" pitchFamily="2" charset="0"/>
@@ -4153,7 +4248,7 @@
               <a:t> - Combine A, </a:t>
             </a:r>
             <a:r>
-              <a:rPr lang="en-US" sz="6000" dirty="0">
+              <a:rPr lang="en-US" sz="1200" dirty="0">
                 <a:solidFill>
                   <a:srgbClr val="FF0000"/>
                 </a:solidFill>
@@ -4164,7 +4259,7 @@
               <a:t>D</a:t>
             </a:r>
             <a:r>
-              <a:rPr lang="en-US" sz="6000" dirty="0">
+              <a:rPr lang="en-US" sz="1200" dirty="0">
                 <a:latin typeface="HelveticaNeueLT Std Cn" panose="020B0506030502030204" pitchFamily="34" charset="77"/>
                 <a:ea typeface="Helvetica Neue" panose="02000503000000020004" pitchFamily="2" charset="0"/>
                 <a:cs typeface="Helvetica Neue" panose="02000503000000020004" pitchFamily="2" charset="0"/>
@@ -4172,7 +4267,7 @@
               <a:t>, </a:t>
             </a:r>
             <a:r>
-              <a:rPr lang="en-US" sz="6000" dirty="0">
+              <a:rPr lang="en-US" sz="1200" dirty="0">
                 <a:solidFill>
                   <a:srgbClr val="FF0000"/>
                 </a:solidFill>
@@ -4199,8 +4294,8 @@
         </p:nvSpPr>
         <p:spPr>
           <a:xfrm>
-            <a:off x="20029853" y="9069508"/>
-            <a:ext cx="9398259" cy="2037289"/>
+            <a:off x="3413696" y="1429827"/>
+            <a:ext cx="1473860" cy="900246"/>
           </a:xfrm>
           <a:prstGeom prst="rect">
             <a:avLst/>
@@ -4214,29 +4309,13 @@
           <a:lstStyle/>
           <a:p>
             <a:r>
-              <a:rPr lang="en-US" sz="4213" dirty="0">
+              <a:rPr lang="en-US" sz="1050" dirty="0">
                 <a:latin typeface="HelveticaNeueLT Std Cn" panose="020B0506030502030204" pitchFamily="34" charset="77"/>
               </a:rPr>
-              <a:t>16 instances for A, B, C were generated</a:t>
-            </a:r>
-          </a:p>
-          <a:p>
-            <a:r>
-              <a:rPr lang="en-US" sz="4213" dirty="0">
-                <a:latin typeface="HelveticaNeueLT Std Cn" panose="020B0506030502030204" pitchFamily="34" charset="77"/>
-              </a:rPr>
-              <a:t>by averaging three of each performance</a:t>
-            </a:r>
-          </a:p>
-          <a:p>
-            <a:r>
-              <a:rPr lang="en-US" sz="4213" dirty="0">
-                <a:latin typeface="HelveticaNeueLT Std Cn" panose="020B0506030502030204" pitchFamily="34" charset="77"/>
-              </a:rPr>
-              <a:t>feature of </a:t>
-            </a:r>
-            <a:r>
-              <a:rPr lang="en-US" sz="4213" b="1" dirty="0">
+              <a:t>16 instances for A, B, C were generated by averaging three of each performance feature of </a:t>
+            </a:r>
+            <a:r>
+              <a:rPr lang="en-US" sz="1050" b="1" dirty="0">
                 <a:latin typeface="Helvetica Neue Condensed" panose="02000503000000020004" pitchFamily="2" charset="0"/>
                 <a:ea typeface="Helvetica Neue Condensed" panose="02000503000000020004" pitchFamily="2" charset="0"/>
                 <a:cs typeface="Helvetica Neue Condensed" panose="02000503000000020004" pitchFamily="2" charset="0"/>
@@ -4260,8 +4339,8 @@
         </p:nvSpPr>
         <p:spPr>
           <a:xfrm>
-            <a:off x="20029853" y="14456893"/>
-            <a:ext cx="9307153" cy="2037289"/>
+            <a:off x="3404506" y="3021052"/>
+            <a:ext cx="1839847" cy="738664"/>
           </a:xfrm>
           <a:prstGeom prst="rect">
             <a:avLst/>
@@ -4275,29 +4354,13 @@
           <a:lstStyle/>
           <a:p>
             <a:r>
-              <a:rPr lang="en-US" sz="4213" dirty="0">
+              <a:rPr lang="en-US" sz="1050" dirty="0">
                 <a:latin typeface="HelveticaNeueLT Std Cn" panose="020B0506030502030204" pitchFamily="34" charset="77"/>
               </a:rPr>
-              <a:t>16 instances for D were generated</a:t>
-            </a:r>
-          </a:p>
-          <a:p>
-            <a:r>
-              <a:rPr lang="en-US" sz="4213" dirty="0">
-                <a:latin typeface="HelveticaNeueLT Std Cn" panose="020B0506030502030204" pitchFamily="34" charset="77"/>
-              </a:rPr>
-              <a:t>by averaging the articulation performance</a:t>
-            </a:r>
-          </a:p>
-          <a:p>
-            <a:r>
-              <a:rPr lang="en-US" sz="4213" dirty="0">
-                <a:latin typeface="HelveticaNeueLT Std Cn" panose="020B0506030502030204" pitchFamily="34" charset="77"/>
-              </a:rPr>
-              <a:t>feature of </a:t>
-            </a:r>
-            <a:r>
-              <a:rPr lang="en-US" sz="4213" b="1" dirty="0">
+              <a:t>16 instances for D were generated by averaging the articulation performance feature of </a:t>
+            </a:r>
+            <a:r>
+              <a:rPr lang="en-US" sz="1050" b="1" dirty="0">
                 <a:latin typeface="Helvetica Neue Condensed" panose="02000503000000020004" pitchFamily="2" charset="0"/>
                 <a:ea typeface="Helvetica Neue Condensed" panose="02000503000000020004" pitchFamily="2" charset="0"/>
                 <a:cs typeface="Helvetica Neue Condensed" panose="02000503000000020004" pitchFamily="2" charset="0"/>
@@ -4321,8 +4384,8 @@
         </p:nvSpPr>
         <p:spPr>
           <a:xfrm>
-            <a:off x="20029853" y="20837172"/>
-            <a:ext cx="9399835" cy="2037289"/>
+            <a:off x="3399987" y="4468491"/>
+            <a:ext cx="1709895" cy="738664"/>
           </a:xfrm>
           <a:prstGeom prst="rect">
             <a:avLst/>
@@ -4336,29 +4399,13 @@
           <a:lstStyle/>
           <a:p>
             <a:r>
-              <a:rPr lang="en-US" sz="4213" dirty="0">
+              <a:rPr lang="en-US" sz="1050" dirty="0">
                 <a:latin typeface="HelveticaNeueLT Std Cn" panose="020B0506030502030204" pitchFamily="34" charset="77"/>
               </a:rPr>
-              <a:t>16 instances for E were generated</a:t>
-            </a:r>
-          </a:p>
-          <a:p>
-            <a:r>
-              <a:rPr lang="en-US" sz="4213" dirty="0">
-                <a:latin typeface="HelveticaNeueLT Std Cn" panose="020B0506030502030204" pitchFamily="34" charset="77"/>
-              </a:rPr>
-              <a:t>by averaging the dynamics performance</a:t>
-            </a:r>
-          </a:p>
-          <a:p>
-            <a:r>
-              <a:rPr lang="en-US" sz="4213" dirty="0">
-                <a:latin typeface="HelveticaNeueLT Std Cn" panose="020B0506030502030204" pitchFamily="34" charset="77"/>
-              </a:rPr>
-              <a:t>feature of </a:t>
-            </a:r>
-            <a:r>
-              <a:rPr lang="en-US" sz="4213" b="1" dirty="0">
+              <a:t>16 instances for E were generated by averaging the dynamics performance feature of </a:t>
+            </a:r>
+            <a:r>
+              <a:rPr lang="en-US" sz="1050" b="1" dirty="0">
                 <a:latin typeface="Helvetica Neue Condensed" panose="02000503000000020004" pitchFamily="2" charset="0"/>
                 <a:ea typeface="Helvetica Neue Condensed" panose="02000503000000020004" pitchFamily="2" charset="0"/>
                 <a:cs typeface="Helvetica Neue Condensed" panose="02000503000000020004" pitchFamily="2" charset="0"/>
@@ -4384,8 +4431,8 @@
         </p:nvCxnSpPr>
         <p:spPr>
           <a:xfrm flipV="1">
-            <a:off x="15503306" y="3506727"/>
-            <a:ext cx="4053771" cy="2268000"/>
+            <a:off x="2550843" y="1058415"/>
+            <a:ext cx="635724" cy="355674"/>
           </a:xfrm>
           <a:prstGeom prst="straightConnector1">
             <a:avLst/>
@@ -4430,8 +4477,8 @@
         </p:nvCxnSpPr>
         <p:spPr>
           <a:xfrm>
-            <a:off x="15442407" y="19881757"/>
-            <a:ext cx="4078951" cy="0"/>
+            <a:off x="2532328" y="4155310"/>
+            <a:ext cx="639673" cy="0"/>
           </a:xfrm>
           <a:prstGeom prst="straightConnector1">
             <a:avLst/>
@@ -4476,8 +4523,8 @@
         </p:nvCxnSpPr>
         <p:spPr>
           <a:xfrm>
-            <a:off x="15478126" y="13504459"/>
-            <a:ext cx="4078951" cy="0"/>
+            <a:off x="2537929" y="2787654"/>
+            <a:ext cx="639673" cy="0"/>
           </a:xfrm>
           <a:prstGeom prst="straightConnector1">
             <a:avLst/>
@@ -4520,8 +4567,8 @@
         </p:nvSpPr>
         <p:spPr>
           <a:xfrm>
-            <a:off x="1550694" y="24197791"/>
-            <a:ext cx="13830814" cy="1015663"/>
+            <a:off x="5244353" y="214012"/>
+            <a:ext cx="2168988" cy="584775"/>
           </a:xfrm>
           <a:prstGeom prst="rect">
             <a:avLst/>
@@ -4535,12 +4582,22 @@
           <a:lstStyle/>
           <a:p>
             <a:r>
-              <a:rPr lang="en-US" sz="6000" b="1" dirty="0">
+              <a:rPr lang="en-US" sz="1600" b="1" dirty="0">
                 <a:latin typeface="Helvetica Neue Condensed" panose="02000503000000020004" pitchFamily="2" charset="0"/>
                 <a:ea typeface="Helvetica Neue Condensed" panose="02000503000000020004" pitchFamily="2" charset="0"/>
                 <a:cs typeface="Helvetica Neue Condensed" panose="02000503000000020004" pitchFamily="2" charset="0"/>
               </a:rPr>
-              <a:t>(II) Combine extracted features</a:t>
+              <a:t>(II) Combine</a:t>
+            </a:r>
+          </a:p>
+          <a:p>
+            <a:r>
+              <a:rPr lang="en-US" sz="1600" b="1" dirty="0">
+                <a:latin typeface="Helvetica Neue Condensed" panose="02000503000000020004" pitchFamily="2" charset="0"/>
+                <a:ea typeface="Helvetica Neue Condensed" panose="02000503000000020004" pitchFamily="2" charset="0"/>
+                <a:cs typeface="Helvetica Neue Condensed" panose="02000503000000020004" pitchFamily="2" charset="0"/>
+              </a:rPr>
+              <a:t>extracted features</a:t>
             </a:r>
           </a:p>
         </p:txBody>
@@ -4559,8 +4616,8 @@
         </p:nvSpPr>
         <p:spPr>
           <a:xfrm>
-            <a:off x="15501775" y="27248286"/>
-            <a:ext cx="13891713" cy="12095619"/>
+            <a:off x="7529187" y="1036818"/>
+            <a:ext cx="2178539" cy="2677656"/>
           </a:xfrm>
           <a:prstGeom prst="rect">
             <a:avLst/>
@@ -4577,7 +4634,7 @@
           <a:lstStyle/>
           <a:p>
             <a:r>
-              <a:rPr lang="en-US" sz="6000" dirty="0">
+              <a:rPr lang="en-US" sz="1200" dirty="0">
                 <a:latin typeface="HelveticaNeueLT Std Cn" panose="020B0506030502030204" pitchFamily="34" charset="77"/>
                 <a:ea typeface="Helvetica Neue" panose="02000503000000020004" pitchFamily="2" charset="0"/>
                 <a:cs typeface="Helvetica Neue" panose="02000503000000020004" pitchFamily="2" charset="0"/>
@@ -4587,7 +4644,7 @@
           </a:p>
           <a:p>
             <a:r>
-              <a:rPr lang="en-US" sz="6000" dirty="0">
+              <a:rPr lang="en-US" sz="1200" dirty="0">
                 <a:latin typeface="HelveticaNeueLT Std Cn" panose="020B0506030502030204" pitchFamily="34" charset="77"/>
                 <a:ea typeface="Helvetica Neue" panose="02000503000000020004" pitchFamily="2" charset="0"/>
                 <a:cs typeface="Helvetica Neue" panose="02000503000000020004" pitchFamily="2" charset="0"/>
@@ -4596,7 +4653,7 @@
             </a:r>
           </a:p>
           <a:p>
-            <a:endParaRPr lang="en-US" sz="6000" dirty="0">
+            <a:endParaRPr lang="en-US" sz="1200" dirty="0">
               <a:latin typeface="HelveticaNeueLT Std Cn" panose="020B0506030502030204" pitchFamily="34" charset="77"/>
               <a:ea typeface="Helvetica Neue" panose="02000503000000020004" pitchFamily="2" charset="0"/>
               <a:cs typeface="Helvetica Neue" panose="02000503000000020004" pitchFamily="2" charset="0"/>
@@ -4604,7 +4661,7 @@
           </a:p>
           <a:p>
             <a:r>
-              <a:rPr lang="en-US" sz="6000" dirty="0">
+              <a:rPr lang="en-US" sz="1200" dirty="0">
                 <a:latin typeface="HelveticaNeueLT Std Cn" panose="020B0506030502030204" pitchFamily="34" charset="77"/>
                 <a:ea typeface="Helvetica Neue" panose="02000503000000020004" pitchFamily="2" charset="0"/>
                 <a:cs typeface="Helvetica Neue" panose="02000503000000020004" pitchFamily="2" charset="0"/>
@@ -4614,7 +4671,7 @@
           </a:p>
           <a:p>
             <a:r>
-              <a:rPr lang="en-US" sz="6000" dirty="0">
+              <a:rPr lang="en-US" sz="1200" dirty="0">
                 <a:latin typeface="HelveticaNeueLT Std Cn" panose="020B0506030502030204" pitchFamily="34" charset="77"/>
                 <a:ea typeface="Helvetica Neue" panose="02000503000000020004" pitchFamily="2" charset="0"/>
                 <a:cs typeface="Helvetica Neue" panose="02000503000000020004" pitchFamily="2" charset="0"/>
@@ -4623,7 +4680,7 @@
             </a:r>
           </a:p>
           <a:p>
-            <a:endParaRPr lang="en-US" sz="6000" dirty="0">
+            <a:endParaRPr lang="en-US" sz="1200" dirty="0">
               <a:latin typeface="HelveticaNeueLT Std Cn" panose="020B0506030502030204" pitchFamily="34" charset="77"/>
               <a:ea typeface="Helvetica Neue" panose="02000503000000020004" pitchFamily="2" charset="0"/>
               <a:cs typeface="Helvetica Neue" panose="02000503000000020004" pitchFamily="2" charset="0"/>
@@ -4631,7 +4688,7 @@
           </a:p>
           <a:p>
             <a:r>
-              <a:rPr lang="en-US" sz="6000" dirty="0" err="1">
+              <a:rPr lang="en-US" sz="1200" dirty="0" err="1">
                 <a:latin typeface="HelveticaNeueLT Std Cn" panose="020B0506030502030204" pitchFamily="34" charset="77"/>
                 <a:ea typeface="Helvetica Neue" panose="02000503000000020004" pitchFamily="2" charset="0"/>
                 <a:cs typeface="Helvetica Neue" panose="02000503000000020004" pitchFamily="2" charset="0"/>
@@ -4639,7 +4696,7 @@
               <a:t>Dyn</a:t>
             </a:r>
             <a:r>
-              <a:rPr lang="en-US" sz="6000" dirty="0">
+              <a:rPr lang="en-US" sz="1200" dirty="0">
                 <a:latin typeface="HelveticaNeueLT Std Cn" panose="020B0506030502030204" pitchFamily="34" charset="77"/>
                 <a:ea typeface="Helvetica Neue" panose="02000503000000020004" pitchFamily="2" charset="0"/>
                 <a:cs typeface="Helvetica Neue" panose="02000503000000020004" pitchFamily="2" charset="0"/>
@@ -4649,7 +4706,7 @@
           </a:p>
           <a:p>
             <a:r>
-              <a:rPr lang="en-US" sz="6000" dirty="0">
+              <a:rPr lang="en-US" sz="1200" dirty="0">
                 <a:latin typeface="HelveticaNeueLT Std Cn" panose="020B0506030502030204" pitchFamily="34" charset="77"/>
                 <a:ea typeface="Helvetica Neue" panose="02000503000000020004" pitchFamily="2" charset="0"/>
                 <a:cs typeface="Helvetica Neue" panose="02000503000000020004" pitchFamily="2" charset="0"/>
@@ -4658,7 +4715,7 @@
             </a:r>
           </a:p>
           <a:p>
-            <a:endParaRPr lang="en-US" sz="6000" dirty="0">
+            <a:endParaRPr lang="en-US" sz="1200" dirty="0">
               <a:solidFill>
                 <a:srgbClr val="FF0000"/>
               </a:solidFill>
@@ -4669,7 +4726,7 @@
           </a:p>
           <a:p>
             <a:r>
-              <a:rPr lang="en-US" sz="6000" dirty="0">
+              <a:rPr lang="en-US" sz="1200" dirty="0">
                 <a:latin typeface="HelveticaNeueLT Std Cn" panose="020B0506030502030204" pitchFamily="34" charset="77"/>
                 <a:ea typeface="Helvetica Neue" panose="02000503000000020004" pitchFamily="2" charset="0"/>
                 <a:cs typeface="Helvetica Neue" panose="02000503000000020004" pitchFamily="2" charset="0"/>
@@ -4679,7 +4736,7 @@
           </a:p>
           <a:p>
             <a:r>
-              <a:rPr lang="en-US" sz="6000" dirty="0">
+              <a:rPr lang="en-US" sz="1200" dirty="0">
                 <a:latin typeface="HelveticaNeueLT Std Cn" panose="020B0506030502030204" pitchFamily="34" charset="77"/>
                 <a:ea typeface="Helvetica Neue" panose="02000503000000020004" pitchFamily="2" charset="0"/>
                 <a:cs typeface="Helvetica Neue" panose="02000503000000020004" pitchFamily="2" charset="0"/>
@@ -4703,8 +4760,8 @@
         </p:nvSpPr>
         <p:spPr>
           <a:xfrm>
-            <a:off x="15506192" y="24176019"/>
-            <a:ext cx="13830814" cy="1938992"/>
+            <a:off x="7529187" y="209535"/>
+            <a:ext cx="2168988" cy="523220"/>
           </a:xfrm>
           <a:prstGeom prst="rect">
             <a:avLst/>
@@ -4718,38 +4775,22 @@
           <a:lstStyle/>
           <a:p>
             <a:r>
-              <a:rPr lang="en-US" sz="6000" b="1" dirty="0">
+              <a:rPr lang="en-US" sz="1600" b="1" dirty="0">
                 <a:latin typeface="Helvetica Neue Condensed" panose="02000503000000020004" pitchFamily="2" charset="0"/>
                 <a:ea typeface="Helvetica Neue Condensed" panose="02000503000000020004" pitchFamily="2" charset="0"/>
                 <a:cs typeface="Helvetica Neue Condensed" panose="02000503000000020004" pitchFamily="2" charset="0"/>
               </a:rPr>
-              <a:t>(III) Selected recordings </a:t>
-            </a:r>
-          </a:p>
-          <a:p>
-            <a:r>
-              <a:rPr lang="en-US" sz="6000" b="1" dirty="0">
-                <a:latin typeface="Helvetica Neue Condensed" panose="02000503000000020004" pitchFamily="2" charset="0"/>
-                <a:ea typeface="Helvetica Neue Condensed" panose="02000503000000020004" pitchFamily="2" charset="0"/>
-                <a:cs typeface="Helvetica Neue Condensed" panose="02000503000000020004" pitchFamily="2" charset="0"/>
-              </a:rPr>
-              <a:t>		</a:t>
-            </a:r>
-            <a:r>
-              <a:rPr lang="en-US" sz="6000" dirty="0">
-                <a:latin typeface="HelveticaNeueLT Std Cn" panose="020B0506030502030204" pitchFamily="34" charset="77"/>
-                <a:ea typeface="Helvetica Neue Condensed" panose="02000503000000020004" pitchFamily="2" charset="0"/>
-                <a:cs typeface="Helvetica Neue Condensed" panose="02000503000000020004" pitchFamily="2" charset="0"/>
-              </a:rPr>
-              <a:t> </a:t>
-            </a:r>
-            <a:r>
-              <a:rPr lang="en-US" sz="6000" dirty="0">
+              <a:t>(III) Selected recordings</a:t>
+            </a:r>
+          </a:p>
+          <a:p>
+            <a:r>
+              <a:rPr lang="en-US" sz="1200" dirty="0">
                 <a:latin typeface="HelveticaNeueLT Std Cn" panose="020B0506030502030204" pitchFamily="34" charset="77"/>
                 <a:ea typeface="HELVETICA NEUE CONDENSED" panose="02000503000000020004" pitchFamily="2" charset="0"/>
                 <a:cs typeface="HELVETICA NEUE CONDENSED" panose="02000503000000020004" pitchFamily="2" charset="0"/>
               </a:rPr>
-              <a:t>(Fig. 7 – Fig. 10 for details)</a:t>
+              <a:t>(Fig. S2 – Fig. S5 for details)</a:t>
             </a:r>
           </a:p>
         </p:txBody>

--- a/paper/image/supplementary.pptx
+++ b/paper/image/supplementary.pptx
@@ -208,7 +208,7 @@
           <a:p>
             <a:fld id="{B82C364D-D81D-0845-9A9B-3DC1F0A57A0F}" type="datetimeFigureOut">
               <a:rPr lang="en-US" smtClean="0"/>
-              <a:t>1/30/23</a:t>
+              <a:t>1/31/23</a:t>
             </a:fld>
             <a:endParaRPr lang="en-US"/>
           </a:p>
@@ -696,7 +696,7 @@
           <a:p>
             <a:fld id="{0B3969E3-A65B-4F43-9099-EDE3BF01F7BC}" type="datetimeFigureOut">
               <a:rPr lang="en-US" smtClean="0"/>
-              <a:t>1/30/23</a:t>
+              <a:t>1/31/23</a:t>
             </a:fld>
             <a:endParaRPr lang="en-US"/>
           </a:p>
@@ -866,7 +866,7 @@
           <a:p>
             <a:fld id="{0B3969E3-A65B-4F43-9099-EDE3BF01F7BC}" type="datetimeFigureOut">
               <a:rPr lang="en-US" smtClean="0"/>
-              <a:t>1/30/23</a:t>
+              <a:t>1/31/23</a:t>
             </a:fld>
             <a:endParaRPr lang="en-US"/>
           </a:p>
@@ -1046,7 +1046,7 @@
           <a:p>
             <a:fld id="{0B3969E3-A65B-4F43-9099-EDE3BF01F7BC}" type="datetimeFigureOut">
               <a:rPr lang="en-US" smtClean="0"/>
-              <a:t>1/30/23</a:t>
+              <a:t>1/31/23</a:t>
             </a:fld>
             <a:endParaRPr lang="en-US"/>
           </a:p>
@@ -1216,7 +1216,7 @@
           <a:p>
             <a:fld id="{0B3969E3-A65B-4F43-9099-EDE3BF01F7BC}" type="datetimeFigureOut">
               <a:rPr lang="en-US" smtClean="0"/>
-              <a:t>1/30/23</a:t>
+              <a:t>1/31/23</a:t>
             </a:fld>
             <a:endParaRPr lang="en-US"/>
           </a:p>
@@ -1460,7 +1460,7 @@
           <a:p>
             <a:fld id="{0B3969E3-A65B-4F43-9099-EDE3BF01F7BC}" type="datetimeFigureOut">
               <a:rPr lang="en-US" smtClean="0"/>
-              <a:t>1/30/23</a:t>
+              <a:t>1/31/23</a:t>
             </a:fld>
             <a:endParaRPr lang="en-US"/>
           </a:p>
@@ -1692,7 +1692,7 @@
           <a:p>
             <a:fld id="{0B3969E3-A65B-4F43-9099-EDE3BF01F7BC}" type="datetimeFigureOut">
               <a:rPr lang="en-US" smtClean="0"/>
-              <a:t>1/30/23</a:t>
+              <a:t>1/31/23</a:t>
             </a:fld>
             <a:endParaRPr lang="en-US"/>
           </a:p>
@@ -2059,7 +2059,7 @@
           <a:p>
             <a:fld id="{0B3969E3-A65B-4F43-9099-EDE3BF01F7BC}" type="datetimeFigureOut">
               <a:rPr lang="en-US" smtClean="0"/>
-              <a:t>1/30/23</a:t>
+              <a:t>1/31/23</a:t>
             </a:fld>
             <a:endParaRPr lang="en-US"/>
           </a:p>
@@ -2177,7 +2177,7 @@
           <a:p>
             <a:fld id="{0B3969E3-A65B-4F43-9099-EDE3BF01F7BC}" type="datetimeFigureOut">
               <a:rPr lang="en-US" smtClean="0"/>
-              <a:t>1/30/23</a:t>
+              <a:t>1/31/23</a:t>
             </a:fld>
             <a:endParaRPr lang="en-US"/>
           </a:p>
@@ -2272,7 +2272,7 @@
           <a:p>
             <a:fld id="{0B3969E3-A65B-4F43-9099-EDE3BF01F7BC}" type="datetimeFigureOut">
               <a:rPr lang="en-US" smtClean="0"/>
-              <a:t>1/30/23</a:t>
+              <a:t>1/31/23</a:t>
             </a:fld>
             <a:endParaRPr lang="en-US"/>
           </a:p>
@@ -2549,7 +2549,7 @@
           <a:p>
             <a:fld id="{0B3969E3-A65B-4F43-9099-EDE3BF01F7BC}" type="datetimeFigureOut">
               <a:rPr lang="en-US" smtClean="0"/>
-              <a:t>1/30/23</a:t>
+              <a:t>1/31/23</a:t>
             </a:fld>
             <a:endParaRPr lang="en-US"/>
           </a:p>
@@ -2806,7 +2806,7 @@
           <a:p>
             <a:fld id="{0B3969E3-A65B-4F43-9099-EDE3BF01F7BC}" type="datetimeFigureOut">
               <a:rPr lang="en-US" smtClean="0"/>
-              <a:t>1/30/23</a:t>
+              <a:t>1/31/23</a:t>
             </a:fld>
             <a:endParaRPr lang="en-US"/>
           </a:p>
@@ -3019,7 +3019,7 @@
           <a:p>
             <a:fld id="{0B3969E3-A65B-4F43-9099-EDE3BF01F7BC}" type="datetimeFigureOut">
               <a:rPr lang="en-US" smtClean="0"/>
-              <a:t>1/30/23</a:t>
+              <a:t>1/31/23</a:t>
             </a:fld>
             <a:endParaRPr lang="en-US"/>
           </a:p>
@@ -3424,128 +3424,6 @@
           <a:chExt cx="0" cy="0"/>
         </a:xfrm>
       </p:grpSpPr>
-      <p:pic>
-        <p:nvPicPr>
-          <p:cNvPr id="13" name="Picture 12" descr="A picture containing antenna&#10;&#10;Description automatically generated">
-            <a:extLst>
-              <a:ext uri="{FF2B5EF4-FFF2-40B4-BE49-F238E27FC236}">
-                <a16:creationId xmlns:a16="http://schemas.microsoft.com/office/drawing/2014/main" id="{90FD4727-8997-8CF2-4D77-D47CA5572DAD}"/>
-              </a:ext>
-            </a:extLst>
-          </p:cNvPr>
-          <p:cNvPicPr>
-            <a:picLocks noChangeAspect="1"/>
-          </p:cNvPicPr>
-          <p:nvPr/>
-        </p:nvPicPr>
-        <p:blipFill>
-          <a:blip r:embed="rId3"/>
-          <a:stretch>
-            <a:fillRect/>
-          </a:stretch>
-        </p:blipFill>
-        <p:spPr>
-          <a:xfrm>
-            <a:off x="303594" y="1076362"/>
-            <a:ext cx="2002190" cy="712559"/>
-          </a:xfrm>
-          <a:prstGeom prst="rect">
-            <a:avLst/>
-          </a:prstGeom>
-        </p:spPr>
-      </p:pic>
-      <p:cxnSp>
-        <p:nvCxnSpPr>
-          <p:cNvPr id="14" name="Straight Arrow Connector 13">
-            <a:extLst>
-              <a:ext uri="{FF2B5EF4-FFF2-40B4-BE49-F238E27FC236}">
-                <a16:creationId xmlns:a16="http://schemas.microsoft.com/office/drawing/2014/main" id="{271DC662-046B-DE20-DFE4-33E17E4A707A}"/>
-              </a:ext>
-            </a:extLst>
-          </p:cNvPr>
-          <p:cNvCxnSpPr>
-            <a:cxnSpLocks/>
-          </p:cNvCxnSpPr>
-          <p:nvPr/>
-        </p:nvCxnSpPr>
-        <p:spPr>
-          <a:xfrm>
-            <a:off x="2537929" y="1420411"/>
-            <a:ext cx="639673" cy="0"/>
-          </a:xfrm>
-          <a:prstGeom prst="straightConnector1">
-            <a:avLst/>
-          </a:prstGeom>
-          <a:ln w="76200">
-            <a:solidFill>
-              <a:schemeClr val="bg1">
-                <a:lumMod val="50000"/>
-              </a:schemeClr>
-            </a:solidFill>
-            <a:tailEnd type="triangle"/>
-          </a:ln>
-        </p:spPr>
-        <p:style>
-          <a:lnRef idx="1">
-            <a:schemeClr val="accent1"/>
-          </a:lnRef>
-          <a:fillRef idx="0">
-            <a:schemeClr val="accent1"/>
-          </a:fillRef>
-          <a:effectRef idx="0">
-            <a:schemeClr val="accent1"/>
-          </a:effectRef>
-          <a:fontRef idx="minor">
-            <a:schemeClr val="tx1"/>
-          </a:fontRef>
-        </p:style>
-      </p:cxnSp>
-      <p:cxnSp>
-        <p:nvCxnSpPr>
-          <p:cNvPr id="15" name="Straight Arrow Connector 14">
-            <a:extLst>
-              <a:ext uri="{FF2B5EF4-FFF2-40B4-BE49-F238E27FC236}">
-                <a16:creationId xmlns:a16="http://schemas.microsoft.com/office/drawing/2014/main" id="{F239648D-000F-A74B-8F3E-63B6F6E12E7A}"/>
-              </a:ext>
-            </a:extLst>
-          </p:cNvPr>
-          <p:cNvCxnSpPr>
-            <a:cxnSpLocks/>
-          </p:cNvCxnSpPr>
-          <p:nvPr/>
-        </p:nvCxnSpPr>
-        <p:spPr>
-          <a:xfrm>
-            <a:off x="2550843" y="1433247"/>
-            <a:ext cx="635724" cy="355674"/>
-          </a:xfrm>
-          <a:prstGeom prst="straightConnector1">
-            <a:avLst/>
-          </a:prstGeom>
-          <a:ln w="76200">
-            <a:solidFill>
-              <a:schemeClr val="bg1">
-                <a:lumMod val="50000"/>
-              </a:schemeClr>
-            </a:solidFill>
-            <a:tailEnd type="triangle"/>
-          </a:ln>
-        </p:spPr>
-        <p:style>
-          <a:lnRef idx="1">
-            <a:schemeClr val="accent1"/>
-          </a:lnRef>
-          <a:fillRef idx="0">
-            <a:schemeClr val="accent1"/>
-          </a:fillRef>
-          <a:effectRef idx="0">
-            <a:schemeClr val="accent1"/>
-          </a:effectRef>
-          <a:fontRef idx="minor">
-            <a:schemeClr val="tx1"/>
-          </a:fontRef>
-        </p:style>
-      </p:cxnSp>
       <p:sp>
         <p:nvSpPr>
           <p:cNvPr id="20" name="TextBox 19">
@@ -3595,237 +3473,12 @@
           </a:p>
         </p:txBody>
       </p:sp>
-      <p:sp>
-        <p:nvSpPr>
-          <p:cNvPr id="21" name="TextBox 20">
+      <p:grpSp>
+        <p:nvGrpSpPr>
+          <p:cNvPr id="16" name="Group 15">
             <a:extLst>
               <a:ext uri="{FF2B5EF4-FFF2-40B4-BE49-F238E27FC236}">
-                <a16:creationId xmlns:a16="http://schemas.microsoft.com/office/drawing/2014/main" id="{86097BA7-1DBE-CF8A-722C-4928E5F8A25F}"/>
-              </a:ext>
-            </a:extLst>
-          </p:cNvPr>
-          <p:cNvSpPr txBox="1"/>
-          <p:nvPr/>
-        </p:nvSpPr>
-        <p:spPr>
-          <a:xfrm>
-            <a:off x="303594" y="1788921"/>
-            <a:ext cx="1997040" cy="643786"/>
-          </a:xfrm>
-          <a:prstGeom prst="rect">
-            <a:avLst/>
-          </a:prstGeom>
-          <a:noFill/>
-        </p:spPr>
-        <p:txBody>
-          <a:bodyPr wrap="square" rtlCol="0">
-            <a:spAutoFit/>
-          </a:bodyPr>
-          <a:lstStyle/>
-          <a:p>
-            <a:r>
-              <a:rPr lang="en-US" sz="1200" dirty="0">
-                <a:latin typeface="HelveticaNeueLT Std Cn" panose="020B0506030502030204" pitchFamily="34" charset="77"/>
-              </a:rPr>
-              <a:t>Performances </a:t>
-            </a:r>
-          </a:p>
-          <a:p>
-            <a:r>
-              <a:rPr lang="en-US" sz="1200" dirty="0">
-                <a:latin typeface="HelveticaNeueLT Std Cn" panose="020B0506030502030204" pitchFamily="34" charset="77"/>
-              </a:rPr>
-              <a:t>without expressive notations</a:t>
-            </a:r>
-          </a:p>
-          <a:p>
-            <a:r>
-              <a:rPr lang="en-US" sz="1200" b="1" dirty="0">
-                <a:latin typeface="Helvetica Neue Condensed" panose="02000503000000020004" pitchFamily="2" charset="0"/>
-                <a:ea typeface="Helvetica Neue Condensed" panose="02000503000000020004" pitchFamily="2" charset="0"/>
-                <a:cs typeface="Helvetica Neue Condensed" panose="02000503000000020004" pitchFamily="2" charset="0"/>
-              </a:rPr>
-              <a:t>baseline performances</a:t>
-            </a:r>
-          </a:p>
-        </p:txBody>
-      </p:sp>
-      <p:pic>
-        <p:nvPicPr>
-          <p:cNvPr id="23" name="Picture 22" descr="A picture containing antenna&#10;&#10;Description automatically generated">
-            <a:extLst>
-              <a:ext uri="{FF2B5EF4-FFF2-40B4-BE49-F238E27FC236}">
-                <a16:creationId xmlns:a16="http://schemas.microsoft.com/office/drawing/2014/main" id="{803B9327-81B3-46DF-1239-C2CD62D86962}"/>
-              </a:ext>
-            </a:extLst>
-          </p:cNvPr>
-          <p:cNvPicPr>
-            <a:picLocks noChangeAspect="1"/>
-          </p:cNvPicPr>
-          <p:nvPr/>
-        </p:nvPicPr>
-        <p:blipFill>
-          <a:blip r:embed="rId4"/>
-          <a:stretch>
-            <a:fillRect/>
-          </a:stretch>
-        </p:blipFill>
-        <p:spPr>
-          <a:xfrm>
-            <a:off x="301906" y="2403737"/>
-            <a:ext cx="1998728" cy="712559"/>
-          </a:xfrm>
-          <a:prstGeom prst="rect">
-            <a:avLst/>
-          </a:prstGeom>
-        </p:spPr>
-      </p:pic>
-      <p:pic>
-        <p:nvPicPr>
-          <p:cNvPr id="25" name="Picture 24" descr="A picture containing object, antenna&#10;&#10;Description automatically generated">
-            <a:extLst>
-              <a:ext uri="{FF2B5EF4-FFF2-40B4-BE49-F238E27FC236}">
-                <a16:creationId xmlns:a16="http://schemas.microsoft.com/office/drawing/2014/main" id="{10CAFC32-F9C7-7229-7036-16DB6685029A}"/>
-              </a:ext>
-            </a:extLst>
-          </p:cNvPr>
-          <p:cNvPicPr>
-            <a:picLocks noChangeAspect="1"/>
-          </p:cNvPicPr>
-          <p:nvPr/>
-        </p:nvPicPr>
-        <p:blipFill>
-          <a:blip r:embed="rId5"/>
-          <a:stretch>
-            <a:fillRect/>
-          </a:stretch>
-        </p:blipFill>
-        <p:spPr>
-          <a:xfrm>
-            <a:off x="301906" y="3808125"/>
-            <a:ext cx="2002187" cy="712559"/>
-          </a:xfrm>
-          <a:prstGeom prst="rect">
-            <a:avLst/>
-          </a:prstGeom>
-        </p:spPr>
-      </p:pic>
-      <p:sp>
-        <p:nvSpPr>
-          <p:cNvPr id="26" name="TextBox 25">
-            <a:extLst>
-              <a:ext uri="{FF2B5EF4-FFF2-40B4-BE49-F238E27FC236}">
-                <a16:creationId xmlns:a16="http://schemas.microsoft.com/office/drawing/2014/main" id="{BF68C1FE-A95F-E94D-E45B-7D79B729051D}"/>
-              </a:ext>
-            </a:extLst>
-          </p:cNvPr>
-          <p:cNvSpPr txBox="1"/>
-          <p:nvPr/>
-        </p:nvSpPr>
-        <p:spPr>
-          <a:xfrm>
-            <a:off x="301906" y="3139045"/>
-            <a:ext cx="1998728" cy="646331"/>
-          </a:xfrm>
-          <a:prstGeom prst="rect">
-            <a:avLst/>
-          </a:prstGeom>
-          <a:noFill/>
-        </p:spPr>
-        <p:txBody>
-          <a:bodyPr wrap="square" rtlCol="0">
-            <a:spAutoFit/>
-          </a:bodyPr>
-          <a:lstStyle/>
-          <a:p>
-            <a:r>
-              <a:rPr lang="en-US" sz="1200" dirty="0">
-                <a:latin typeface="HelveticaNeueLT Std Cn" panose="020B0506030502030204" pitchFamily="34" charset="77"/>
-              </a:rPr>
-              <a:t>Performances </a:t>
-            </a:r>
-          </a:p>
-          <a:p>
-            <a:r>
-              <a:rPr lang="en-US" sz="1200" dirty="0">
-                <a:latin typeface="HelveticaNeueLT Std Cn" panose="020B0506030502030204" pitchFamily="34" charset="77"/>
-              </a:rPr>
-              <a:t>with notated articulation</a:t>
-            </a:r>
-          </a:p>
-          <a:p>
-            <a:r>
-              <a:rPr lang="en-US" sz="1200" b="1" dirty="0">
-                <a:latin typeface="Helvetica Neue Condensed" panose="02000503000000020004" pitchFamily="2" charset="0"/>
-                <a:ea typeface="Helvetica Neue Condensed" panose="02000503000000020004" pitchFamily="2" charset="0"/>
-                <a:cs typeface="Helvetica Neue Condensed" panose="02000503000000020004" pitchFamily="2" charset="0"/>
-              </a:rPr>
-              <a:t>articulation performances</a:t>
-            </a:r>
-          </a:p>
-        </p:txBody>
-      </p:sp>
-      <p:sp>
-        <p:nvSpPr>
-          <p:cNvPr id="27" name="TextBox 26">
-            <a:extLst>
-              <a:ext uri="{FF2B5EF4-FFF2-40B4-BE49-F238E27FC236}">
-                <a16:creationId xmlns:a16="http://schemas.microsoft.com/office/drawing/2014/main" id="{D97E2954-4C04-CAD3-CD25-02FA6BFE5AA9}"/>
-              </a:ext>
-            </a:extLst>
-          </p:cNvPr>
-          <p:cNvSpPr txBox="1"/>
-          <p:nvPr/>
-        </p:nvSpPr>
-        <p:spPr>
-          <a:xfrm>
-            <a:off x="298447" y="4598135"/>
-            <a:ext cx="2002187" cy="646331"/>
-          </a:xfrm>
-          <a:prstGeom prst="rect">
-            <a:avLst/>
-          </a:prstGeom>
-          <a:noFill/>
-        </p:spPr>
-        <p:txBody>
-          <a:bodyPr wrap="square" rtlCol="0">
-            <a:spAutoFit/>
-          </a:bodyPr>
-          <a:lstStyle/>
-          <a:p>
-            <a:r>
-              <a:rPr lang="en-US" sz="1200" dirty="0">
-                <a:latin typeface="HelveticaNeueLT Std Cn" panose="020B0506030502030204" pitchFamily="34" charset="77"/>
-              </a:rPr>
-              <a:t>Performances </a:t>
-            </a:r>
-          </a:p>
-          <a:p>
-            <a:r>
-              <a:rPr lang="en-US" sz="1200" dirty="0">
-                <a:latin typeface="HelveticaNeueLT Std Cn" panose="020B0506030502030204" pitchFamily="34" charset="77"/>
-              </a:rPr>
-              <a:t>with notated dynamics</a:t>
-            </a:r>
-          </a:p>
-          <a:p>
-            <a:r>
-              <a:rPr lang="en-US" sz="1200" b="1" dirty="0">
-                <a:latin typeface="Helvetica Neue Condensed" panose="02000503000000020004" pitchFamily="2" charset="0"/>
-                <a:ea typeface="Helvetica Neue Condensed" panose="02000503000000020004" pitchFamily="2" charset="0"/>
-                <a:cs typeface="Helvetica Neue Condensed" panose="02000503000000020004" pitchFamily="2" charset="0"/>
-              </a:rPr>
-              <a:t>dynamics performances</a:t>
-            </a:r>
-          </a:p>
-        </p:txBody>
-      </p:sp>
-      <p:grpSp>
-        <p:nvGrpSpPr>
-          <p:cNvPr id="5" name="Group 4">
-            <a:extLst>
-              <a:ext uri="{FF2B5EF4-FFF2-40B4-BE49-F238E27FC236}">
-                <a16:creationId xmlns:a16="http://schemas.microsoft.com/office/drawing/2014/main" id="{AEDF962B-1CBB-AD2C-925F-33D185FF9224}"/>
+                <a16:creationId xmlns:a16="http://schemas.microsoft.com/office/drawing/2014/main" id="{E3459BBB-F754-A306-2972-59F231A18131}"/>
               </a:ext>
             </a:extLst>
           </p:cNvPr>
@@ -3834,18 +3487,156 @@
         </p:nvGrpSpPr>
         <p:grpSpPr>
           <a:xfrm>
-            <a:off x="3409747" y="306539"/>
-            <a:ext cx="1473862" cy="1123739"/>
-            <a:chOff x="3409747" y="261714"/>
-            <a:chExt cx="1473862" cy="1123739"/>
+            <a:off x="3395104" y="978078"/>
+            <a:ext cx="3614817" cy="1584953"/>
+            <a:chOff x="3409747" y="308902"/>
+            <a:chExt cx="1477809" cy="1584953"/>
           </a:xfrm>
         </p:grpSpPr>
+        <p:grpSp>
+          <p:nvGrpSpPr>
+            <p:cNvPr id="5" name="Group 4">
+              <a:extLst>
+                <a:ext uri="{FF2B5EF4-FFF2-40B4-BE49-F238E27FC236}">
+                  <a16:creationId xmlns:a16="http://schemas.microsoft.com/office/drawing/2014/main" id="{AEDF962B-1CBB-AD2C-925F-33D185FF9224}"/>
+                </a:ext>
+              </a:extLst>
+            </p:cNvPr>
+            <p:cNvGrpSpPr/>
+            <p:nvPr/>
+          </p:nvGrpSpPr>
+          <p:grpSpPr>
+            <a:xfrm>
+              <a:off x="3409747" y="308902"/>
+              <a:ext cx="1473862" cy="939073"/>
+              <a:chOff x="3409747" y="261714"/>
+              <a:chExt cx="1473862" cy="939073"/>
+            </a:xfrm>
+          </p:grpSpPr>
+          <p:sp>
+            <p:nvSpPr>
+              <p:cNvPr id="17" name="TextBox 16">
+                <a:extLst>
+                  <a:ext uri="{FF2B5EF4-FFF2-40B4-BE49-F238E27FC236}">
+                    <a16:creationId xmlns:a16="http://schemas.microsoft.com/office/drawing/2014/main" id="{8D5A9852-30D4-8C01-6C85-51023C3AC74D}"/>
+                  </a:ext>
+                </a:extLst>
+              </p:cNvPr>
+              <p:cNvSpPr txBox="1"/>
+              <p:nvPr/>
+            </p:nvSpPr>
+            <p:spPr>
+              <a:xfrm>
+                <a:off x="3409747" y="261714"/>
+                <a:ext cx="1473862" cy="276999"/>
+              </a:xfrm>
+              <a:prstGeom prst="rect">
+                <a:avLst/>
+              </a:prstGeom>
+              <a:noFill/>
+            </p:spPr>
+            <p:txBody>
+              <a:bodyPr wrap="square" rtlCol="0">
+                <a:spAutoFit/>
+              </a:bodyPr>
+              <a:lstStyle/>
+              <a:p>
+                <a:r>
+                  <a:rPr lang="en-US" sz="1200" dirty="0">
+                    <a:latin typeface="HelveticaNeueLT Std Cn" panose="020B0506030502030204" pitchFamily="34" charset="77"/>
+                    <a:ea typeface="Helvetica Neue" panose="02000503000000020004" pitchFamily="2" charset="0"/>
+                    <a:cs typeface="Helvetica Neue" panose="02000503000000020004" pitchFamily="2" charset="0"/>
+                  </a:rPr>
+                  <a:t>A. Tempo (IOIs)</a:t>
+                </a:r>
+              </a:p>
+            </p:txBody>
+          </p:sp>
+          <p:sp>
+            <p:nvSpPr>
+              <p:cNvPr id="18" name="TextBox 17">
+                <a:extLst>
+                  <a:ext uri="{FF2B5EF4-FFF2-40B4-BE49-F238E27FC236}">
+                    <a16:creationId xmlns:a16="http://schemas.microsoft.com/office/drawing/2014/main" id="{2D953C7F-4753-2790-C427-42821505D065}"/>
+                  </a:ext>
+                </a:extLst>
+              </p:cNvPr>
+              <p:cNvSpPr txBox="1"/>
+              <p:nvPr/>
+            </p:nvSpPr>
+            <p:spPr>
+              <a:xfrm>
+                <a:off x="3409749" y="584118"/>
+                <a:ext cx="1473860" cy="276999"/>
+              </a:xfrm>
+              <a:prstGeom prst="rect">
+                <a:avLst/>
+              </a:prstGeom>
+              <a:noFill/>
+            </p:spPr>
+            <p:txBody>
+              <a:bodyPr wrap="square" rtlCol="0">
+                <a:spAutoFit/>
+              </a:bodyPr>
+              <a:lstStyle/>
+              <a:p>
+                <a:r>
+                  <a:rPr lang="en-US" sz="1200" dirty="0">
+                    <a:latin typeface="HelveticaNeueLT Std Cn" panose="020B0506030502030204" pitchFamily="34" charset="77"/>
+                    <a:ea typeface="Helvetica Neue" panose="02000503000000020004" pitchFamily="2" charset="0"/>
+                    <a:cs typeface="Helvetica Neue" panose="02000503000000020004" pitchFamily="2" charset="0"/>
+                  </a:rPr>
+                  <a:t>B. Articulation (sound duration)</a:t>
+                </a:r>
+              </a:p>
+            </p:txBody>
+          </p:sp>
+          <p:sp>
+            <p:nvSpPr>
+              <p:cNvPr id="19" name="TextBox 18">
+                <a:extLst>
+                  <a:ext uri="{FF2B5EF4-FFF2-40B4-BE49-F238E27FC236}">
+                    <a16:creationId xmlns:a16="http://schemas.microsoft.com/office/drawing/2014/main" id="{1CE18468-B01D-1BC2-CC26-1A9ADA993B3D}"/>
+                  </a:ext>
+                </a:extLst>
+              </p:cNvPr>
+              <p:cNvSpPr txBox="1"/>
+              <p:nvPr/>
+            </p:nvSpPr>
+            <p:spPr>
+              <a:xfrm>
+                <a:off x="3409747" y="923788"/>
+                <a:ext cx="1473862" cy="276999"/>
+              </a:xfrm>
+              <a:prstGeom prst="rect">
+                <a:avLst/>
+              </a:prstGeom>
+              <a:noFill/>
+            </p:spPr>
+            <p:txBody>
+              <a:bodyPr wrap="square" rtlCol="0">
+                <a:spAutoFit/>
+              </a:bodyPr>
+              <a:lstStyle/>
+              <a:p>
+                <a:r>
+                  <a:rPr lang="en-US" sz="1200" dirty="0">
+                    <a:latin typeface="HelveticaNeueLT Std Cn" panose="020B0506030502030204" pitchFamily="34" charset="77"/>
+                    <a:ea typeface="Helvetica Neue" panose="02000503000000020004" pitchFamily="2" charset="0"/>
+                    <a:cs typeface="Helvetica Neue" panose="02000503000000020004" pitchFamily="2" charset="0"/>
+                  </a:rPr>
+                  <a:t>C. Dynamics (velocity profiles)</a:t>
+                </a:r>
+              </a:p>
+            </p:txBody>
+          </p:sp>
+        </p:grpSp>
         <p:sp>
           <p:nvSpPr>
-            <p:cNvPr id="17" name="TextBox 16">
+            <p:cNvPr id="46" name="TextBox 45">
               <a:extLst>
                 <a:ext uri="{FF2B5EF4-FFF2-40B4-BE49-F238E27FC236}">
-                  <a16:creationId xmlns:a16="http://schemas.microsoft.com/office/drawing/2014/main" id="{8D5A9852-30D4-8C01-6C85-51023C3AC74D}"/>
+                  <a16:creationId xmlns:a16="http://schemas.microsoft.com/office/drawing/2014/main" id="{A12B3245-4E7F-2995-6833-C60B8FBEEA32}"/>
                 </a:ext>
               </a:extLst>
             </p:cNvPr>
@@ -3854,8 +3645,74 @@
           </p:nvSpPr>
           <p:spPr>
             <a:xfrm>
-              <a:off x="3409747" y="261714"/>
-              <a:ext cx="1473862" cy="276999"/>
+              <a:off x="3413696" y="1432190"/>
+              <a:ext cx="1473860" cy="461665"/>
+            </a:xfrm>
+            <a:prstGeom prst="rect">
+              <a:avLst/>
+            </a:prstGeom>
+            <a:noFill/>
+          </p:spPr>
+          <p:txBody>
+            <a:bodyPr wrap="square" rtlCol="0">
+              <a:spAutoFit/>
+            </a:bodyPr>
+            <a:lstStyle/>
+            <a:p>
+              <a:r>
+                <a:rPr lang="en-US" sz="1200" dirty="0">
+                  <a:latin typeface="HelveticaNeueLT Std Cn" panose="020B0506030502030204" pitchFamily="34" charset="77"/>
+                </a:rPr>
+                <a:t>16 instances for A, B, C were generated by averaging three of each performance feature of </a:t>
+              </a:r>
+              <a:r>
+                <a:rPr lang="en-US" sz="1200" b="1" dirty="0">
+                  <a:latin typeface="Helvetica Neue Condensed" panose="02000503000000020004" pitchFamily="2" charset="0"/>
+                  <a:ea typeface="Helvetica Neue Condensed" panose="02000503000000020004" pitchFamily="2" charset="0"/>
+                  <a:cs typeface="Helvetica Neue Condensed" panose="02000503000000020004" pitchFamily="2" charset="0"/>
+                </a:rPr>
+                <a:t>baseline performances</a:t>
+              </a:r>
+            </a:p>
+          </p:txBody>
+        </p:sp>
+      </p:grpSp>
+      <p:grpSp>
+        <p:nvGrpSpPr>
+          <p:cNvPr id="36" name="Group 35">
+            <a:extLst>
+              <a:ext uri="{FF2B5EF4-FFF2-40B4-BE49-F238E27FC236}">
+                <a16:creationId xmlns:a16="http://schemas.microsoft.com/office/drawing/2014/main" id="{A143AF7B-B6A9-E9C7-491D-59BC3669474D}"/>
+              </a:ext>
+            </a:extLst>
+          </p:cNvPr>
+          <p:cNvGrpSpPr/>
+          <p:nvPr/>
+        </p:nvGrpSpPr>
+        <p:grpSpPr>
+          <a:xfrm>
+            <a:off x="3404506" y="3182296"/>
+            <a:ext cx="3595760" cy="1085726"/>
+            <a:chOff x="3404506" y="3092646"/>
+            <a:chExt cx="1839847" cy="1085726"/>
+          </a:xfrm>
+        </p:grpSpPr>
+        <p:sp>
+          <p:nvSpPr>
+            <p:cNvPr id="30" name="TextBox 29">
+              <a:extLst>
+                <a:ext uri="{FF2B5EF4-FFF2-40B4-BE49-F238E27FC236}">
+                  <a16:creationId xmlns:a16="http://schemas.microsoft.com/office/drawing/2014/main" id="{0341CDE9-3827-A566-6110-8695142AD759}"/>
+                </a:ext>
+              </a:extLst>
+            </p:cNvPr>
+            <p:cNvSpPr txBox="1"/>
+            <p:nvPr/>
+          </p:nvSpPr>
+          <p:spPr>
+            <a:xfrm>
+              <a:off x="3408737" y="3092646"/>
+              <a:ext cx="1473860" cy="276999"/>
             </a:xfrm>
             <a:prstGeom prst="rect">
               <a:avLst/>
@@ -3874,17 +3731,17 @@
                   <a:ea typeface="Helvetica Neue" panose="02000503000000020004" pitchFamily="2" charset="0"/>
                   <a:cs typeface="Helvetica Neue" panose="02000503000000020004" pitchFamily="2" charset="0"/>
                 </a:rPr>
-                <a:t>A. Tempo (IOIs)</a:t>
+                <a:t>D. Articulation (sound duration)</a:t>
               </a:r>
             </a:p>
           </p:txBody>
         </p:sp>
         <p:sp>
           <p:nvSpPr>
-            <p:cNvPr id="18" name="TextBox 17">
+            <p:cNvPr id="47" name="TextBox 46">
               <a:extLst>
                 <a:ext uri="{FF2B5EF4-FFF2-40B4-BE49-F238E27FC236}">
-                  <a16:creationId xmlns:a16="http://schemas.microsoft.com/office/drawing/2014/main" id="{2D953C7F-4753-2790-C427-42821505D065}"/>
+                  <a16:creationId xmlns:a16="http://schemas.microsoft.com/office/drawing/2014/main" id="{1EC7812E-6DFD-90D3-AF5D-6D71FBAF4671}"/>
                 </a:ext>
               </a:extLst>
             </p:cNvPr>
@@ -3893,8 +3750,82 @@
           </p:nvSpPr>
           <p:spPr>
             <a:xfrm>
-              <a:off x="3409749" y="530328"/>
-              <a:ext cx="1473860" cy="461665"/>
+              <a:off x="3404506" y="3532041"/>
+              <a:ext cx="1839847" cy="646331"/>
+            </a:xfrm>
+            <a:prstGeom prst="rect">
+              <a:avLst/>
+            </a:prstGeom>
+            <a:noFill/>
+          </p:spPr>
+          <p:txBody>
+            <a:bodyPr wrap="square" rtlCol="0">
+              <a:spAutoFit/>
+            </a:bodyPr>
+            <a:lstStyle/>
+            <a:p>
+              <a:r>
+                <a:rPr lang="en-US" sz="1200" dirty="0">
+                  <a:latin typeface="HelveticaNeueLT Std Cn" panose="020B0506030502030204" pitchFamily="34" charset="77"/>
+                </a:rPr>
+                <a:t>16 instances for D were generated by averaging three of</a:t>
+              </a:r>
+            </a:p>
+            <a:p>
+              <a:r>
+                <a:rPr lang="en-US" sz="1200" dirty="0">
+                  <a:latin typeface="HelveticaNeueLT Std Cn" panose="020B0506030502030204" pitchFamily="34" charset="77"/>
+                </a:rPr>
+                <a:t>the articulation performance feature of </a:t>
+              </a:r>
+              <a:r>
+                <a:rPr lang="en-US" sz="1200" b="1" dirty="0">
+                  <a:latin typeface="Helvetica Neue Condensed" panose="02000503000000020004" pitchFamily="2" charset="0"/>
+                  <a:ea typeface="Helvetica Neue Condensed" panose="02000503000000020004" pitchFamily="2" charset="0"/>
+                  <a:cs typeface="Helvetica Neue Condensed" panose="02000503000000020004" pitchFamily="2" charset="0"/>
+                </a:rPr>
+                <a:t>articulation performances</a:t>
+              </a:r>
+            </a:p>
+          </p:txBody>
+        </p:sp>
+      </p:grpSp>
+      <p:grpSp>
+        <p:nvGrpSpPr>
+          <p:cNvPr id="37" name="Group 36">
+            <a:extLst>
+              <a:ext uri="{FF2B5EF4-FFF2-40B4-BE49-F238E27FC236}">
+                <a16:creationId xmlns:a16="http://schemas.microsoft.com/office/drawing/2014/main" id="{DC618240-EBE4-560C-E705-30A7C87F2028}"/>
+              </a:ext>
+            </a:extLst>
+          </p:cNvPr>
+          <p:cNvGrpSpPr/>
+          <p:nvPr/>
+        </p:nvGrpSpPr>
+        <p:grpSpPr>
+          <a:xfrm>
+            <a:off x="3404506" y="4981123"/>
+            <a:ext cx="3602113" cy="1125928"/>
+            <a:chOff x="3399987" y="5952166"/>
+            <a:chExt cx="1709895" cy="1125928"/>
+          </a:xfrm>
+        </p:grpSpPr>
+        <p:sp>
+          <p:nvSpPr>
+            <p:cNvPr id="32" name="TextBox 31">
+              <a:extLst>
+                <a:ext uri="{FF2B5EF4-FFF2-40B4-BE49-F238E27FC236}">
+                  <a16:creationId xmlns:a16="http://schemas.microsoft.com/office/drawing/2014/main" id="{278168D9-9198-98CC-3B75-97413476FB48}"/>
+                </a:ext>
+              </a:extLst>
+            </p:cNvPr>
+            <p:cNvSpPr txBox="1"/>
+            <p:nvPr/>
+          </p:nvSpPr>
+          <p:spPr>
+            <a:xfrm>
+              <a:off x="3400236" y="5952166"/>
+              <a:ext cx="1473860" cy="276999"/>
             </a:xfrm>
             <a:prstGeom prst="rect">
               <a:avLst/>
@@ -3913,27 +3844,17 @@
                   <a:ea typeface="Helvetica Neue" panose="02000503000000020004" pitchFamily="2" charset="0"/>
                   <a:cs typeface="Helvetica Neue" panose="02000503000000020004" pitchFamily="2" charset="0"/>
                 </a:rPr>
-                <a:t>B. Articulation</a:t>
-              </a:r>
-            </a:p>
-            <a:p>
-              <a:r>
-                <a:rPr lang="en-US" sz="1200" dirty="0">
-                  <a:latin typeface="HelveticaNeueLT Std Cn" panose="020B0506030502030204" pitchFamily="34" charset="77"/>
-                  <a:ea typeface="Helvetica Neue" panose="02000503000000020004" pitchFamily="2" charset="0"/>
-                  <a:cs typeface="Helvetica Neue" panose="02000503000000020004" pitchFamily="2" charset="0"/>
-                </a:rPr>
-                <a:t>(sound duration)</a:t>
+                <a:t>E. Dynamics (velocity profiles)</a:t>
               </a:r>
             </a:p>
           </p:txBody>
         </p:sp>
         <p:sp>
           <p:nvSpPr>
-            <p:cNvPr id="19" name="TextBox 18">
+            <p:cNvPr id="48" name="TextBox 47">
               <a:extLst>
                 <a:ext uri="{FF2B5EF4-FFF2-40B4-BE49-F238E27FC236}">
-                  <a16:creationId xmlns:a16="http://schemas.microsoft.com/office/drawing/2014/main" id="{1CE18468-B01D-1BC2-CC26-1A9ADA993B3D}"/>
+                  <a16:creationId xmlns:a16="http://schemas.microsoft.com/office/drawing/2014/main" id="{CF181584-C2CF-4F4C-CB02-993675972139}"/>
                 </a:ext>
               </a:extLst>
             </p:cNvPr>
@@ -3942,8 +3863,8 @@
           </p:nvSpPr>
           <p:spPr>
             <a:xfrm>
-              <a:off x="3409747" y="923788"/>
-              <a:ext cx="1473862" cy="461665"/>
+              <a:off x="3399987" y="6431763"/>
+              <a:ext cx="1709895" cy="646331"/>
             </a:xfrm>
             <a:prstGeom prst="rect">
               <a:avLst/>
@@ -3959,508 +3880,188 @@
               <a:r>
                 <a:rPr lang="en-US" sz="1200" dirty="0">
                   <a:latin typeface="HelveticaNeueLT Std Cn" panose="020B0506030502030204" pitchFamily="34" charset="77"/>
-                  <a:ea typeface="Helvetica Neue" panose="02000503000000020004" pitchFamily="2" charset="0"/>
-                  <a:cs typeface="Helvetica Neue" panose="02000503000000020004" pitchFamily="2" charset="0"/>
                 </a:rPr>
-                <a:t>C. Dynamics</a:t>
+                <a:t>16 instances for E were generated by averaging three of</a:t>
               </a:r>
             </a:p>
             <a:p>
               <a:r>
                 <a:rPr lang="en-US" sz="1200" dirty="0">
                   <a:latin typeface="HelveticaNeueLT Std Cn" panose="020B0506030502030204" pitchFamily="34" charset="77"/>
-                  <a:ea typeface="Helvetica Neue" panose="02000503000000020004" pitchFamily="2" charset="0"/>
-                  <a:cs typeface="Helvetica Neue" panose="02000503000000020004" pitchFamily="2" charset="0"/>
                 </a:rPr>
-                <a:t>(velocity profiles)</a:t>
+                <a:t>the dynamics performance feature of </a:t>
+              </a:r>
+              <a:r>
+                <a:rPr lang="en-US" sz="1200" b="1" dirty="0">
+                  <a:latin typeface="Helvetica Neue Condensed" panose="02000503000000020004" pitchFamily="2" charset="0"/>
+                  <a:ea typeface="Helvetica Neue Condensed" panose="02000503000000020004" pitchFamily="2" charset="0"/>
+                  <a:cs typeface="Helvetica Neue Condensed" panose="02000503000000020004" pitchFamily="2" charset="0"/>
+                </a:rPr>
+                <a:t>dynamics performances</a:t>
               </a:r>
             </a:p>
           </p:txBody>
         </p:sp>
       </p:grpSp>
-      <p:sp>
-        <p:nvSpPr>
-          <p:cNvPr id="30" name="TextBox 29">
+      <p:grpSp>
+        <p:nvGrpSpPr>
+          <p:cNvPr id="34" name="Group 33">
             <a:extLst>
               <a:ext uri="{FF2B5EF4-FFF2-40B4-BE49-F238E27FC236}">
-                <a16:creationId xmlns:a16="http://schemas.microsoft.com/office/drawing/2014/main" id="{0341CDE9-3827-A566-6110-8695142AD759}"/>
+                <a16:creationId xmlns:a16="http://schemas.microsoft.com/office/drawing/2014/main" id="{0CCF7B59-B72C-AF92-3D9E-DF33B5A8ECB5}"/>
               </a:ext>
             </a:extLst>
           </p:cNvPr>
-          <p:cNvSpPr txBox="1"/>
+          <p:cNvGrpSpPr/>
           <p:nvPr/>
-        </p:nvSpPr>
-        <p:spPr>
+        </p:nvGrpSpPr>
+        <p:grpSpPr>
           <a:xfrm>
-            <a:off x="3408737" y="2581657"/>
-            <a:ext cx="1473860" cy="461665"/>
+            <a:off x="2602552" y="1076362"/>
+            <a:ext cx="648638" cy="730506"/>
+            <a:chOff x="2537929" y="1058415"/>
+            <a:chExt cx="648638" cy="730506"/>
           </a:xfrm>
-          <a:prstGeom prst="rect">
-            <a:avLst/>
-          </a:prstGeom>
-          <a:noFill/>
-        </p:spPr>
-        <p:txBody>
-          <a:bodyPr wrap="square" rtlCol="0">
-            <a:spAutoFit/>
-          </a:bodyPr>
-          <a:lstStyle/>
-          <a:p>
-            <a:r>
-              <a:rPr lang="en-US" sz="1200" dirty="0">
-                <a:latin typeface="HelveticaNeueLT Std Cn" panose="020B0506030502030204" pitchFamily="34" charset="77"/>
-                <a:ea typeface="Helvetica Neue" panose="02000503000000020004" pitchFamily="2" charset="0"/>
-                <a:cs typeface="Helvetica Neue" panose="02000503000000020004" pitchFamily="2" charset="0"/>
-              </a:rPr>
-              <a:t>D. Articulation</a:t>
-            </a:r>
-          </a:p>
-          <a:p>
-            <a:r>
-              <a:rPr lang="en-US" sz="1200" dirty="0">
-                <a:latin typeface="HelveticaNeueLT Std Cn" panose="020B0506030502030204" pitchFamily="34" charset="77"/>
-                <a:ea typeface="Helvetica Neue" panose="02000503000000020004" pitchFamily="2" charset="0"/>
-                <a:cs typeface="Helvetica Neue" panose="02000503000000020004" pitchFamily="2" charset="0"/>
-              </a:rPr>
-              <a:t>(sound duration)</a:t>
-            </a:r>
-          </a:p>
-        </p:txBody>
-      </p:sp>
-      <p:sp>
-        <p:nvSpPr>
-          <p:cNvPr id="32" name="TextBox 31">
-            <a:extLst>
-              <a:ext uri="{FF2B5EF4-FFF2-40B4-BE49-F238E27FC236}">
-                <a16:creationId xmlns:a16="http://schemas.microsoft.com/office/drawing/2014/main" id="{278168D9-9198-98CC-3B75-97413476FB48}"/>
-              </a:ext>
-            </a:extLst>
-          </p:cNvPr>
-          <p:cNvSpPr txBox="1"/>
-          <p:nvPr/>
-        </p:nvSpPr>
-        <p:spPr>
-          <a:xfrm>
-            <a:off x="3400236" y="4006824"/>
-            <a:ext cx="1473860" cy="461665"/>
-          </a:xfrm>
-          <a:prstGeom prst="rect">
-            <a:avLst/>
-          </a:prstGeom>
-          <a:noFill/>
-        </p:spPr>
-        <p:txBody>
-          <a:bodyPr wrap="square" rtlCol="0">
-            <a:spAutoFit/>
-          </a:bodyPr>
-          <a:lstStyle/>
-          <a:p>
-            <a:r>
-              <a:rPr lang="en-US" sz="1200" dirty="0">
-                <a:latin typeface="HelveticaNeueLT Std Cn" panose="020B0506030502030204" pitchFamily="34" charset="77"/>
-                <a:ea typeface="Helvetica Neue" panose="02000503000000020004" pitchFamily="2" charset="0"/>
-                <a:cs typeface="Helvetica Neue" panose="02000503000000020004" pitchFamily="2" charset="0"/>
-              </a:rPr>
-              <a:t>E. Dynamics</a:t>
-            </a:r>
-          </a:p>
-          <a:p>
-            <a:r>
-              <a:rPr lang="en-US" sz="1200" dirty="0">
-                <a:latin typeface="HelveticaNeueLT Std Cn" panose="020B0506030502030204" pitchFamily="34" charset="77"/>
-                <a:ea typeface="Helvetica Neue" panose="02000503000000020004" pitchFamily="2" charset="0"/>
-                <a:cs typeface="Helvetica Neue" panose="02000503000000020004" pitchFamily="2" charset="0"/>
-              </a:rPr>
-              <a:t>(velocity profiles)</a:t>
-            </a:r>
-          </a:p>
-        </p:txBody>
-      </p:sp>
-      <p:sp>
-        <p:nvSpPr>
-          <p:cNvPr id="33" name="TextBox 32">
-            <a:extLst>
-              <a:ext uri="{FF2B5EF4-FFF2-40B4-BE49-F238E27FC236}">
-                <a16:creationId xmlns:a16="http://schemas.microsoft.com/office/drawing/2014/main" id="{81B9C5F0-743B-3AA1-E8BE-DAADF742B755}"/>
-              </a:ext>
-            </a:extLst>
-          </p:cNvPr>
-          <p:cNvSpPr txBox="1"/>
-          <p:nvPr/>
-        </p:nvSpPr>
-        <p:spPr>
-          <a:xfrm>
-            <a:off x="5244353" y="1036818"/>
-            <a:ext cx="2178539" cy="2123658"/>
-          </a:xfrm>
-          <a:prstGeom prst="rect">
-            <a:avLst/>
-          </a:prstGeom>
-          <a:noFill/>
-          <a:ln w="38100">
-            <a:noFill/>
-          </a:ln>
-        </p:spPr>
-        <p:txBody>
-          <a:bodyPr wrap="square" rtlCol="0">
-            <a:spAutoFit/>
-          </a:bodyPr>
-          <a:lstStyle/>
-          <a:p>
-            <a:r>
-              <a:rPr lang="en-US" sz="1200" dirty="0">
-                <a:latin typeface="HelveticaNeueLT Std Cn" panose="020B0506030502030204" pitchFamily="34" charset="77"/>
-                <a:ea typeface="Helvetica Neue" panose="02000503000000020004" pitchFamily="2" charset="0"/>
-                <a:cs typeface="Helvetica Neue" panose="02000503000000020004" pitchFamily="2" charset="0"/>
-              </a:rPr>
-              <a:t>None recordings (16 instances)</a:t>
-            </a:r>
-          </a:p>
-          <a:p>
-            <a:r>
-              <a:rPr lang="en-US" sz="1200" dirty="0">
-                <a:latin typeface="HelveticaNeueLT Std Cn" panose="020B0506030502030204" pitchFamily="34" charset="77"/>
-                <a:ea typeface="Helvetica Neue" panose="02000503000000020004" pitchFamily="2" charset="0"/>
-                <a:cs typeface="Helvetica Neue" panose="02000503000000020004" pitchFamily="2" charset="0"/>
-              </a:rPr>
-              <a:t> - Combine A, B, C</a:t>
-            </a:r>
-          </a:p>
-          <a:p>
-            <a:endParaRPr lang="en-US" sz="1200" dirty="0">
-              <a:latin typeface="HelveticaNeueLT Std Cn" panose="020B0506030502030204" pitchFamily="34" charset="77"/>
-              <a:ea typeface="Helvetica Neue" panose="02000503000000020004" pitchFamily="2" charset="0"/>
-              <a:cs typeface="Helvetica Neue" panose="02000503000000020004" pitchFamily="2" charset="0"/>
-            </a:endParaRPr>
-          </a:p>
-          <a:p>
-            <a:r>
-              <a:rPr lang="en-US" sz="1200" dirty="0">
-                <a:latin typeface="HelveticaNeueLT Std Cn" panose="020B0506030502030204" pitchFamily="34" charset="77"/>
-                <a:ea typeface="Helvetica Neue" panose="02000503000000020004" pitchFamily="2" charset="0"/>
-                <a:cs typeface="Helvetica Neue" panose="02000503000000020004" pitchFamily="2" charset="0"/>
-              </a:rPr>
-              <a:t>Art-only recordings (16 instances)</a:t>
-            </a:r>
-          </a:p>
-          <a:p>
-            <a:r>
-              <a:rPr lang="en-US" sz="1200" dirty="0">
-                <a:latin typeface="HelveticaNeueLT Std Cn" panose="020B0506030502030204" pitchFamily="34" charset="77"/>
-                <a:ea typeface="Helvetica Neue" panose="02000503000000020004" pitchFamily="2" charset="0"/>
-                <a:cs typeface="Helvetica Neue" panose="02000503000000020004" pitchFamily="2" charset="0"/>
-              </a:rPr>
-              <a:t> - Combine A, </a:t>
-            </a:r>
-            <a:r>
-              <a:rPr lang="en-US" sz="1200" dirty="0">
-                <a:solidFill>
-                  <a:srgbClr val="FF0000"/>
-                </a:solidFill>
-                <a:latin typeface="HelveticaNeueLT Std Cn" panose="020B0506030502030204" pitchFamily="34" charset="77"/>
-                <a:ea typeface="Helvetica Neue" panose="02000503000000020004" pitchFamily="2" charset="0"/>
-                <a:cs typeface="Helvetica Neue" panose="02000503000000020004" pitchFamily="2" charset="0"/>
-              </a:rPr>
-              <a:t>D</a:t>
-            </a:r>
-            <a:r>
-              <a:rPr lang="en-US" sz="1200" dirty="0">
-                <a:latin typeface="HelveticaNeueLT Std Cn" panose="020B0506030502030204" pitchFamily="34" charset="77"/>
-                <a:ea typeface="Helvetica Neue" panose="02000503000000020004" pitchFamily="2" charset="0"/>
-                <a:cs typeface="Helvetica Neue" panose="02000503000000020004" pitchFamily="2" charset="0"/>
-              </a:rPr>
-              <a:t>, C</a:t>
-            </a:r>
-          </a:p>
-          <a:p>
-            <a:endParaRPr lang="en-US" sz="1200" dirty="0">
-              <a:latin typeface="HelveticaNeueLT Std Cn" panose="020B0506030502030204" pitchFamily="34" charset="77"/>
-              <a:ea typeface="Helvetica Neue" panose="02000503000000020004" pitchFamily="2" charset="0"/>
-              <a:cs typeface="Helvetica Neue" panose="02000503000000020004" pitchFamily="2" charset="0"/>
-            </a:endParaRPr>
-          </a:p>
-          <a:p>
-            <a:r>
-              <a:rPr lang="en-US" sz="1200" dirty="0" err="1">
-                <a:latin typeface="HelveticaNeueLT Std Cn" panose="020B0506030502030204" pitchFamily="34" charset="77"/>
-                <a:ea typeface="Helvetica Neue" panose="02000503000000020004" pitchFamily="2" charset="0"/>
-                <a:cs typeface="Helvetica Neue" panose="02000503000000020004" pitchFamily="2" charset="0"/>
-              </a:rPr>
-              <a:t>Dyn</a:t>
-            </a:r>
-            <a:r>
-              <a:rPr lang="en-US" sz="1200" dirty="0">
-                <a:latin typeface="HelveticaNeueLT Std Cn" panose="020B0506030502030204" pitchFamily="34" charset="77"/>
-                <a:ea typeface="Helvetica Neue" panose="02000503000000020004" pitchFamily="2" charset="0"/>
-                <a:cs typeface="Helvetica Neue" panose="02000503000000020004" pitchFamily="2" charset="0"/>
-              </a:rPr>
-              <a:t>-only recordings (16 instances)</a:t>
-            </a:r>
-          </a:p>
-          <a:p>
-            <a:r>
-              <a:rPr lang="en-US" sz="1200" dirty="0">
-                <a:latin typeface="HelveticaNeueLT Std Cn" panose="020B0506030502030204" pitchFamily="34" charset="77"/>
-                <a:ea typeface="Helvetica Neue" panose="02000503000000020004" pitchFamily="2" charset="0"/>
-                <a:cs typeface="Helvetica Neue" panose="02000503000000020004" pitchFamily="2" charset="0"/>
-              </a:rPr>
-              <a:t> - Combine A, B, </a:t>
-            </a:r>
-            <a:r>
-              <a:rPr lang="en-US" sz="1200" dirty="0">
-                <a:solidFill>
-                  <a:srgbClr val="FF0000"/>
-                </a:solidFill>
-                <a:latin typeface="HelveticaNeueLT Std Cn" panose="020B0506030502030204" pitchFamily="34" charset="77"/>
-                <a:ea typeface="Helvetica Neue" panose="02000503000000020004" pitchFamily="2" charset="0"/>
-                <a:cs typeface="Helvetica Neue" panose="02000503000000020004" pitchFamily="2" charset="0"/>
-              </a:rPr>
-              <a:t>E</a:t>
-            </a:r>
-          </a:p>
-          <a:p>
-            <a:endParaRPr lang="en-US" sz="1200" dirty="0">
+        </p:grpSpPr>
+        <p:cxnSp>
+          <p:nvCxnSpPr>
+            <p:cNvPr id="14" name="Straight Arrow Connector 13">
+              <a:extLst>
+                <a:ext uri="{FF2B5EF4-FFF2-40B4-BE49-F238E27FC236}">
+                  <a16:creationId xmlns:a16="http://schemas.microsoft.com/office/drawing/2014/main" id="{271DC662-046B-DE20-DFE4-33E17E4A707A}"/>
+                </a:ext>
+              </a:extLst>
+            </p:cNvPr>
+            <p:cNvCxnSpPr>
+              <a:cxnSpLocks/>
+            </p:cNvCxnSpPr>
+            <p:nvPr/>
+          </p:nvCxnSpPr>
+          <p:spPr>
+            <a:xfrm>
+              <a:off x="2537929" y="1420411"/>
+              <a:ext cx="639673" cy="0"/>
+            </a:xfrm>
+            <a:prstGeom prst="straightConnector1">
+              <a:avLst/>
+            </a:prstGeom>
+            <a:ln w="76200">
               <a:solidFill>
-                <a:srgbClr val="FF0000"/>
+                <a:schemeClr val="bg1">
+                  <a:lumMod val="50000"/>
+                </a:schemeClr>
               </a:solidFill>
-              <a:latin typeface="HelveticaNeueLT Std Cn" panose="020B0506030502030204" pitchFamily="34" charset="77"/>
-              <a:ea typeface="Helvetica Neue" panose="02000503000000020004" pitchFamily="2" charset="0"/>
-              <a:cs typeface="Helvetica Neue" panose="02000503000000020004" pitchFamily="2" charset="0"/>
-            </a:endParaRPr>
-          </a:p>
-          <a:p>
-            <a:r>
-              <a:rPr lang="en-US" sz="1200" dirty="0">
-                <a:latin typeface="HelveticaNeueLT Std Cn" panose="020B0506030502030204" pitchFamily="34" charset="77"/>
-                <a:ea typeface="Helvetica Neue" panose="02000503000000020004" pitchFamily="2" charset="0"/>
-                <a:cs typeface="Helvetica Neue" panose="02000503000000020004" pitchFamily="2" charset="0"/>
-              </a:rPr>
-              <a:t>Both recordings (16 instances)</a:t>
-            </a:r>
-          </a:p>
-          <a:p>
-            <a:r>
-              <a:rPr lang="en-US" sz="1200" dirty="0">
-                <a:latin typeface="HelveticaNeueLT Std Cn" panose="020B0506030502030204" pitchFamily="34" charset="77"/>
-                <a:ea typeface="Helvetica Neue" panose="02000503000000020004" pitchFamily="2" charset="0"/>
-                <a:cs typeface="Helvetica Neue" panose="02000503000000020004" pitchFamily="2" charset="0"/>
-              </a:rPr>
-              <a:t> - Combine A, </a:t>
-            </a:r>
-            <a:r>
-              <a:rPr lang="en-US" sz="1200" dirty="0">
-                <a:solidFill>
-                  <a:srgbClr val="FF0000"/>
-                </a:solidFill>
-                <a:latin typeface="HelveticaNeueLT Std Cn" panose="020B0506030502030204" pitchFamily="34" charset="77"/>
-                <a:ea typeface="Helvetica Neue" panose="02000503000000020004" pitchFamily="2" charset="0"/>
-                <a:cs typeface="Helvetica Neue" panose="02000503000000020004" pitchFamily="2" charset="0"/>
-              </a:rPr>
-              <a:t>D</a:t>
-            </a:r>
-            <a:r>
-              <a:rPr lang="en-US" sz="1200" dirty="0">
-                <a:latin typeface="HelveticaNeueLT Std Cn" panose="020B0506030502030204" pitchFamily="34" charset="77"/>
-                <a:ea typeface="Helvetica Neue" panose="02000503000000020004" pitchFamily="2" charset="0"/>
-                <a:cs typeface="Helvetica Neue" panose="02000503000000020004" pitchFamily="2" charset="0"/>
-              </a:rPr>
-              <a:t>, </a:t>
-            </a:r>
-            <a:r>
-              <a:rPr lang="en-US" sz="1200" dirty="0">
-                <a:solidFill>
-                  <a:srgbClr val="FF0000"/>
-                </a:solidFill>
-                <a:latin typeface="HelveticaNeueLT Std Cn" panose="020B0506030502030204" pitchFamily="34" charset="77"/>
-                <a:ea typeface="Helvetica Neue" panose="02000503000000020004" pitchFamily="2" charset="0"/>
-                <a:cs typeface="Helvetica Neue" panose="02000503000000020004" pitchFamily="2" charset="0"/>
-              </a:rPr>
-              <a:t>E</a:t>
-            </a:r>
-          </a:p>
-        </p:txBody>
-      </p:sp>
-      <p:sp>
-        <p:nvSpPr>
-          <p:cNvPr id="46" name="TextBox 45">
-            <a:extLst>
-              <a:ext uri="{FF2B5EF4-FFF2-40B4-BE49-F238E27FC236}">
-                <a16:creationId xmlns:a16="http://schemas.microsoft.com/office/drawing/2014/main" id="{A12B3245-4E7F-2995-6833-C60B8FBEEA32}"/>
-              </a:ext>
-            </a:extLst>
-          </p:cNvPr>
-          <p:cNvSpPr txBox="1"/>
-          <p:nvPr/>
-        </p:nvSpPr>
-        <p:spPr>
-          <a:xfrm>
-            <a:off x="3413696" y="1429827"/>
-            <a:ext cx="1473860" cy="900246"/>
-          </a:xfrm>
-          <a:prstGeom prst="rect">
-            <a:avLst/>
-          </a:prstGeom>
-          <a:noFill/>
-        </p:spPr>
-        <p:txBody>
-          <a:bodyPr wrap="square" rtlCol="0">
-            <a:spAutoFit/>
-          </a:bodyPr>
-          <a:lstStyle/>
-          <a:p>
-            <a:r>
-              <a:rPr lang="en-US" sz="1050" dirty="0">
-                <a:latin typeface="HelveticaNeueLT Std Cn" panose="020B0506030502030204" pitchFamily="34" charset="77"/>
-              </a:rPr>
-              <a:t>16 instances for A, B, C were generated by averaging three of each performance feature of </a:t>
-            </a:r>
-            <a:r>
-              <a:rPr lang="en-US" sz="1050" b="1" dirty="0">
-                <a:latin typeface="Helvetica Neue Condensed" panose="02000503000000020004" pitchFamily="2" charset="0"/>
-                <a:ea typeface="Helvetica Neue Condensed" panose="02000503000000020004" pitchFamily="2" charset="0"/>
-                <a:cs typeface="Helvetica Neue Condensed" panose="02000503000000020004" pitchFamily="2" charset="0"/>
-              </a:rPr>
-              <a:t>baseline performances</a:t>
-            </a:r>
-          </a:p>
-        </p:txBody>
-      </p:sp>
-      <p:sp>
-        <p:nvSpPr>
-          <p:cNvPr id="47" name="TextBox 46">
-            <a:extLst>
-              <a:ext uri="{FF2B5EF4-FFF2-40B4-BE49-F238E27FC236}">
-                <a16:creationId xmlns:a16="http://schemas.microsoft.com/office/drawing/2014/main" id="{1EC7812E-6DFD-90D3-AF5D-6D71FBAF4671}"/>
-              </a:ext>
-            </a:extLst>
-          </p:cNvPr>
-          <p:cNvSpPr txBox="1"/>
-          <p:nvPr/>
-        </p:nvSpPr>
-        <p:spPr>
-          <a:xfrm>
-            <a:off x="3404506" y="3021052"/>
-            <a:ext cx="1839847" cy="738664"/>
-          </a:xfrm>
-          <a:prstGeom prst="rect">
-            <a:avLst/>
-          </a:prstGeom>
-          <a:noFill/>
-        </p:spPr>
-        <p:txBody>
-          <a:bodyPr wrap="square" rtlCol="0">
-            <a:spAutoFit/>
-          </a:bodyPr>
-          <a:lstStyle/>
-          <a:p>
-            <a:r>
-              <a:rPr lang="en-US" sz="1050" dirty="0">
-                <a:latin typeface="HelveticaNeueLT Std Cn" panose="020B0506030502030204" pitchFamily="34" charset="77"/>
-              </a:rPr>
-              <a:t>16 instances for D were generated by averaging the articulation performance feature of </a:t>
-            </a:r>
-            <a:r>
-              <a:rPr lang="en-US" sz="1050" b="1" dirty="0">
-                <a:latin typeface="Helvetica Neue Condensed" panose="02000503000000020004" pitchFamily="2" charset="0"/>
-                <a:ea typeface="Helvetica Neue Condensed" panose="02000503000000020004" pitchFamily="2" charset="0"/>
-                <a:cs typeface="Helvetica Neue Condensed" panose="02000503000000020004" pitchFamily="2" charset="0"/>
-              </a:rPr>
-              <a:t>articulation performances</a:t>
-            </a:r>
-          </a:p>
-        </p:txBody>
-      </p:sp>
-      <p:sp>
-        <p:nvSpPr>
-          <p:cNvPr id="48" name="TextBox 47">
-            <a:extLst>
-              <a:ext uri="{FF2B5EF4-FFF2-40B4-BE49-F238E27FC236}">
-                <a16:creationId xmlns:a16="http://schemas.microsoft.com/office/drawing/2014/main" id="{CF181584-C2CF-4F4C-CB02-993675972139}"/>
-              </a:ext>
-            </a:extLst>
-          </p:cNvPr>
-          <p:cNvSpPr txBox="1"/>
-          <p:nvPr/>
-        </p:nvSpPr>
-        <p:spPr>
-          <a:xfrm>
-            <a:off x="3399987" y="4468491"/>
-            <a:ext cx="1709895" cy="738664"/>
-          </a:xfrm>
-          <a:prstGeom prst="rect">
-            <a:avLst/>
-          </a:prstGeom>
-          <a:noFill/>
-        </p:spPr>
-        <p:txBody>
-          <a:bodyPr wrap="square" rtlCol="0">
-            <a:spAutoFit/>
-          </a:bodyPr>
-          <a:lstStyle/>
-          <a:p>
-            <a:r>
-              <a:rPr lang="en-US" sz="1050" dirty="0">
-                <a:latin typeface="HelveticaNeueLT Std Cn" panose="020B0506030502030204" pitchFamily="34" charset="77"/>
-              </a:rPr>
-              <a:t>16 instances for E were generated by averaging the dynamics performance feature of </a:t>
-            </a:r>
-            <a:r>
-              <a:rPr lang="en-US" sz="1050" b="1" dirty="0">
-                <a:latin typeface="Helvetica Neue Condensed" panose="02000503000000020004" pitchFamily="2" charset="0"/>
-                <a:ea typeface="Helvetica Neue Condensed" panose="02000503000000020004" pitchFamily="2" charset="0"/>
-                <a:cs typeface="Helvetica Neue Condensed" panose="02000503000000020004" pitchFamily="2" charset="0"/>
-              </a:rPr>
-              <a:t>dynamics performances</a:t>
-            </a:r>
-          </a:p>
-        </p:txBody>
-      </p:sp>
-      <p:cxnSp>
-        <p:nvCxnSpPr>
-          <p:cNvPr id="3" name="Straight Arrow Connector 2">
-            <a:extLst>
-              <a:ext uri="{FF2B5EF4-FFF2-40B4-BE49-F238E27FC236}">
-                <a16:creationId xmlns:a16="http://schemas.microsoft.com/office/drawing/2014/main" id="{D9D58CE8-1A82-D980-E3C0-18F2A8B5878E}"/>
-              </a:ext>
-            </a:extLst>
-          </p:cNvPr>
-          <p:cNvCxnSpPr>
-            <a:cxnSpLocks/>
-          </p:cNvCxnSpPr>
-          <p:nvPr/>
-        </p:nvCxnSpPr>
-        <p:spPr>
-          <a:xfrm flipV="1">
-            <a:off x="2550843" y="1058415"/>
-            <a:ext cx="635724" cy="355674"/>
-          </a:xfrm>
-          <a:prstGeom prst="straightConnector1">
-            <a:avLst/>
-          </a:prstGeom>
-          <a:ln w="76200">
-            <a:solidFill>
-              <a:schemeClr val="bg1">
-                <a:lumMod val="50000"/>
-              </a:schemeClr>
-            </a:solidFill>
-            <a:tailEnd type="triangle"/>
-          </a:ln>
-        </p:spPr>
-        <p:style>
-          <a:lnRef idx="1">
-            <a:schemeClr val="accent1"/>
-          </a:lnRef>
-          <a:fillRef idx="0">
-            <a:schemeClr val="accent1"/>
-          </a:fillRef>
-          <a:effectRef idx="0">
-            <a:schemeClr val="accent1"/>
-          </a:effectRef>
-          <a:fontRef idx="minor">
-            <a:schemeClr val="tx1"/>
-          </a:fontRef>
-        </p:style>
-      </p:cxnSp>
+              <a:tailEnd type="triangle"/>
+            </a:ln>
+          </p:spPr>
+          <p:style>
+            <a:lnRef idx="1">
+              <a:schemeClr val="accent1"/>
+            </a:lnRef>
+            <a:fillRef idx="0">
+              <a:schemeClr val="accent1"/>
+            </a:fillRef>
+            <a:effectRef idx="0">
+              <a:schemeClr val="accent1"/>
+            </a:effectRef>
+            <a:fontRef idx="minor">
+              <a:schemeClr val="tx1"/>
+            </a:fontRef>
+          </p:style>
+        </p:cxnSp>
+        <p:cxnSp>
+          <p:nvCxnSpPr>
+            <p:cNvPr id="15" name="Straight Arrow Connector 14">
+              <a:extLst>
+                <a:ext uri="{FF2B5EF4-FFF2-40B4-BE49-F238E27FC236}">
+                  <a16:creationId xmlns:a16="http://schemas.microsoft.com/office/drawing/2014/main" id="{F239648D-000F-A74B-8F3E-63B6F6E12E7A}"/>
+                </a:ext>
+              </a:extLst>
+            </p:cNvPr>
+            <p:cNvCxnSpPr>
+              <a:cxnSpLocks/>
+            </p:cNvCxnSpPr>
+            <p:nvPr/>
+          </p:nvCxnSpPr>
+          <p:spPr>
+            <a:xfrm>
+              <a:off x="2550843" y="1433247"/>
+              <a:ext cx="635724" cy="355674"/>
+            </a:xfrm>
+            <a:prstGeom prst="straightConnector1">
+              <a:avLst/>
+            </a:prstGeom>
+            <a:ln w="76200">
+              <a:solidFill>
+                <a:schemeClr val="bg1">
+                  <a:lumMod val="50000"/>
+                </a:schemeClr>
+              </a:solidFill>
+              <a:tailEnd type="triangle"/>
+            </a:ln>
+          </p:spPr>
+          <p:style>
+            <a:lnRef idx="1">
+              <a:schemeClr val="accent1"/>
+            </a:lnRef>
+            <a:fillRef idx="0">
+              <a:schemeClr val="accent1"/>
+            </a:fillRef>
+            <a:effectRef idx="0">
+              <a:schemeClr val="accent1"/>
+            </a:effectRef>
+            <a:fontRef idx="minor">
+              <a:schemeClr val="tx1"/>
+            </a:fontRef>
+          </p:style>
+        </p:cxnSp>
+        <p:cxnSp>
+          <p:nvCxnSpPr>
+            <p:cNvPr id="3" name="Straight Arrow Connector 2">
+              <a:extLst>
+                <a:ext uri="{FF2B5EF4-FFF2-40B4-BE49-F238E27FC236}">
+                  <a16:creationId xmlns:a16="http://schemas.microsoft.com/office/drawing/2014/main" id="{D9D58CE8-1A82-D980-E3C0-18F2A8B5878E}"/>
+                </a:ext>
+              </a:extLst>
+            </p:cNvPr>
+            <p:cNvCxnSpPr>
+              <a:cxnSpLocks/>
+            </p:cNvCxnSpPr>
+            <p:nvPr/>
+          </p:nvCxnSpPr>
+          <p:spPr>
+            <a:xfrm flipV="1">
+              <a:off x="2550843" y="1058415"/>
+              <a:ext cx="635724" cy="355674"/>
+            </a:xfrm>
+            <a:prstGeom prst="straightConnector1">
+              <a:avLst/>
+            </a:prstGeom>
+            <a:ln w="76200">
+              <a:solidFill>
+                <a:schemeClr val="bg1">
+                  <a:lumMod val="50000"/>
+                </a:schemeClr>
+              </a:solidFill>
+              <a:tailEnd type="triangle"/>
+            </a:ln>
+          </p:spPr>
+          <p:style>
+            <a:lnRef idx="1">
+              <a:schemeClr val="accent1"/>
+            </a:lnRef>
+            <a:fillRef idx="0">
+              <a:schemeClr val="accent1"/>
+            </a:fillRef>
+            <a:effectRef idx="0">
+              <a:schemeClr val="accent1"/>
+            </a:effectRef>
+            <a:fontRef idx="minor">
+              <a:schemeClr val="tx1"/>
+            </a:fontRef>
+          </p:style>
+        </p:cxnSp>
+      </p:grpSp>
       <p:cxnSp>
         <p:nvCxnSpPr>
           <p:cNvPr id="6" name="Straight Arrow Connector 5">
@@ -4477,7 +4078,7 @@
         </p:nvCxnSpPr>
         <p:spPr>
           <a:xfrm>
-            <a:off x="2532328" y="4155310"/>
+            <a:off x="2611517" y="5129831"/>
             <a:ext cx="639673" cy="0"/>
           </a:xfrm>
           <a:prstGeom prst="straightConnector1">
@@ -4523,7 +4124,7 @@
         </p:nvCxnSpPr>
         <p:spPr>
           <a:xfrm>
-            <a:off x="2537929" y="2787654"/>
+            <a:off x="2611517" y="3320795"/>
             <a:ext cx="639673" cy="0"/>
           </a:xfrm>
           <a:prstGeom prst="straightConnector1">
@@ -4553,248 +4154,968 @@
           </a:fontRef>
         </p:style>
       </p:cxnSp>
-      <p:sp>
-        <p:nvSpPr>
-          <p:cNvPr id="8" name="TextBox 7">
+      <p:grpSp>
+        <p:nvGrpSpPr>
+          <p:cNvPr id="39" name="Group 38">
             <a:extLst>
               <a:ext uri="{FF2B5EF4-FFF2-40B4-BE49-F238E27FC236}">
-                <a16:creationId xmlns:a16="http://schemas.microsoft.com/office/drawing/2014/main" id="{425D7385-4E21-390F-D351-49A6CDEE953C}"/>
+                <a16:creationId xmlns:a16="http://schemas.microsoft.com/office/drawing/2014/main" id="{688CCF93-AFC5-A09C-48F5-16244DBFD013}"/>
               </a:ext>
             </a:extLst>
           </p:cNvPr>
-          <p:cNvSpPr txBox="1"/>
+          <p:cNvGrpSpPr/>
           <p:nvPr/>
-        </p:nvSpPr>
-        <p:spPr>
+        </p:nvGrpSpPr>
+        <p:grpSpPr>
           <a:xfrm>
-            <a:off x="5244353" y="214012"/>
-            <a:ext cx="2168988" cy="584775"/>
+            <a:off x="7153835" y="164112"/>
+            <a:ext cx="2178539" cy="2838886"/>
+            <a:chOff x="5244353" y="214012"/>
+            <a:chExt cx="2178539" cy="2838886"/>
           </a:xfrm>
-          <a:prstGeom prst="rect">
-            <a:avLst/>
-          </a:prstGeom>
-          <a:noFill/>
-        </p:spPr>
-        <p:txBody>
-          <a:bodyPr wrap="square" rtlCol="0">
-            <a:spAutoFit/>
-          </a:bodyPr>
-          <a:lstStyle/>
-          <a:p>
-            <a:r>
-              <a:rPr lang="en-US" sz="1600" b="1" dirty="0">
-                <a:latin typeface="Helvetica Neue Condensed" panose="02000503000000020004" pitchFamily="2" charset="0"/>
-                <a:ea typeface="Helvetica Neue Condensed" panose="02000503000000020004" pitchFamily="2" charset="0"/>
-                <a:cs typeface="Helvetica Neue Condensed" panose="02000503000000020004" pitchFamily="2" charset="0"/>
-              </a:rPr>
-              <a:t>(II) Combine</a:t>
-            </a:r>
-          </a:p>
-          <a:p>
-            <a:r>
-              <a:rPr lang="en-US" sz="1600" b="1" dirty="0">
-                <a:latin typeface="Helvetica Neue Condensed" panose="02000503000000020004" pitchFamily="2" charset="0"/>
-                <a:ea typeface="Helvetica Neue Condensed" panose="02000503000000020004" pitchFamily="2" charset="0"/>
-                <a:cs typeface="Helvetica Neue Condensed" panose="02000503000000020004" pitchFamily="2" charset="0"/>
-              </a:rPr>
-              <a:t>extracted features</a:t>
-            </a:r>
-          </a:p>
-        </p:txBody>
-      </p:sp>
-      <p:sp>
-        <p:nvSpPr>
-          <p:cNvPr id="9" name="TextBox 8">
+        </p:grpSpPr>
+        <p:sp>
+          <p:nvSpPr>
+            <p:cNvPr id="33" name="TextBox 32">
+              <a:extLst>
+                <a:ext uri="{FF2B5EF4-FFF2-40B4-BE49-F238E27FC236}">
+                  <a16:creationId xmlns:a16="http://schemas.microsoft.com/office/drawing/2014/main" id="{81B9C5F0-743B-3AA1-E8BE-DAADF742B755}"/>
+                </a:ext>
+              </a:extLst>
+            </p:cNvPr>
+            <p:cNvSpPr txBox="1"/>
+            <p:nvPr/>
+          </p:nvSpPr>
+          <p:spPr>
+            <a:xfrm>
+              <a:off x="5244353" y="929240"/>
+              <a:ext cx="2178539" cy="2123658"/>
+            </a:xfrm>
+            <a:prstGeom prst="rect">
+              <a:avLst/>
+            </a:prstGeom>
+            <a:noFill/>
+            <a:ln w="38100">
+              <a:noFill/>
+            </a:ln>
+          </p:spPr>
+          <p:txBody>
+            <a:bodyPr wrap="square" rtlCol="0">
+              <a:spAutoFit/>
+            </a:bodyPr>
+            <a:lstStyle/>
+            <a:p>
+              <a:r>
+                <a:rPr lang="en-US" sz="1200" dirty="0">
+                  <a:latin typeface="HelveticaNeueLT Std Cn" panose="020B0506030502030204" pitchFamily="34" charset="77"/>
+                  <a:ea typeface="Helvetica Neue" panose="02000503000000020004" pitchFamily="2" charset="0"/>
+                  <a:cs typeface="Helvetica Neue" panose="02000503000000020004" pitchFamily="2" charset="0"/>
+                </a:rPr>
+                <a:t>None recordings (16 instances)</a:t>
+              </a:r>
+            </a:p>
+            <a:p>
+              <a:r>
+                <a:rPr lang="en-US" sz="1200" dirty="0">
+                  <a:latin typeface="HelveticaNeueLT Std Cn" panose="020B0506030502030204" pitchFamily="34" charset="77"/>
+                  <a:ea typeface="Helvetica Neue" panose="02000503000000020004" pitchFamily="2" charset="0"/>
+                  <a:cs typeface="Helvetica Neue" panose="02000503000000020004" pitchFamily="2" charset="0"/>
+                </a:rPr>
+                <a:t> - Combine A, B, C</a:t>
+              </a:r>
+            </a:p>
+            <a:p>
+              <a:endParaRPr lang="en-US" sz="1200" dirty="0">
+                <a:latin typeface="HelveticaNeueLT Std Cn" panose="020B0506030502030204" pitchFamily="34" charset="77"/>
+                <a:ea typeface="Helvetica Neue" panose="02000503000000020004" pitchFamily="2" charset="0"/>
+                <a:cs typeface="Helvetica Neue" panose="02000503000000020004" pitchFamily="2" charset="0"/>
+              </a:endParaRPr>
+            </a:p>
+            <a:p>
+              <a:r>
+                <a:rPr lang="en-US" sz="1200" dirty="0">
+                  <a:latin typeface="HelveticaNeueLT Std Cn" panose="020B0506030502030204" pitchFamily="34" charset="77"/>
+                  <a:ea typeface="Helvetica Neue" panose="02000503000000020004" pitchFamily="2" charset="0"/>
+                  <a:cs typeface="Helvetica Neue" panose="02000503000000020004" pitchFamily="2" charset="0"/>
+                </a:rPr>
+                <a:t>Art-only recordings (16 instances)</a:t>
+              </a:r>
+            </a:p>
+            <a:p>
+              <a:r>
+                <a:rPr lang="en-US" sz="1200" dirty="0">
+                  <a:latin typeface="HelveticaNeueLT Std Cn" panose="020B0506030502030204" pitchFamily="34" charset="77"/>
+                  <a:ea typeface="Helvetica Neue" panose="02000503000000020004" pitchFamily="2" charset="0"/>
+                  <a:cs typeface="Helvetica Neue" panose="02000503000000020004" pitchFamily="2" charset="0"/>
+                </a:rPr>
+                <a:t> - Combine A, </a:t>
+              </a:r>
+              <a:r>
+                <a:rPr lang="en-US" sz="1200" dirty="0">
+                  <a:solidFill>
+                    <a:srgbClr val="FF0000"/>
+                  </a:solidFill>
+                  <a:latin typeface="HelveticaNeueLT Std Cn" panose="020B0506030502030204" pitchFamily="34" charset="77"/>
+                  <a:ea typeface="Helvetica Neue" panose="02000503000000020004" pitchFamily="2" charset="0"/>
+                  <a:cs typeface="Helvetica Neue" panose="02000503000000020004" pitchFamily="2" charset="0"/>
+                </a:rPr>
+                <a:t>D</a:t>
+              </a:r>
+              <a:r>
+                <a:rPr lang="en-US" sz="1200" dirty="0">
+                  <a:latin typeface="HelveticaNeueLT Std Cn" panose="020B0506030502030204" pitchFamily="34" charset="77"/>
+                  <a:ea typeface="Helvetica Neue" panose="02000503000000020004" pitchFamily="2" charset="0"/>
+                  <a:cs typeface="Helvetica Neue" panose="02000503000000020004" pitchFamily="2" charset="0"/>
+                </a:rPr>
+                <a:t>, C</a:t>
+              </a:r>
+            </a:p>
+            <a:p>
+              <a:endParaRPr lang="en-US" sz="1200" dirty="0">
+                <a:latin typeface="HelveticaNeueLT Std Cn" panose="020B0506030502030204" pitchFamily="34" charset="77"/>
+                <a:ea typeface="Helvetica Neue" panose="02000503000000020004" pitchFamily="2" charset="0"/>
+                <a:cs typeface="Helvetica Neue" panose="02000503000000020004" pitchFamily="2" charset="0"/>
+              </a:endParaRPr>
+            </a:p>
+            <a:p>
+              <a:r>
+                <a:rPr lang="en-US" sz="1200" dirty="0" err="1">
+                  <a:latin typeface="HelveticaNeueLT Std Cn" panose="020B0506030502030204" pitchFamily="34" charset="77"/>
+                  <a:ea typeface="Helvetica Neue" panose="02000503000000020004" pitchFamily="2" charset="0"/>
+                  <a:cs typeface="Helvetica Neue" panose="02000503000000020004" pitchFamily="2" charset="0"/>
+                </a:rPr>
+                <a:t>Dyn</a:t>
+              </a:r>
+              <a:r>
+                <a:rPr lang="en-US" sz="1200" dirty="0">
+                  <a:latin typeface="HelveticaNeueLT Std Cn" panose="020B0506030502030204" pitchFamily="34" charset="77"/>
+                  <a:ea typeface="Helvetica Neue" panose="02000503000000020004" pitchFamily="2" charset="0"/>
+                  <a:cs typeface="Helvetica Neue" panose="02000503000000020004" pitchFamily="2" charset="0"/>
+                </a:rPr>
+                <a:t>-only recordings (16 instances)</a:t>
+              </a:r>
+            </a:p>
+            <a:p>
+              <a:r>
+                <a:rPr lang="en-US" sz="1200" dirty="0">
+                  <a:latin typeface="HelveticaNeueLT Std Cn" panose="020B0506030502030204" pitchFamily="34" charset="77"/>
+                  <a:ea typeface="Helvetica Neue" panose="02000503000000020004" pitchFamily="2" charset="0"/>
+                  <a:cs typeface="Helvetica Neue" panose="02000503000000020004" pitchFamily="2" charset="0"/>
+                </a:rPr>
+                <a:t> - Combine A, B, </a:t>
+              </a:r>
+              <a:r>
+                <a:rPr lang="en-US" sz="1200" dirty="0">
+                  <a:solidFill>
+                    <a:srgbClr val="FF0000"/>
+                  </a:solidFill>
+                  <a:latin typeface="HelveticaNeueLT Std Cn" panose="020B0506030502030204" pitchFamily="34" charset="77"/>
+                  <a:ea typeface="Helvetica Neue" panose="02000503000000020004" pitchFamily="2" charset="0"/>
+                  <a:cs typeface="Helvetica Neue" panose="02000503000000020004" pitchFamily="2" charset="0"/>
+                </a:rPr>
+                <a:t>E</a:t>
+              </a:r>
+            </a:p>
+            <a:p>
+              <a:endParaRPr lang="en-US" sz="1200" dirty="0">
+                <a:solidFill>
+                  <a:srgbClr val="FF0000"/>
+                </a:solidFill>
+                <a:latin typeface="HelveticaNeueLT Std Cn" panose="020B0506030502030204" pitchFamily="34" charset="77"/>
+                <a:ea typeface="Helvetica Neue" panose="02000503000000020004" pitchFamily="2" charset="0"/>
+                <a:cs typeface="Helvetica Neue" panose="02000503000000020004" pitchFamily="2" charset="0"/>
+              </a:endParaRPr>
+            </a:p>
+            <a:p>
+              <a:r>
+                <a:rPr lang="en-US" sz="1200" dirty="0">
+                  <a:latin typeface="HelveticaNeueLT Std Cn" panose="020B0506030502030204" pitchFamily="34" charset="77"/>
+                  <a:ea typeface="Helvetica Neue" panose="02000503000000020004" pitchFamily="2" charset="0"/>
+                  <a:cs typeface="Helvetica Neue" panose="02000503000000020004" pitchFamily="2" charset="0"/>
+                </a:rPr>
+                <a:t>Both recordings (16 instances)</a:t>
+              </a:r>
+            </a:p>
+            <a:p>
+              <a:r>
+                <a:rPr lang="en-US" sz="1200" dirty="0">
+                  <a:latin typeface="HelveticaNeueLT Std Cn" panose="020B0506030502030204" pitchFamily="34" charset="77"/>
+                  <a:ea typeface="Helvetica Neue" panose="02000503000000020004" pitchFamily="2" charset="0"/>
+                  <a:cs typeface="Helvetica Neue" panose="02000503000000020004" pitchFamily="2" charset="0"/>
+                </a:rPr>
+                <a:t> - Combine A, </a:t>
+              </a:r>
+              <a:r>
+                <a:rPr lang="en-US" sz="1200" dirty="0">
+                  <a:solidFill>
+                    <a:srgbClr val="FF0000"/>
+                  </a:solidFill>
+                  <a:latin typeface="HelveticaNeueLT Std Cn" panose="020B0506030502030204" pitchFamily="34" charset="77"/>
+                  <a:ea typeface="Helvetica Neue" panose="02000503000000020004" pitchFamily="2" charset="0"/>
+                  <a:cs typeface="Helvetica Neue" panose="02000503000000020004" pitchFamily="2" charset="0"/>
+                </a:rPr>
+                <a:t>D</a:t>
+              </a:r>
+              <a:r>
+                <a:rPr lang="en-US" sz="1200" dirty="0">
+                  <a:latin typeface="HelveticaNeueLT Std Cn" panose="020B0506030502030204" pitchFamily="34" charset="77"/>
+                  <a:ea typeface="Helvetica Neue" panose="02000503000000020004" pitchFamily="2" charset="0"/>
+                  <a:cs typeface="Helvetica Neue" panose="02000503000000020004" pitchFamily="2" charset="0"/>
+                </a:rPr>
+                <a:t>, </a:t>
+              </a:r>
+              <a:r>
+                <a:rPr lang="en-US" sz="1200" dirty="0">
+                  <a:solidFill>
+                    <a:srgbClr val="FF0000"/>
+                  </a:solidFill>
+                  <a:latin typeface="HelveticaNeueLT Std Cn" panose="020B0506030502030204" pitchFamily="34" charset="77"/>
+                  <a:ea typeface="Helvetica Neue" panose="02000503000000020004" pitchFamily="2" charset="0"/>
+                  <a:cs typeface="Helvetica Neue" panose="02000503000000020004" pitchFamily="2" charset="0"/>
+                </a:rPr>
+                <a:t>E</a:t>
+              </a:r>
+            </a:p>
+          </p:txBody>
+        </p:sp>
+        <p:sp>
+          <p:nvSpPr>
+            <p:cNvPr id="8" name="TextBox 7">
+              <a:extLst>
+                <a:ext uri="{FF2B5EF4-FFF2-40B4-BE49-F238E27FC236}">
+                  <a16:creationId xmlns:a16="http://schemas.microsoft.com/office/drawing/2014/main" id="{425D7385-4E21-390F-D351-49A6CDEE953C}"/>
+                </a:ext>
+              </a:extLst>
+            </p:cNvPr>
+            <p:cNvSpPr txBox="1"/>
+            <p:nvPr/>
+          </p:nvSpPr>
+          <p:spPr>
+            <a:xfrm>
+              <a:off x="5244353" y="214012"/>
+              <a:ext cx="2168988" cy="584775"/>
+            </a:xfrm>
+            <a:prstGeom prst="rect">
+              <a:avLst/>
+            </a:prstGeom>
+            <a:noFill/>
+          </p:spPr>
+          <p:txBody>
+            <a:bodyPr wrap="square" rtlCol="0">
+              <a:spAutoFit/>
+            </a:bodyPr>
+            <a:lstStyle/>
+            <a:p>
+              <a:r>
+                <a:rPr lang="en-US" sz="1600" b="1" dirty="0">
+                  <a:latin typeface="Helvetica Neue Condensed" panose="02000503000000020004" pitchFamily="2" charset="0"/>
+                  <a:ea typeface="Helvetica Neue Condensed" panose="02000503000000020004" pitchFamily="2" charset="0"/>
+                  <a:cs typeface="Helvetica Neue Condensed" panose="02000503000000020004" pitchFamily="2" charset="0"/>
+                </a:rPr>
+                <a:t>(II) Combine</a:t>
+              </a:r>
+            </a:p>
+            <a:p>
+              <a:r>
+                <a:rPr lang="en-US" sz="1600" b="1" dirty="0">
+                  <a:latin typeface="Helvetica Neue Condensed" panose="02000503000000020004" pitchFamily="2" charset="0"/>
+                  <a:ea typeface="Helvetica Neue Condensed" panose="02000503000000020004" pitchFamily="2" charset="0"/>
+                  <a:cs typeface="Helvetica Neue Condensed" panose="02000503000000020004" pitchFamily="2" charset="0"/>
+                </a:rPr>
+                <a:t>extracted features</a:t>
+              </a:r>
+            </a:p>
+          </p:txBody>
+        </p:sp>
+      </p:grpSp>
+      <p:grpSp>
+        <p:nvGrpSpPr>
+          <p:cNvPr id="38" name="Group 37">
             <a:extLst>
               <a:ext uri="{FF2B5EF4-FFF2-40B4-BE49-F238E27FC236}">
-                <a16:creationId xmlns:a16="http://schemas.microsoft.com/office/drawing/2014/main" id="{1A9BDF46-7610-C991-C960-56E55F483F30}"/>
+                <a16:creationId xmlns:a16="http://schemas.microsoft.com/office/drawing/2014/main" id="{98E0041B-FFB7-E162-362E-5E4F57E5EAE4}"/>
               </a:ext>
             </a:extLst>
           </p:cNvPr>
-          <p:cNvSpPr txBox="1"/>
+          <p:cNvGrpSpPr/>
           <p:nvPr/>
-        </p:nvSpPr>
-        <p:spPr>
+        </p:nvGrpSpPr>
+        <p:grpSpPr>
           <a:xfrm>
-            <a:off x="7529187" y="1036818"/>
-            <a:ext cx="2178539" cy="2677656"/>
+            <a:off x="7144284" y="3208116"/>
+            <a:ext cx="2178539" cy="3406325"/>
+            <a:chOff x="7529187" y="209535"/>
+            <a:chExt cx="2178539" cy="3406325"/>
           </a:xfrm>
-          <a:prstGeom prst="rect">
-            <a:avLst/>
-          </a:prstGeom>
-          <a:noFill/>
-          <a:ln w="38100">
+        </p:grpSpPr>
+        <p:sp>
+          <p:nvSpPr>
+            <p:cNvPr id="9" name="TextBox 8">
+              <a:extLst>
+                <a:ext uri="{FF2B5EF4-FFF2-40B4-BE49-F238E27FC236}">
+                  <a16:creationId xmlns:a16="http://schemas.microsoft.com/office/drawing/2014/main" id="{1A9BDF46-7610-C991-C960-56E55F483F30}"/>
+                </a:ext>
+              </a:extLst>
+            </p:cNvPr>
+            <p:cNvSpPr txBox="1"/>
+            <p:nvPr/>
+          </p:nvSpPr>
+          <p:spPr>
+            <a:xfrm>
+              <a:off x="7529187" y="938204"/>
+              <a:ext cx="2178539" cy="2677656"/>
+            </a:xfrm>
+            <a:prstGeom prst="rect">
+              <a:avLst/>
+            </a:prstGeom>
             <a:noFill/>
-          </a:ln>
-        </p:spPr>
-        <p:txBody>
-          <a:bodyPr wrap="square" rtlCol="0">
-            <a:spAutoFit/>
-          </a:bodyPr>
-          <a:lstStyle/>
-          <a:p>
-            <a:r>
-              <a:rPr lang="en-US" sz="1200" dirty="0">
+            <a:ln w="38100">
+              <a:noFill/>
+            </a:ln>
+          </p:spPr>
+          <p:txBody>
+            <a:bodyPr wrap="square" rtlCol="0">
+              <a:spAutoFit/>
+            </a:bodyPr>
+            <a:lstStyle/>
+            <a:p>
+              <a:r>
+                <a:rPr lang="en-US" sz="1200" dirty="0">
+                  <a:latin typeface="HelveticaNeueLT Std Cn" panose="020B0506030502030204" pitchFamily="34" charset="77"/>
+                  <a:ea typeface="Helvetica Neue" panose="02000503000000020004" pitchFamily="2" charset="0"/>
+                  <a:cs typeface="Helvetica Neue" panose="02000503000000020004" pitchFamily="2" charset="0"/>
+                </a:rPr>
+                <a:t>None recordings (4 instances)</a:t>
+              </a:r>
+            </a:p>
+            <a:p>
+              <a:r>
+                <a:rPr lang="en-US" sz="1200" dirty="0">
+                  <a:latin typeface="HelveticaNeueLT Std Cn" panose="020B0506030502030204" pitchFamily="34" charset="77"/>
+                  <a:ea typeface="Helvetica Neue" panose="02000503000000020004" pitchFamily="2" charset="0"/>
+                  <a:cs typeface="Helvetica Neue" panose="02000503000000020004" pitchFamily="2" charset="0"/>
+                </a:rPr>
+                <a:t> - none_1, none_2, none_3, none_4</a:t>
+              </a:r>
+            </a:p>
+            <a:p>
+              <a:endParaRPr lang="en-US" sz="1200" dirty="0">
                 <a:latin typeface="HelveticaNeueLT Std Cn" panose="020B0506030502030204" pitchFamily="34" charset="77"/>
                 <a:ea typeface="Helvetica Neue" panose="02000503000000020004" pitchFamily="2" charset="0"/>
                 <a:cs typeface="Helvetica Neue" panose="02000503000000020004" pitchFamily="2" charset="0"/>
-              </a:rPr>
-              <a:t>None recordings (4 instances)</a:t>
-            </a:r>
-          </a:p>
-          <a:p>
-            <a:r>
-              <a:rPr lang="en-US" sz="1200" dirty="0">
+              </a:endParaRPr>
+            </a:p>
+            <a:p>
+              <a:r>
+                <a:rPr lang="en-US" sz="1200" dirty="0">
+                  <a:latin typeface="HelveticaNeueLT Std Cn" panose="020B0506030502030204" pitchFamily="34" charset="77"/>
+                  <a:ea typeface="Helvetica Neue" panose="02000503000000020004" pitchFamily="2" charset="0"/>
+                  <a:cs typeface="Helvetica Neue" panose="02000503000000020004" pitchFamily="2" charset="0"/>
+                </a:rPr>
+                <a:t>Art-only recordings (4 instances)</a:t>
+              </a:r>
+            </a:p>
+            <a:p>
+              <a:r>
+                <a:rPr lang="en-US" sz="1200" dirty="0">
+                  <a:latin typeface="HelveticaNeueLT Std Cn" panose="020B0506030502030204" pitchFamily="34" charset="77"/>
+                  <a:ea typeface="Helvetica Neue" panose="02000503000000020004" pitchFamily="2" charset="0"/>
+                  <a:cs typeface="Helvetica Neue" panose="02000503000000020004" pitchFamily="2" charset="0"/>
+                </a:rPr>
+                <a:t> - art_only_1, art_only_2, art_only_3, art_only_4</a:t>
+              </a:r>
+            </a:p>
+            <a:p>
+              <a:endParaRPr lang="en-US" sz="1200" dirty="0">
                 <a:latin typeface="HelveticaNeueLT Std Cn" panose="020B0506030502030204" pitchFamily="34" charset="77"/>
                 <a:ea typeface="Helvetica Neue" panose="02000503000000020004" pitchFamily="2" charset="0"/>
                 <a:cs typeface="Helvetica Neue" panose="02000503000000020004" pitchFamily="2" charset="0"/>
-              </a:rPr>
-              <a:t> - none_1, none_2, none_3, none_4</a:t>
-            </a:r>
-          </a:p>
-          <a:p>
-            <a:endParaRPr lang="en-US" sz="1200" dirty="0">
-              <a:latin typeface="HelveticaNeueLT Std Cn" panose="020B0506030502030204" pitchFamily="34" charset="77"/>
-              <a:ea typeface="Helvetica Neue" panose="02000503000000020004" pitchFamily="2" charset="0"/>
-              <a:cs typeface="Helvetica Neue" panose="02000503000000020004" pitchFamily="2" charset="0"/>
-            </a:endParaRPr>
-          </a:p>
-          <a:p>
-            <a:r>
-              <a:rPr lang="en-US" sz="1200" dirty="0">
+              </a:endParaRPr>
+            </a:p>
+            <a:p>
+              <a:r>
+                <a:rPr lang="en-US" sz="1200" dirty="0" err="1">
+                  <a:latin typeface="HelveticaNeueLT Std Cn" panose="020B0506030502030204" pitchFamily="34" charset="77"/>
+                  <a:ea typeface="Helvetica Neue" panose="02000503000000020004" pitchFamily="2" charset="0"/>
+                  <a:cs typeface="Helvetica Neue" panose="02000503000000020004" pitchFamily="2" charset="0"/>
+                </a:rPr>
+                <a:t>Dyn</a:t>
+              </a:r>
+              <a:r>
+                <a:rPr lang="en-US" sz="1200" dirty="0">
+                  <a:latin typeface="HelveticaNeueLT Std Cn" panose="020B0506030502030204" pitchFamily="34" charset="77"/>
+                  <a:ea typeface="Helvetica Neue" panose="02000503000000020004" pitchFamily="2" charset="0"/>
+                  <a:cs typeface="Helvetica Neue" panose="02000503000000020004" pitchFamily="2" charset="0"/>
+                </a:rPr>
+                <a:t>-only recordings (4 instances)</a:t>
+              </a:r>
+            </a:p>
+            <a:p>
+              <a:r>
+                <a:rPr lang="en-US" sz="1200" dirty="0">
+                  <a:latin typeface="HelveticaNeueLT Std Cn" panose="020B0506030502030204" pitchFamily="34" charset="77"/>
+                  <a:ea typeface="Helvetica Neue" panose="02000503000000020004" pitchFamily="2" charset="0"/>
+                  <a:cs typeface="Helvetica Neue" panose="02000503000000020004" pitchFamily="2" charset="0"/>
+                </a:rPr>
+                <a:t> - dyn_only_1, dyn_only_2, dyn_only_3, dyn_only_4</a:t>
+              </a:r>
+            </a:p>
+            <a:p>
+              <a:endParaRPr lang="en-US" sz="1200" dirty="0">
+                <a:solidFill>
+                  <a:srgbClr val="FF0000"/>
+                </a:solidFill>
                 <a:latin typeface="HelveticaNeueLT Std Cn" panose="020B0506030502030204" pitchFamily="34" charset="77"/>
                 <a:ea typeface="Helvetica Neue" panose="02000503000000020004" pitchFamily="2" charset="0"/>
                 <a:cs typeface="Helvetica Neue" panose="02000503000000020004" pitchFamily="2" charset="0"/>
-              </a:rPr>
-              <a:t>Art-only recordings (4 instances)</a:t>
-            </a:r>
-          </a:p>
-          <a:p>
-            <a:r>
-              <a:rPr lang="en-US" sz="1200" dirty="0">
-                <a:latin typeface="HelveticaNeueLT Std Cn" panose="020B0506030502030204" pitchFamily="34" charset="77"/>
-                <a:ea typeface="Helvetica Neue" panose="02000503000000020004" pitchFamily="2" charset="0"/>
-                <a:cs typeface="Helvetica Neue" panose="02000503000000020004" pitchFamily="2" charset="0"/>
-              </a:rPr>
-              <a:t> - art_only_1, art_only_2, art_only_3, art_only_4</a:t>
-            </a:r>
-          </a:p>
-          <a:p>
-            <a:endParaRPr lang="en-US" sz="1200" dirty="0">
-              <a:latin typeface="HelveticaNeueLT Std Cn" panose="020B0506030502030204" pitchFamily="34" charset="77"/>
-              <a:ea typeface="Helvetica Neue" panose="02000503000000020004" pitchFamily="2" charset="0"/>
-              <a:cs typeface="Helvetica Neue" panose="02000503000000020004" pitchFamily="2" charset="0"/>
-            </a:endParaRPr>
-          </a:p>
-          <a:p>
-            <a:r>
-              <a:rPr lang="en-US" sz="1200" dirty="0" err="1">
-                <a:latin typeface="HelveticaNeueLT Std Cn" panose="020B0506030502030204" pitchFamily="34" charset="77"/>
-                <a:ea typeface="Helvetica Neue" panose="02000503000000020004" pitchFamily="2" charset="0"/>
-                <a:cs typeface="Helvetica Neue" panose="02000503000000020004" pitchFamily="2" charset="0"/>
-              </a:rPr>
-              <a:t>Dyn</a:t>
-            </a:r>
-            <a:r>
-              <a:rPr lang="en-US" sz="1200" dirty="0">
-                <a:latin typeface="HelveticaNeueLT Std Cn" panose="020B0506030502030204" pitchFamily="34" charset="77"/>
-                <a:ea typeface="Helvetica Neue" panose="02000503000000020004" pitchFamily="2" charset="0"/>
-                <a:cs typeface="Helvetica Neue" panose="02000503000000020004" pitchFamily="2" charset="0"/>
-              </a:rPr>
-              <a:t>-only recordings (4 instances)</a:t>
-            </a:r>
-          </a:p>
-          <a:p>
-            <a:r>
-              <a:rPr lang="en-US" sz="1200" dirty="0">
-                <a:latin typeface="HelveticaNeueLT Std Cn" panose="020B0506030502030204" pitchFamily="34" charset="77"/>
-                <a:ea typeface="Helvetica Neue" panose="02000503000000020004" pitchFamily="2" charset="0"/>
-                <a:cs typeface="Helvetica Neue" panose="02000503000000020004" pitchFamily="2" charset="0"/>
-              </a:rPr>
-              <a:t> - dyn_only_1, dyn_only_2, dyn_only_3, dyn_only_4</a:t>
-            </a:r>
-          </a:p>
-          <a:p>
-            <a:endParaRPr lang="en-US" sz="1200" dirty="0">
-              <a:solidFill>
-                <a:srgbClr val="FF0000"/>
-              </a:solidFill>
-              <a:latin typeface="HelveticaNeueLT Std Cn" panose="020B0506030502030204" pitchFamily="34" charset="77"/>
-              <a:ea typeface="Helvetica Neue" panose="02000503000000020004" pitchFamily="2" charset="0"/>
-              <a:cs typeface="Helvetica Neue" panose="02000503000000020004" pitchFamily="2" charset="0"/>
-            </a:endParaRPr>
-          </a:p>
-          <a:p>
-            <a:r>
-              <a:rPr lang="en-US" sz="1200" dirty="0">
-                <a:latin typeface="HelveticaNeueLT Std Cn" panose="020B0506030502030204" pitchFamily="34" charset="77"/>
-                <a:ea typeface="Helvetica Neue" panose="02000503000000020004" pitchFamily="2" charset="0"/>
-                <a:cs typeface="Helvetica Neue" panose="02000503000000020004" pitchFamily="2" charset="0"/>
-              </a:rPr>
-              <a:t>Both recordings (4 instances)</a:t>
-            </a:r>
-          </a:p>
-          <a:p>
-            <a:r>
-              <a:rPr lang="en-US" sz="1200" dirty="0">
-                <a:latin typeface="HelveticaNeueLT Std Cn" panose="020B0506030502030204" pitchFamily="34" charset="77"/>
-                <a:ea typeface="Helvetica Neue" panose="02000503000000020004" pitchFamily="2" charset="0"/>
-                <a:cs typeface="Helvetica Neue" panose="02000503000000020004" pitchFamily="2" charset="0"/>
-              </a:rPr>
-              <a:t> - both_1, both_2, both_3, both_4</a:t>
-            </a:r>
-          </a:p>
-        </p:txBody>
-      </p:sp>
-      <p:sp>
-        <p:nvSpPr>
-          <p:cNvPr id="10" name="TextBox 9">
+              </a:endParaRPr>
+            </a:p>
+            <a:p>
+              <a:r>
+                <a:rPr lang="en-US" sz="1200" dirty="0">
+                  <a:latin typeface="HelveticaNeueLT Std Cn" panose="020B0506030502030204" pitchFamily="34" charset="77"/>
+                  <a:ea typeface="Helvetica Neue" panose="02000503000000020004" pitchFamily="2" charset="0"/>
+                  <a:cs typeface="Helvetica Neue" panose="02000503000000020004" pitchFamily="2" charset="0"/>
+                </a:rPr>
+                <a:t>Both recordings (4 instances)</a:t>
+              </a:r>
+            </a:p>
+            <a:p>
+              <a:r>
+                <a:rPr lang="en-US" sz="1200" dirty="0">
+                  <a:latin typeface="HelveticaNeueLT Std Cn" panose="020B0506030502030204" pitchFamily="34" charset="77"/>
+                  <a:ea typeface="Helvetica Neue" panose="02000503000000020004" pitchFamily="2" charset="0"/>
+                  <a:cs typeface="Helvetica Neue" panose="02000503000000020004" pitchFamily="2" charset="0"/>
+                </a:rPr>
+                <a:t> - both_1, both_2, both_3, both_4</a:t>
+              </a:r>
+            </a:p>
+          </p:txBody>
+        </p:sp>
+        <p:sp>
+          <p:nvSpPr>
+            <p:cNvPr id="10" name="TextBox 9">
+              <a:extLst>
+                <a:ext uri="{FF2B5EF4-FFF2-40B4-BE49-F238E27FC236}">
+                  <a16:creationId xmlns:a16="http://schemas.microsoft.com/office/drawing/2014/main" id="{AB339157-2AE4-C9FE-513D-379850AA659D}"/>
+                </a:ext>
+              </a:extLst>
+            </p:cNvPr>
+            <p:cNvSpPr txBox="1"/>
+            <p:nvPr/>
+          </p:nvSpPr>
+          <p:spPr>
+            <a:xfrm>
+              <a:off x="7529187" y="209535"/>
+              <a:ext cx="2168988" cy="523220"/>
+            </a:xfrm>
+            <a:prstGeom prst="rect">
+              <a:avLst/>
+            </a:prstGeom>
+            <a:noFill/>
+          </p:spPr>
+          <p:txBody>
+            <a:bodyPr wrap="square" rtlCol="0">
+              <a:spAutoFit/>
+            </a:bodyPr>
+            <a:lstStyle/>
+            <a:p>
+              <a:r>
+                <a:rPr lang="en-US" sz="1600" b="1" dirty="0">
+                  <a:latin typeface="Helvetica Neue Condensed" panose="02000503000000020004" pitchFamily="2" charset="0"/>
+                  <a:ea typeface="Helvetica Neue Condensed" panose="02000503000000020004" pitchFamily="2" charset="0"/>
+                  <a:cs typeface="Helvetica Neue Condensed" panose="02000503000000020004" pitchFamily="2" charset="0"/>
+                </a:rPr>
+                <a:t>(III) Selected recordings</a:t>
+              </a:r>
+            </a:p>
+            <a:p>
+              <a:r>
+                <a:rPr lang="en-US" sz="1200" dirty="0">
+                  <a:latin typeface="HelveticaNeueLT Std Cn" panose="020B0506030502030204" pitchFamily="34" charset="77"/>
+                  <a:ea typeface="HELVETICA NEUE CONDENSED" panose="02000503000000020004" pitchFamily="2" charset="0"/>
+                  <a:cs typeface="HELVETICA NEUE CONDENSED" panose="02000503000000020004" pitchFamily="2" charset="0"/>
+                </a:rPr>
+                <a:t>(Fig. S2 – Fig. S5 for details)</a:t>
+              </a:r>
+            </a:p>
+          </p:txBody>
+        </p:sp>
+      </p:grpSp>
+      <p:grpSp>
+        <p:nvGrpSpPr>
+          <p:cNvPr id="4" name="Group 3">
             <a:extLst>
               <a:ext uri="{FF2B5EF4-FFF2-40B4-BE49-F238E27FC236}">
-                <a16:creationId xmlns:a16="http://schemas.microsoft.com/office/drawing/2014/main" id="{AB339157-2AE4-C9FE-513D-379850AA659D}"/>
+                <a16:creationId xmlns:a16="http://schemas.microsoft.com/office/drawing/2014/main" id="{856C14B4-5D8C-28D4-E22B-4320E8B92DA6}"/>
               </a:ext>
             </a:extLst>
           </p:cNvPr>
-          <p:cNvSpPr txBox="1"/>
+          <p:cNvGrpSpPr/>
           <p:nvPr/>
-        </p:nvSpPr>
-        <p:spPr>
+        </p:nvGrpSpPr>
+        <p:grpSpPr>
           <a:xfrm>
-            <a:off x="7529187" y="209535"/>
-            <a:ext cx="2168988" cy="523220"/>
+            <a:off x="207825" y="1027805"/>
+            <a:ext cx="2236723" cy="1427626"/>
+            <a:chOff x="207825" y="1027805"/>
+            <a:chExt cx="2236723" cy="1427626"/>
           </a:xfrm>
-          <a:prstGeom prst="rect">
-            <a:avLst/>
-          </a:prstGeom>
-          <a:noFill/>
-        </p:spPr>
-        <p:txBody>
-          <a:bodyPr wrap="square" rtlCol="0">
-            <a:spAutoFit/>
-          </a:bodyPr>
-          <a:lstStyle/>
-          <a:p>
-            <a:r>
-              <a:rPr lang="en-US" sz="1600" b="1" dirty="0">
-                <a:latin typeface="Helvetica Neue Condensed" panose="02000503000000020004" pitchFamily="2" charset="0"/>
-                <a:ea typeface="Helvetica Neue Condensed" panose="02000503000000020004" pitchFamily="2" charset="0"/>
-                <a:cs typeface="Helvetica Neue Condensed" panose="02000503000000020004" pitchFamily="2" charset="0"/>
-              </a:rPr>
-              <a:t>(III) Selected recordings</a:t>
-            </a:r>
-          </a:p>
-          <a:p>
-            <a:r>
-              <a:rPr lang="en-US" sz="1200" dirty="0">
-                <a:latin typeface="HelveticaNeueLT Std Cn" panose="020B0506030502030204" pitchFamily="34" charset="77"/>
-                <a:ea typeface="HELVETICA NEUE CONDENSED" panose="02000503000000020004" pitchFamily="2" charset="0"/>
-                <a:cs typeface="HELVETICA NEUE CONDENSED" panose="02000503000000020004" pitchFamily="2" charset="0"/>
-              </a:rPr>
-              <a:t>(Fig. S2 – Fig. S5 for details)</a:t>
-            </a:r>
-          </a:p>
-        </p:txBody>
-      </p:sp>
+        </p:grpSpPr>
+        <p:pic>
+          <p:nvPicPr>
+            <p:cNvPr id="13" name="Picture 12" descr="A picture containing antenna&#10;&#10;Description automatically generated">
+              <a:extLst>
+                <a:ext uri="{FF2B5EF4-FFF2-40B4-BE49-F238E27FC236}">
+                  <a16:creationId xmlns:a16="http://schemas.microsoft.com/office/drawing/2014/main" id="{90FD4727-8997-8CF2-4D77-D47CA5572DAD}"/>
+                </a:ext>
+              </a:extLst>
+            </p:cNvPr>
+            <p:cNvPicPr>
+              <a:picLocks noChangeAspect="1"/>
+            </p:cNvPicPr>
+            <p:nvPr/>
+          </p:nvPicPr>
+          <p:blipFill>
+            <a:blip r:embed="rId3"/>
+            <a:stretch>
+              <a:fillRect/>
+            </a:stretch>
+          </p:blipFill>
+          <p:spPr>
+            <a:xfrm>
+              <a:off x="303594" y="1076362"/>
+              <a:ext cx="2002190" cy="712559"/>
+            </a:xfrm>
+            <a:prstGeom prst="rect">
+              <a:avLst/>
+            </a:prstGeom>
+          </p:spPr>
+        </p:pic>
+        <p:sp>
+          <p:nvSpPr>
+            <p:cNvPr id="21" name="TextBox 20">
+              <a:extLst>
+                <a:ext uri="{FF2B5EF4-FFF2-40B4-BE49-F238E27FC236}">
+                  <a16:creationId xmlns:a16="http://schemas.microsoft.com/office/drawing/2014/main" id="{86097BA7-1DBE-CF8A-722C-4928E5F8A25F}"/>
+                </a:ext>
+              </a:extLst>
+            </p:cNvPr>
+            <p:cNvSpPr txBox="1"/>
+            <p:nvPr/>
+          </p:nvSpPr>
+          <p:spPr>
+            <a:xfrm>
+              <a:off x="303594" y="1788921"/>
+              <a:ext cx="1997040" cy="643786"/>
+            </a:xfrm>
+            <a:prstGeom prst="rect">
+              <a:avLst/>
+            </a:prstGeom>
+            <a:noFill/>
+          </p:spPr>
+          <p:txBody>
+            <a:bodyPr wrap="square" rtlCol="0">
+              <a:spAutoFit/>
+            </a:bodyPr>
+            <a:lstStyle/>
+            <a:p>
+              <a:r>
+                <a:rPr lang="en-US" sz="1200" dirty="0">
+                  <a:latin typeface="HelveticaNeueLT Std Cn" panose="020B0506030502030204" pitchFamily="34" charset="77"/>
+                </a:rPr>
+                <a:t>Performances </a:t>
+              </a:r>
+            </a:p>
+            <a:p>
+              <a:r>
+                <a:rPr lang="en-US" sz="1200" dirty="0">
+                  <a:latin typeface="HelveticaNeueLT Std Cn" panose="020B0506030502030204" pitchFamily="34" charset="77"/>
+                </a:rPr>
+                <a:t>without expressive notations</a:t>
+              </a:r>
+            </a:p>
+            <a:p>
+              <a:r>
+                <a:rPr lang="en-US" sz="1200" b="1" dirty="0">
+                  <a:latin typeface="Helvetica Neue Condensed" panose="02000503000000020004" pitchFamily="2" charset="0"/>
+                  <a:ea typeface="Helvetica Neue Condensed" panose="02000503000000020004" pitchFamily="2" charset="0"/>
+                  <a:cs typeface="Helvetica Neue Condensed" panose="02000503000000020004" pitchFamily="2" charset="0"/>
+                </a:rPr>
+                <a:t>- baseline performances</a:t>
+              </a:r>
+            </a:p>
+          </p:txBody>
+        </p:sp>
+        <p:sp>
+          <p:nvSpPr>
+            <p:cNvPr id="2" name="Rectangle 1">
+              <a:extLst>
+                <a:ext uri="{FF2B5EF4-FFF2-40B4-BE49-F238E27FC236}">
+                  <a16:creationId xmlns:a16="http://schemas.microsoft.com/office/drawing/2014/main" id="{CC83EE2F-0F76-34B4-ED37-A67CA289FA0D}"/>
+                </a:ext>
+              </a:extLst>
+            </p:cNvPr>
+            <p:cNvSpPr/>
+            <p:nvPr/>
+          </p:nvSpPr>
+          <p:spPr>
+            <a:xfrm>
+              <a:off x="207825" y="1027805"/>
+              <a:ext cx="2236723" cy="1427626"/>
+            </a:xfrm>
+            <a:prstGeom prst="rect">
+              <a:avLst/>
+            </a:prstGeom>
+            <a:noFill/>
+            <a:ln>
+              <a:solidFill>
+                <a:schemeClr val="tx1"/>
+              </a:solidFill>
+            </a:ln>
+          </p:spPr>
+          <p:style>
+            <a:lnRef idx="2">
+              <a:schemeClr val="accent1">
+                <a:shade val="50000"/>
+              </a:schemeClr>
+            </a:lnRef>
+            <a:fillRef idx="1">
+              <a:schemeClr val="accent1"/>
+            </a:fillRef>
+            <a:effectRef idx="0">
+              <a:schemeClr val="accent1"/>
+            </a:effectRef>
+            <a:fontRef idx="minor">
+              <a:schemeClr val="lt1"/>
+            </a:fontRef>
+          </p:style>
+          <p:txBody>
+            <a:bodyPr rtlCol="0" anchor="ctr"/>
+            <a:lstStyle/>
+            <a:p>
+              <a:pPr algn="ctr"/>
+              <a:endParaRPr lang="en-US"/>
+            </a:p>
+          </p:txBody>
+        </p:sp>
+      </p:grpSp>
+      <p:grpSp>
+        <p:nvGrpSpPr>
+          <p:cNvPr id="12" name="Group 11">
+            <a:extLst>
+              <a:ext uri="{FF2B5EF4-FFF2-40B4-BE49-F238E27FC236}">
+                <a16:creationId xmlns:a16="http://schemas.microsoft.com/office/drawing/2014/main" id="{14C1EDE9-7C4F-8158-2235-EB24D37942F5}"/>
+              </a:ext>
+            </a:extLst>
+          </p:cNvPr>
+          <p:cNvGrpSpPr/>
+          <p:nvPr/>
+        </p:nvGrpSpPr>
+        <p:grpSpPr>
+          <a:xfrm>
+            <a:off x="207825" y="2855750"/>
+            <a:ext cx="2236723" cy="1427626"/>
+            <a:chOff x="207825" y="3747280"/>
+            <a:chExt cx="2236723" cy="1427626"/>
+          </a:xfrm>
+        </p:grpSpPr>
+        <p:pic>
+          <p:nvPicPr>
+            <p:cNvPr id="23" name="Picture 22" descr="A picture containing antenna&#10;&#10;Description automatically generated">
+              <a:extLst>
+                <a:ext uri="{FF2B5EF4-FFF2-40B4-BE49-F238E27FC236}">
+                  <a16:creationId xmlns:a16="http://schemas.microsoft.com/office/drawing/2014/main" id="{803B9327-81B3-46DF-1239-C2CD62D86962}"/>
+                </a:ext>
+              </a:extLst>
+            </p:cNvPr>
+            <p:cNvPicPr>
+              <a:picLocks noChangeAspect="1"/>
+            </p:cNvPicPr>
+            <p:nvPr/>
+          </p:nvPicPr>
+          <p:blipFill>
+            <a:blip r:embed="rId4"/>
+            <a:stretch>
+              <a:fillRect/>
+            </a:stretch>
+          </p:blipFill>
+          <p:spPr>
+            <a:xfrm>
+              <a:off x="301906" y="3793267"/>
+              <a:ext cx="1998728" cy="712559"/>
+            </a:xfrm>
+            <a:prstGeom prst="rect">
+              <a:avLst/>
+            </a:prstGeom>
+          </p:spPr>
+        </p:pic>
+        <p:sp>
+          <p:nvSpPr>
+            <p:cNvPr id="26" name="TextBox 25">
+              <a:extLst>
+                <a:ext uri="{FF2B5EF4-FFF2-40B4-BE49-F238E27FC236}">
+                  <a16:creationId xmlns:a16="http://schemas.microsoft.com/office/drawing/2014/main" id="{BF68C1FE-A95F-E94D-E45B-7D79B729051D}"/>
+                </a:ext>
+              </a:extLst>
+            </p:cNvPr>
+            <p:cNvSpPr txBox="1"/>
+            <p:nvPr/>
+          </p:nvSpPr>
+          <p:spPr>
+            <a:xfrm>
+              <a:off x="301906" y="4528575"/>
+              <a:ext cx="1998728" cy="646331"/>
+            </a:xfrm>
+            <a:prstGeom prst="rect">
+              <a:avLst/>
+            </a:prstGeom>
+            <a:noFill/>
+          </p:spPr>
+          <p:txBody>
+            <a:bodyPr wrap="square" rtlCol="0">
+              <a:spAutoFit/>
+            </a:bodyPr>
+            <a:lstStyle/>
+            <a:p>
+              <a:r>
+                <a:rPr lang="en-US" sz="1200" dirty="0">
+                  <a:latin typeface="HelveticaNeueLT Std Cn" panose="020B0506030502030204" pitchFamily="34" charset="77"/>
+                </a:rPr>
+                <a:t>Performances </a:t>
+              </a:r>
+            </a:p>
+            <a:p>
+              <a:r>
+                <a:rPr lang="en-US" sz="1200" dirty="0">
+                  <a:latin typeface="HelveticaNeueLT Std Cn" panose="020B0506030502030204" pitchFamily="34" charset="77"/>
+                </a:rPr>
+                <a:t>with notated articulation</a:t>
+              </a:r>
+            </a:p>
+            <a:p>
+              <a:r>
+                <a:rPr lang="en-US" sz="1200" b="1" dirty="0">
+                  <a:latin typeface="Helvetica Neue Condensed" panose="02000503000000020004" pitchFamily="2" charset="0"/>
+                  <a:ea typeface="Helvetica Neue Condensed" panose="02000503000000020004" pitchFamily="2" charset="0"/>
+                  <a:cs typeface="Helvetica Neue Condensed" panose="02000503000000020004" pitchFamily="2" charset="0"/>
+                </a:rPr>
+                <a:t>- articulation performances</a:t>
+              </a:r>
+            </a:p>
+          </p:txBody>
+        </p:sp>
+        <p:sp>
+          <p:nvSpPr>
+            <p:cNvPr id="11" name="Rectangle 10">
+              <a:extLst>
+                <a:ext uri="{FF2B5EF4-FFF2-40B4-BE49-F238E27FC236}">
+                  <a16:creationId xmlns:a16="http://schemas.microsoft.com/office/drawing/2014/main" id="{04C4C42A-A2A4-EB90-7E47-92CD4E01D434}"/>
+                </a:ext>
+              </a:extLst>
+            </p:cNvPr>
+            <p:cNvSpPr/>
+            <p:nvPr/>
+          </p:nvSpPr>
+          <p:spPr>
+            <a:xfrm>
+              <a:off x="207825" y="3747280"/>
+              <a:ext cx="2236723" cy="1427626"/>
+            </a:xfrm>
+            <a:prstGeom prst="rect">
+              <a:avLst/>
+            </a:prstGeom>
+            <a:noFill/>
+            <a:ln>
+              <a:solidFill>
+                <a:schemeClr val="tx1"/>
+              </a:solidFill>
+            </a:ln>
+          </p:spPr>
+          <p:style>
+            <a:lnRef idx="2">
+              <a:schemeClr val="accent1">
+                <a:shade val="50000"/>
+              </a:schemeClr>
+            </a:lnRef>
+            <a:fillRef idx="1">
+              <a:schemeClr val="accent1"/>
+            </a:fillRef>
+            <a:effectRef idx="0">
+              <a:schemeClr val="accent1"/>
+            </a:effectRef>
+            <a:fontRef idx="minor">
+              <a:schemeClr val="lt1"/>
+            </a:fontRef>
+          </p:style>
+          <p:txBody>
+            <a:bodyPr rtlCol="0" anchor="ctr"/>
+            <a:lstStyle/>
+            <a:p>
+              <a:pPr algn="ctr"/>
+              <a:endParaRPr lang="en-US"/>
+            </a:p>
+          </p:txBody>
+        </p:sp>
+      </p:grpSp>
+      <p:grpSp>
+        <p:nvGrpSpPr>
+          <p:cNvPr id="35" name="Group 34">
+            <a:extLst>
+              <a:ext uri="{FF2B5EF4-FFF2-40B4-BE49-F238E27FC236}">
+                <a16:creationId xmlns:a16="http://schemas.microsoft.com/office/drawing/2014/main" id="{F66FFC73-408A-D779-90FE-0418B57FC2C0}"/>
+              </a:ext>
+            </a:extLst>
+          </p:cNvPr>
+          <p:cNvGrpSpPr/>
+          <p:nvPr/>
+        </p:nvGrpSpPr>
+        <p:grpSpPr>
+          <a:xfrm>
+            <a:off x="207825" y="4683696"/>
+            <a:ext cx="2236723" cy="1427626"/>
+            <a:chOff x="207825" y="4683696"/>
+            <a:chExt cx="2236723" cy="1427626"/>
+          </a:xfrm>
+        </p:grpSpPr>
+        <p:pic>
+          <p:nvPicPr>
+            <p:cNvPr id="25" name="Picture 24" descr="A picture containing object, antenna&#10;&#10;Description automatically generated">
+              <a:extLst>
+                <a:ext uri="{FF2B5EF4-FFF2-40B4-BE49-F238E27FC236}">
+                  <a16:creationId xmlns:a16="http://schemas.microsoft.com/office/drawing/2014/main" id="{10CAFC32-F9C7-7229-7036-16DB6685029A}"/>
+                </a:ext>
+              </a:extLst>
+            </p:cNvPr>
+            <p:cNvPicPr>
+              <a:picLocks noChangeAspect="1"/>
+            </p:cNvPicPr>
+            <p:nvPr/>
+          </p:nvPicPr>
+          <p:blipFill>
+            <a:blip r:embed="rId5"/>
+            <a:stretch>
+              <a:fillRect/>
+            </a:stretch>
+          </p:blipFill>
+          <p:spPr>
+            <a:xfrm>
+              <a:off x="308155" y="4727182"/>
+              <a:ext cx="2002187" cy="712559"/>
+            </a:xfrm>
+            <a:prstGeom prst="rect">
+              <a:avLst/>
+            </a:prstGeom>
+          </p:spPr>
+        </p:pic>
+        <p:sp>
+          <p:nvSpPr>
+            <p:cNvPr id="27" name="TextBox 26">
+              <a:extLst>
+                <a:ext uri="{FF2B5EF4-FFF2-40B4-BE49-F238E27FC236}">
+                  <a16:creationId xmlns:a16="http://schemas.microsoft.com/office/drawing/2014/main" id="{D97E2954-4C04-CAD3-CD25-02FA6BFE5AA9}"/>
+                </a:ext>
+              </a:extLst>
+            </p:cNvPr>
+            <p:cNvSpPr txBox="1"/>
+            <p:nvPr/>
+          </p:nvSpPr>
+          <p:spPr>
+            <a:xfrm>
+              <a:off x="304696" y="5454438"/>
+              <a:ext cx="2002187" cy="646331"/>
+            </a:xfrm>
+            <a:prstGeom prst="rect">
+              <a:avLst/>
+            </a:prstGeom>
+            <a:noFill/>
+          </p:spPr>
+          <p:txBody>
+            <a:bodyPr wrap="square" rtlCol="0">
+              <a:spAutoFit/>
+            </a:bodyPr>
+            <a:lstStyle/>
+            <a:p>
+              <a:r>
+                <a:rPr lang="en-US" sz="1200" dirty="0">
+                  <a:latin typeface="HelveticaNeueLT Std Cn" panose="020B0506030502030204" pitchFamily="34" charset="77"/>
+                </a:rPr>
+                <a:t>Performances </a:t>
+              </a:r>
+            </a:p>
+            <a:p>
+              <a:r>
+                <a:rPr lang="en-US" sz="1200" dirty="0">
+                  <a:latin typeface="HelveticaNeueLT Std Cn" panose="020B0506030502030204" pitchFamily="34" charset="77"/>
+                </a:rPr>
+                <a:t>with notated dynamics</a:t>
+              </a:r>
+            </a:p>
+            <a:p>
+              <a:r>
+                <a:rPr lang="en-US" sz="1200" b="1" dirty="0">
+                  <a:latin typeface="Helvetica Neue Condensed" panose="02000503000000020004" pitchFamily="2" charset="0"/>
+                  <a:ea typeface="Helvetica Neue Condensed" panose="02000503000000020004" pitchFamily="2" charset="0"/>
+                  <a:cs typeface="Helvetica Neue Condensed" panose="02000503000000020004" pitchFamily="2" charset="0"/>
+                </a:rPr>
+                <a:t>- dynamics performances</a:t>
+              </a:r>
+            </a:p>
+          </p:txBody>
+        </p:sp>
+        <p:sp>
+          <p:nvSpPr>
+            <p:cNvPr id="31" name="Rectangle 30">
+              <a:extLst>
+                <a:ext uri="{FF2B5EF4-FFF2-40B4-BE49-F238E27FC236}">
+                  <a16:creationId xmlns:a16="http://schemas.microsoft.com/office/drawing/2014/main" id="{492893D3-323A-8DAD-1EBC-EDB3A000ED75}"/>
+                </a:ext>
+              </a:extLst>
+            </p:cNvPr>
+            <p:cNvSpPr/>
+            <p:nvPr/>
+          </p:nvSpPr>
+          <p:spPr>
+            <a:xfrm>
+              <a:off x="207825" y="4683696"/>
+              <a:ext cx="2236723" cy="1427626"/>
+            </a:xfrm>
+            <a:prstGeom prst="rect">
+              <a:avLst/>
+            </a:prstGeom>
+            <a:noFill/>
+            <a:ln>
+              <a:solidFill>
+                <a:schemeClr val="tx1"/>
+              </a:solidFill>
+            </a:ln>
+          </p:spPr>
+          <p:style>
+            <a:lnRef idx="2">
+              <a:schemeClr val="accent1">
+                <a:shade val="50000"/>
+              </a:schemeClr>
+            </a:lnRef>
+            <a:fillRef idx="1">
+              <a:schemeClr val="accent1"/>
+            </a:fillRef>
+            <a:effectRef idx="0">
+              <a:schemeClr val="accent1"/>
+            </a:effectRef>
+            <a:fontRef idx="minor">
+              <a:schemeClr val="lt1"/>
+            </a:fontRef>
+          </p:style>
+          <p:txBody>
+            <a:bodyPr rtlCol="0" anchor="ctr"/>
+            <a:lstStyle/>
+            <a:p>
+              <a:pPr algn="ctr"/>
+              <a:endParaRPr lang="en-US"/>
+            </a:p>
+          </p:txBody>
+        </p:sp>
+      </p:grpSp>
     </p:spTree>
     <p:extLst>
       <p:ext uri="{BB962C8B-B14F-4D97-AF65-F5344CB8AC3E}">

--- a/paper/image/supplementary.pptx
+++ b/paper/image/supplementary.pptx
@@ -2,7 +2,7 @@
 <file path=ppt/presentation.xml><?xml version="1.0" encoding="utf-8"?>
 <p:presentation xmlns:a="http://schemas.openxmlformats.org/drawingml/2006/main" xmlns:r="http://schemas.openxmlformats.org/officeDocument/2006/relationships" xmlns:p="http://schemas.openxmlformats.org/presentationml/2006/main" saveSubsetFonts="1" autoCompressPictures="0">
   <p:sldMasterIdLst>
-    <p:sldMasterId id="2147483720" r:id="rId1"/>
+    <p:sldMasterId id="2147483732" r:id="rId1"/>
   </p:sldMasterIdLst>
   <p:notesMasterIdLst>
     <p:notesMasterId r:id="rId3"/>
@@ -10,7 +10,7 @@
   <p:sldIdLst>
     <p:sldId id="257" r:id="rId2"/>
   </p:sldIdLst>
-  <p:sldSz cx="9906000" cy="6858000" type="A4"/>
+  <p:sldSz cx="12801600" cy="9601200" type="A3"/>
   <p:notesSz cx="6858000" cy="9144000"/>
   <p:defaultTextStyle>
     <a:defPPr>
@@ -110,12 +110,12 @@
   <p:extLst>
     <p:ext uri="{EFAFB233-063F-42B5-8137-9DF3F51BA10A}">
       <p15:sldGuideLst xmlns:p15="http://schemas.microsoft.com/office/powerpoint/2012/main">
-        <p15:guide id="1" orient="horz" pos="2160" userDrawn="1">
+        <p15:guide id="1" orient="horz" pos="3024" userDrawn="1">
           <p15:clr>
             <a:srgbClr val="A4A3A4"/>
           </p15:clr>
         </p15:guide>
-        <p15:guide id="2" pos="3127" userDrawn="1">
+        <p15:guide id="2" pos="4041" userDrawn="1">
           <p15:clr>
             <a:srgbClr val="A4A3A4"/>
           </p15:clr>
@@ -226,8 +226,8 @@
         </p:nvSpPr>
         <p:spPr>
           <a:xfrm>
-            <a:off x="1200150" y="1143000"/>
-            <a:ext cx="4457700" cy="3086100"/>
+            <a:off x="1371600" y="1143000"/>
+            <a:ext cx="4114800" cy="3086100"/>
           </a:xfrm>
           <a:prstGeom prst="rect">
             <a:avLst/>
@@ -382,8 +382,8 @@
   </p:cSld>
   <p:clrMap bg1="lt1" tx1="dk1" bg2="lt2" tx2="dk2" accent1="accent1" accent2="accent2" accent3="accent3" accent4="accent4" accent5="accent5" accent6="accent6" hlink="hlink" folHlink="folHlink"/>
   <p:notesStyle>
-    <a:lvl1pPr marL="0" algn="l" defTabSz="804071" rtl="0" eaLnBrk="1" latinLnBrk="0" hangingPunct="1">
-      <a:defRPr sz="1055" kern="1200">
+    <a:lvl1pPr marL="0" algn="l" defTabSz="1074480" rtl="0" eaLnBrk="1" latinLnBrk="0" hangingPunct="1">
+      <a:defRPr sz="1410" kern="1200">
         <a:solidFill>
           <a:schemeClr val="tx1"/>
         </a:solidFill>
@@ -392,8 +392,8 @@
         <a:cs typeface="+mn-cs"/>
       </a:defRPr>
     </a:lvl1pPr>
-    <a:lvl2pPr marL="402035" algn="l" defTabSz="804071" rtl="0" eaLnBrk="1" latinLnBrk="0" hangingPunct="1">
-      <a:defRPr sz="1055" kern="1200">
+    <a:lvl2pPr marL="537239" algn="l" defTabSz="1074480" rtl="0" eaLnBrk="1" latinLnBrk="0" hangingPunct="1">
+      <a:defRPr sz="1410" kern="1200">
         <a:solidFill>
           <a:schemeClr val="tx1"/>
         </a:solidFill>
@@ -402,8 +402,8 @@
         <a:cs typeface="+mn-cs"/>
       </a:defRPr>
     </a:lvl2pPr>
-    <a:lvl3pPr marL="804071" algn="l" defTabSz="804071" rtl="0" eaLnBrk="1" latinLnBrk="0" hangingPunct="1">
-      <a:defRPr sz="1055" kern="1200">
+    <a:lvl3pPr marL="1074480" algn="l" defTabSz="1074480" rtl="0" eaLnBrk="1" latinLnBrk="0" hangingPunct="1">
+      <a:defRPr sz="1410" kern="1200">
         <a:solidFill>
           <a:schemeClr val="tx1"/>
         </a:solidFill>
@@ -412,8 +412,8 @@
         <a:cs typeface="+mn-cs"/>
       </a:defRPr>
     </a:lvl3pPr>
-    <a:lvl4pPr marL="1206107" algn="l" defTabSz="804071" rtl="0" eaLnBrk="1" latinLnBrk="0" hangingPunct="1">
-      <a:defRPr sz="1055" kern="1200">
+    <a:lvl4pPr marL="1611721" algn="l" defTabSz="1074480" rtl="0" eaLnBrk="1" latinLnBrk="0" hangingPunct="1">
+      <a:defRPr sz="1410" kern="1200">
         <a:solidFill>
           <a:schemeClr val="tx1"/>
         </a:solidFill>
@@ -422,8 +422,8 @@
         <a:cs typeface="+mn-cs"/>
       </a:defRPr>
     </a:lvl4pPr>
-    <a:lvl5pPr marL="1608143" algn="l" defTabSz="804071" rtl="0" eaLnBrk="1" latinLnBrk="0" hangingPunct="1">
-      <a:defRPr sz="1055" kern="1200">
+    <a:lvl5pPr marL="2148961" algn="l" defTabSz="1074480" rtl="0" eaLnBrk="1" latinLnBrk="0" hangingPunct="1">
+      <a:defRPr sz="1410" kern="1200">
         <a:solidFill>
           <a:schemeClr val="tx1"/>
         </a:solidFill>
@@ -432,8 +432,8 @@
         <a:cs typeface="+mn-cs"/>
       </a:defRPr>
     </a:lvl5pPr>
-    <a:lvl6pPr marL="2010178" algn="l" defTabSz="804071" rtl="0" eaLnBrk="1" latinLnBrk="0" hangingPunct="1">
-      <a:defRPr sz="1055" kern="1200">
+    <a:lvl6pPr marL="2686201" algn="l" defTabSz="1074480" rtl="0" eaLnBrk="1" latinLnBrk="0" hangingPunct="1">
+      <a:defRPr sz="1410" kern="1200">
         <a:solidFill>
           <a:schemeClr val="tx1"/>
         </a:solidFill>
@@ -442,8 +442,8 @@
         <a:cs typeface="+mn-cs"/>
       </a:defRPr>
     </a:lvl6pPr>
-    <a:lvl7pPr marL="2412214" algn="l" defTabSz="804071" rtl="0" eaLnBrk="1" latinLnBrk="0" hangingPunct="1">
-      <a:defRPr sz="1055" kern="1200">
+    <a:lvl7pPr marL="3223442" algn="l" defTabSz="1074480" rtl="0" eaLnBrk="1" latinLnBrk="0" hangingPunct="1">
+      <a:defRPr sz="1410" kern="1200">
         <a:solidFill>
           <a:schemeClr val="tx1"/>
         </a:solidFill>
@@ -452,8 +452,8 @@
         <a:cs typeface="+mn-cs"/>
       </a:defRPr>
     </a:lvl7pPr>
-    <a:lvl8pPr marL="2814249" algn="l" defTabSz="804071" rtl="0" eaLnBrk="1" latinLnBrk="0" hangingPunct="1">
-      <a:defRPr sz="1055" kern="1200">
+    <a:lvl8pPr marL="3760681" algn="l" defTabSz="1074480" rtl="0" eaLnBrk="1" latinLnBrk="0" hangingPunct="1">
+      <a:defRPr sz="1410" kern="1200">
         <a:solidFill>
           <a:schemeClr val="tx1"/>
         </a:solidFill>
@@ -462,8 +462,8 @@
         <a:cs typeface="+mn-cs"/>
       </a:defRPr>
     </a:lvl8pPr>
-    <a:lvl9pPr marL="3216284" algn="l" defTabSz="804071" rtl="0" eaLnBrk="1" latinLnBrk="0" hangingPunct="1">
-      <a:defRPr sz="1055" kern="1200">
+    <a:lvl9pPr marL="4297920" algn="l" defTabSz="1074480" rtl="0" eaLnBrk="1" latinLnBrk="0" hangingPunct="1">
+      <a:defRPr sz="1410" kern="1200">
         <a:solidFill>
           <a:schemeClr val="tx1"/>
         </a:solidFill>
@@ -505,8 +505,8 @@
         </p:nvSpPr>
         <p:spPr>
           <a:xfrm>
-            <a:off x="1200150" y="1143000"/>
-            <a:ext cx="4457700" cy="3086100"/>
+            <a:off x="1371600" y="1143000"/>
+            <a:ext cx="4114800" cy="3086100"/>
           </a:xfrm>
         </p:spPr>
       </p:sp>
@@ -594,15 +594,15 @@
         </p:nvSpPr>
         <p:spPr>
           <a:xfrm>
-            <a:off x="742950" y="1122363"/>
-            <a:ext cx="8420100" cy="2387600"/>
+            <a:off x="960120" y="1571308"/>
+            <a:ext cx="10881360" cy="3342640"/>
           </a:xfrm>
         </p:spPr>
         <p:txBody>
           <a:bodyPr anchor="b"/>
           <a:lstStyle>
             <a:lvl1pPr algn="ctr">
-              <a:defRPr sz="6000"/>
+              <a:defRPr sz="8400"/>
             </a:lvl1pPr>
           </a:lstStyle>
           <a:p>
@@ -626,8 +626,8 @@
         </p:nvSpPr>
         <p:spPr>
           <a:xfrm>
-            <a:off x="1238250" y="3602038"/>
-            <a:ext cx="7429500" cy="1655762"/>
+            <a:off x="1600200" y="5042853"/>
+            <a:ext cx="9601200" cy="2318067"/>
           </a:xfrm>
         </p:spPr>
         <p:txBody>
@@ -635,39 +635,39 @@
           <a:lstStyle>
             <a:lvl1pPr marL="0" indent="0" algn="ctr">
               <a:buNone/>
-              <a:defRPr sz="2400"/>
+              <a:defRPr sz="3360"/>
             </a:lvl1pPr>
-            <a:lvl2pPr marL="457200" indent="0" algn="ctr">
-              <a:buNone/>
-              <a:defRPr sz="2000"/>
+            <a:lvl2pPr marL="640080" indent="0" algn="ctr">
+              <a:buNone/>
+              <a:defRPr sz="2800"/>
             </a:lvl2pPr>
-            <a:lvl3pPr marL="914400" indent="0" algn="ctr">
-              <a:buNone/>
-              <a:defRPr sz="1800"/>
+            <a:lvl3pPr marL="1280160" indent="0" algn="ctr">
+              <a:buNone/>
+              <a:defRPr sz="2520"/>
             </a:lvl3pPr>
-            <a:lvl4pPr marL="1371600" indent="0" algn="ctr">
-              <a:buNone/>
-              <a:defRPr sz="1600"/>
+            <a:lvl4pPr marL="1920240" indent="0" algn="ctr">
+              <a:buNone/>
+              <a:defRPr sz="2240"/>
             </a:lvl4pPr>
-            <a:lvl5pPr marL="1828800" indent="0" algn="ctr">
-              <a:buNone/>
-              <a:defRPr sz="1600"/>
+            <a:lvl5pPr marL="2560320" indent="0" algn="ctr">
+              <a:buNone/>
+              <a:defRPr sz="2240"/>
             </a:lvl5pPr>
-            <a:lvl6pPr marL="2286000" indent="0" algn="ctr">
-              <a:buNone/>
-              <a:defRPr sz="1600"/>
+            <a:lvl6pPr marL="3200400" indent="0" algn="ctr">
+              <a:buNone/>
+              <a:defRPr sz="2240"/>
             </a:lvl6pPr>
-            <a:lvl7pPr marL="2743200" indent="0" algn="ctr">
-              <a:buNone/>
-              <a:defRPr sz="1600"/>
+            <a:lvl7pPr marL="3840480" indent="0" algn="ctr">
+              <a:buNone/>
+              <a:defRPr sz="2240"/>
             </a:lvl7pPr>
-            <a:lvl8pPr marL="3200400" indent="0" algn="ctr">
-              <a:buNone/>
-              <a:defRPr sz="1600"/>
+            <a:lvl8pPr marL="4480560" indent="0" algn="ctr">
+              <a:buNone/>
+              <a:defRPr sz="2240"/>
             </a:lvl8pPr>
-            <a:lvl9pPr marL="3657600" indent="0" algn="ctr">
-              <a:buNone/>
-              <a:defRPr sz="1600"/>
+            <a:lvl9pPr marL="5120640" indent="0" algn="ctr">
+              <a:buNone/>
+              <a:defRPr sz="2240"/>
             </a:lvl9pPr>
           </a:lstStyle>
           <a:p>
@@ -747,7 +747,7 @@
     </p:spTree>
     <p:extLst>
       <p:ext uri="{BB962C8B-B14F-4D97-AF65-F5344CB8AC3E}">
-        <p14:creationId xmlns:p14="http://schemas.microsoft.com/office/powerpoint/2010/main" val="4229084591"/>
+        <p14:creationId xmlns:p14="http://schemas.microsoft.com/office/powerpoint/2010/main" val="35315683"/>
       </p:ext>
     </p:extLst>
   </p:cSld>
@@ -917,7 +917,7 @@
     </p:spTree>
     <p:extLst>
       <p:ext uri="{BB962C8B-B14F-4D97-AF65-F5344CB8AC3E}">
-        <p14:creationId xmlns:p14="http://schemas.microsoft.com/office/powerpoint/2010/main" val="3011346675"/>
+        <p14:creationId xmlns:p14="http://schemas.microsoft.com/office/powerpoint/2010/main" val="1276284692"/>
       </p:ext>
     </p:extLst>
   </p:cSld>
@@ -956,8 +956,8 @@
         </p:nvSpPr>
         <p:spPr>
           <a:xfrm>
-            <a:off x="7088982" y="365125"/>
-            <a:ext cx="2135981" cy="5811838"/>
+            <a:off x="9161146" y="511175"/>
+            <a:ext cx="2760345" cy="8136573"/>
           </a:xfrm>
         </p:spPr>
         <p:txBody>
@@ -984,8 +984,8 @@
         </p:nvSpPr>
         <p:spPr>
           <a:xfrm>
-            <a:off x="681038" y="365125"/>
-            <a:ext cx="6284119" cy="5811838"/>
+            <a:off x="880111" y="511175"/>
+            <a:ext cx="8121015" cy="8136573"/>
           </a:xfrm>
         </p:spPr>
         <p:txBody>
@@ -1097,7 +1097,7 @@
     </p:spTree>
     <p:extLst>
       <p:ext uri="{BB962C8B-B14F-4D97-AF65-F5344CB8AC3E}">
-        <p14:creationId xmlns:p14="http://schemas.microsoft.com/office/powerpoint/2010/main" val="1556137436"/>
+        <p14:creationId xmlns:p14="http://schemas.microsoft.com/office/powerpoint/2010/main" val="3431703961"/>
       </p:ext>
     </p:extLst>
   </p:cSld>
@@ -1267,7 +1267,7 @@
     </p:spTree>
     <p:extLst>
       <p:ext uri="{BB962C8B-B14F-4D97-AF65-F5344CB8AC3E}">
-        <p14:creationId xmlns:p14="http://schemas.microsoft.com/office/powerpoint/2010/main" val="1229340076"/>
+        <p14:creationId xmlns:p14="http://schemas.microsoft.com/office/powerpoint/2010/main" val="937459371"/>
       </p:ext>
     </p:extLst>
   </p:cSld>
@@ -1306,15 +1306,15 @@
         </p:nvSpPr>
         <p:spPr>
           <a:xfrm>
-            <a:off x="675879" y="1709740"/>
-            <a:ext cx="8543925" cy="2852737"/>
+            <a:off x="873443" y="2393635"/>
+            <a:ext cx="11041380" cy="3993832"/>
           </a:xfrm>
         </p:spPr>
         <p:txBody>
           <a:bodyPr anchor="b"/>
           <a:lstStyle>
             <a:lvl1pPr>
-              <a:defRPr sz="6000"/>
+              <a:defRPr sz="8400"/>
             </a:lvl1pPr>
           </a:lstStyle>
           <a:p>
@@ -1338,8 +1338,8 @@
         </p:nvSpPr>
         <p:spPr>
           <a:xfrm>
-            <a:off x="675879" y="4589465"/>
-            <a:ext cx="8543925" cy="1500187"/>
+            <a:off x="873443" y="6425250"/>
+            <a:ext cx="11041380" cy="2100262"/>
           </a:xfrm>
         </p:spPr>
         <p:txBody>
@@ -1347,15 +1347,15 @@
           <a:lstStyle>
             <a:lvl1pPr marL="0" indent="0">
               <a:buNone/>
-              <a:defRPr sz="2400">
+              <a:defRPr sz="3360">
                 <a:solidFill>
                   <a:schemeClr val="tx1"/>
                 </a:solidFill>
               </a:defRPr>
             </a:lvl1pPr>
-            <a:lvl2pPr marL="457200" indent="0">
-              <a:buNone/>
-              <a:defRPr sz="2000">
+            <a:lvl2pPr marL="640080" indent="0">
+              <a:buNone/>
+              <a:defRPr sz="2800">
                 <a:solidFill>
                   <a:schemeClr val="tx1">
                     <a:tint val="75000"/>
@@ -1363,9 +1363,9 @@
                 </a:solidFill>
               </a:defRPr>
             </a:lvl2pPr>
-            <a:lvl3pPr marL="914400" indent="0">
-              <a:buNone/>
-              <a:defRPr sz="1800">
+            <a:lvl3pPr marL="1280160" indent="0">
+              <a:buNone/>
+              <a:defRPr sz="2520">
                 <a:solidFill>
                   <a:schemeClr val="tx1">
                     <a:tint val="75000"/>
@@ -1373,9 +1373,9 @@
                 </a:solidFill>
               </a:defRPr>
             </a:lvl3pPr>
-            <a:lvl4pPr marL="1371600" indent="0">
-              <a:buNone/>
-              <a:defRPr sz="1600">
+            <a:lvl4pPr marL="1920240" indent="0">
+              <a:buNone/>
+              <a:defRPr sz="2240">
                 <a:solidFill>
                   <a:schemeClr val="tx1">
                     <a:tint val="75000"/>
@@ -1383,9 +1383,9 @@
                 </a:solidFill>
               </a:defRPr>
             </a:lvl4pPr>
-            <a:lvl5pPr marL="1828800" indent="0">
-              <a:buNone/>
-              <a:defRPr sz="1600">
+            <a:lvl5pPr marL="2560320" indent="0">
+              <a:buNone/>
+              <a:defRPr sz="2240">
                 <a:solidFill>
                   <a:schemeClr val="tx1">
                     <a:tint val="75000"/>
@@ -1393,9 +1393,9 @@
                 </a:solidFill>
               </a:defRPr>
             </a:lvl5pPr>
-            <a:lvl6pPr marL="2286000" indent="0">
-              <a:buNone/>
-              <a:defRPr sz="1600">
+            <a:lvl6pPr marL="3200400" indent="0">
+              <a:buNone/>
+              <a:defRPr sz="2240">
                 <a:solidFill>
                   <a:schemeClr val="tx1">
                     <a:tint val="75000"/>
@@ -1403,9 +1403,9 @@
                 </a:solidFill>
               </a:defRPr>
             </a:lvl6pPr>
-            <a:lvl7pPr marL="2743200" indent="0">
-              <a:buNone/>
-              <a:defRPr sz="1600">
+            <a:lvl7pPr marL="3840480" indent="0">
+              <a:buNone/>
+              <a:defRPr sz="2240">
                 <a:solidFill>
                   <a:schemeClr val="tx1">
                     <a:tint val="75000"/>
@@ -1413,9 +1413,9 @@
                 </a:solidFill>
               </a:defRPr>
             </a:lvl7pPr>
-            <a:lvl8pPr marL="3200400" indent="0">
-              <a:buNone/>
-              <a:defRPr sz="1600">
+            <a:lvl8pPr marL="4480560" indent="0">
+              <a:buNone/>
+              <a:defRPr sz="2240">
                 <a:solidFill>
                   <a:schemeClr val="tx1">
                     <a:tint val="75000"/>
@@ -1423,9 +1423,9 @@
                 </a:solidFill>
               </a:defRPr>
             </a:lvl8pPr>
-            <a:lvl9pPr marL="3657600" indent="0">
-              <a:buNone/>
-              <a:defRPr sz="1600">
+            <a:lvl9pPr marL="5120640" indent="0">
+              <a:buNone/>
+              <a:defRPr sz="2240">
                 <a:solidFill>
                   <a:schemeClr val="tx1">
                     <a:tint val="75000"/>
@@ -1511,7 +1511,7 @@
     </p:spTree>
     <p:extLst>
       <p:ext uri="{BB962C8B-B14F-4D97-AF65-F5344CB8AC3E}">
-        <p14:creationId xmlns:p14="http://schemas.microsoft.com/office/powerpoint/2010/main" val="1941647525"/>
+        <p14:creationId xmlns:p14="http://schemas.microsoft.com/office/powerpoint/2010/main" val="818629386"/>
       </p:ext>
     </p:extLst>
   </p:cSld>
@@ -1573,8 +1573,8 @@
         </p:nvSpPr>
         <p:spPr>
           <a:xfrm>
-            <a:off x="681038" y="1825625"/>
-            <a:ext cx="4210050" cy="4351338"/>
+            <a:off x="880110" y="2555875"/>
+            <a:ext cx="5440680" cy="6091873"/>
           </a:xfrm>
         </p:spPr>
         <p:txBody>
@@ -1630,8 +1630,8 @@
         </p:nvSpPr>
         <p:spPr>
           <a:xfrm>
-            <a:off x="5014913" y="1825625"/>
-            <a:ext cx="4210050" cy="4351338"/>
+            <a:off x="6480810" y="2555875"/>
+            <a:ext cx="5440680" cy="6091873"/>
           </a:xfrm>
         </p:spPr>
         <p:txBody>
@@ -1743,7 +1743,7 @@
     </p:spTree>
     <p:extLst>
       <p:ext uri="{BB962C8B-B14F-4D97-AF65-F5344CB8AC3E}">
-        <p14:creationId xmlns:p14="http://schemas.microsoft.com/office/powerpoint/2010/main" val="2708702751"/>
+        <p14:creationId xmlns:p14="http://schemas.microsoft.com/office/powerpoint/2010/main" val="1054584718"/>
       </p:ext>
     </p:extLst>
   </p:cSld>
@@ -1782,8 +1782,8 @@
         </p:nvSpPr>
         <p:spPr>
           <a:xfrm>
-            <a:off x="682328" y="365127"/>
-            <a:ext cx="8543925" cy="1325563"/>
+            <a:off x="881777" y="511177"/>
+            <a:ext cx="11041380" cy="1855788"/>
           </a:xfrm>
         </p:spPr>
         <p:txBody>
@@ -1810,8 +1810,8 @@
         </p:nvSpPr>
         <p:spPr>
           <a:xfrm>
-            <a:off x="682329" y="1681163"/>
-            <a:ext cx="4190702" cy="823912"/>
+            <a:off x="881779" y="2353628"/>
+            <a:ext cx="5415676" cy="1153477"/>
           </a:xfrm>
         </p:spPr>
         <p:txBody>
@@ -1819,39 +1819,39 @@
           <a:lstStyle>
             <a:lvl1pPr marL="0" indent="0">
               <a:buNone/>
-              <a:defRPr sz="2400" b="1"/>
+              <a:defRPr sz="3360" b="1"/>
             </a:lvl1pPr>
-            <a:lvl2pPr marL="457200" indent="0">
-              <a:buNone/>
-              <a:defRPr sz="2000" b="1"/>
+            <a:lvl2pPr marL="640080" indent="0">
+              <a:buNone/>
+              <a:defRPr sz="2800" b="1"/>
             </a:lvl2pPr>
-            <a:lvl3pPr marL="914400" indent="0">
-              <a:buNone/>
-              <a:defRPr sz="1800" b="1"/>
+            <a:lvl3pPr marL="1280160" indent="0">
+              <a:buNone/>
+              <a:defRPr sz="2520" b="1"/>
             </a:lvl3pPr>
-            <a:lvl4pPr marL="1371600" indent="0">
-              <a:buNone/>
-              <a:defRPr sz="1600" b="1"/>
+            <a:lvl4pPr marL="1920240" indent="0">
+              <a:buNone/>
+              <a:defRPr sz="2240" b="1"/>
             </a:lvl4pPr>
-            <a:lvl5pPr marL="1828800" indent="0">
-              <a:buNone/>
-              <a:defRPr sz="1600" b="1"/>
+            <a:lvl5pPr marL="2560320" indent="0">
+              <a:buNone/>
+              <a:defRPr sz="2240" b="1"/>
             </a:lvl5pPr>
-            <a:lvl6pPr marL="2286000" indent="0">
-              <a:buNone/>
-              <a:defRPr sz="1600" b="1"/>
+            <a:lvl6pPr marL="3200400" indent="0">
+              <a:buNone/>
+              <a:defRPr sz="2240" b="1"/>
             </a:lvl6pPr>
-            <a:lvl7pPr marL="2743200" indent="0">
-              <a:buNone/>
-              <a:defRPr sz="1600" b="1"/>
+            <a:lvl7pPr marL="3840480" indent="0">
+              <a:buNone/>
+              <a:defRPr sz="2240" b="1"/>
             </a:lvl7pPr>
-            <a:lvl8pPr marL="3200400" indent="0">
-              <a:buNone/>
-              <a:defRPr sz="1600" b="1"/>
+            <a:lvl8pPr marL="4480560" indent="0">
+              <a:buNone/>
+              <a:defRPr sz="2240" b="1"/>
             </a:lvl8pPr>
-            <a:lvl9pPr marL="3657600" indent="0">
-              <a:buNone/>
-              <a:defRPr sz="1600" b="1"/>
+            <a:lvl9pPr marL="5120640" indent="0">
+              <a:buNone/>
+              <a:defRPr sz="2240" b="1"/>
             </a:lvl9pPr>
           </a:lstStyle>
           <a:p>
@@ -1875,8 +1875,8 @@
         </p:nvSpPr>
         <p:spPr>
           <a:xfrm>
-            <a:off x="682329" y="2505075"/>
-            <a:ext cx="4190702" cy="3684588"/>
+            <a:off x="881779" y="3507105"/>
+            <a:ext cx="5415676" cy="5158423"/>
           </a:xfrm>
         </p:spPr>
         <p:txBody>
@@ -1932,8 +1932,8 @@
         </p:nvSpPr>
         <p:spPr>
           <a:xfrm>
-            <a:off x="5014913" y="1681163"/>
-            <a:ext cx="4211340" cy="823912"/>
+            <a:off x="6480811" y="2353628"/>
+            <a:ext cx="5442347" cy="1153477"/>
           </a:xfrm>
         </p:spPr>
         <p:txBody>
@@ -1941,39 +1941,39 @@
           <a:lstStyle>
             <a:lvl1pPr marL="0" indent="0">
               <a:buNone/>
-              <a:defRPr sz="2400" b="1"/>
+              <a:defRPr sz="3360" b="1"/>
             </a:lvl1pPr>
-            <a:lvl2pPr marL="457200" indent="0">
-              <a:buNone/>
-              <a:defRPr sz="2000" b="1"/>
+            <a:lvl2pPr marL="640080" indent="0">
+              <a:buNone/>
+              <a:defRPr sz="2800" b="1"/>
             </a:lvl2pPr>
-            <a:lvl3pPr marL="914400" indent="0">
-              <a:buNone/>
-              <a:defRPr sz="1800" b="1"/>
+            <a:lvl3pPr marL="1280160" indent="0">
+              <a:buNone/>
+              <a:defRPr sz="2520" b="1"/>
             </a:lvl3pPr>
-            <a:lvl4pPr marL="1371600" indent="0">
-              <a:buNone/>
-              <a:defRPr sz="1600" b="1"/>
+            <a:lvl4pPr marL="1920240" indent="0">
+              <a:buNone/>
+              <a:defRPr sz="2240" b="1"/>
             </a:lvl4pPr>
-            <a:lvl5pPr marL="1828800" indent="0">
-              <a:buNone/>
-              <a:defRPr sz="1600" b="1"/>
+            <a:lvl5pPr marL="2560320" indent="0">
+              <a:buNone/>
+              <a:defRPr sz="2240" b="1"/>
             </a:lvl5pPr>
-            <a:lvl6pPr marL="2286000" indent="0">
-              <a:buNone/>
-              <a:defRPr sz="1600" b="1"/>
+            <a:lvl6pPr marL="3200400" indent="0">
+              <a:buNone/>
+              <a:defRPr sz="2240" b="1"/>
             </a:lvl6pPr>
-            <a:lvl7pPr marL="2743200" indent="0">
-              <a:buNone/>
-              <a:defRPr sz="1600" b="1"/>
+            <a:lvl7pPr marL="3840480" indent="0">
+              <a:buNone/>
+              <a:defRPr sz="2240" b="1"/>
             </a:lvl7pPr>
-            <a:lvl8pPr marL="3200400" indent="0">
-              <a:buNone/>
-              <a:defRPr sz="1600" b="1"/>
+            <a:lvl8pPr marL="4480560" indent="0">
+              <a:buNone/>
+              <a:defRPr sz="2240" b="1"/>
             </a:lvl8pPr>
-            <a:lvl9pPr marL="3657600" indent="0">
-              <a:buNone/>
-              <a:defRPr sz="1600" b="1"/>
+            <a:lvl9pPr marL="5120640" indent="0">
+              <a:buNone/>
+              <a:defRPr sz="2240" b="1"/>
             </a:lvl9pPr>
           </a:lstStyle>
           <a:p>
@@ -1997,8 +1997,8 @@
         </p:nvSpPr>
         <p:spPr>
           <a:xfrm>
-            <a:off x="5014913" y="2505075"/>
-            <a:ext cx="4211340" cy="3684588"/>
+            <a:off x="6480811" y="3507105"/>
+            <a:ext cx="5442347" cy="5158423"/>
           </a:xfrm>
         </p:spPr>
         <p:txBody>
@@ -2110,7 +2110,7 @@
     </p:spTree>
     <p:extLst>
       <p:ext uri="{BB962C8B-B14F-4D97-AF65-F5344CB8AC3E}">
-        <p14:creationId xmlns:p14="http://schemas.microsoft.com/office/powerpoint/2010/main" val="1837602204"/>
+        <p14:creationId xmlns:p14="http://schemas.microsoft.com/office/powerpoint/2010/main" val="929385984"/>
       </p:ext>
     </p:extLst>
   </p:cSld>
@@ -2228,7 +2228,7 @@
     </p:spTree>
     <p:extLst>
       <p:ext uri="{BB962C8B-B14F-4D97-AF65-F5344CB8AC3E}">
-        <p14:creationId xmlns:p14="http://schemas.microsoft.com/office/powerpoint/2010/main" val="493929767"/>
+        <p14:creationId xmlns:p14="http://schemas.microsoft.com/office/powerpoint/2010/main" val="1130215604"/>
       </p:ext>
     </p:extLst>
   </p:cSld>
@@ -2323,7 +2323,7 @@
     </p:spTree>
     <p:extLst>
       <p:ext uri="{BB962C8B-B14F-4D97-AF65-F5344CB8AC3E}">
-        <p14:creationId xmlns:p14="http://schemas.microsoft.com/office/powerpoint/2010/main" val="2422403296"/>
+        <p14:creationId xmlns:p14="http://schemas.microsoft.com/office/powerpoint/2010/main" val="2321457015"/>
       </p:ext>
     </p:extLst>
   </p:cSld>
@@ -2362,15 +2362,15 @@
         </p:nvSpPr>
         <p:spPr>
           <a:xfrm>
-            <a:off x="682328" y="457200"/>
-            <a:ext cx="3194943" cy="1600200"/>
+            <a:off x="881778" y="640080"/>
+            <a:ext cx="4128849" cy="2240280"/>
           </a:xfrm>
         </p:spPr>
         <p:txBody>
           <a:bodyPr anchor="b"/>
           <a:lstStyle>
             <a:lvl1pPr>
-              <a:defRPr sz="3200"/>
+              <a:defRPr sz="4480"/>
             </a:lvl1pPr>
           </a:lstStyle>
           <a:p>
@@ -2394,39 +2394,39 @@
         </p:nvSpPr>
         <p:spPr>
           <a:xfrm>
-            <a:off x="4211340" y="987427"/>
-            <a:ext cx="5014913" cy="4873625"/>
+            <a:off x="5442347" y="1382397"/>
+            <a:ext cx="6480810" cy="6823075"/>
           </a:xfrm>
         </p:spPr>
         <p:txBody>
           <a:bodyPr/>
           <a:lstStyle>
             <a:lvl1pPr>
-              <a:defRPr sz="3200"/>
+              <a:defRPr sz="4480"/>
             </a:lvl1pPr>
             <a:lvl2pPr>
-              <a:defRPr sz="2800"/>
+              <a:defRPr sz="3920"/>
             </a:lvl2pPr>
             <a:lvl3pPr>
-              <a:defRPr sz="2400"/>
+              <a:defRPr sz="3360"/>
             </a:lvl3pPr>
             <a:lvl4pPr>
-              <a:defRPr sz="2000"/>
+              <a:defRPr sz="2800"/>
             </a:lvl4pPr>
             <a:lvl5pPr>
-              <a:defRPr sz="2000"/>
+              <a:defRPr sz="2800"/>
             </a:lvl5pPr>
             <a:lvl6pPr>
-              <a:defRPr sz="2000"/>
+              <a:defRPr sz="2800"/>
             </a:lvl6pPr>
             <a:lvl7pPr>
-              <a:defRPr sz="2000"/>
+              <a:defRPr sz="2800"/>
             </a:lvl7pPr>
             <a:lvl8pPr>
-              <a:defRPr sz="2000"/>
+              <a:defRPr sz="2800"/>
             </a:lvl8pPr>
             <a:lvl9pPr>
-              <a:defRPr sz="2000"/>
+              <a:defRPr sz="2800"/>
             </a:lvl9pPr>
           </a:lstStyle>
           <a:p>
@@ -2479,8 +2479,8 @@
         </p:nvSpPr>
         <p:spPr>
           <a:xfrm>
-            <a:off x="682328" y="2057400"/>
-            <a:ext cx="3194943" cy="3811588"/>
+            <a:off x="881778" y="2880360"/>
+            <a:ext cx="4128849" cy="5336223"/>
           </a:xfrm>
         </p:spPr>
         <p:txBody>
@@ -2488,39 +2488,39 @@
           <a:lstStyle>
             <a:lvl1pPr marL="0" indent="0">
               <a:buNone/>
-              <a:defRPr sz="1600"/>
+              <a:defRPr sz="2240"/>
             </a:lvl1pPr>
-            <a:lvl2pPr marL="457200" indent="0">
+            <a:lvl2pPr marL="640080" indent="0">
+              <a:buNone/>
+              <a:defRPr sz="1960"/>
+            </a:lvl2pPr>
+            <a:lvl3pPr marL="1280160" indent="0">
+              <a:buNone/>
+              <a:defRPr sz="1680"/>
+            </a:lvl3pPr>
+            <a:lvl4pPr marL="1920240" indent="0">
               <a:buNone/>
               <a:defRPr sz="1400"/>
-            </a:lvl2pPr>
-            <a:lvl3pPr marL="914400" indent="0">
-              <a:buNone/>
-              <a:defRPr sz="1200"/>
-            </a:lvl3pPr>
-            <a:lvl4pPr marL="1371600" indent="0">
-              <a:buNone/>
-              <a:defRPr sz="1000"/>
             </a:lvl4pPr>
-            <a:lvl5pPr marL="1828800" indent="0">
-              <a:buNone/>
-              <a:defRPr sz="1000"/>
+            <a:lvl5pPr marL="2560320" indent="0">
+              <a:buNone/>
+              <a:defRPr sz="1400"/>
             </a:lvl5pPr>
-            <a:lvl6pPr marL="2286000" indent="0">
-              <a:buNone/>
-              <a:defRPr sz="1000"/>
+            <a:lvl6pPr marL="3200400" indent="0">
+              <a:buNone/>
+              <a:defRPr sz="1400"/>
             </a:lvl6pPr>
-            <a:lvl7pPr marL="2743200" indent="0">
-              <a:buNone/>
-              <a:defRPr sz="1000"/>
+            <a:lvl7pPr marL="3840480" indent="0">
+              <a:buNone/>
+              <a:defRPr sz="1400"/>
             </a:lvl7pPr>
-            <a:lvl8pPr marL="3200400" indent="0">
-              <a:buNone/>
-              <a:defRPr sz="1000"/>
+            <a:lvl8pPr marL="4480560" indent="0">
+              <a:buNone/>
+              <a:defRPr sz="1400"/>
             </a:lvl8pPr>
-            <a:lvl9pPr marL="3657600" indent="0">
-              <a:buNone/>
-              <a:defRPr sz="1000"/>
+            <a:lvl9pPr marL="5120640" indent="0">
+              <a:buNone/>
+              <a:defRPr sz="1400"/>
             </a:lvl9pPr>
           </a:lstStyle>
           <a:p>
@@ -2600,7 +2600,7 @@
     </p:spTree>
     <p:extLst>
       <p:ext uri="{BB962C8B-B14F-4D97-AF65-F5344CB8AC3E}">
-        <p14:creationId xmlns:p14="http://schemas.microsoft.com/office/powerpoint/2010/main" val="4041996207"/>
+        <p14:creationId xmlns:p14="http://schemas.microsoft.com/office/powerpoint/2010/main" val="1547317963"/>
       </p:ext>
     </p:extLst>
   </p:cSld>
@@ -2639,15 +2639,15 @@
         </p:nvSpPr>
         <p:spPr>
           <a:xfrm>
-            <a:off x="682328" y="457200"/>
-            <a:ext cx="3194943" cy="1600200"/>
+            <a:off x="881778" y="640080"/>
+            <a:ext cx="4128849" cy="2240280"/>
           </a:xfrm>
         </p:spPr>
         <p:txBody>
           <a:bodyPr anchor="b"/>
           <a:lstStyle>
             <a:lvl1pPr>
-              <a:defRPr sz="3200"/>
+              <a:defRPr sz="4480"/>
             </a:lvl1pPr>
           </a:lstStyle>
           <a:p>
@@ -2671,8 +2671,8 @@
         </p:nvSpPr>
         <p:spPr>
           <a:xfrm>
-            <a:off x="4211340" y="987427"/>
-            <a:ext cx="5014913" cy="4873625"/>
+            <a:off x="5442347" y="1382397"/>
+            <a:ext cx="6480810" cy="6823075"/>
           </a:xfrm>
         </p:spPr>
         <p:txBody>
@@ -2680,39 +2680,39 @@
           <a:lstStyle>
             <a:lvl1pPr marL="0" indent="0">
               <a:buNone/>
-              <a:defRPr sz="3200"/>
+              <a:defRPr sz="4480"/>
             </a:lvl1pPr>
-            <a:lvl2pPr marL="457200" indent="0">
+            <a:lvl2pPr marL="640080" indent="0">
+              <a:buNone/>
+              <a:defRPr sz="3920"/>
+            </a:lvl2pPr>
+            <a:lvl3pPr marL="1280160" indent="0">
+              <a:buNone/>
+              <a:defRPr sz="3360"/>
+            </a:lvl3pPr>
+            <a:lvl4pPr marL="1920240" indent="0">
               <a:buNone/>
               <a:defRPr sz="2800"/>
-            </a:lvl2pPr>
-            <a:lvl3pPr marL="914400" indent="0">
-              <a:buNone/>
-              <a:defRPr sz="2400"/>
-            </a:lvl3pPr>
-            <a:lvl4pPr marL="1371600" indent="0">
-              <a:buNone/>
-              <a:defRPr sz="2000"/>
             </a:lvl4pPr>
-            <a:lvl5pPr marL="1828800" indent="0">
-              <a:buNone/>
-              <a:defRPr sz="2000"/>
+            <a:lvl5pPr marL="2560320" indent="0">
+              <a:buNone/>
+              <a:defRPr sz="2800"/>
             </a:lvl5pPr>
-            <a:lvl6pPr marL="2286000" indent="0">
-              <a:buNone/>
-              <a:defRPr sz="2000"/>
+            <a:lvl6pPr marL="3200400" indent="0">
+              <a:buNone/>
+              <a:defRPr sz="2800"/>
             </a:lvl6pPr>
-            <a:lvl7pPr marL="2743200" indent="0">
-              <a:buNone/>
-              <a:defRPr sz="2000"/>
+            <a:lvl7pPr marL="3840480" indent="0">
+              <a:buNone/>
+              <a:defRPr sz="2800"/>
             </a:lvl7pPr>
-            <a:lvl8pPr marL="3200400" indent="0">
-              <a:buNone/>
-              <a:defRPr sz="2000"/>
+            <a:lvl8pPr marL="4480560" indent="0">
+              <a:buNone/>
+              <a:defRPr sz="2800"/>
             </a:lvl8pPr>
-            <a:lvl9pPr marL="3657600" indent="0">
-              <a:buNone/>
-              <a:defRPr sz="2000"/>
+            <a:lvl9pPr marL="5120640" indent="0">
+              <a:buNone/>
+              <a:defRPr sz="2800"/>
             </a:lvl9pPr>
           </a:lstStyle>
           <a:p>
@@ -2736,8 +2736,8 @@
         </p:nvSpPr>
         <p:spPr>
           <a:xfrm>
-            <a:off x="682328" y="2057400"/>
-            <a:ext cx="3194943" cy="3811588"/>
+            <a:off x="881778" y="2880360"/>
+            <a:ext cx="4128849" cy="5336223"/>
           </a:xfrm>
         </p:spPr>
         <p:txBody>
@@ -2745,39 +2745,39 @@
           <a:lstStyle>
             <a:lvl1pPr marL="0" indent="0">
               <a:buNone/>
-              <a:defRPr sz="1600"/>
+              <a:defRPr sz="2240"/>
             </a:lvl1pPr>
-            <a:lvl2pPr marL="457200" indent="0">
+            <a:lvl2pPr marL="640080" indent="0">
+              <a:buNone/>
+              <a:defRPr sz="1960"/>
+            </a:lvl2pPr>
+            <a:lvl3pPr marL="1280160" indent="0">
+              <a:buNone/>
+              <a:defRPr sz="1680"/>
+            </a:lvl3pPr>
+            <a:lvl4pPr marL="1920240" indent="0">
               <a:buNone/>
               <a:defRPr sz="1400"/>
-            </a:lvl2pPr>
-            <a:lvl3pPr marL="914400" indent="0">
-              <a:buNone/>
-              <a:defRPr sz="1200"/>
-            </a:lvl3pPr>
-            <a:lvl4pPr marL="1371600" indent="0">
-              <a:buNone/>
-              <a:defRPr sz="1000"/>
             </a:lvl4pPr>
-            <a:lvl5pPr marL="1828800" indent="0">
-              <a:buNone/>
-              <a:defRPr sz="1000"/>
+            <a:lvl5pPr marL="2560320" indent="0">
+              <a:buNone/>
+              <a:defRPr sz="1400"/>
             </a:lvl5pPr>
-            <a:lvl6pPr marL="2286000" indent="0">
-              <a:buNone/>
-              <a:defRPr sz="1000"/>
+            <a:lvl6pPr marL="3200400" indent="0">
+              <a:buNone/>
+              <a:defRPr sz="1400"/>
             </a:lvl6pPr>
-            <a:lvl7pPr marL="2743200" indent="0">
-              <a:buNone/>
-              <a:defRPr sz="1000"/>
+            <a:lvl7pPr marL="3840480" indent="0">
+              <a:buNone/>
+              <a:defRPr sz="1400"/>
             </a:lvl7pPr>
-            <a:lvl8pPr marL="3200400" indent="0">
-              <a:buNone/>
-              <a:defRPr sz="1000"/>
+            <a:lvl8pPr marL="4480560" indent="0">
+              <a:buNone/>
+              <a:defRPr sz="1400"/>
             </a:lvl8pPr>
-            <a:lvl9pPr marL="3657600" indent="0">
-              <a:buNone/>
-              <a:defRPr sz="1000"/>
+            <a:lvl9pPr marL="5120640" indent="0">
+              <a:buNone/>
+              <a:defRPr sz="1400"/>
             </a:lvl9pPr>
           </a:lstStyle>
           <a:p>
@@ -2857,7 +2857,7 @@
     </p:spTree>
     <p:extLst>
       <p:ext uri="{BB962C8B-B14F-4D97-AF65-F5344CB8AC3E}">
-        <p14:creationId xmlns:p14="http://schemas.microsoft.com/office/powerpoint/2010/main" val="2309649744"/>
+        <p14:creationId xmlns:p14="http://schemas.microsoft.com/office/powerpoint/2010/main" val="3416059116"/>
       </p:ext>
     </p:extLst>
   </p:cSld>
@@ -2901,8 +2901,8 @@
         </p:nvSpPr>
         <p:spPr>
           <a:xfrm>
-            <a:off x="681038" y="365127"/>
-            <a:ext cx="8543925" cy="1325563"/>
+            <a:off x="880110" y="511177"/>
+            <a:ext cx="11041380" cy="1855788"/>
           </a:xfrm>
           <a:prstGeom prst="rect">
             <a:avLst/>
@@ -2934,8 +2934,8 @@
         </p:nvSpPr>
         <p:spPr>
           <a:xfrm>
-            <a:off x="681038" y="1825625"/>
-            <a:ext cx="8543925" cy="4351338"/>
+            <a:off x="880110" y="2555875"/>
+            <a:ext cx="11041380" cy="6091873"/>
           </a:xfrm>
           <a:prstGeom prst="rect">
             <a:avLst/>
@@ -2996,8 +2996,8 @@
         </p:nvSpPr>
         <p:spPr>
           <a:xfrm>
-            <a:off x="681038" y="6356352"/>
-            <a:ext cx="2228850" cy="365125"/>
+            <a:off x="880110" y="8898892"/>
+            <a:ext cx="2880360" cy="511175"/>
           </a:xfrm>
           <a:prstGeom prst="rect">
             <a:avLst/>
@@ -3007,7 +3007,7 @@
           <a:bodyPr vert="horz" lIns="91440" tIns="45720" rIns="91440" bIns="45720" rtlCol="0" anchor="ctr"/>
           <a:lstStyle>
             <a:lvl1pPr algn="l">
-              <a:defRPr sz="1200">
+              <a:defRPr sz="1680">
                 <a:solidFill>
                   <a:schemeClr val="tx1">
                     <a:tint val="75000"/>
@@ -3037,8 +3037,8 @@
         </p:nvSpPr>
         <p:spPr>
           <a:xfrm>
-            <a:off x="3281363" y="6356352"/>
-            <a:ext cx="3343275" cy="365125"/>
+            <a:off x="4240530" y="8898892"/>
+            <a:ext cx="4320540" cy="511175"/>
           </a:xfrm>
           <a:prstGeom prst="rect">
             <a:avLst/>
@@ -3048,7 +3048,7 @@
           <a:bodyPr vert="horz" lIns="91440" tIns="45720" rIns="91440" bIns="45720" rtlCol="0" anchor="ctr"/>
           <a:lstStyle>
             <a:lvl1pPr algn="ctr">
-              <a:defRPr sz="1200">
+              <a:defRPr sz="1680">
                 <a:solidFill>
                   <a:schemeClr val="tx1">
                     <a:tint val="75000"/>
@@ -3074,8 +3074,8 @@
         </p:nvSpPr>
         <p:spPr>
           <a:xfrm>
-            <a:off x="6996113" y="6356352"/>
-            <a:ext cx="2228850" cy="365125"/>
+            <a:off x="9041130" y="8898892"/>
+            <a:ext cx="2880360" cy="511175"/>
           </a:xfrm>
           <a:prstGeom prst="rect">
             <a:avLst/>
@@ -3085,7 +3085,7 @@
           <a:bodyPr vert="horz" lIns="91440" tIns="45720" rIns="91440" bIns="45720" rtlCol="0" anchor="ctr"/>
           <a:lstStyle>
             <a:lvl1pPr algn="r">
-              <a:defRPr sz="1200">
+              <a:defRPr sz="1680">
                 <a:solidFill>
                   <a:schemeClr val="tx1">
                     <a:tint val="75000"/>
@@ -3106,27 +3106,27 @@
     </p:spTree>
     <p:extLst>
       <p:ext uri="{BB962C8B-B14F-4D97-AF65-F5344CB8AC3E}">
-        <p14:creationId xmlns:p14="http://schemas.microsoft.com/office/powerpoint/2010/main" val="2739558164"/>
+        <p14:creationId xmlns:p14="http://schemas.microsoft.com/office/powerpoint/2010/main" val="2979645059"/>
       </p:ext>
     </p:extLst>
   </p:cSld>
   <p:clrMap bg1="lt1" tx1="dk1" bg2="lt2" tx2="dk2" accent1="accent1" accent2="accent2" accent3="accent3" accent4="accent4" accent5="accent5" accent6="accent6" hlink="hlink" folHlink="folHlink"/>
   <p:sldLayoutIdLst>
-    <p:sldLayoutId id="2147483721" r:id="rId1"/>
-    <p:sldLayoutId id="2147483722" r:id="rId2"/>
-    <p:sldLayoutId id="2147483723" r:id="rId3"/>
-    <p:sldLayoutId id="2147483724" r:id="rId4"/>
-    <p:sldLayoutId id="2147483725" r:id="rId5"/>
-    <p:sldLayoutId id="2147483726" r:id="rId6"/>
-    <p:sldLayoutId id="2147483727" r:id="rId7"/>
-    <p:sldLayoutId id="2147483728" r:id="rId8"/>
-    <p:sldLayoutId id="2147483729" r:id="rId9"/>
-    <p:sldLayoutId id="2147483730" r:id="rId10"/>
-    <p:sldLayoutId id="2147483731" r:id="rId11"/>
+    <p:sldLayoutId id="2147483733" r:id="rId1"/>
+    <p:sldLayoutId id="2147483734" r:id="rId2"/>
+    <p:sldLayoutId id="2147483735" r:id="rId3"/>
+    <p:sldLayoutId id="2147483736" r:id="rId4"/>
+    <p:sldLayoutId id="2147483737" r:id="rId5"/>
+    <p:sldLayoutId id="2147483738" r:id="rId6"/>
+    <p:sldLayoutId id="2147483739" r:id="rId7"/>
+    <p:sldLayoutId id="2147483740" r:id="rId8"/>
+    <p:sldLayoutId id="2147483741" r:id="rId9"/>
+    <p:sldLayoutId id="2147483742" r:id="rId10"/>
+    <p:sldLayoutId id="2147483743" r:id="rId11"/>
   </p:sldLayoutIdLst>
   <p:txStyles>
     <p:titleStyle>
-      <a:lvl1pPr algn="l" defTabSz="914400" rtl="0" eaLnBrk="1" latinLnBrk="0" hangingPunct="1">
+      <a:lvl1pPr algn="l" defTabSz="1280160" rtl="0" eaLnBrk="1" latinLnBrk="0" hangingPunct="1">
         <a:lnSpc>
           <a:spcPct val="90000"/>
         </a:lnSpc>
@@ -3134,7 +3134,7 @@
           <a:spcPct val="0"/>
         </a:spcBef>
         <a:buNone/>
-        <a:defRPr sz="4400" kern="1200">
+        <a:defRPr sz="6160" kern="1200">
           <a:solidFill>
             <a:schemeClr val="tx1"/>
           </a:solidFill>
@@ -3145,12 +3145,48 @@
       </a:lvl1pPr>
     </p:titleStyle>
     <p:bodyStyle>
-      <a:lvl1pPr marL="228600" indent="-228600" algn="l" defTabSz="914400" rtl="0" eaLnBrk="1" latinLnBrk="0" hangingPunct="1">
+      <a:lvl1pPr marL="320040" indent="-320040" algn="l" defTabSz="1280160" rtl="0" eaLnBrk="1" latinLnBrk="0" hangingPunct="1">
         <a:lnSpc>
           <a:spcPct val="90000"/>
         </a:lnSpc>
         <a:spcBef>
-          <a:spcPts val="1000"/>
+          <a:spcPts val="1400"/>
+        </a:spcBef>
+        <a:buFont typeface="Arial" panose="020B0604020202020204" pitchFamily="34" charset="0"/>
+        <a:buChar char="•"/>
+        <a:defRPr sz="3920" kern="1200">
+          <a:solidFill>
+            <a:schemeClr val="tx1"/>
+          </a:solidFill>
+          <a:latin typeface="+mn-lt"/>
+          <a:ea typeface="+mn-ea"/>
+          <a:cs typeface="+mn-cs"/>
+        </a:defRPr>
+      </a:lvl1pPr>
+      <a:lvl2pPr marL="960120" indent="-320040" algn="l" defTabSz="1280160" rtl="0" eaLnBrk="1" latinLnBrk="0" hangingPunct="1">
+        <a:lnSpc>
+          <a:spcPct val="90000"/>
+        </a:lnSpc>
+        <a:spcBef>
+          <a:spcPts val="700"/>
+        </a:spcBef>
+        <a:buFont typeface="Arial" panose="020B0604020202020204" pitchFamily="34" charset="0"/>
+        <a:buChar char="•"/>
+        <a:defRPr sz="3360" kern="1200">
+          <a:solidFill>
+            <a:schemeClr val="tx1"/>
+          </a:solidFill>
+          <a:latin typeface="+mn-lt"/>
+          <a:ea typeface="+mn-ea"/>
+          <a:cs typeface="+mn-cs"/>
+        </a:defRPr>
+      </a:lvl2pPr>
+      <a:lvl3pPr marL="1600200" indent="-320040" algn="l" defTabSz="1280160" rtl="0" eaLnBrk="1" latinLnBrk="0" hangingPunct="1">
+        <a:lnSpc>
+          <a:spcPct val="90000"/>
+        </a:lnSpc>
+        <a:spcBef>
+          <a:spcPts val="700"/>
         </a:spcBef>
         <a:buFont typeface="Arial" panose="020B0604020202020204" pitchFamily="34" charset="0"/>
         <a:buChar char="•"/>
@@ -3162,53 +3198,17 @@
           <a:ea typeface="+mn-ea"/>
           <a:cs typeface="+mn-cs"/>
         </a:defRPr>
-      </a:lvl1pPr>
-      <a:lvl2pPr marL="685800" indent="-228600" algn="l" defTabSz="914400" rtl="0" eaLnBrk="1" latinLnBrk="0" hangingPunct="1">
+      </a:lvl3pPr>
+      <a:lvl4pPr marL="2240280" indent="-320040" algn="l" defTabSz="1280160" rtl="0" eaLnBrk="1" latinLnBrk="0" hangingPunct="1">
         <a:lnSpc>
           <a:spcPct val="90000"/>
         </a:lnSpc>
         <a:spcBef>
-          <a:spcPts val="500"/>
+          <a:spcPts val="700"/>
         </a:spcBef>
         <a:buFont typeface="Arial" panose="020B0604020202020204" pitchFamily="34" charset="0"/>
         <a:buChar char="•"/>
-        <a:defRPr sz="2400" kern="1200">
-          <a:solidFill>
-            <a:schemeClr val="tx1"/>
-          </a:solidFill>
-          <a:latin typeface="+mn-lt"/>
-          <a:ea typeface="+mn-ea"/>
-          <a:cs typeface="+mn-cs"/>
-        </a:defRPr>
-      </a:lvl2pPr>
-      <a:lvl3pPr marL="1143000" indent="-228600" algn="l" defTabSz="914400" rtl="0" eaLnBrk="1" latinLnBrk="0" hangingPunct="1">
-        <a:lnSpc>
-          <a:spcPct val="90000"/>
-        </a:lnSpc>
-        <a:spcBef>
-          <a:spcPts val="500"/>
-        </a:spcBef>
-        <a:buFont typeface="Arial" panose="020B0604020202020204" pitchFamily="34" charset="0"/>
-        <a:buChar char="•"/>
-        <a:defRPr sz="2000" kern="1200">
-          <a:solidFill>
-            <a:schemeClr val="tx1"/>
-          </a:solidFill>
-          <a:latin typeface="+mn-lt"/>
-          <a:ea typeface="+mn-ea"/>
-          <a:cs typeface="+mn-cs"/>
-        </a:defRPr>
-      </a:lvl3pPr>
-      <a:lvl4pPr marL="1600200" indent="-228600" algn="l" defTabSz="914400" rtl="0" eaLnBrk="1" latinLnBrk="0" hangingPunct="1">
-        <a:lnSpc>
-          <a:spcPct val="90000"/>
-        </a:lnSpc>
-        <a:spcBef>
-          <a:spcPts val="500"/>
-        </a:spcBef>
-        <a:buFont typeface="Arial" panose="020B0604020202020204" pitchFamily="34" charset="0"/>
-        <a:buChar char="•"/>
-        <a:defRPr sz="1800" kern="1200">
+        <a:defRPr sz="2520" kern="1200">
           <a:solidFill>
             <a:schemeClr val="tx1"/>
           </a:solidFill>
@@ -3217,16 +3217,16 @@
           <a:cs typeface="+mn-cs"/>
         </a:defRPr>
       </a:lvl4pPr>
-      <a:lvl5pPr marL="2057400" indent="-228600" algn="l" defTabSz="914400" rtl="0" eaLnBrk="1" latinLnBrk="0" hangingPunct="1">
+      <a:lvl5pPr marL="2880360" indent="-320040" algn="l" defTabSz="1280160" rtl="0" eaLnBrk="1" latinLnBrk="0" hangingPunct="1">
         <a:lnSpc>
           <a:spcPct val="90000"/>
         </a:lnSpc>
         <a:spcBef>
-          <a:spcPts val="500"/>
+          <a:spcPts val="700"/>
         </a:spcBef>
         <a:buFont typeface="Arial" panose="020B0604020202020204" pitchFamily="34" charset="0"/>
         <a:buChar char="•"/>
-        <a:defRPr sz="1800" kern="1200">
+        <a:defRPr sz="2520" kern="1200">
           <a:solidFill>
             <a:schemeClr val="tx1"/>
           </a:solidFill>
@@ -3235,16 +3235,16 @@
           <a:cs typeface="+mn-cs"/>
         </a:defRPr>
       </a:lvl5pPr>
-      <a:lvl6pPr marL="2514600" indent="-228600" algn="l" defTabSz="914400" rtl="0" eaLnBrk="1" latinLnBrk="0" hangingPunct="1">
+      <a:lvl6pPr marL="3520440" indent="-320040" algn="l" defTabSz="1280160" rtl="0" eaLnBrk="1" latinLnBrk="0" hangingPunct="1">
         <a:lnSpc>
           <a:spcPct val="90000"/>
         </a:lnSpc>
         <a:spcBef>
-          <a:spcPts val="500"/>
+          <a:spcPts val="700"/>
         </a:spcBef>
         <a:buFont typeface="Arial" panose="020B0604020202020204" pitchFamily="34" charset="0"/>
         <a:buChar char="•"/>
-        <a:defRPr sz="1800" kern="1200">
+        <a:defRPr sz="2520" kern="1200">
           <a:solidFill>
             <a:schemeClr val="tx1"/>
           </a:solidFill>
@@ -3253,16 +3253,16 @@
           <a:cs typeface="+mn-cs"/>
         </a:defRPr>
       </a:lvl6pPr>
-      <a:lvl7pPr marL="2971800" indent="-228600" algn="l" defTabSz="914400" rtl="0" eaLnBrk="1" latinLnBrk="0" hangingPunct="1">
+      <a:lvl7pPr marL="4160520" indent="-320040" algn="l" defTabSz="1280160" rtl="0" eaLnBrk="1" latinLnBrk="0" hangingPunct="1">
         <a:lnSpc>
           <a:spcPct val="90000"/>
         </a:lnSpc>
         <a:spcBef>
-          <a:spcPts val="500"/>
+          <a:spcPts val="700"/>
         </a:spcBef>
         <a:buFont typeface="Arial" panose="020B0604020202020204" pitchFamily="34" charset="0"/>
         <a:buChar char="•"/>
-        <a:defRPr sz="1800" kern="1200">
+        <a:defRPr sz="2520" kern="1200">
           <a:solidFill>
             <a:schemeClr val="tx1"/>
           </a:solidFill>
@@ -3271,16 +3271,16 @@
           <a:cs typeface="+mn-cs"/>
         </a:defRPr>
       </a:lvl7pPr>
-      <a:lvl8pPr marL="3429000" indent="-228600" algn="l" defTabSz="914400" rtl="0" eaLnBrk="1" latinLnBrk="0" hangingPunct="1">
+      <a:lvl8pPr marL="4800600" indent="-320040" algn="l" defTabSz="1280160" rtl="0" eaLnBrk="1" latinLnBrk="0" hangingPunct="1">
         <a:lnSpc>
           <a:spcPct val="90000"/>
         </a:lnSpc>
         <a:spcBef>
-          <a:spcPts val="500"/>
+          <a:spcPts val="700"/>
         </a:spcBef>
         <a:buFont typeface="Arial" panose="020B0604020202020204" pitchFamily="34" charset="0"/>
         <a:buChar char="•"/>
-        <a:defRPr sz="1800" kern="1200">
+        <a:defRPr sz="2520" kern="1200">
           <a:solidFill>
             <a:schemeClr val="tx1"/>
           </a:solidFill>
@@ -3289,16 +3289,16 @@
           <a:cs typeface="+mn-cs"/>
         </a:defRPr>
       </a:lvl8pPr>
-      <a:lvl9pPr marL="3886200" indent="-228600" algn="l" defTabSz="914400" rtl="0" eaLnBrk="1" latinLnBrk="0" hangingPunct="1">
+      <a:lvl9pPr marL="5440680" indent="-320040" algn="l" defTabSz="1280160" rtl="0" eaLnBrk="1" latinLnBrk="0" hangingPunct="1">
         <a:lnSpc>
           <a:spcPct val="90000"/>
         </a:lnSpc>
         <a:spcBef>
-          <a:spcPts val="500"/>
+          <a:spcPts val="700"/>
         </a:spcBef>
         <a:buFont typeface="Arial" panose="020B0604020202020204" pitchFamily="34" charset="0"/>
         <a:buChar char="•"/>
-        <a:defRPr sz="1800" kern="1200">
+        <a:defRPr sz="2520" kern="1200">
           <a:solidFill>
             <a:schemeClr val="tx1"/>
           </a:solidFill>
@@ -3312,8 +3312,8 @@
       <a:defPPr>
         <a:defRPr lang="en-US"/>
       </a:defPPr>
-      <a:lvl1pPr marL="0" algn="l" defTabSz="914400" rtl="0" eaLnBrk="1" latinLnBrk="0" hangingPunct="1">
-        <a:defRPr sz="1800" kern="1200">
+      <a:lvl1pPr marL="0" algn="l" defTabSz="1280160" rtl="0" eaLnBrk="1" latinLnBrk="0" hangingPunct="1">
+        <a:defRPr sz="2520" kern="1200">
           <a:solidFill>
             <a:schemeClr val="tx1"/>
           </a:solidFill>
@@ -3322,8 +3322,8 @@
           <a:cs typeface="+mn-cs"/>
         </a:defRPr>
       </a:lvl1pPr>
-      <a:lvl2pPr marL="457200" algn="l" defTabSz="914400" rtl="0" eaLnBrk="1" latinLnBrk="0" hangingPunct="1">
-        <a:defRPr sz="1800" kern="1200">
+      <a:lvl2pPr marL="640080" algn="l" defTabSz="1280160" rtl="0" eaLnBrk="1" latinLnBrk="0" hangingPunct="1">
+        <a:defRPr sz="2520" kern="1200">
           <a:solidFill>
             <a:schemeClr val="tx1"/>
           </a:solidFill>
@@ -3332,8 +3332,8 @@
           <a:cs typeface="+mn-cs"/>
         </a:defRPr>
       </a:lvl2pPr>
-      <a:lvl3pPr marL="914400" algn="l" defTabSz="914400" rtl="0" eaLnBrk="1" latinLnBrk="0" hangingPunct="1">
-        <a:defRPr sz="1800" kern="1200">
+      <a:lvl3pPr marL="1280160" algn="l" defTabSz="1280160" rtl="0" eaLnBrk="1" latinLnBrk="0" hangingPunct="1">
+        <a:defRPr sz="2520" kern="1200">
           <a:solidFill>
             <a:schemeClr val="tx1"/>
           </a:solidFill>
@@ -3342,8 +3342,8 @@
           <a:cs typeface="+mn-cs"/>
         </a:defRPr>
       </a:lvl3pPr>
-      <a:lvl4pPr marL="1371600" algn="l" defTabSz="914400" rtl="0" eaLnBrk="1" latinLnBrk="0" hangingPunct="1">
-        <a:defRPr sz="1800" kern="1200">
+      <a:lvl4pPr marL="1920240" algn="l" defTabSz="1280160" rtl="0" eaLnBrk="1" latinLnBrk="0" hangingPunct="1">
+        <a:defRPr sz="2520" kern="1200">
           <a:solidFill>
             <a:schemeClr val="tx1"/>
           </a:solidFill>
@@ -3352,8 +3352,8 @@
           <a:cs typeface="+mn-cs"/>
         </a:defRPr>
       </a:lvl4pPr>
-      <a:lvl5pPr marL="1828800" algn="l" defTabSz="914400" rtl="0" eaLnBrk="1" latinLnBrk="0" hangingPunct="1">
-        <a:defRPr sz="1800" kern="1200">
+      <a:lvl5pPr marL="2560320" algn="l" defTabSz="1280160" rtl="0" eaLnBrk="1" latinLnBrk="0" hangingPunct="1">
+        <a:defRPr sz="2520" kern="1200">
           <a:solidFill>
             <a:schemeClr val="tx1"/>
           </a:solidFill>
@@ -3362,8 +3362,8 @@
           <a:cs typeface="+mn-cs"/>
         </a:defRPr>
       </a:lvl5pPr>
-      <a:lvl6pPr marL="2286000" algn="l" defTabSz="914400" rtl="0" eaLnBrk="1" latinLnBrk="0" hangingPunct="1">
-        <a:defRPr sz="1800" kern="1200">
+      <a:lvl6pPr marL="3200400" algn="l" defTabSz="1280160" rtl="0" eaLnBrk="1" latinLnBrk="0" hangingPunct="1">
+        <a:defRPr sz="2520" kern="1200">
           <a:solidFill>
             <a:schemeClr val="tx1"/>
           </a:solidFill>
@@ -3372,8 +3372,8 @@
           <a:cs typeface="+mn-cs"/>
         </a:defRPr>
       </a:lvl6pPr>
-      <a:lvl7pPr marL="2743200" algn="l" defTabSz="914400" rtl="0" eaLnBrk="1" latinLnBrk="0" hangingPunct="1">
-        <a:defRPr sz="1800" kern="1200">
+      <a:lvl7pPr marL="3840480" algn="l" defTabSz="1280160" rtl="0" eaLnBrk="1" latinLnBrk="0" hangingPunct="1">
+        <a:defRPr sz="2520" kern="1200">
           <a:solidFill>
             <a:schemeClr val="tx1"/>
           </a:solidFill>
@@ -3382,8 +3382,8 @@
           <a:cs typeface="+mn-cs"/>
         </a:defRPr>
       </a:lvl7pPr>
-      <a:lvl8pPr marL="3200400" algn="l" defTabSz="914400" rtl="0" eaLnBrk="1" latinLnBrk="0" hangingPunct="1">
-        <a:defRPr sz="1800" kern="1200">
+      <a:lvl8pPr marL="4480560" algn="l" defTabSz="1280160" rtl="0" eaLnBrk="1" latinLnBrk="0" hangingPunct="1">
+        <a:defRPr sz="2520" kern="1200">
           <a:solidFill>
             <a:schemeClr val="tx1"/>
           </a:solidFill>
@@ -3392,8 +3392,8 @@
           <a:cs typeface="+mn-cs"/>
         </a:defRPr>
       </a:lvl8pPr>
-      <a:lvl9pPr marL="3657600" algn="l" defTabSz="914400" rtl="0" eaLnBrk="1" latinLnBrk="0" hangingPunct="1">
-        <a:defRPr sz="1800" kern="1200">
+      <a:lvl9pPr marL="5120640" algn="l" defTabSz="1280160" rtl="0" eaLnBrk="1" latinLnBrk="0" hangingPunct="1">
+        <a:defRPr sz="2520" kern="1200">
           <a:solidFill>
             <a:schemeClr val="tx1"/>
           </a:solidFill>
@@ -3438,8 +3438,8 @@
         </p:nvSpPr>
         <p:spPr>
           <a:xfrm>
-            <a:off x="207825" y="214012"/>
-            <a:ext cx="2651915" cy="584775"/>
+            <a:off x="268575" y="645846"/>
+            <a:ext cx="3427090" cy="728789"/>
           </a:xfrm>
           <a:prstGeom prst="rect">
             <a:avLst/>
@@ -3453,7 +3453,7 @@
           <a:lstStyle/>
           <a:p>
             <a:r>
-              <a:rPr lang="en-US" sz="1600" b="1" dirty="0">
+              <a:rPr lang="en-US" sz="2068" b="1" dirty="0">
                 <a:latin typeface="Helvetica Neue Condensed" panose="02000503000000020004" pitchFamily="2" charset="0"/>
                 <a:ea typeface="Helvetica Neue Condensed" panose="02000503000000020004" pitchFamily="2" charset="0"/>
                 <a:cs typeface="Helvetica Neue Condensed" panose="02000503000000020004" pitchFamily="2" charset="0"/>
@@ -3463,7 +3463,7 @@
           </a:p>
           <a:p>
             <a:r>
-              <a:rPr lang="en-US" sz="1600" b="1" dirty="0">
+              <a:rPr lang="en-US" sz="2068" b="1" dirty="0">
                 <a:latin typeface="Helvetica Neue Condensed" panose="02000503000000020004" pitchFamily="2" charset="0"/>
                 <a:ea typeface="Helvetica Neue Condensed" panose="02000503000000020004" pitchFamily="2" charset="0"/>
                 <a:cs typeface="Helvetica Neue Condensed" panose="02000503000000020004" pitchFamily="2" charset="0"/>
@@ -3487,10 +3487,10 @@
         </p:nvGrpSpPr>
         <p:grpSpPr>
           <a:xfrm>
-            <a:off x="3395104" y="978078"/>
-            <a:ext cx="3614817" cy="1584953"/>
+            <a:off x="4387520" y="1633255"/>
+            <a:ext cx="4671456" cy="2021276"/>
             <a:chOff x="3409747" y="308902"/>
-            <a:chExt cx="1477809" cy="1584953"/>
+            <a:chExt cx="1477809" cy="1564083"/>
           </a:xfrm>
         </p:grpSpPr>
         <p:grpSp>
@@ -3508,9 +3508,9 @@
           <p:grpSpPr>
             <a:xfrm>
               <a:off x="3409747" y="308902"/>
-              <a:ext cx="1473862" cy="939073"/>
+              <a:ext cx="1473862" cy="918196"/>
               <a:chOff x="3409747" y="261714"/>
-              <a:chExt cx="1473862" cy="939073"/>
+              <a:chExt cx="1473862" cy="918196"/>
             </a:xfrm>
           </p:grpSpPr>
           <p:sp>
@@ -3528,7 +3528,7 @@
             <p:spPr>
               <a:xfrm>
                 <a:off x="3409747" y="261714"/>
-                <a:ext cx="1473862" cy="276999"/>
+                <a:ext cx="1473862" cy="256122"/>
               </a:xfrm>
               <a:prstGeom prst="rect">
                 <a:avLst/>
@@ -3542,7 +3542,7 @@
               <a:lstStyle/>
               <a:p>
                 <a:r>
-                  <a:rPr lang="en-US" sz="1200" dirty="0">
+                  <a:rPr lang="en-US" sz="1551" dirty="0">
                     <a:latin typeface="HelveticaNeueLT Std Cn" panose="020B0506030502030204" pitchFamily="34" charset="77"/>
                     <a:ea typeface="Helvetica Neue" panose="02000503000000020004" pitchFamily="2" charset="0"/>
                     <a:cs typeface="Helvetica Neue" panose="02000503000000020004" pitchFamily="2" charset="0"/>
@@ -3567,7 +3567,7 @@
             <p:spPr>
               <a:xfrm>
                 <a:off x="3409749" y="584118"/>
-                <a:ext cx="1473860" cy="276999"/>
+                <a:ext cx="1473860" cy="256122"/>
               </a:xfrm>
               <a:prstGeom prst="rect">
                 <a:avLst/>
@@ -3581,7 +3581,7 @@
               <a:lstStyle/>
               <a:p>
                 <a:r>
-                  <a:rPr lang="en-US" sz="1200" dirty="0">
+                  <a:rPr lang="en-US" sz="1551" dirty="0">
                     <a:latin typeface="HelveticaNeueLT Std Cn" panose="020B0506030502030204" pitchFamily="34" charset="77"/>
                     <a:ea typeface="Helvetica Neue" panose="02000503000000020004" pitchFamily="2" charset="0"/>
                     <a:cs typeface="Helvetica Neue" panose="02000503000000020004" pitchFamily="2" charset="0"/>
@@ -3606,7 +3606,7 @@
             <p:spPr>
               <a:xfrm>
                 <a:off x="3409747" y="923788"/>
-                <a:ext cx="1473862" cy="276999"/>
+                <a:ext cx="1473862" cy="256122"/>
               </a:xfrm>
               <a:prstGeom prst="rect">
                 <a:avLst/>
@@ -3620,7 +3620,7 @@
               <a:lstStyle/>
               <a:p>
                 <a:r>
-                  <a:rPr lang="en-US" sz="1200" dirty="0">
+                  <a:rPr lang="en-US" sz="1551" dirty="0">
                     <a:latin typeface="HelveticaNeueLT Std Cn" panose="020B0506030502030204" pitchFamily="34" charset="77"/>
                     <a:ea typeface="Helvetica Neue" panose="02000503000000020004" pitchFamily="2" charset="0"/>
                     <a:cs typeface="Helvetica Neue" panose="02000503000000020004" pitchFamily="2" charset="0"/>
@@ -3646,7 +3646,7 @@
           <p:spPr>
             <a:xfrm>
               <a:off x="3413696" y="1432190"/>
-              <a:ext cx="1473860" cy="461665"/>
+              <a:ext cx="1473860" cy="440795"/>
             </a:xfrm>
             <a:prstGeom prst="rect">
               <a:avLst/>
@@ -3660,13 +3660,13 @@
             <a:lstStyle/>
             <a:p>
               <a:r>
-                <a:rPr lang="en-US" sz="1200" dirty="0">
+                <a:rPr lang="en-US" sz="1551" dirty="0">
                   <a:latin typeface="HelveticaNeueLT Std Cn" panose="020B0506030502030204" pitchFamily="34" charset="77"/>
                 </a:rPr>
                 <a:t>16 instances for A, B, C were generated by averaging three of each performance feature of </a:t>
               </a:r>
               <a:r>
-                <a:rPr lang="en-US" sz="1200" b="1" dirty="0">
+                <a:rPr lang="en-US" sz="1551" b="1" dirty="0">
                   <a:latin typeface="Helvetica Neue Condensed" panose="02000503000000020004" pitchFamily="2" charset="0"/>
                   <a:ea typeface="Helvetica Neue Condensed" panose="02000503000000020004" pitchFamily="2" charset="0"/>
                   <a:cs typeface="Helvetica Neue Condensed" panose="02000503000000020004" pitchFamily="2" charset="0"/>
@@ -3691,10 +3691,10 @@
         </p:nvGrpSpPr>
         <p:grpSpPr>
           <a:xfrm>
-            <a:off x="3404506" y="3182296"/>
-            <a:ext cx="3595760" cy="1085726"/>
+            <a:off x="4399669" y="4481783"/>
+            <a:ext cx="4646828" cy="1376132"/>
             <a:chOff x="3404506" y="3092646"/>
-            <a:chExt cx="1839847" cy="1085726"/>
+            <a:chExt cx="1839847" cy="1064864"/>
           </a:xfrm>
         </p:grpSpPr>
         <p:sp>
@@ -3712,7 +3712,7 @@
           <p:spPr>
             <a:xfrm>
               <a:off x="3408737" y="3092646"/>
-              <a:ext cx="1473860" cy="276999"/>
+              <a:ext cx="1473860" cy="256122"/>
             </a:xfrm>
             <a:prstGeom prst="rect">
               <a:avLst/>
@@ -3726,7 +3726,7 @@
             <a:lstStyle/>
             <a:p>
               <a:r>
-                <a:rPr lang="en-US" sz="1200" dirty="0">
+                <a:rPr lang="en-US" sz="1551" dirty="0">
                   <a:latin typeface="HelveticaNeueLT Std Cn" panose="020B0506030502030204" pitchFamily="34" charset="77"/>
                   <a:ea typeface="Helvetica Neue" panose="02000503000000020004" pitchFamily="2" charset="0"/>
                   <a:cs typeface="Helvetica Neue" panose="02000503000000020004" pitchFamily="2" charset="0"/>
@@ -3751,7 +3751,7 @@
           <p:spPr>
             <a:xfrm>
               <a:off x="3404506" y="3532041"/>
-              <a:ext cx="1839847" cy="646331"/>
+              <a:ext cx="1839847" cy="625469"/>
             </a:xfrm>
             <a:prstGeom prst="rect">
               <a:avLst/>
@@ -3765,7 +3765,7 @@
             <a:lstStyle/>
             <a:p>
               <a:r>
-                <a:rPr lang="en-US" sz="1200" dirty="0">
+                <a:rPr lang="en-US" sz="1551" dirty="0">
                   <a:latin typeface="HelveticaNeueLT Std Cn" panose="020B0506030502030204" pitchFamily="34" charset="77"/>
                 </a:rPr>
                 <a:t>16 instances for D were generated by averaging three of</a:t>
@@ -3773,13 +3773,13 @@
             </a:p>
             <a:p>
               <a:r>
-                <a:rPr lang="en-US" sz="1200" dirty="0">
+                <a:rPr lang="en-US" sz="1551" dirty="0">
                   <a:latin typeface="HelveticaNeueLT Std Cn" panose="020B0506030502030204" pitchFamily="34" charset="77"/>
                 </a:rPr>
                 <a:t>the articulation performance feature of </a:t>
               </a:r>
               <a:r>
-                <a:rPr lang="en-US" sz="1200" b="1" dirty="0">
+                <a:rPr lang="en-US" sz="1551" b="1" dirty="0">
                   <a:latin typeface="Helvetica Neue Condensed" panose="02000503000000020004" pitchFamily="2" charset="0"/>
                   <a:ea typeface="Helvetica Neue Condensed" panose="02000503000000020004" pitchFamily="2" charset="0"/>
                   <a:cs typeface="Helvetica Neue Condensed" panose="02000503000000020004" pitchFamily="2" charset="0"/>
@@ -3804,10 +3804,10 @@
         </p:nvGrpSpPr>
         <p:grpSpPr>
           <a:xfrm>
-            <a:off x="3404506" y="4981123"/>
-            <a:ext cx="3602113" cy="1125928"/>
+            <a:off x="4399670" y="6806421"/>
+            <a:ext cx="4655038" cy="1428085"/>
             <a:chOff x="3399987" y="5952166"/>
-            <a:chExt cx="1709895" cy="1125928"/>
+            <a:chExt cx="1709895" cy="1105066"/>
           </a:xfrm>
         </p:grpSpPr>
         <p:sp>
@@ -3825,7 +3825,7 @@
           <p:spPr>
             <a:xfrm>
               <a:off x="3400236" y="5952166"/>
-              <a:ext cx="1473860" cy="276999"/>
+              <a:ext cx="1473860" cy="256122"/>
             </a:xfrm>
             <a:prstGeom prst="rect">
               <a:avLst/>
@@ -3839,7 +3839,7 @@
             <a:lstStyle/>
             <a:p>
               <a:r>
-                <a:rPr lang="en-US" sz="1200" dirty="0">
+                <a:rPr lang="en-US" sz="1551" dirty="0">
                   <a:latin typeface="HelveticaNeueLT Std Cn" panose="020B0506030502030204" pitchFamily="34" charset="77"/>
                   <a:ea typeface="Helvetica Neue" panose="02000503000000020004" pitchFamily="2" charset="0"/>
                   <a:cs typeface="Helvetica Neue" panose="02000503000000020004" pitchFamily="2" charset="0"/>
@@ -3864,7 +3864,7 @@
           <p:spPr>
             <a:xfrm>
               <a:off x="3399987" y="6431763"/>
-              <a:ext cx="1709895" cy="646331"/>
+              <a:ext cx="1709895" cy="625469"/>
             </a:xfrm>
             <a:prstGeom prst="rect">
               <a:avLst/>
@@ -3878,7 +3878,7 @@
             <a:lstStyle/>
             <a:p>
               <a:r>
-                <a:rPr lang="en-US" sz="1200" dirty="0">
+                <a:rPr lang="en-US" sz="1551" dirty="0">
                   <a:latin typeface="HelveticaNeueLT Std Cn" panose="020B0506030502030204" pitchFamily="34" charset="77"/>
                 </a:rPr>
                 <a:t>16 instances for E were generated by averaging three of</a:t>
@@ -3886,13 +3886,13 @@
             </a:p>
             <a:p>
               <a:r>
-                <a:rPr lang="en-US" sz="1200" dirty="0">
+                <a:rPr lang="en-US" sz="1551" dirty="0">
                   <a:latin typeface="HelveticaNeueLT Std Cn" panose="020B0506030502030204" pitchFamily="34" charset="77"/>
                 </a:rPr>
                 <a:t>the dynamics performance feature of </a:t>
               </a:r>
               <a:r>
-                <a:rPr lang="en-US" sz="1200" b="1" dirty="0">
+                <a:rPr lang="en-US" sz="1551" b="1" dirty="0">
                   <a:latin typeface="Helvetica Neue Condensed" panose="02000503000000020004" pitchFamily="2" charset="0"/>
                   <a:ea typeface="Helvetica Neue Condensed" panose="02000503000000020004" pitchFamily="2" charset="0"/>
                   <a:cs typeface="Helvetica Neue Condensed" panose="02000503000000020004" pitchFamily="2" charset="0"/>
@@ -3917,8 +3917,8 @@
         </p:nvGrpSpPr>
         <p:grpSpPr>
           <a:xfrm>
-            <a:off x="2602552" y="1076362"/>
-            <a:ext cx="648638" cy="730506"/>
+            <a:off x="3363298" y="1760268"/>
+            <a:ext cx="838240" cy="944039"/>
             <a:chOff x="2537929" y="1058415"/>
             <a:chExt cx="648638" cy="730506"/>
           </a:xfrm>
@@ -4078,8 +4078,8 @@
         </p:nvCxnSpPr>
         <p:spPr>
           <a:xfrm>
-            <a:off x="2611517" y="5129831"/>
-            <a:ext cx="639673" cy="0"/>
+            <a:off x="3374884" y="6998597"/>
+            <a:ext cx="826654" cy="0"/>
           </a:xfrm>
           <a:prstGeom prst="straightConnector1">
             <a:avLst/>
@@ -4124,8 +4124,8 @@
         </p:nvCxnSpPr>
         <p:spPr>
           <a:xfrm>
-            <a:off x="2611517" y="3320795"/>
-            <a:ext cx="639673" cy="0"/>
+            <a:off x="3374884" y="4660766"/>
+            <a:ext cx="826654" cy="0"/>
           </a:xfrm>
           <a:prstGeom prst="straightConnector1">
             <a:avLst/>
@@ -4168,10 +4168,10 @@
         </p:nvGrpSpPr>
         <p:grpSpPr>
           <a:xfrm>
-            <a:off x="7153835" y="164112"/>
-            <a:ext cx="2178539" cy="2838886"/>
+            <a:off x="9244957" y="581361"/>
+            <a:ext cx="2815343" cy="3641834"/>
             <a:chOff x="5244353" y="214012"/>
-            <a:chExt cx="2178539" cy="2838886"/>
+            <a:chExt cx="2178539" cy="2818086"/>
           </a:xfrm>
         </p:grpSpPr>
         <p:sp>
@@ -4189,7 +4189,7 @@
           <p:spPr>
             <a:xfrm>
               <a:off x="5244353" y="929240"/>
-              <a:ext cx="2178539" cy="2123658"/>
+              <a:ext cx="2178539" cy="2102858"/>
             </a:xfrm>
             <a:prstGeom prst="rect">
               <a:avLst/>
@@ -4206,7 +4206,7 @@
             <a:lstStyle/>
             <a:p>
               <a:r>
-                <a:rPr lang="en-US" sz="1200" dirty="0">
+                <a:rPr lang="en-US" sz="1551" dirty="0">
                   <a:latin typeface="HelveticaNeueLT Std Cn" panose="020B0506030502030204" pitchFamily="34" charset="77"/>
                   <a:ea typeface="Helvetica Neue" panose="02000503000000020004" pitchFamily="2" charset="0"/>
                   <a:cs typeface="Helvetica Neue" panose="02000503000000020004" pitchFamily="2" charset="0"/>
@@ -4216,7 +4216,7 @@
             </a:p>
             <a:p>
               <a:r>
-                <a:rPr lang="en-US" sz="1200" dirty="0">
+                <a:rPr lang="en-US" sz="1551" dirty="0">
                   <a:latin typeface="HelveticaNeueLT Std Cn" panose="020B0506030502030204" pitchFamily="34" charset="77"/>
                   <a:ea typeface="Helvetica Neue" panose="02000503000000020004" pitchFamily="2" charset="0"/>
                   <a:cs typeface="Helvetica Neue" panose="02000503000000020004" pitchFamily="2" charset="0"/>
@@ -4225,7 +4225,7 @@
               </a:r>
             </a:p>
             <a:p>
-              <a:endParaRPr lang="en-US" sz="1200" dirty="0">
+              <a:endParaRPr lang="en-US" sz="1551" dirty="0">
                 <a:latin typeface="HelveticaNeueLT Std Cn" panose="020B0506030502030204" pitchFamily="34" charset="77"/>
                 <a:ea typeface="Helvetica Neue" panose="02000503000000020004" pitchFamily="2" charset="0"/>
                 <a:cs typeface="Helvetica Neue" panose="02000503000000020004" pitchFamily="2" charset="0"/>
@@ -4233,7 +4233,7 @@
             </a:p>
             <a:p>
               <a:r>
-                <a:rPr lang="en-US" sz="1200" dirty="0">
+                <a:rPr lang="en-US" sz="1551" dirty="0">
                   <a:latin typeface="HelveticaNeueLT Std Cn" panose="020B0506030502030204" pitchFamily="34" charset="77"/>
                   <a:ea typeface="Helvetica Neue" panose="02000503000000020004" pitchFamily="2" charset="0"/>
                   <a:cs typeface="Helvetica Neue" panose="02000503000000020004" pitchFamily="2" charset="0"/>
@@ -4243,7 +4243,7 @@
             </a:p>
             <a:p>
               <a:r>
-                <a:rPr lang="en-US" sz="1200" dirty="0">
+                <a:rPr lang="en-US" sz="1551" dirty="0">
                   <a:latin typeface="HelveticaNeueLT Std Cn" panose="020B0506030502030204" pitchFamily="34" charset="77"/>
                   <a:ea typeface="Helvetica Neue" panose="02000503000000020004" pitchFamily="2" charset="0"/>
                   <a:cs typeface="Helvetica Neue" panose="02000503000000020004" pitchFamily="2" charset="0"/>
@@ -4251,7 +4251,7 @@
                 <a:t> - Combine A, </a:t>
               </a:r>
               <a:r>
-                <a:rPr lang="en-US" sz="1200" dirty="0">
+                <a:rPr lang="en-US" sz="1551" dirty="0">
                   <a:solidFill>
                     <a:srgbClr val="FF0000"/>
                   </a:solidFill>
@@ -4262,7 +4262,7 @@
                 <a:t>D</a:t>
               </a:r>
               <a:r>
-                <a:rPr lang="en-US" sz="1200" dirty="0">
+                <a:rPr lang="en-US" sz="1551" dirty="0">
                   <a:latin typeface="HelveticaNeueLT Std Cn" panose="020B0506030502030204" pitchFamily="34" charset="77"/>
                   <a:ea typeface="Helvetica Neue" panose="02000503000000020004" pitchFamily="2" charset="0"/>
                   <a:cs typeface="Helvetica Neue" panose="02000503000000020004" pitchFamily="2" charset="0"/>
@@ -4271,7 +4271,7 @@
               </a:r>
             </a:p>
             <a:p>
-              <a:endParaRPr lang="en-US" sz="1200" dirty="0">
+              <a:endParaRPr lang="en-US" sz="1551" dirty="0">
                 <a:latin typeface="HelveticaNeueLT Std Cn" panose="020B0506030502030204" pitchFamily="34" charset="77"/>
                 <a:ea typeface="Helvetica Neue" panose="02000503000000020004" pitchFamily="2" charset="0"/>
                 <a:cs typeface="Helvetica Neue" panose="02000503000000020004" pitchFamily="2" charset="0"/>
@@ -4279,7 +4279,7 @@
             </a:p>
             <a:p>
               <a:r>
-                <a:rPr lang="en-US" sz="1200" dirty="0" err="1">
+                <a:rPr lang="en-US" sz="1551" dirty="0" err="1">
                   <a:latin typeface="HelveticaNeueLT Std Cn" panose="020B0506030502030204" pitchFamily="34" charset="77"/>
                   <a:ea typeface="Helvetica Neue" panose="02000503000000020004" pitchFamily="2" charset="0"/>
                   <a:cs typeface="Helvetica Neue" panose="02000503000000020004" pitchFamily="2" charset="0"/>
@@ -4287,7 +4287,7 @@
                 <a:t>Dyn</a:t>
               </a:r>
               <a:r>
-                <a:rPr lang="en-US" sz="1200" dirty="0">
+                <a:rPr lang="en-US" sz="1551" dirty="0">
                   <a:latin typeface="HelveticaNeueLT Std Cn" panose="020B0506030502030204" pitchFamily="34" charset="77"/>
                   <a:ea typeface="Helvetica Neue" panose="02000503000000020004" pitchFamily="2" charset="0"/>
                   <a:cs typeface="Helvetica Neue" panose="02000503000000020004" pitchFamily="2" charset="0"/>
@@ -4297,7 +4297,7 @@
             </a:p>
             <a:p>
               <a:r>
-                <a:rPr lang="en-US" sz="1200" dirty="0">
+                <a:rPr lang="en-US" sz="1551" dirty="0">
                   <a:latin typeface="HelveticaNeueLT Std Cn" panose="020B0506030502030204" pitchFamily="34" charset="77"/>
                   <a:ea typeface="Helvetica Neue" panose="02000503000000020004" pitchFamily="2" charset="0"/>
                   <a:cs typeface="Helvetica Neue" panose="02000503000000020004" pitchFamily="2" charset="0"/>
@@ -4305,7 +4305,7 @@
                 <a:t> - Combine A, B, </a:t>
               </a:r>
               <a:r>
-                <a:rPr lang="en-US" sz="1200" dirty="0">
+                <a:rPr lang="en-US" sz="1551" dirty="0">
                   <a:solidFill>
                     <a:srgbClr val="FF0000"/>
                   </a:solidFill>
@@ -4317,7 +4317,7 @@
               </a:r>
             </a:p>
             <a:p>
-              <a:endParaRPr lang="en-US" sz="1200" dirty="0">
+              <a:endParaRPr lang="en-US" sz="1551" dirty="0">
                 <a:solidFill>
                   <a:srgbClr val="FF0000"/>
                 </a:solidFill>
@@ -4328,7 +4328,7 @@
             </a:p>
             <a:p>
               <a:r>
-                <a:rPr lang="en-US" sz="1200" dirty="0">
+                <a:rPr lang="en-US" sz="1551" dirty="0">
                   <a:latin typeface="HelveticaNeueLT Std Cn" panose="020B0506030502030204" pitchFamily="34" charset="77"/>
                   <a:ea typeface="Helvetica Neue" panose="02000503000000020004" pitchFamily="2" charset="0"/>
                   <a:cs typeface="Helvetica Neue" panose="02000503000000020004" pitchFamily="2" charset="0"/>
@@ -4338,7 +4338,7 @@
             </a:p>
             <a:p>
               <a:r>
-                <a:rPr lang="en-US" sz="1200" dirty="0">
+                <a:rPr lang="en-US" sz="1551" dirty="0">
                   <a:latin typeface="HelveticaNeueLT Std Cn" panose="020B0506030502030204" pitchFamily="34" charset="77"/>
                   <a:ea typeface="Helvetica Neue" panose="02000503000000020004" pitchFamily="2" charset="0"/>
                   <a:cs typeface="Helvetica Neue" panose="02000503000000020004" pitchFamily="2" charset="0"/>
@@ -4346,7 +4346,7 @@
                 <a:t> - Combine A, </a:t>
               </a:r>
               <a:r>
-                <a:rPr lang="en-US" sz="1200" dirty="0">
+                <a:rPr lang="en-US" sz="1551" dirty="0">
                   <a:solidFill>
                     <a:srgbClr val="FF0000"/>
                   </a:solidFill>
@@ -4357,7 +4357,7 @@
                 <a:t>D</a:t>
               </a:r>
               <a:r>
-                <a:rPr lang="en-US" sz="1200" dirty="0">
+                <a:rPr lang="en-US" sz="1551" dirty="0">
                   <a:latin typeface="HelveticaNeueLT Std Cn" panose="020B0506030502030204" pitchFamily="34" charset="77"/>
                   <a:ea typeface="Helvetica Neue" panose="02000503000000020004" pitchFamily="2" charset="0"/>
                   <a:cs typeface="Helvetica Neue" panose="02000503000000020004" pitchFamily="2" charset="0"/>
@@ -4365,7 +4365,7 @@
                 <a:t>, </a:t>
               </a:r>
               <a:r>
-                <a:rPr lang="en-US" sz="1200" dirty="0">
+                <a:rPr lang="en-US" sz="1551" dirty="0">
                   <a:solidFill>
                     <a:srgbClr val="FF0000"/>
                   </a:solidFill>
@@ -4393,7 +4393,7 @@
           <p:spPr>
             <a:xfrm>
               <a:off x="5244353" y="214012"/>
-              <a:ext cx="2168988" cy="584775"/>
+              <a:ext cx="2168988" cy="563944"/>
             </a:xfrm>
             <a:prstGeom prst="rect">
               <a:avLst/>
@@ -4407,7 +4407,7 @@
             <a:lstStyle/>
             <a:p>
               <a:r>
-                <a:rPr lang="en-US" sz="1600" b="1" dirty="0">
+                <a:rPr lang="en-US" sz="2068" b="1" dirty="0">
                   <a:latin typeface="Helvetica Neue Condensed" panose="02000503000000020004" pitchFamily="2" charset="0"/>
                   <a:ea typeface="Helvetica Neue Condensed" panose="02000503000000020004" pitchFamily="2" charset="0"/>
                   <a:cs typeface="Helvetica Neue Condensed" panose="02000503000000020004" pitchFamily="2" charset="0"/>
@@ -4417,7 +4417,7 @@
             </a:p>
             <a:p>
               <a:r>
-                <a:rPr lang="en-US" sz="1600" b="1" dirty="0">
+                <a:rPr lang="en-US" sz="2068" b="1" dirty="0">
                   <a:latin typeface="Helvetica Neue Condensed" panose="02000503000000020004" pitchFamily="2" charset="0"/>
                   <a:ea typeface="Helvetica Neue Condensed" panose="02000503000000020004" pitchFamily="2" charset="0"/>
                   <a:cs typeface="Helvetica Neue Condensed" panose="02000503000000020004" pitchFamily="2" charset="0"/>
@@ -4442,10 +4442,10 @@
         </p:nvGrpSpPr>
         <p:grpSpPr>
           <a:xfrm>
-            <a:off x="7144284" y="3208116"/>
-            <a:ext cx="2178539" cy="3406325"/>
+            <a:off x="9232614" y="4515151"/>
+            <a:ext cx="2815343" cy="4375168"/>
             <a:chOff x="7529187" y="209535"/>
-            <a:chExt cx="2178539" cy="3406325"/>
+            <a:chExt cx="2178539" cy="3385547"/>
           </a:xfrm>
         </p:grpSpPr>
         <p:sp>
@@ -4463,7 +4463,7 @@
           <p:spPr>
             <a:xfrm>
               <a:off x="7529187" y="938204"/>
-              <a:ext cx="2178539" cy="2677656"/>
+              <a:ext cx="2178539" cy="2656878"/>
             </a:xfrm>
             <a:prstGeom prst="rect">
               <a:avLst/>
@@ -4480,7 +4480,7 @@
             <a:lstStyle/>
             <a:p>
               <a:r>
-                <a:rPr lang="en-US" sz="1200" dirty="0">
+                <a:rPr lang="en-US" sz="1551" dirty="0">
                   <a:latin typeface="HelveticaNeueLT Std Cn" panose="020B0506030502030204" pitchFamily="34" charset="77"/>
                   <a:ea typeface="Helvetica Neue" panose="02000503000000020004" pitchFamily="2" charset="0"/>
                   <a:cs typeface="Helvetica Neue" panose="02000503000000020004" pitchFamily="2" charset="0"/>
@@ -4490,7 +4490,7 @@
             </a:p>
             <a:p>
               <a:r>
-                <a:rPr lang="en-US" sz="1200" dirty="0">
+                <a:rPr lang="en-US" sz="1551" dirty="0">
                   <a:latin typeface="HelveticaNeueLT Std Cn" panose="020B0506030502030204" pitchFamily="34" charset="77"/>
                   <a:ea typeface="Helvetica Neue" panose="02000503000000020004" pitchFamily="2" charset="0"/>
                   <a:cs typeface="Helvetica Neue" panose="02000503000000020004" pitchFamily="2" charset="0"/>
@@ -4499,7 +4499,7 @@
               </a:r>
             </a:p>
             <a:p>
-              <a:endParaRPr lang="en-US" sz="1200" dirty="0">
+              <a:endParaRPr lang="en-US" sz="1551" dirty="0">
                 <a:latin typeface="HelveticaNeueLT Std Cn" panose="020B0506030502030204" pitchFamily="34" charset="77"/>
                 <a:ea typeface="Helvetica Neue" panose="02000503000000020004" pitchFamily="2" charset="0"/>
                 <a:cs typeface="Helvetica Neue" panose="02000503000000020004" pitchFamily="2" charset="0"/>
@@ -4507,7 +4507,7 @@
             </a:p>
             <a:p>
               <a:r>
-                <a:rPr lang="en-US" sz="1200" dirty="0">
+                <a:rPr lang="en-US" sz="1551" dirty="0">
                   <a:latin typeface="HelveticaNeueLT Std Cn" panose="020B0506030502030204" pitchFamily="34" charset="77"/>
                   <a:ea typeface="Helvetica Neue" panose="02000503000000020004" pitchFamily="2" charset="0"/>
                   <a:cs typeface="Helvetica Neue" panose="02000503000000020004" pitchFamily="2" charset="0"/>
@@ -4517,7 +4517,7 @@
             </a:p>
             <a:p>
               <a:r>
-                <a:rPr lang="en-US" sz="1200" dirty="0">
+                <a:rPr lang="en-US" sz="1551" dirty="0">
                   <a:latin typeface="HelveticaNeueLT Std Cn" panose="020B0506030502030204" pitchFamily="34" charset="77"/>
                   <a:ea typeface="Helvetica Neue" panose="02000503000000020004" pitchFamily="2" charset="0"/>
                   <a:cs typeface="Helvetica Neue" panose="02000503000000020004" pitchFamily="2" charset="0"/>
@@ -4526,7 +4526,7 @@
               </a:r>
             </a:p>
             <a:p>
-              <a:endParaRPr lang="en-US" sz="1200" dirty="0">
+              <a:endParaRPr lang="en-US" sz="1551" dirty="0">
                 <a:latin typeface="HelveticaNeueLT Std Cn" panose="020B0506030502030204" pitchFamily="34" charset="77"/>
                 <a:ea typeface="Helvetica Neue" panose="02000503000000020004" pitchFamily="2" charset="0"/>
                 <a:cs typeface="Helvetica Neue" panose="02000503000000020004" pitchFamily="2" charset="0"/>
@@ -4534,7 +4534,7 @@
             </a:p>
             <a:p>
               <a:r>
-                <a:rPr lang="en-US" sz="1200" dirty="0" err="1">
+                <a:rPr lang="en-US" sz="1551" dirty="0" err="1">
                   <a:latin typeface="HelveticaNeueLT Std Cn" panose="020B0506030502030204" pitchFamily="34" charset="77"/>
                   <a:ea typeface="Helvetica Neue" panose="02000503000000020004" pitchFamily="2" charset="0"/>
                   <a:cs typeface="Helvetica Neue" panose="02000503000000020004" pitchFamily="2" charset="0"/>
@@ -4542,7 +4542,7 @@
                 <a:t>Dyn</a:t>
               </a:r>
               <a:r>
-                <a:rPr lang="en-US" sz="1200" dirty="0">
+                <a:rPr lang="en-US" sz="1551" dirty="0">
                   <a:latin typeface="HelveticaNeueLT Std Cn" panose="020B0506030502030204" pitchFamily="34" charset="77"/>
                   <a:ea typeface="Helvetica Neue" panose="02000503000000020004" pitchFamily="2" charset="0"/>
                   <a:cs typeface="Helvetica Neue" panose="02000503000000020004" pitchFamily="2" charset="0"/>
@@ -4552,7 +4552,7 @@
             </a:p>
             <a:p>
               <a:r>
-                <a:rPr lang="en-US" sz="1200" dirty="0">
+                <a:rPr lang="en-US" sz="1551" dirty="0">
                   <a:latin typeface="HelveticaNeueLT Std Cn" panose="020B0506030502030204" pitchFamily="34" charset="77"/>
                   <a:ea typeface="Helvetica Neue" panose="02000503000000020004" pitchFamily="2" charset="0"/>
                   <a:cs typeface="Helvetica Neue" panose="02000503000000020004" pitchFamily="2" charset="0"/>
@@ -4561,7 +4561,7 @@
               </a:r>
             </a:p>
             <a:p>
-              <a:endParaRPr lang="en-US" sz="1200" dirty="0">
+              <a:endParaRPr lang="en-US" sz="1551" dirty="0">
                 <a:solidFill>
                   <a:srgbClr val="FF0000"/>
                 </a:solidFill>
@@ -4572,7 +4572,7 @@
             </a:p>
             <a:p>
               <a:r>
-                <a:rPr lang="en-US" sz="1200" dirty="0">
+                <a:rPr lang="en-US" sz="1551" dirty="0">
                   <a:latin typeface="HelveticaNeueLT Std Cn" panose="020B0506030502030204" pitchFamily="34" charset="77"/>
                   <a:ea typeface="Helvetica Neue" panose="02000503000000020004" pitchFamily="2" charset="0"/>
                   <a:cs typeface="Helvetica Neue" panose="02000503000000020004" pitchFamily="2" charset="0"/>
@@ -4582,7 +4582,7 @@
             </a:p>
             <a:p>
               <a:r>
-                <a:rPr lang="en-US" sz="1200" dirty="0">
+                <a:rPr lang="en-US" sz="1551" dirty="0">
                   <a:latin typeface="HelveticaNeueLT Std Cn" panose="020B0506030502030204" pitchFamily="34" charset="77"/>
                   <a:ea typeface="Helvetica Neue" panose="02000503000000020004" pitchFamily="2" charset="0"/>
                   <a:cs typeface="Helvetica Neue" panose="02000503000000020004" pitchFamily="2" charset="0"/>
@@ -4607,7 +4607,7 @@
           <p:spPr>
             <a:xfrm>
               <a:off x="7529187" y="209535"/>
-              <a:ext cx="2168988" cy="523220"/>
+              <a:ext cx="2168988" cy="502370"/>
             </a:xfrm>
             <a:prstGeom prst="rect">
               <a:avLst/>
@@ -4621,7 +4621,7 @@
             <a:lstStyle/>
             <a:p>
               <a:r>
-                <a:rPr lang="en-US" sz="1600" b="1" dirty="0">
+                <a:rPr lang="en-US" sz="2068" b="1" dirty="0">
                   <a:latin typeface="Helvetica Neue Condensed" panose="02000503000000020004" pitchFamily="2" charset="0"/>
                   <a:ea typeface="Helvetica Neue Condensed" panose="02000503000000020004" pitchFamily="2" charset="0"/>
                   <a:cs typeface="Helvetica Neue Condensed" panose="02000503000000020004" pitchFamily="2" charset="0"/>
@@ -4631,7 +4631,7 @@
             </a:p>
             <a:p>
               <a:r>
-                <a:rPr lang="en-US" sz="1200" dirty="0">
+                <a:rPr lang="en-US" sz="1551" dirty="0">
                   <a:latin typeface="HelveticaNeueLT Std Cn" panose="020B0506030502030204" pitchFamily="34" charset="77"/>
                   <a:ea typeface="HELVETICA NEUE CONDENSED" panose="02000503000000020004" pitchFamily="2" charset="0"/>
                   <a:cs typeface="HELVETICA NEUE CONDENSED" panose="02000503000000020004" pitchFamily="2" charset="0"/>
@@ -4656,8 +4656,8 @@
         </p:nvGrpSpPr>
         <p:grpSpPr>
           <a:xfrm>
-            <a:off x="207825" y="1027805"/>
-            <a:ext cx="2236723" cy="1427626"/>
+            <a:off x="268575" y="1697517"/>
+            <a:ext cx="2890534" cy="1844932"/>
             <a:chOff x="207825" y="1027805"/>
             <a:chExt cx="2236723" cy="1427626"/>
           </a:xfrm>
@@ -4707,7 +4707,7 @@
           <p:spPr>
             <a:xfrm>
               <a:off x="303594" y="1788921"/>
-              <a:ext cx="1997040" cy="643786"/>
+              <a:ext cx="1997040" cy="625469"/>
             </a:xfrm>
             <a:prstGeom prst="rect">
               <a:avLst/>
@@ -4721,7 +4721,7 @@
             <a:lstStyle/>
             <a:p>
               <a:r>
-                <a:rPr lang="en-US" sz="1200" dirty="0">
+                <a:rPr lang="en-US" sz="1551" dirty="0">
                   <a:latin typeface="HelveticaNeueLT Std Cn" panose="020B0506030502030204" pitchFamily="34" charset="77"/>
                 </a:rPr>
                 <a:t>Performances </a:t>
@@ -4729,7 +4729,7 @@
             </a:p>
             <a:p>
               <a:r>
-                <a:rPr lang="en-US" sz="1200" dirty="0">
+                <a:rPr lang="en-US" sz="1551" dirty="0">
                   <a:latin typeface="HelveticaNeueLT Std Cn" panose="020B0506030502030204" pitchFamily="34" charset="77"/>
                 </a:rPr>
                 <a:t>without expressive notations</a:t>
@@ -4737,7 +4737,7 @@
             </a:p>
             <a:p>
               <a:r>
-                <a:rPr lang="en-US" sz="1200" b="1" dirty="0">
+                <a:rPr lang="en-US" sz="1551" b="1" dirty="0">
                   <a:latin typeface="Helvetica Neue Condensed" panose="02000503000000020004" pitchFamily="2" charset="0"/>
                   <a:ea typeface="Helvetica Neue Condensed" panose="02000503000000020004" pitchFamily="2" charset="0"/>
                   <a:cs typeface="Helvetica Neue Condensed" panose="02000503000000020004" pitchFamily="2" charset="0"/>
@@ -4795,7 +4795,7 @@
             <a:lstStyle/>
             <a:p>
               <a:pPr algn="ctr"/>
-              <a:endParaRPr lang="en-US"/>
+              <a:endParaRPr lang="en-US" sz="3108"/>
             </a:p>
           </p:txBody>
         </p:sp>
@@ -4814,8 +4814,8 @@
         </p:nvGrpSpPr>
         <p:grpSpPr>
           <a:xfrm>
-            <a:off x="207825" y="2855750"/>
-            <a:ext cx="2236723" cy="1427626"/>
+            <a:off x="268575" y="4059785"/>
+            <a:ext cx="2890534" cy="1844932"/>
             <a:chOff x="207825" y="3747280"/>
             <a:chExt cx="2236723" cy="1427626"/>
           </a:xfrm>
@@ -4865,7 +4865,7 @@
           <p:spPr>
             <a:xfrm>
               <a:off x="301906" y="4528575"/>
-              <a:ext cx="1998728" cy="646331"/>
+              <a:ext cx="1998728" cy="625469"/>
             </a:xfrm>
             <a:prstGeom prst="rect">
               <a:avLst/>
@@ -4879,7 +4879,7 @@
             <a:lstStyle/>
             <a:p>
               <a:r>
-                <a:rPr lang="en-US" sz="1200" dirty="0">
+                <a:rPr lang="en-US" sz="1551" dirty="0">
                   <a:latin typeface="HelveticaNeueLT Std Cn" panose="020B0506030502030204" pitchFamily="34" charset="77"/>
                 </a:rPr>
                 <a:t>Performances </a:t>
@@ -4887,7 +4887,7 @@
             </a:p>
             <a:p>
               <a:r>
-                <a:rPr lang="en-US" sz="1200" dirty="0">
+                <a:rPr lang="en-US" sz="1551" dirty="0">
                   <a:latin typeface="HelveticaNeueLT Std Cn" panose="020B0506030502030204" pitchFamily="34" charset="77"/>
                 </a:rPr>
                 <a:t>with notated articulation</a:t>
@@ -4895,7 +4895,7 @@
             </a:p>
             <a:p>
               <a:r>
-                <a:rPr lang="en-US" sz="1200" b="1" dirty="0">
+                <a:rPr lang="en-US" sz="1551" b="1" dirty="0">
                   <a:latin typeface="Helvetica Neue Condensed" panose="02000503000000020004" pitchFamily="2" charset="0"/>
                   <a:ea typeface="Helvetica Neue Condensed" panose="02000503000000020004" pitchFamily="2" charset="0"/>
                   <a:cs typeface="Helvetica Neue Condensed" panose="02000503000000020004" pitchFamily="2" charset="0"/>
@@ -4953,7 +4953,7 @@
             <a:lstStyle/>
             <a:p>
               <a:pPr algn="ctr"/>
-              <a:endParaRPr lang="en-US"/>
+              <a:endParaRPr lang="en-US" sz="3108"/>
             </a:p>
           </p:txBody>
         </p:sp>
@@ -4972,8 +4972,8 @@
         </p:nvGrpSpPr>
         <p:grpSpPr>
           <a:xfrm>
-            <a:off x="207825" y="4683696"/>
-            <a:ext cx="2236723" cy="1427626"/>
+            <a:off x="268575" y="6422054"/>
+            <a:ext cx="2890534" cy="1844932"/>
             <a:chOff x="207825" y="4683696"/>
             <a:chExt cx="2236723" cy="1427626"/>
           </a:xfrm>
@@ -5023,7 +5023,7 @@
           <p:spPr>
             <a:xfrm>
               <a:off x="304696" y="5454438"/>
-              <a:ext cx="2002187" cy="646331"/>
+              <a:ext cx="2002187" cy="625469"/>
             </a:xfrm>
             <a:prstGeom prst="rect">
               <a:avLst/>
@@ -5037,7 +5037,7 @@
             <a:lstStyle/>
             <a:p>
               <a:r>
-                <a:rPr lang="en-US" sz="1200" dirty="0">
+                <a:rPr lang="en-US" sz="1551" dirty="0">
                   <a:latin typeface="HelveticaNeueLT Std Cn" panose="020B0506030502030204" pitchFamily="34" charset="77"/>
                 </a:rPr>
                 <a:t>Performances </a:t>
@@ -5045,7 +5045,7 @@
             </a:p>
             <a:p>
               <a:r>
-                <a:rPr lang="en-US" sz="1200" dirty="0">
+                <a:rPr lang="en-US" sz="1551" dirty="0">
                   <a:latin typeface="HelveticaNeueLT Std Cn" panose="020B0506030502030204" pitchFamily="34" charset="77"/>
                 </a:rPr>
                 <a:t>with notated dynamics</a:t>
@@ -5053,7 +5053,7 @@
             </a:p>
             <a:p>
               <a:r>
-                <a:rPr lang="en-US" sz="1200" b="1" dirty="0">
+                <a:rPr lang="en-US" sz="1551" b="1" dirty="0">
                   <a:latin typeface="Helvetica Neue Condensed" panose="02000503000000020004" pitchFamily="2" charset="0"/>
                   <a:ea typeface="Helvetica Neue Condensed" panose="02000503000000020004" pitchFamily="2" charset="0"/>
                   <a:cs typeface="Helvetica Neue Condensed" panose="02000503000000020004" pitchFamily="2" charset="0"/>
@@ -5111,7 +5111,7 @@
             <a:lstStyle/>
             <a:p>
               <a:pPr algn="ctr"/>
-              <a:endParaRPr lang="en-US"/>
+              <a:endParaRPr lang="en-US" sz="3108"/>
             </a:p>
           </p:txBody>
         </p:sp>
